--- a/tex/figures/Current/Figures.pptx
+++ b/tex/figures/Current/Figures.pptx
@@ -7139,6 +7139,2902 @@
           <a:chExt cx="0" cy="0"/>
         </a:xfrm>
       </p:grpSpPr>
+      <p:grpSp>
+        <p:nvGrpSpPr>
+          <p:cNvPr id="59" name="Group 58"/>
+          <p:cNvGrpSpPr/>
+          <p:nvPr/>
+        </p:nvGrpSpPr>
+        <p:grpSpPr>
+          <a:xfrm>
+            <a:off x="8530875" y="169477"/>
+            <a:ext cx="2672224" cy="1951222"/>
+            <a:chOff x="8530875" y="169477"/>
+            <a:chExt cx="2672224" cy="1951222"/>
+          </a:xfrm>
+        </p:grpSpPr>
+        <p:sp>
+          <p:nvSpPr>
+            <p:cNvPr id="2" name="Can 1"/>
+            <p:cNvSpPr/>
+            <p:nvPr/>
+          </p:nvSpPr>
+          <p:spPr>
+            <a:xfrm rot="5400000">
+              <a:off x="9252235" y="20051"/>
+              <a:ext cx="843280" cy="2286000"/>
+            </a:xfrm>
+            <a:prstGeom prst="can">
+              <a:avLst>
+                <a:gd name="adj" fmla="val 40385"/>
+              </a:avLst>
+            </a:prstGeom>
+            <a:solidFill>
+              <a:schemeClr val="accent1">
+                <a:lumMod val="20000"/>
+                <a:lumOff val="80000"/>
+              </a:schemeClr>
+            </a:solidFill>
+            <a:ln w="38100">
+              <a:solidFill>
+                <a:schemeClr val="tx1"/>
+              </a:solidFill>
+            </a:ln>
+          </p:spPr>
+          <p:txBody>
+            <a:bodyPr rot="0" spcFirstLastPara="0" vertOverflow="overflow" horzOverflow="overflow" vert="horz" wrap="square" lIns="91440" tIns="45720" rIns="91440" bIns="45720" numCol="1" spcCol="0" rtlCol="0" fromWordArt="0" anchor="ctr" anchorCtr="0" forceAA="0" compatLnSpc="1">
+              <a:prstTxWarp prst="textNoShape">
+                <a:avLst/>
+              </a:prstTxWarp>
+              <a:spAutoFit/>
+            </a:bodyPr>
+            <a:lstStyle/>
+            <a:p>
+              <a:pPr marL="234950" indent="-234950" algn="ctr" fontAlgn="t">
+                <a:buFont typeface="Arial" panose="020B0604020202020204" pitchFamily="34" charset="0"/>
+                <a:buChar char="•"/>
+              </a:pPr>
+              <a:endParaRPr lang="en-US">
+                <a:solidFill>
+                  <a:srgbClr val="353535"/>
+                </a:solidFill>
+                <a:latin typeface="arial" panose="020B0604020202020204" pitchFamily="34" charset="0"/>
+              </a:endParaRPr>
+            </a:p>
+          </p:txBody>
+        </p:sp>
+        <p:sp>
+          <p:nvSpPr>
+            <p:cNvPr id="3" name="Can 2"/>
+            <p:cNvSpPr/>
+            <p:nvPr/>
+          </p:nvSpPr>
+          <p:spPr>
+            <a:xfrm rot="5400000">
+              <a:off x="9242075" y="731251"/>
+              <a:ext cx="843280" cy="863600"/>
+            </a:xfrm>
+            <a:prstGeom prst="can">
+              <a:avLst>
+                <a:gd name="adj" fmla="val 40385"/>
+              </a:avLst>
+            </a:prstGeom>
+            <a:solidFill>
+              <a:schemeClr val="accent1">
+                <a:lumMod val="75000"/>
+              </a:schemeClr>
+            </a:solidFill>
+            <a:ln w="38100">
+              <a:solidFill>
+                <a:schemeClr val="tx1"/>
+              </a:solidFill>
+            </a:ln>
+          </p:spPr>
+          <p:txBody>
+            <a:bodyPr rot="0" spcFirstLastPara="0" vertOverflow="overflow" horzOverflow="overflow" vert="horz" wrap="square" lIns="91440" tIns="45720" rIns="91440" bIns="45720" numCol="1" spcCol="0" rtlCol="0" fromWordArt="0" anchor="ctr" anchorCtr="0" forceAA="0" compatLnSpc="1">
+              <a:prstTxWarp prst="textNoShape">
+                <a:avLst/>
+              </a:prstTxWarp>
+              <a:spAutoFit/>
+            </a:bodyPr>
+            <a:lstStyle/>
+            <a:p>
+              <a:pPr marL="234950" indent="-234950" algn="ctr" fontAlgn="t">
+                <a:buFont typeface="Arial" panose="020B0604020202020204" pitchFamily="34" charset="0"/>
+                <a:buChar char="•"/>
+              </a:pPr>
+              <a:endParaRPr lang="en-US">
+                <a:solidFill>
+                  <a:srgbClr val="353535"/>
+                </a:solidFill>
+                <a:latin typeface="arial" panose="020B0604020202020204" pitchFamily="34" charset="0"/>
+              </a:endParaRPr>
+            </a:p>
+          </p:txBody>
+        </p:sp>
+        <mc:AlternateContent xmlns:mc="http://schemas.openxmlformats.org/markup-compatibility/2006">
+          <mc:Choice xmlns:a14="http://schemas.microsoft.com/office/drawing/2010/main" Requires="a14">
+            <p:sp>
+              <p:nvSpPr>
+                <p:cNvPr id="4" name="Rectangle 3"/>
+                <p:cNvSpPr/>
+                <p:nvPr/>
+              </p:nvSpPr>
+              <p:spPr>
+                <a:xfrm>
+                  <a:off x="9546358" y="1751367"/>
+                  <a:ext cx="1098314" cy="369332"/>
+                </a:xfrm>
+                <a:prstGeom prst="rect">
+                  <a:avLst/>
+                </a:prstGeom>
+              </p:spPr>
+              <p:txBody>
+                <a:bodyPr wrap="none">
+                  <a:spAutoFit/>
+                </a:bodyPr>
+                <a:lstStyle/>
+                <a:p>
+                  <a:pPr/>
+                  <a14:m>
+                    <m:oMathPara xmlns:m="http://schemas.openxmlformats.org/officeDocument/2006/math">
+                      <m:oMathParaPr>
+                        <m:jc m:val="centerGroup"/>
+                      </m:oMathParaPr>
+                      <m:oMath xmlns:m="http://schemas.openxmlformats.org/officeDocument/2006/math">
+                        <m:r>
+                          <a:rPr lang="en-US" i="1">
+                            <a:latin typeface="Cambria Math" panose="02040503050406030204" pitchFamily="18" charset="0"/>
+                          </a:rPr>
+                          <m:t>𝑙</m:t>
+                        </m:r>
+                        <m:r>
+                          <a:rPr lang="en-US" i="1">
+                            <a:latin typeface="Cambria Math" panose="02040503050406030204" pitchFamily="18" charset="0"/>
+                          </a:rPr>
+                          <m:t>=</m:t>
+                        </m:r>
+                        <m:sSub>
+                          <m:sSubPr>
+                            <m:ctrlPr>
+                              <a:rPr lang="en-US" i="1">
+                                <a:latin typeface="Cambria Math" panose="02040503050406030204" pitchFamily="18" charset="0"/>
+                              </a:rPr>
+                            </m:ctrlPr>
+                          </m:sSubPr>
+                          <m:e>
+                            <m:r>
+                              <a:rPr lang="en-US" i="1">
+                                <a:latin typeface="Cambria Math" panose="02040503050406030204" pitchFamily="18" charset="0"/>
+                              </a:rPr>
+                              <m:t>𝑣</m:t>
+                            </m:r>
+                          </m:e>
+                          <m:sub>
+                            <m:r>
+                              <a:rPr lang="en-US" i="1">
+                                <a:latin typeface="Cambria Math" panose="02040503050406030204" pitchFamily="18" charset="0"/>
+                              </a:rPr>
+                              <m:t>𝑑</m:t>
+                            </m:r>
+                          </m:sub>
+                        </m:sSub>
+                        <m:r>
+                          <m:rPr>
+                            <m:sty m:val="p"/>
+                          </m:rPr>
+                          <a:rPr lang="en-US">
+                            <a:latin typeface="Cambria Math" panose="02040503050406030204" pitchFamily="18" charset="0"/>
+                          </a:rPr>
+                          <m:t>Δ</m:t>
+                        </m:r>
+                        <m:r>
+                          <a:rPr lang="en-US" i="1">
+                            <a:latin typeface="Cambria Math" panose="02040503050406030204" pitchFamily="18" charset="0"/>
+                          </a:rPr>
+                          <m:t>𝑡</m:t>
+                        </m:r>
+                      </m:oMath>
+                    </m:oMathPara>
+                  </a14:m>
+                  <a:endParaRPr lang="en-US" dirty="0"/>
+                </a:p>
+              </p:txBody>
+            </p:sp>
+          </mc:Choice>
+          <mc:Fallback>
+            <p:sp>
+              <p:nvSpPr>
+                <p:cNvPr id="4" name="Rectangle 3"/>
+                <p:cNvSpPr>
+                  <a:spLocks noRot="1" noChangeAspect="1" noMove="1" noResize="1" noEditPoints="1" noAdjustHandles="1" noChangeArrowheads="1" noChangeShapeType="1" noTextEdit="1"/>
+                </p:cNvSpPr>
+                <p:nvPr/>
+              </p:nvSpPr>
+              <p:spPr>
+                <a:xfrm>
+                  <a:off x="9546358" y="1751367"/>
+                  <a:ext cx="1098314" cy="369332"/>
+                </a:xfrm>
+                <a:prstGeom prst="rect">
+                  <a:avLst/>
+                </a:prstGeom>
+                <a:blipFill>
+                  <a:blip r:embed="rId2"/>
+                  <a:stretch>
+                    <a:fillRect/>
+                  </a:stretch>
+                </a:blipFill>
+              </p:spPr>
+              <p:txBody>
+                <a:bodyPr/>
+                <a:lstStyle/>
+                <a:p>
+                  <a:r>
+                    <a:rPr lang="en-US">
+                      <a:noFill/>
+                    </a:rPr>
+                    <a:t> </a:t>
+                  </a:r>
+                </a:p>
+              </p:txBody>
+            </p:sp>
+          </mc:Fallback>
+        </mc:AlternateContent>
+        <p:cxnSp>
+          <p:nvCxnSpPr>
+            <p:cNvPr id="5" name="Straight Arrow Connector 4"/>
+            <p:cNvCxnSpPr/>
+            <p:nvPr/>
+          </p:nvCxnSpPr>
+          <p:spPr>
+            <a:xfrm flipV="1">
+              <a:off x="9394475" y="1662949"/>
+              <a:ext cx="538480" cy="10160"/>
+            </a:xfrm>
+            <a:prstGeom prst="straightConnector1">
+              <a:avLst/>
+            </a:prstGeom>
+            <a:ln w="28575">
+              <a:solidFill>
+                <a:schemeClr val="tx1"/>
+              </a:solidFill>
+              <a:headEnd type="triangle"/>
+              <a:tailEnd type="triangle"/>
+            </a:ln>
+          </p:spPr>
+          <p:style>
+            <a:lnRef idx="1">
+              <a:schemeClr val="accent1"/>
+            </a:lnRef>
+            <a:fillRef idx="0">
+              <a:schemeClr val="accent1"/>
+            </a:fillRef>
+            <a:effectRef idx="0">
+              <a:schemeClr val="accent1"/>
+            </a:effectRef>
+            <a:fontRef idx="minor">
+              <a:schemeClr val="tx1"/>
+            </a:fontRef>
+          </p:style>
+        </p:cxnSp>
+        <mc:AlternateContent xmlns:mc="http://schemas.openxmlformats.org/markup-compatibility/2006">
+          <mc:Choice xmlns:a14="http://schemas.microsoft.com/office/drawing/2010/main" Requires="a14">
+            <p:sp>
+              <p:nvSpPr>
+                <p:cNvPr id="6" name="Rectangle 5"/>
+                <p:cNvSpPr/>
+                <p:nvPr/>
+              </p:nvSpPr>
+              <p:spPr>
+                <a:xfrm>
+                  <a:off x="10817417" y="878460"/>
+                  <a:ext cx="385682" cy="369332"/>
+                </a:xfrm>
+                <a:prstGeom prst="rect">
+                  <a:avLst/>
+                </a:prstGeom>
+              </p:spPr>
+              <p:txBody>
+                <a:bodyPr wrap="none">
+                  <a:spAutoFit/>
+                </a:bodyPr>
+                <a:lstStyle/>
+                <a:p>
+                  <a:pPr/>
+                  <a14:m>
+                    <m:oMathPara xmlns:m="http://schemas.openxmlformats.org/officeDocument/2006/math">
+                      <m:oMathParaPr>
+                        <m:jc m:val="centerGroup"/>
+                      </m:oMathParaPr>
+                      <m:oMath xmlns:m="http://schemas.openxmlformats.org/officeDocument/2006/math">
+                        <m:r>
+                          <a:rPr lang="en-US" i="1">
+                            <a:latin typeface="Cambria Math" panose="02040503050406030204" pitchFamily="18" charset="0"/>
+                          </a:rPr>
+                          <m:t>𝐴</m:t>
+                        </m:r>
+                      </m:oMath>
+                    </m:oMathPara>
+                  </a14:m>
+                  <a:endParaRPr lang="en-US" dirty="0"/>
+                </a:p>
+              </p:txBody>
+            </p:sp>
+          </mc:Choice>
+          <mc:Fallback>
+            <p:sp>
+              <p:nvSpPr>
+                <p:cNvPr id="6" name="Rectangle 5"/>
+                <p:cNvSpPr>
+                  <a:spLocks noRot="1" noChangeAspect="1" noMove="1" noResize="1" noEditPoints="1" noAdjustHandles="1" noChangeArrowheads="1" noChangeShapeType="1" noTextEdit="1"/>
+                </p:cNvSpPr>
+                <p:nvPr/>
+              </p:nvSpPr>
+              <p:spPr>
+                <a:xfrm>
+                  <a:off x="10817417" y="878460"/>
+                  <a:ext cx="385682" cy="369332"/>
+                </a:xfrm>
+                <a:prstGeom prst="rect">
+                  <a:avLst/>
+                </a:prstGeom>
+                <a:blipFill>
+                  <a:blip r:embed="rId3"/>
+                  <a:stretch>
+                    <a:fillRect/>
+                  </a:stretch>
+                </a:blipFill>
+              </p:spPr>
+              <p:txBody>
+                <a:bodyPr/>
+                <a:lstStyle/>
+                <a:p>
+                  <a:r>
+                    <a:rPr lang="en-US">
+                      <a:noFill/>
+                    </a:rPr>
+                    <a:t> </a:t>
+                  </a:r>
+                </a:p>
+              </p:txBody>
+            </p:sp>
+          </mc:Fallback>
+        </mc:AlternateContent>
+        <mc:AlternateContent xmlns:mc="http://schemas.openxmlformats.org/markup-compatibility/2006">
+          <mc:Choice xmlns:a14="http://schemas.microsoft.com/office/drawing/2010/main" Requires="a14">
+            <p:sp>
+              <p:nvSpPr>
+                <p:cNvPr id="7" name="Rectangle 6"/>
+                <p:cNvSpPr/>
+                <p:nvPr/>
+              </p:nvSpPr>
+              <p:spPr>
+                <a:xfrm>
+                  <a:off x="9389363" y="169477"/>
+                  <a:ext cx="482632" cy="369332"/>
+                </a:xfrm>
+                <a:prstGeom prst="rect">
+                  <a:avLst/>
+                </a:prstGeom>
+              </p:spPr>
+              <p:txBody>
+                <a:bodyPr wrap="none">
+                  <a:spAutoFit/>
+                </a:bodyPr>
+                <a:lstStyle/>
+                <a:p>
+                  <a:pPr/>
+                  <a14:m>
+                    <m:oMathPara xmlns:m="http://schemas.openxmlformats.org/officeDocument/2006/math">
+                      <m:oMathParaPr>
+                        <m:jc m:val="centerGroup"/>
+                      </m:oMathParaPr>
+                      <m:oMath xmlns:m="http://schemas.openxmlformats.org/officeDocument/2006/math">
+                        <m:sSub>
+                          <m:sSubPr>
+                            <m:ctrlPr>
+                              <a:rPr lang="en-US" i="1" smtClean="0">
+                                <a:solidFill>
+                                  <a:srgbClr val="FF0000"/>
+                                </a:solidFill>
+                                <a:latin typeface="Cambria Math" panose="02040503050406030204" pitchFamily="18" charset="0"/>
+                              </a:rPr>
+                            </m:ctrlPr>
+                          </m:sSubPr>
+                          <m:e>
+                            <m:acc>
+                              <m:accPr>
+                                <m:chr m:val="⃗"/>
+                                <m:ctrlPr>
+                                  <a:rPr lang="en-US" b="0" i="1" smtClean="0">
+                                    <a:solidFill>
+                                      <a:srgbClr val="FF0000"/>
+                                    </a:solidFill>
+                                    <a:latin typeface="Cambria Math" panose="02040503050406030204" pitchFamily="18" charset="0"/>
+                                  </a:rPr>
+                                </m:ctrlPr>
+                              </m:accPr>
+                              <m:e>
+                                <m:r>
+                                  <a:rPr lang="en-US" i="1">
+                                    <a:solidFill>
+                                      <a:srgbClr val="FF0000"/>
+                                    </a:solidFill>
+                                    <a:latin typeface="Cambria Math" panose="02040503050406030204" pitchFamily="18" charset="0"/>
+                                  </a:rPr>
+                                  <m:t>𝑣</m:t>
+                                </m:r>
+                              </m:e>
+                            </m:acc>
+                          </m:e>
+                          <m:sub>
+                            <m:r>
+                              <a:rPr lang="en-US" i="1">
+                                <a:solidFill>
+                                  <a:srgbClr val="FF0000"/>
+                                </a:solidFill>
+                                <a:latin typeface="Cambria Math" panose="02040503050406030204" pitchFamily="18" charset="0"/>
+                              </a:rPr>
+                              <m:t>𝑑</m:t>
+                            </m:r>
+                          </m:sub>
+                        </m:sSub>
+                      </m:oMath>
+                    </m:oMathPara>
+                  </a14:m>
+                  <a:endParaRPr lang="en-US" dirty="0">
+                    <a:solidFill>
+                      <a:srgbClr val="FF0000"/>
+                    </a:solidFill>
+                  </a:endParaRPr>
+                </a:p>
+              </p:txBody>
+            </p:sp>
+          </mc:Choice>
+          <mc:Fallback>
+            <p:sp>
+              <p:nvSpPr>
+                <p:cNvPr id="7" name="Rectangle 6"/>
+                <p:cNvSpPr>
+                  <a:spLocks noRot="1" noChangeAspect="1" noMove="1" noResize="1" noEditPoints="1" noAdjustHandles="1" noChangeArrowheads="1" noChangeShapeType="1" noTextEdit="1"/>
+                </p:cNvSpPr>
+                <p:nvPr/>
+              </p:nvSpPr>
+              <p:spPr>
+                <a:xfrm>
+                  <a:off x="9389363" y="169477"/>
+                  <a:ext cx="482632" cy="369332"/>
+                </a:xfrm>
+                <a:prstGeom prst="rect">
+                  <a:avLst/>
+                </a:prstGeom>
+                <a:blipFill>
+                  <a:blip r:embed="rId4"/>
+                  <a:stretch>
+                    <a:fillRect t="-23333" r="-22785"/>
+                  </a:stretch>
+                </a:blipFill>
+              </p:spPr>
+              <p:txBody>
+                <a:bodyPr/>
+                <a:lstStyle/>
+                <a:p>
+                  <a:r>
+                    <a:rPr lang="en-US">
+                      <a:noFill/>
+                    </a:rPr>
+                    <a:t> </a:t>
+                  </a:r>
+                </a:p>
+              </p:txBody>
+            </p:sp>
+          </mc:Fallback>
+        </mc:AlternateContent>
+        <p:cxnSp>
+          <p:nvCxnSpPr>
+            <p:cNvPr id="8" name="Straight Arrow Connector 7"/>
+            <p:cNvCxnSpPr/>
+            <p:nvPr/>
+          </p:nvCxnSpPr>
+          <p:spPr>
+            <a:xfrm>
+              <a:off x="9501155" y="543535"/>
+              <a:ext cx="431800" cy="0"/>
+            </a:xfrm>
+            <a:prstGeom prst="straightConnector1">
+              <a:avLst/>
+            </a:prstGeom>
+            <a:ln w="44450">
+              <a:solidFill>
+                <a:srgbClr val="FF0000"/>
+              </a:solidFill>
+              <a:tailEnd type="triangle"/>
+            </a:ln>
+          </p:spPr>
+          <p:style>
+            <a:lnRef idx="1">
+              <a:schemeClr val="accent1"/>
+            </a:lnRef>
+            <a:fillRef idx="0">
+              <a:schemeClr val="accent1"/>
+            </a:fillRef>
+            <a:effectRef idx="0">
+              <a:schemeClr val="accent1"/>
+            </a:effectRef>
+            <a:fontRef idx="minor">
+              <a:schemeClr val="tx1"/>
+            </a:fontRef>
+          </p:style>
+        </p:cxnSp>
+        <p:grpSp>
+          <p:nvGrpSpPr>
+            <p:cNvPr id="9" name="Group 8"/>
+            <p:cNvGrpSpPr/>
+            <p:nvPr/>
+          </p:nvGrpSpPr>
+          <p:grpSpPr>
+            <a:xfrm>
+              <a:off x="8623176" y="901719"/>
+              <a:ext cx="2187757" cy="605750"/>
+              <a:chOff x="6795398" y="1143209"/>
+              <a:chExt cx="2187757" cy="605750"/>
+            </a:xfrm>
+          </p:grpSpPr>
+          <p:sp>
+            <p:nvSpPr>
+              <p:cNvPr id="10" name="Oval 9"/>
+              <p:cNvSpPr/>
+              <p:nvPr/>
+            </p:nvSpPr>
+            <p:spPr>
+              <a:xfrm>
+                <a:off x="7912359" y="1201012"/>
+                <a:ext cx="45719" cy="45719"/>
+              </a:xfrm>
+              <a:prstGeom prst="ellipse">
+                <a:avLst/>
+              </a:prstGeom>
+              <a:solidFill>
+                <a:schemeClr val="tx1"/>
+              </a:solidFill>
+              <a:ln w="38100">
+                <a:solidFill>
+                  <a:schemeClr val="tx1"/>
+                </a:solidFill>
+              </a:ln>
+            </p:spPr>
+            <p:style>
+              <a:lnRef idx="2">
+                <a:schemeClr val="accent1">
+                  <a:shade val="50000"/>
+                </a:schemeClr>
+              </a:lnRef>
+              <a:fillRef idx="1">
+                <a:schemeClr val="accent1"/>
+              </a:fillRef>
+              <a:effectRef idx="0">
+                <a:schemeClr val="accent1"/>
+              </a:effectRef>
+              <a:fontRef idx="minor">
+                <a:schemeClr val="lt1"/>
+              </a:fontRef>
+            </p:style>
+            <p:txBody>
+              <a:bodyPr rtlCol="0" anchor="ctr"/>
+              <a:lstStyle/>
+              <a:p>
+                <a:pPr algn="ctr"/>
+                <a:endParaRPr lang="en-US"/>
+              </a:p>
+            </p:txBody>
+          </p:sp>
+          <p:sp>
+            <p:nvSpPr>
+              <p:cNvPr id="11" name="Oval 10"/>
+              <p:cNvSpPr/>
+              <p:nvPr/>
+            </p:nvSpPr>
+            <p:spPr>
+              <a:xfrm>
+                <a:off x="8064759" y="1353412"/>
+                <a:ext cx="45719" cy="45719"/>
+              </a:xfrm>
+              <a:prstGeom prst="ellipse">
+                <a:avLst/>
+              </a:prstGeom>
+              <a:solidFill>
+                <a:schemeClr val="tx1"/>
+              </a:solidFill>
+              <a:ln w="38100">
+                <a:solidFill>
+                  <a:schemeClr val="tx1"/>
+                </a:solidFill>
+              </a:ln>
+            </p:spPr>
+            <p:style>
+              <a:lnRef idx="2">
+                <a:schemeClr val="accent1">
+                  <a:shade val="50000"/>
+                </a:schemeClr>
+              </a:lnRef>
+              <a:fillRef idx="1">
+                <a:schemeClr val="accent1"/>
+              </a:fillRef>
+              <a:effectRef idx="0">
+                <a:schemeClr val="accent1"/>
+              </a:effectRef>
+              <a:fontRef idx="minor">
+                <a:schemeClr val="lt1"/>
+              </a:fontRef>
+            </p:style>
+            <p:txBody>
+              <a:bodyPr rtlCol="0" anchor="ctr"/>
+              <a:lstStyle/>
+              <a:p>
+                <a:pPr algn="ctr"/>
+                <a:endParaRPr lang="en-US"/>
+              </a:p>
+            </p:txBody>
+          </p:sp>
+          <p:sp>
+            <p:nvSpPr>
+              <p:cNvPr id="12" name="Oval 11"/>
+              <p:cNvSpPr/>
+              <p:nvPr/>
+            </p:nvSpPr>
+            <p:spPr>
+              <a:xfrm>
+                <a:off x="7866640" y="1376271"/>
+                <a:ext cx="45719" cy="45719"/>
+              </a:xfrm>
+              <a:prstGeom prst="ellipse">
+                <a:avLst/>
+              </a:prstGeom>
+              <a:solidFill>
+                <a:schemeClr val="tx1"/>
+              </a:solidFill>
+              <a:ln w="38100">
+                <a:solidFill>
+                  <a:schemeClr val="tx1"/>
+                </a:solidFill>
+              </a:ln>
+            </p:spPr>
+            <p:style>
+              <a:lnRef idx="2">
+                <a:schemeClr val="accent1">
+                  <a:shade val="50000"/>
+                </a:schemeClr>
+              </a:lnRef>
+              <a:fillRef idx="1">
+                <a:schemeClr val="accent1"/>
+              </a:fillRef>
+              <a:effectRef idx="0">
+                <a:schemeClr val="accent1"/>
+              </a:effectRef>
+              <a:fontRef idx="minor">
+                <a:schemeClr val="lt1"/>
+              </a:fontRef>
+            </p:style>
+            <p:txBody>
+              <a:bodyPr rtlCol="0" anchor="ctr"/>
+              <a:lstStyle/>
+              <a:p>
+                <a:pPr algn="ctr"/>
+                <a:endParaRPr lang="en-US"/>
+              </a:p>
+            </p:txBody>
+          </p:sp>
+          <p:sp>
+            <p:nvSpPr>
+              <p:cNvPr id="13" name="Oval 12"/>
+              <p:cNvSpPr/>
+              <p:nvPr/>
+            </p:nvSpPr>
+            <p:spPr>
+              <a:xfrm>
+                <a:off x="8019040" y="1519554"/>
+                <a:ext cx="45719" cy="45719"/>
+              </a:xfrm>
+              <a:prstGeom prst="ellipse">
+                <a:avLst/>
+              </a:prstGeom>
+              <a:solidFill>
+                <a:schemeClr val="tx1"/>
+              </a:solidFill>
+              <a:ln w="38100">
+                <a:solidFill>
+                  <a:schemeClr val="tx1"/>
+                </a:solidFill>
+              </a:ln>
+            </p:spPr>
+            <p:style>
+              <a:lnRef idx="2">
+                <a:schemeClr val="accent1">
+                  <a:shade val="50000"/>
+                </a:schemeClr>
+              </a:lnRef>
+              <a:fillRef idx="1">
+                <a:schemeClr val="accent1"/>
+              </a:fillRef>
+              <a:effectRef idx="0">
+                <a:schemeClr val="accent1"/>
+              </a:effectRef>
+              <a:fontRef idx="minor">
+                <a:schemeClr val="lt1"/>
+              </a:fontRef>
+            </p:style>
+            <p:txBody>
+              <a:bodyPr rtlCol="0" anchor="ctr"/>
+              <a:lstStyle/>
+              <a:p>
+                <a:pPr algn="ctr"/>
+                <a:endParaRPr lang="en-US"/>
+              </a:p>
+            </p:txBody>
+          </p:sp>
+          <p:sp>
+            <p:nvSpPr>
+              <p:cNvPr id="14" name="Oval 13"/>
+              <p:cNvSpPr/>
+              <p:nvPr/>
+            </p:nvSpPr>
+            <p:spPr>
+              <a:xfrm>
+                <a:off x="8087618" y="1223871"/>
+                <a:ext cx="45719" cy="45719"/>
+              </a:xfrm>
+              <a:prstGeom prst="ellipse">
+                <a:avLst/>
+              </a:prstGeom>
+              <a:solidFill>
+                <a:schemeClr val="tx1"/>
+              </a:solidFill>
+              <a:ln w="38100">
+                <a:solidFill>
+                  <a:schemeClr val="tx1"/>
+                </a:solidFill>
+              </a:ln>
+            </p:spPr>
+            <p:style>
+              <a:lnRef idx="2">
+                <a:schemeClr val="accent1">
+                  <a:shade val="50000"/>
+                </a:schemeClr>
+              </a:lnRef>
+              <a:fillRef idx="1">
+                <a:schemeClr val="accent1"/>
+              </a:fillRef>
+              <a:effectRef idx="0">
+                <a:schemeClr val="accent1"/>
+              </a:effectRef>
+              <a:fontRef idx="minor">
+                <a:schemeClr val="lt1"/>
+              </a:fontRef>
+            </p:style>
+            <p:txBody>
+              <a:bodyPr rtlCol="0" anchor="ctr"/>
+              <a:lstStyle/>
+              <a:p>
+                <a:pPr algn="ctr"/>
+                <a:endParaRPr lang="en-US"/>
+              </a:p>
+            </p:txBody>
+          </p:sp>
+          <p:sp>
+            <p:nvSpPr>
+              <p:cNvPr id="15" name="Oval 14"/>
+              <p:cNvSpPr/>
+              <p:nvPr/>
+            </p:nvSpPr>
+            <p:spPr>
+              <a:xfrm>
+                <a:off x="8210230" y="1270286"/>
+                <a:ext cx="45719" cy="45719"/>
+              </a:xfrm>
+              <a:prstGeom prst="ellipse">
+                <a:avLst/>
+              </a:prstGeom>
+              <a:solidFill>
+                <a:schemeClr val="tx1"/>
+              </a:solidFill>
+              <a:ln w="38100">
+                <a:solidFill>
+                  <a:schemeClr val="tx1"/>
+                </a:solidFill>
+              </a:ln>
+            </p:spPr>
+            <p:style>
+              <a:lnRef idx="2">
+                <a:schemeClr val="accent1">
+                  <a:shade val="50000"/>
+                </a:schemeClr>
+              </a:lnRef>
+              <a:fillRef idx="1">
+                <a:schemeClr val="accent1"/>
+              </a:fillRef>
+              <a:effectRef idx="0">
+                <a:schemeClr val="accent1"/>
+              </a:effectRef>
+              <a:fontRef idx="minor">
+                <a:schemeClr val="lt1"/>
+              </a:fontRef>
+            </p:style>
+            <p:txBody>
+              <a:bodyPr rtlCol="0" anchor="ctr"/>
+              <a:lstStyle/>
+              <a:p>
+                <a:pPr algn="ctr"/>
+                <a:endParaRPr lang="en-US"/>
+              </a:p>
+            </p:txBody>
+          </p:sp>
+          <p:sp>
+            <p:nvSpPr>
+              <p:cNvPr id="16" name="Oval 15"/>
+              <p:cNvSpPr/>
+              <p:nvPr/>
+            </p:nvSpPr>
+            <p:spPr>
+              <a:xfrm>
+                <a:off x="8362630" y="1422686"/>
+                <a:ext cx="45719" cy="45719"/>
+              </a:xfrm>
+              <a:prstGeom prst="ellipse">
+                <a:avLst/>
+              </a:prstGeom>
+              <a:solidFill>
+                <a:schemeClr val="tx1"/>
+              </a:solidFill>
+              <a:ln w="38100">
+                <a:solidFill>
+                  <a:schemeClr val="tx1"/>
+                </a:solidFill>
+              </a:ln>
+            </p:spPr>
+            <p:style>
+              <a:lnRef idx="2">
+                <a:schemeClr val="accent1">
+                  <a:shade val="50000"/>
+                </a:schemeClr>
+              </a:lnRef>
+              <a:fillRef idx="1">
+                <a:schemeClr val="accent1"/>
+              </a:fillRef>
+              <a:effectRef idx="0">
+                <a:schemeClr val="accent1"/>
+              </a:effectRef>
+              <a:fontRef idx="minor">
+                <a:schemeClr val="lt1"/>
+              </a:fontRef>
+            </p:style>
+            <p:txBody>
+              <a:bodyPr rtlCol="0" anchor="ctr"/>
+              <a:lstStyle/>
+              <a:p>
+                <a:pPr algn="ctr"/>
+                <a:endParaRPr lang="en-US"/>
+              </a:p>
+            </p:txBody>
+          </p:sp>
+          <p:sp>
+            <p:nvSpPr>
+              <p:cNvPr id="17" name="Oval 16"/>
+              <p:cNvSpPr/>
+              <p:nvPr/>
+            </p:nvSpPr>
+            <p:spPr>
+              <a:xfrm>
+                <a:off x="8164511" y="1445545"/>
+                <a:ext cx="45719" cy="45719"/>
+              </a:xfrm>
+              <a:prstGeom prst="ellipse">
+                <a:avLst/>
+              </a:prstGeom>
+              <a:solidFill>
+                <a:schemeClr val="tx1"/>
+              </a:solidFill>
+              <a:ln w="38100">
+                <a:solidFill>
+                  <a:schemeClr val="tx1"/>
+                </a:solidFill>
+              </a:ln>
+            </p:spPr>
+            <p:style>
+              <a:lnRef idx="2">
+                <a:schemeClr val="accent1">
+                  <a:shade val="50000"/>
+                </a:schemeClr>
+              </a:lnRef>
+              <a:fillRef idx="1">
+                <a:schemeClr val="accent1"/>
+              </a:fillRef>
+              <a:effectRef idx="0">
+                <a:schemeClr val="accent1"/>
+              </a:effectRef>
+              <a:fontRef idx="minor">
+                <a:schemeClr val="lt1"/>
+              </a:fontRef>
+            </p:style>
+            <p:txBody>
+              <a:bodyPr rtlCol="0" anchor="ctr"/>
+              <a:lstStyle/>
+              <a:p>
+                <a:pPr algn="ctr"/>
+                <a:endParaRPr lang="en-US"/>
+              </a:p>
+            </p:txBody>
+          </p:sp>
+          <p:sp>
+            <p:nvSpPr>
+              <p:cNvPr id="18" name="Oval 17"/>
+              <p:cNvSpPr/>
+              <p:nvPr/>
+            </p:nvSpPr>
+            <p:spPr>
+              <a:xfrm>
+                <a:off x="8316911" y="1588828"/>
+                <a:ext cx="45719" cy="45719"/>
+              </a:xfrm>
+              <a:prstGeom prst="ellipse">
+                <a:avLst/>
+              </a:prstGeom>
+              <a:solidFill>
+                <a:schemeClr val="tx1"/>
+              </a:solidFill>
+              <a:ln w="38100">
+                <a:solidFill>
+                  <a:schemeClr val="tx1"/>
+                </a:solidFill>
+              </a:ln>
+            </p:spPr>
+            <p:style>
+              <a:lnRef idx="2">
+                <a:schemeClr val="accent1">
+                  <a:shade val="50000"/>
+                </a:schemeClr>
+              </a:lnRef>
+              <a:fillRef idx="1">
+                <a:schemeClr val="accent1"/>
+              </a:fillRef>
+              <a:effectRef idx="0">
+                <a:schemeClr val="accent1"/>
+              </a:effectRef>
+              <a:fontRef idx="minor">
+                <a:schemeClr val="lt1"/>
+              </a:fontRef>
+            </p:style>
+            <p:txBody>
+              <a:bodyPr rtlCol="0" anchor="ctr"/>
+              <a:lstStyle/>
+              <a:p>
+                <a:pPr algn="ctr"/>
+                <a:endParaRPr lang="en-US"/>
+              </a:p>
+            </p:txBody>
+          </p:sp>
+          <p:sp>
+            <p:nvSpPr>
+              <p:cNvPr id="19" name="Oval 18"/>
+              <p:cNvSpPr/>
+              <p:nvPr/>
+            </p:nvSpPr>
+            <p:spPr>
+              <a:xfrm>
+                <a:off x="8385489" y="1293145"/>
+                <a:ext cx="45719" cy="45719"/>
+              </a:xfrm>
+              <a:prstGeom prst="ellipse">
+                <a:avLst/>
+              </a:prstGeom>
+              <a:solidFill>
+                <a:schemeClr val="tx1"/>
+              </a:solidFill>
+              <a:ln w="38100">
+                <a:solidFill>
+                  <a:schemeClr val="tx1"/>
+                </a:solidFill>
+              </a:ln>
+            </p:spPr>
+            <p:style>
+              <a:lnRef idx="2">
+                <a:schemeClr val="accent1">
+                  <a:shade val="50000"/>
+                </a:schemeClr>
+              </a:lnRef>
+              <a:fillRef idx="1">
+                <a:schemeClr val="accent1"/>
+              </a:fillRef>
+              <a:effectRef idx="0">
+                <a:schemeClr val="accent1"/>
+              </a:effectRef>
+              <a:fontRef idx="minor">
+                <a:schemeClr val="lt1"/>
+              </a:fontRef>
+            </p:style>
+            <p:txBody>
+              <a:bodyPr rtlCol="0" anchor="ctr"/>
+              <a:lstStyle/>
+              <a:p>
+                <a:pPr algn="ctr"/>
+                <a:endParaRPr lang="en-US"/>
+              </a:p>
+            </p:txBody>
+          </p:sp>
+          <p:sp>
+            <p:nvSpPr>
+              <p:cNvPr id="20" name="Oval 19"/>
+              <p:cNvSpPr/>
+              <p:nvPr/>
+            </p:nvSpPr>
+            <p:spPr>
+              <a:xfrm>
+                <a:off x="7256004" y="1155293"/>
+                <a:ext cx="45719" cy="45719"/>
+              </a:xfrm>
+              <a:prstGeom prst="ellipse">
+                <a:avLst/>
+              </a:prstGeom>
+              <a:solidFill>
+                <a:schemeClr val="tx1"/>
+              </a:solidFill>
+              <a:ln w="38100">
+                <a:solidFill>
+                  <a:schemeClr val="tx1"/>
+                </a:solidFill>
+              </a:ln>
+            </p:spPr>
+            <p:style>
+              <a:lnRef idx="2">
+                <a:schemeClr val="accent1">
+                  <a:shade val="50000"/>
+                </a:schemeClr>
+              </a:lnRef>
+              <a:fillRef idx="1">
+                <a:schemeClr val="accent1"/>
+              </a:fillRef>
+              <a:effectRef idx="0">
+                <a:schemeClr val="accent1"/>
+              </a:effectRef>
+              <a:fontRef idx="minor">
+                <a:schemeClr val="lt1"/>
+              </a:fontRef>
+            </p:style>
+            <p:txBody>
+              <a:bodyPr rtlCol="0" anchor="ctr"/>
+              <a:lstStyle/>
+              <a:p>
+                <a:pPr algn="ctr"/>
+                <a:endParaRPr lang="en-US"/>
+              </a:p>
+            </p:txBody>
+          </p:sp>
+          <p:sp>
+            <p:nvSpPr>
+              <p:cNvPr id="21" name="Oval 20"/>
+              <p:cNvSpPr/>
+              <p:nvPr/>
+            </p:nvSpPr>
+            <p:spPr>
+              <a:xfrm>
+                <a:off x="7408404" y="1307693"/>
+                <a:ext cx="45719" cy="45719"/>
+              </a:xfrm>
+              <a:prstGeom prst="ellipse">
+                <a:avLst/>
+              </a:prstGeom>
+              <a:solidFill>
+                <a:schemeClr val="tx1"/>
+              </a:solidFill>
+              <a:ln w="38100">
+                <a:solidFill>
+                  <a:schemeClr val="tx1"/>
+                </a:solidFill>
+              </a:ln>
+            </p:spPr>
+            <p:style>
+              <a:lnRef idx="2">
+                <a:schemeClr val="accent1">
+                  <a:shade val="50000"/>
+                </a:schemeClr>
+              </a:lnRef>
+              <a:fillRef idx="1">
+                <a:schemeClr val="accent1"/>
+              </a:fillRef>
+              <a:effectRef idx="0">
+                <a:schemeClr val="accent1"/>
+              </a:effectRef>
+              <a:fontRef idx="minor">
+                <a:schemeClr val="lt1"/>
+              </a:fontRef>
+            </p:style>
+            <p:txBody>
+              <a:bodyPr rtlCol="0" anchor="ctr"/>
+              <a:lstStyle/>
+              <a:p>
+                <a:pPr algn="ctr"/>
+                <a:endParaRPr lang="en-US"/>
+              </a:p>
+            </p:txBody>
+          </p:sp>
+          <p:sp>
+            <p:nvSpPr>
+              <p:cNvPr id="22" name="Oval 21"/>
+              <p:cNvSpPr/>
+              <p:nvPr/>
+            </p:nvSpPr>
+            <p:spPr>
+              <a:xfrm>
+                <a:off x="7210285" y="1330552"/>
+                <a:ext cx="45719" cy="45719"/>
+              </a:xfrm>
+              <a:prstGeom prst="ellipse">
+                <a:avLst/>
+              </a:prstGeom>
+              <a:solidFill>
+                <a:schemeClr val="tx1"/>
+              </a:solidFill>
+              <a:ln w="38100">
+                <a:solidFill>
+                  <a:schemeClr val="tx1"/>
+                </a:solidFill>
+              </a:ln>
+            </p:spPr>
+            <p:style>
+              <a:lnRef idx="2">
+                <a:schemeClr val="accent1">
+                  <a:shade val="50000"/>
+                </a:schemeClr>
+              </a:lnRef>
+              <a:fillRef idx="1">
+                <a:schemeClr val="accent1"/>
+              </a:fillRef>
+              <a:effectRef idx="0">
+                <a:schemeClr val="accent1"/>
+              </a:effectRef>
+              <a:fontRef idx="minor">
+                <a:schemeClr val="lt1"/>
+              </a:fontRef>
+            </p:style>
+            <p:txBody>
+              <a:bodyPr rtlCol="0" anchor="ctr"/>
+              <a:lstStyle/>
+              <a:p>
+                <a:pPr algn="ctr"/>
+                <a:endParaRPr lang="en-US"/>
+              </a:p>
+            </p:txBody>
+          </p:sp>
+          <p:sp>
+            <p:nvSpPr>
+              <p:cNvPr id="23" name="Oval 22"/>
+              <p:cNvSpPr/>
+              <p:nvPr/>
+            </p:nvSpPr>
+            <p:spPr>
+              <a:xfrm>
+                <a:off x="7362685" y="1473835"/>
+                <a:ext cx="45719" cy="45719"/>
+              </a:xfrm>
+              <a:prstGeom prst="ellipse">
+                <a:avLst/>
+              </a:prstGeom>
+              <a:solidFill>
+                <a:schemeClr val="tx1"/>
+              </a:solidFill>
+              <a:ln w="38100">
+                <a:solidFill>
+                  <a:schemeClr val="tx1"/>
+                </a:solidFill>
+              </a:ln>
+            </p:spPr>
+            <p:style>
+              <a:lnRef idx="2">
+                <a:schemeClr val="accent1">
+                  <a:shade val="50000"/>
+                </a:schemeClr>
+              </a:lnRef>
+              <a:fillRef idx="1">
+                <a:schemeClr val="accent1"/>
+              </a:fillRef>
+              <a:effectRef idx="0">
+                <a:schemeClr val="accent1"/>
+              </a:effectRef>
+              <a:fontRef idx="minor">
+                <a:schemeClr val="lt1"/>
+              </a:fontRef>
+            </p:style>
+            <p:txBody>
+              <a:bodyPr rtlCol="0" anchor="ctr"/>
+              <a:lstStyle/>
+              <a:p>
+                <a:pPr algn="ctr"/>
+                <a:endParaRPr lang="en-US"/>
+              </a:p>
+            </p:txBody>
+          </p:sp>
+          <p:sp>
+            <p:nvSpPr>
+              <p:cNvPr id="24" name="Oval 23"/>
+              <p:cNvSpPr/>
+              <p:nvPr/>
+            </p:nvSpPr>
+            <p:spPr>
+              <a:xfrm>
+                <a:off x="7431263" y="1178152"/>
+                <a:ext cx="45719" cy="45719"/>
+              </a:xfrm>
+              <a:prstGeom prst="ellipse">
+                <a:avLst/>
+              </a:prstGeom>
+              <a:solidFill>
+                <a:schemeClr val="tx1"/>
+              </a:solidFill>
+              <a:ln w="38100">
+                <a:solidFill>
+                  <a:schemeClr val="tx1"/>
+                </a:solidFill>
+              </a:ln>
+            </p:spPr>
+            <p:style>
+              <a:lnRef idx="2">
+                <a:schemeClr val="accent1">
+                  <a:shade val="50000"/>
+                </a:schemeClr>
+              </a:lnRef>
+              <a:fillRef idx="1">
+                <a:schemeClr val="accent1"/>
+              </a:fillRef>
+              <a:effectRef idx="0">
+                <a:schemeClr val="accent1"/>
+              </a:effectRef>
+              <a:fontRef idx="minor">
+                <a:schemeClr val="lt1"/>
+              </a:fontRef>
+            </p:style>
+            <p:txBody>
+              <a:bodyPr rtlCol="0" anchor="ctr"/>
+              <a:lstStyle/>
+              <a:p>
+                <a:pPr algn="ctr"/>
+                <a:endParaRPr lang="en-US"/>
+              </a:p>
+            </p:txBody>
+          </p:sp>
+          <p:sp>
+            <p:nvSpPr>
+              <p:cNvPr id="25" name="Oval 24"/>
+              <p:cNvSpPr/>
+              <p:nvPr/>
+            </p:nvSpPr>
+            <p:spPr>
+              <a:xfrm>
+                <a:off x="7553875" y="1224567"/>
+                <a:ext cx="45719" cy="45719"/>
+              </a:xfrm>
+              <a:prstGeom prst="ellipse">
+                <a:avLst/>
+              </a:prstGeom>
+              <a:solidFill>
+                <a:schemeClr val="tx1"/>
+              </a:solidFill>
+              <a:ln w="38100">
+                <a:solidFill>
+                  <a:schemeClr val="tx1"/>
+                </a:solidFill>
+              </a:ln>
+            </p:spPr>
+            <p:style>
+              <a:lnRef idx="2">
+                <a:schemeClr val="accent1">
+                  <a:shade val="50000"/>
+                </a:schemeClr>
+              </a:lnRef>
+              <a:fillRef idx="1">
+                <a:schemeClr val="accent1"/>
+              </a:fillRef>
+              <a:effectRef idx="0">
+                <a:schemeClr val="accent1"/>
+              </a:effectRef>
+              <a:fontRef idx="minor">
+                <a:schemeClr val="lt1"/>
+              </a:fontRef>
+            </p:style>
+            <p:txBody>
+              <a:bodyPr rtlCol="0" anchor="ctr"/>
+              <a:lstStyle/>
+              <a:p>
+                <a:pPr algn="ctr"/>
+                <a:endParaRPr lang="en-US"/>
+              </a:p>
+            </p:txBody>
+          </p:sp>
+          <p:sp>
+            <p:nvSpPr>
+              <p:cNvPr id="26" name="Oval 25"/>
+              <p:cNvSpPr/>
+              <p:nvPr/>
+            </p:nvSpPr>
+            <p:spPr>
+              <a:xfrm>
+                <a:off x="7706275" y="1376967"/>
+                <a:ext cx="45719" cy="45719"/>
+              </a:xfrm>
+              <a:prstGeom prst="ellipse">
+                <a:avLst/>
+              </a:prstGeom>
+              <a:solidFill>
+                <a:schemeClr val="tx1"/>
+              </a:solidFill>
+              <a:ln w="38100">
+                <a:solidFill>
+                  <a:schemeClr val="tx1"/>
+                </a:solidFill>
+              </a:ln>
+            </p:spPr>
+            <p:style>
+              <a:lnRef idx="2">
+                <a:schemeClr val="accent1">
+                  <a:shade val="50000"/>
+                </a:schemeClr>
+              </a:lnRef>
+              <a:fillRef idx="1">
+                <a:schemeClr val="accent1"/>
+              </a:fillRef>
+              <a:effectRef idx="0">
+                <a:schemeClr val="accent1"/>
+              </a:effectRef>
+              <a:fontRef idx="minor">
+                <a:schemeClr val="lt1"/>
+              </a:fontRef>
+            </p:style>
+            <p:txBody>
+              <a:bodyPr rtlCol="0" anchor="ctr"/>
+              <a:lstStyle/>
+              <a:p>
+                <a:pPr algn="ctr"/>
+                <a:endParaRPr lang="en-US"/>
+              </a:p>
+            </p:txBody>
+          </p:sp>
+          <p:sp>
+            <p:nvSpPr>
+              <p:cNvPr id="27" name="Oval 26"/>
+              <p:cNvSpPr/>
+              <p:nvPr/>
+            </p:nvSpPr>
+            <p:spPr>
+              <a:xfrm>
+                <a:off x="7508156" y="1399826"/>
+                <a:ext cx="45719" cy="45719"/>
+              </a:xfrm>
+              <a:prstGeom prst="ellipse">
+                <a:avLst/>
+              </a:prstGeom>
+              <a:solidFill>
+                <a:schemeClr val="tx1"/>
+              </a:solidFill>
+              <a:ln w="38100">
+                <a:solidFill>
+                  <a:schemeClr val="tx1"/>
+                </a:solidFill>
+              </a:ln>
+            </p:spPr>
+            <p:style>
+              <a:lnRef idx="2">
+                <a:schemeClr val="accent1">
+                  <a:shade val="50000"/>
+                </a:schemeClr>
+              </a:lnRef>
+              <a:fillRef idx="1">
+                <a:schemeClr val="accent1"/>
+              </a:fillRef>
+              <a:effectRef idx="0">
+                <a:schemeClr val="accent1"/>
+              </a:effectRef>
+              <a:fontRef idx="minor">
+                <a:schemeClr val="lt1"/>
+              </a:fontRef>
+            </p:style>
+            <p:txBody>
+              <a:bodyPr rtlCol="0" anchor="ctr"/>
+              <a:lstStyle/>
+              <a:p>
+                <a:pPr algn="ctr"/>
+                <a:endParaRPr lang="en-US"/>
+              </a:p>
+            </p:txBody>
+          </p:sp>
+          <p:sp>
+            <p:nvSpPr>
+              <p:cNvPr id="28" name="Oval 27"/>
+              <p:cNvSpPr/>
+              <p:nvPr/>
+            </p:nvSpPr>
+            <p:spPr>
+              <a:xfrm>
+                <a:off x="7660556" y="1543109"/>
+                <a:ext cx="45719" cy="45719"/>
+              </a:xfrm>
+              <a:prstGeom prst="ellipse">
+                <a:avLst/>
+              </a:prstGeom>
+              <a:solidFill>
+                <a:schemeClr val="tx1"/>
+              </a:solidFill>
+              <a:ln w="38100">
+                <a:solidFill>
+                  <a:schemeClr val="tx1"/>
+                </a:solidFill>
+              </a:ln>
+            </p:spPr>
+            <p:style>
+              <a:lnRef idx="2">
+                <a:schemeClr val="accent1">
+                  <a:shade val="50000"/>
+                </a:schemeClr>
+              </a:lnRef>
+              <a:fillRef idx="1">
+                <a:schemeClr val="accent1"/>
+              </a:fillRef>
+              <a:effectRef idx="0">
+                <a:schemeClr val="accent1"/>
+              </a:effectRef>
+              <a:fontRef idx="minor">
+                <a:schemeClr val="lt1"/>
+              </a:fontRef>
+            </p:style>
+            <p:txBody>
+              <a:bodyPr rtlCol="0" anchor="ctr"/>
+              <a:lstStyle/>
+              <a:p>
+                <a:pPr algn="ctr"/>
+                <a:endParaRPr lang="en-US"/>
+              </a:p>
+            </p:txBody>
+          </p:sp>
+          <p:sp>
+            <p:nvSpPr>
+              <p:cNvPr id="29" name="Oval 28"/>
+              <p:cNvSpPr/>
+              <p:nvPr/>
+            </p:nvSpPr>
+            <p:spPr>
+              <a:xfrm>
+                <a:off x="7729134" y="1247426"/>
+                <a:ext cx="45719" cy="45719"/>
+              </a:xfrm>
+              <a:prstGeom prst="ellipse">
+                <a:avLst/>
+              </a:prstGeom>
+              <a:solidFill>
+                <a:schemeClr val="tx1"/>
+              </a:solidFill>
+              <a:ln w="38100">
+                <a:solidFill>
+                  <a:schemeClr val="tx1"/>
+                </a:solidFill>
+              </a:ln>
+            </p:spPr>
+            <p:style>
+              <a:lnRef idx="2">
+                <a:schemeClr val="accent1">
+                  <a:shade val="50000"/>
+                </a:schemeClr>
+              </a:lnRef>
+              <a:fillRef idx="1">
+                <a:schemeClr val="accent1"/>
+              </a:fillRef>
+              <a:effectRef idx="0">
+                <a:schemeClr val="accent1"/>
+              </a:effectRef>
+              <a:fontRef idx="minor">
+                <a:schemeClr val="lt1"/>
+              </a:fontRef>
+            </p:style>
+            <p:txBody>
+              <a:bodyPr rtlCol="0" anchor="ctr"/>
+              <a:lstStyle/>
+              <a:p>
+                <a:pPr algn="ctr"/>
+                <a:endParaRPr lang="en-US"/>
+              </a:p>
+            </p:txBody>
+          </p:sp>
+          <p:sp>
+            <p:nvSpPr>
+              <p:cNvPr id="30" name="Oval 29"/>
+              <p:cNvSpPr/>
+              <p:nvPr/>
+            </p:nvSpPr>
+            <p:spPr>
+              <a:xfrm>
+                <a:off x="6861532" y="1143209"/>
+                <a:ext cx="45719" cy="45719"/>
+              </a:xfrm>
+              <a:prstGeom prst="ellipse">
+                <a:avLst/>
+              </a:prstGeom>
+              <a:solidFill>
+                <a:schemeClr val="tx1"/>
+              </a:solidFill>
+              <a:ln w="38100">
+                <a:solidFill>
+                  <a:schemeClr val="tx1"/>
+                </a:solidFill>
+              </a:ln>
+            </p:spPr>
+            <p:style>
+              <a:lnRef idx="2">
+                <a:schemeClr val="accent1">
+                  <a:shade val="50000"/>
+                </a:schemeClr>
+              </a:lnRef>
+              <a:fillRef idx="1">
+                <a:schemeClr val="accent1"/>
+              </a:fillRef>
+              <a:effectRef idx="0">
+                <a:schemeClr val="accent1"/>
+              </a:effectRef>
+              <a:fontRef idx="minor">
+                <a:schemeClr val="lt1"/>
+              </a:fontRef>
+            </p:style>
+            <p:txBody>
+              <a:bodyPr rtlCol="0" anchor="ctr"/>
+              <a:lstStyle/>
+              <a:p>
+                <a:pPr algn="ctr"/>
+                <a:endParaRPr lang="en-US"/>
+              </a:p>
+            </p:txBody>
+          </p:sp>
+          <p:sp>
+            <p:nvSpPr>
+              <p:cNvPr id="31" name="Oval 30"/>
+              <p:cNvSpPr/>
+              <p:nvPr/>
+            </p:nvSpPr>
+            <p:spPr>
+              <a:xfrm>
+                <a:off x="7013932" y="1295609"/>
+                <a:ext cx="45719" cy="45719"/>
+              </a:xfrm>
+              <a:prstGeom prst="ellipse">
+                <a:avLst/>
+              </a:prstGeom>
+              <a:solidFill>
+                <a:schemeClr val="tx1"/>
+              </a:solidFill>
+              <a:ln w="38100">
+                <a:solidFill>
+                  <a:schemeClr val="tx1"/>
+                </a:solidFill>
+              </a:ln>
+            </p:spPr>
+            <p:style>
+              <a:lnRef idx="2">
+                <a:schemeClr val="accent1">
+                  <a:shade val="50000"/>
+                </a:schemeClr>
+              </a:lnRef>
+              <a:fillRef idx="1">
+                <a:schemeClr val="accent1"/>
+              </a:fillRef>
+              <a:effectRef idx="0">
+                <a:schemeClr val="accent1"/>
+              </a:effectRef>
+              <a:fontRef idx="minor">
+                <a:schemeClr val="lt1"/>
+              </a:fontRef>
+            </p:style>
+            <p:txBody>
+              <a:bodyPr rtlCol="0" anchor="ctr"/>
+              <a:lstStyle/>
+              <a:p>
+                <a:pPr algn="ctr"/>
+                <a:endParaRPr lang="en-US"/>
+              </a:p>
+            </p:txBody>
+          </p:sp>
+          <p:sp>
+            <p:nvSpPr>
+              <p:cNvPr id="32" name="Oval 31"/>
+              <p:cNvSpPr/>
+              <p:nvPr/>
+            </p:nvSpPr>
+            <p:spPr>
+              <a:xfrm>
+                <a:off x="6815813" y="1318468"/>
+                <a:ext cx="45719" cy="45719"/>
+              </a:xfrm>
+              <a:prstGeom prst="ellipse">
+                <a:avLst/>
+              </a:prstGeom>
+              <a:solidFill>
+                <a:schemeClr val="tx1"/>
+              </a:solidFill>
+              <a:ln w="38100">
+                <a:solidFill>
+                  <a:schemeClr val="tx1"/>
+                </a:solidFill>
+              </a:ln>
+            </p:spPr>
+            <p:style>
+              <a:lnRef idx="2">
+                <a:schemeClr val="accent1">
+                  <a:shade val="50000"/>
+                </a:schemeClr>
+              </a:lnRef>
+              <a:fillRef idx="1">
+                <a:schemeClr val="accent1"/>
+              </a:fillRef>
+              <a:effectRef idx="0">
+                <a:schemeClr val="accent1"/>
+              </a:effectRef>
+              <a:fontRef idx="minor">
+                <a:schemeClr val="lt1"/>
+              </a:fontRef>
+            </p:style>
+            <p:txBody>
+              <a:bodyPr rtlCol="0" anchor="ctr"/>
+              <a:lstStyle/>
+              <a:p>
+                <a:pPr algn="ctr"/>
+                <a:endParaRPr lang="en-US"/>
+              </a:p>
+            </p:txBody>
+          </p:sp>
+          <p:sp>
+            <p:nvSpPr>
+              <p:cNvPr id="33" name="Oval 32"/>
+              <p:cNvSpPr/>
+              <p:nvPr/>
+            </p:nvSpPr>
+            <p:spPr>
+              <a:xfrm>
+                <a:off x="6968213" y="1461751"/>
+                <a:ext cx="45719" cy="45719"/>
+              </a:xfrm>
+              <a:prstGeom prst="ellipse">
+                <a:avLst/>
+              </a:prstGeom>
+              <a:solidFill>
+                <a:schemeClr val="tx1"/>
+              </a:solidFill>
+              <a:ln w="38100">
+                <a:solidFill>
+                  <a:schemeClr val="tx1"/>
+                </a:solidFill>
+              </a:ln>
+            </p:spPr>
+            <p:style>
+              <a:lnRef idx="2">
+                <a:schemeClr val="accent1">
+                  <a:shade val="50000"/>
+                </a:schemeClr>
+              </a:lnRef>
+              <a:fillRef idx="1">
+                <a:schemeClr val="accent1"/>
+              </a:fillRef>
+              <a:effectRef idx="0">
+                <a:schemeClr val="accent1"/>
+              </a:effectRef>
+              <a:fontRef idx="minor">
+                <a:schemeClr val="lt1"/>
+              </a:fontRef>
+            </p:style>
+            <p:txBody>
+              <a:bodyPr rtlCol="0" anchor="ctr"/>
+              <a:lstStyle/>
+              <a:p>
+                <a:pPr algn="ctr"/>
+                <a:endParaRPr lang="en-US"/>
+              </a:p>
+            </p:txBody>
+          </p:sp>
+          <p:sp>
+            <p:nvSpPr>
+              <p:cNvPr id="34" name="Oval 33"/>
+              <p:cNvSpPr/>
+              <p:nvPr/>
+            </p:nvSpPr>
+            <p:spPr>
+              <a:xfrm>
+                <a:off x="7036791" y="1166068"/>
+                <a:ext cx="45719" cy="45719"/>
+              </a:xfrm>
+              <a:prstGeom prst="ellipse">
+                <a:avLst/>
+              </a:prstGeom>
+              <a:solidFill>
+                <a:schemeClr val="tx1"/>
+              </a:solidFill>
+              <a:ln w="38100">
+                <a:solidFill>
+                  <a:schemeClr val="tx1"/>
+                </a:solidFill>
+              </a:ln>
+            </p:spPr>
+            <p:style>
+              <a:lnRef idx="2">
+                <a:schemeClr val="accent1">
+                  <a:shade val="50000"/>
+                </a:schemeClr>
+              </a:lnRef>
+              <a:fillRef idx="1">
+                <a:schemeClr val="accent1"/>
+              </a:fillRef>
+              <a:effectRef idx="0">
+                <a:schemeClr val="accent1"/>
+              </a:effectRef>
+              <a:fontRef idx="minor">
+                <a:schemeClr val="lt1"/>
+              </a:fontRef>
+            </p:style>
+            <p:txBody>
+              <a:bodyPr rtlCol="0" anchor="ctr"/>
+              <a:lstStyle/>
+              <a:p>
+                <a:pPr algn="ctr"/>
+                <a:endParaRPr lang="en-US"/>
+              </a:p>
+            </p:txBody>
+          </p:sp>
+          <p:sp>
+            <p:nvSpPr>
+              <p:cNvPr id="35" name="Oval 34"/>
+              <p:cNvSpPr/>
+              <p:nvPr/>
+            </p:nvSpPr>
+            <p:spPr>
+              <a:xfrm>
+                <a:off x="7113684" y="1387742"/>
+                <a:ext cx="45719" cy="45719"/>
+              </a:xfrm>
+              <a:prstGeom prst="ellipse">
+                <a:avLst/>
+              </a:prstGeom>
+              <a:solidFill>
+                <a:schemeClr val="tx1"/>
+              </a:solidFill>
+              <a:ln w="38100">
+                <a:solidFill>
+                  <a:schemeClr val="tx1"/>
+                </a:solidFill>
+              </a:ln>
+            </p:spPr>
+            <p:style>
+              <a:lnRef idx="2">
+                <a:schemeClr val="accent1">
+                  <a:shade val="50000"/>
+                </a:schemeClr>
+              </a:lnRef>
+              <a:fillRef idx="1">
+                <a:schemeClr val="accent1"/>
+              </a:fillRef>
+              <a:effectRef idx="0">
+                <a:schemeClr val="accent1"/>
+              </a:effectRef>
+              <a:fontRef idx="minor">
+                <a:schemeClr val="lt1"/>
+              </a:fontRef>
+            </p:style>
+            <p:txBody>
+              <a:bodyPr rtlCol="0" anchor="ctr"/>
+              <a:lstStyle/>
+              <a:p>
+                <a:pPr algn="ctr"/>
+                <a:endParaRPr lang="en-US"/>
+              </a:p>
+            </p:txBody>
+          </p:sp>
+          <p:sp>
+            <p:nvSpPr>
+              <p:cNvPr id="36" name="Oval 35"/>
+              <p:cNvSpPr/>
+              <p:nvPr/>
+            </p:nvSpPr>
+            <p:spPr>
+              <a:xfrm>
+                <a:off x="7811225" y="1611107"/>
+                <a:ext cx="45719" cy="45719"/>
+              </a:xfrm>
+              <a:prstGeom prst="ellipse">
+                <a:avLst/>
+              </a:prstGeom>
+              <a:solidFill>
+                <a:schemeClr val="tx1"/>
+              </a:solidFill>
+              <a:ln w="38100">
+                <a:solidFill>
+                  <a:schemeClr val="tx1"/>
+                </a:solidFill>
+              </a:ln>
+            </p:spPr>
+            <p:style>
+              <a:lnRef idx="2">
+                <a:schemeClr val="accent1">
+                  <a:shade val="50000"/>
+                </a:schemeClr>
+              </a:lnRef>
+              <a:fillRef idx="1">
+                <a:schemeClr val="accent1"/>
+              </a:fillRef>
+              <a:effectRef idx="0">
+                <a:schemeClr val="accent1"/>
+              </a:effectRef>
+              <a:fontRef idx="minor">
+                <a:schemeClr val="lt1"/>
+              </a:fontRef>
+            </p:style>
+            <p:txBody>
+              <a:bodyPr rtlCol="0" anchor="ctr"/>
+              <a:lstStyle/>
+              <a:p>
+                <a:pPr algn="ctr"/>
+                <a:endParaRPr lang="en-US"/>
+              </a:p>
+            </p:txBody>
+          </p:sp>
+          <p:sp>
+            <p:nvSpPr>
+              <p:cNvPr id="37" name="Oval 36"/>
+              <p:cNvSpPr/>
+              <p:nvPr/>
+            </p:nvSpPr>
+            <p:spPr>
+              <a:xfrm>
+                <a:off x="7986484" y="1633966"/>
+                <a:ext cx="45719" cy="45719"/>
+              </a:xfrm>
+              <a:prstGeom prst="ellipse">
+                <a:avLst/>
+              </a:prstGeom>
+              <a:solidFill>
+                <a:schemeClr val="tx1"/>
+              </a:solidFill>
+              <a:ln w="38100">
+                <a:solidFill>
+                  <a:schemeClr val="tx1"/>
+                </a:solidFill>
+              </a:ln>
+            </p:spPr>
+            <p:style>
+              <a:lnRef idx="2">
+                <a:schemeClr val="accent1">
+                  <a:shade val="50000"/>
+                </a:schemeClr>
+              </a:lnRef>
+              <a:fillRef idx="1">
+                <a:schemeClr val="accent1"/>
+              </a:fillRef>
+              <a:effectRef idx="0">
+                <a:schemeClr val="accent1"/>
+              </a:effectRef>
+              <a:fontRef idx="minor">
+                <a:schemeClr val="lt1"/>
+              </a:fontRef>
+            </p:style>
+            <p:txBody>
+              <a:bodyPr rtlCol="0" anchor="ctr"/>
+              <a:lstStyle/>
+              <a:p>
+                <a:pPr algn="ctr"/>
+                <a:endParaRPr lang="en-US"/>
+              </a:p>
+            </p:txBody>
+          </p:sp>
+          <p:sp>
+            <p:nvSpPr>
+              <p:cNvPr id="38" name="Oval 37"/>
+              <p:cNvSpPr/>
+              <p:nvPr/>
+            </p:nvSpPr>
+            <p:spPr>
+              <a:xfrm>
+                <a:off x="8109096" y="1680381"/>
+                <a:ext cx="45719" cy="45719"/>
+              </a:xfrm>
+              <a:prstGeom prst="ellipse">
+                <a:avLst/>
+              </a:prstGeom>
+              <a:solidFill>
+                <a:schemeClr val="tx1"/>
+              </a:solidFill>
+              <a:ln w="38100">
+                <a:solidFill>
+                  <a:schemeClr val="tx1"/>
+                </a:solidFill>
+              </a:ln>
+            </p:spPr>
+            <p:style>
+              <a:lnRef idx="2">
+                <a:schemeClr val="accent1">
+                  <a:shade val="50000"/>
+                </a:schemeClr>
+              </a:lnRef>
+              <a:fillRef idx="1">
+                <a:schemeClr val="accent1"/>
+              </a:fillRef>
+              <a:effectRef idx="0">
+                <a:schemeClr val="accent1"/>
+              </a:effectRef>
+              <a:fontRef idx="minor">
+                <a:schemeClr val="lt1"/>
+              </a:fontRef>
+            </p:style>
+            <p:txBody>
+              <a:bodyPr rtlCol="0" anchor="ctr"/>
+              <a:lstStyle/>
+              <a:p>
+                <a:pPr algn="ctr"/>
+                <a:endParaRPr lang="en-US"/>
+              </a:p>
+            </p:txBody>
+          </p:sp>
+          <p:sp>
+            <p:nvSpPr>
+              <p:cNvPr id="39" name="Oval 38"/>
+              <p:cNvSpPr/>
+              <p:nvPr/>
+            </p:nvSpPr>
+            <p:spPr>
+              <a:xfrm>
+                <a:off x="8284355" y="1703240"/>
+                <a:ext cx="45719" cy="45719"/>
+              </a:xfrm>
+              <a:prstGeom prst="ellipse">
+                <a:avLst/>
+              </a:prstGeom>
+              <a:solidFill>
+                <a:schemeClr val="tx1"/>
+              </a:solidFill>
+              <a:ln w="38100">
+                <a:solidFill>
+                  <a:schemeClr val="tx1"/>
+                </a:solidFill>
+              </a:ln>
+            </p:spPr>
+            <p:style>
+              <a:lnRef idx="2">
+                <a:schemeClr val="accent1">
+                  <a:shade val="50000"/>
+                </a:schemeClr>
+              </a:lnRef>
+              <a:fillRef idx="1">
+                <a:schemeClr val="accent1"/>
+              </a:fillRef>
+              <a:effectRef idx="0">
+                <a:schemeClr val="accent1"/>
+              </a:effectRef>
+              <a:fontRef idx="minor">
+                <a:schemeClr val="lt1"/>
+              </a:fontRef>
+            </p:style>
+            <p:txBody>
+              <a:bodyPr rtlCol="0" anchor="ctr"/>
+              <a:lstStyle/>
+              <a:p>
+                <a:pPr algn="ctr"/>
+                <a:endParaRPr lang="en-US"/>
+              </a:p>
+            </p:txBody>
+          </p:sp>
+          <p:sp>
+            <p:nvSpPr>
+              <p:cNvPr id="40" name="Oval 39"/>
+              <p:cNvSpPr/>
+              <p:nvPr/>
+            </p:nvSpPr>
+            <p:spPr>
+              <a:xfrm>
+                <a:off x="7154870" y="1565388"/>
+                <a:ext cx="45719" cy="45719"/>
+              </a:xfrm>
+              <a:prstGeom prst="ellipse">
+                <a:avLst/>
+              </a:prstGeom>
+              <a:solidFill>
+                <a:schemeClr val="tx1"/>
+              </a:solidFill>
+              <a:ln w="38100">
+                <a:solidFill>
+                  <a:schemeClr val="tx1"/>
+                </a:solidFill>
+              </a:ln>
+            </p:spPr>
+            <p:style>
+              <a:lnRef idx="2">
+                <a:schemeClr val="accent1">
+                  <a:shade val="50000"/>
+                </a:schemeClr>
+              </a:lnRef>
+              <a:fillRef idx="1">
+                <a:schemeClr val="accent1"/>
+              </a:fillRef>
+              <a:effectRef idx="0">
+                <a:schemeClr val="accent1"/>
+              </a:effectRef>
+              <a:fontRef idx="minor">
+                <a:schemeClr val="lt1"/>
+              </a:fontRef>
+            </p:style>
+            <p:txBody>
+              <a:bodyPr rtlCol="0" anchor="ctr"/>
+              <a:lstStyle/>
+              <a:p>
+                <a:pPr algn="ctr"/>
+                <a:endParaRPr lang="en-US"/>
+              </a:p>
+            </p:txBody>
+          </p:sp>
+          <p:sp>
+            <p:nvSpPr>
+              <p:cNvPr id="41" name="Oval 40"/>
+              <p:cNvSpPr/>
+              <p:nvPr/>
+            </p:nvSpPr>
+            <p:spPr>
+              <a:xfrm>
+                <a:off x="7330129" y="1588247"/>
+                <a:ext cx="45719" cy="45719"/>
+              </a:xfrm>
+              <a:prstGeom prst="ellipse">
+                <a:avLst/>
+              </a:prstGeom>
+              <a:solidFill>
+                <a:schemeClr val="tx1"/>
+              </a:solidFill>
+              <a:ln w="38100">
+                <a:solidFill>
+                  <a:schemeClr val="tx1"/>
+                </a:solidFill>
+              </a:ln>
+            </p:spPr>
+            <p:style>
+              <a:lnRef idx="2">
+                <a:schemeClr val="accent1">
+                  <a:shade val="50000"/>
+                </a:schemeClr>
+              </a:lnRef>
+              <a:fillRef idx="1">
+                <a:schemeClr val="accent1"/>
+              </a:fillRef>
+              <a:effectRef idx="0">
+                <a:schemeClr val="accent1"/>
+              </a:effectRef>
+              <a:fontRef idx="minor">
+                <a:schemeClr val="lt1"/>
+              </a:fontRef>
+            </p:style>
+            <p:txBody>
+              <a:bodyPr rtlCol="0" anchor="ctr"/>
+              <a:lstStyle/>
+              <a:p>
+                <a:pPr algn="ctr"/>
+                <a:endParaRPr lang="en-US"/>
+              </a:p>
+            </p:txBody>
+          </p:sp>
+          <p:sp>
+            <p:nvSpPr>
+              <p:cNvPr id="42" name="Oval 41"/>
+              <p:cNvSpPr/>
+              <p:nvPr/>
+            </p:nvSpPr>
+            <p:spPr>
+              <a:xfrm>
+                <a:off x="7452741" y="1634662"/>
+                <a:ext cx="45719" cy="45719"/>
+              </a:xfrm>
+              <a:prstGeom prst="ellipse">
+                <a:avLst/>
+              </a:prstGeom>
+              <a:solidFill>
+                <a:schemeClr val="tx1"/>
+              </a:solidFill>
+              <a:ln w="38100">
+                <a:solidFill>
+                  <a:schemeClr val="tx1"/>
+                </a:solidFill>
+              </a:ln>
+            </p:spPr>
+            <p:style>
+              <a:lnRef idx="2">
+                <a:schemeClr val="accent1">
+                  <a:shade val="50000"/>
+                </a:schemeClr>
+              </a:lnRef>
+              <a:fillRef idx="1">
+                <a:schemeClr val="accent1"/>
+              </a:fillRef>
+              <a:effectRef idx="0">
+                <a:schemeClr val="accent1"/>
+              </a:effectRef>
+              <a:fontRef idx="minor">
+                <a:schemeClr val="lt1"/>
+              </a:fontRef>
+            </p:style>
+            <p:txBody>
+              <a:bodyPr rtlCol="0" anchor="ctr"/>
+              <a:lstStyle/>
+              <a:p>
+                <a:pPr algn="ctr"/>
+                <a:endParaRPr lang="en-US"/>
+              </a:p>
+            </p:txBody>
+          </p:sp>
+          <p:sp>
+            <p:nvSpPr>
+              <p:cNvPr id="43" name="Oval 42"/>
+              <p:cNvSpPr/>
+              <p:nvPr/>
+            </p:nvSpPr>
+            <p:spPr>
+              <a:xfrm>
+                <a:off x="7628000" y="1657521"/>
+                <a:ext cx="45719" cy="45719"/>
+              </a:xfrm>
+              <a:prstGeom prst="ellipse">
+                <a:avLst/>
+              </a:prstGeom>
+              <a:solidFill>
+                <a:schemeClr val="tx1"/>
+              </a:solidFill>
+              <a:ln w="38100">
+                <a:solidFill>
+                  <a:schemeClr val="tx1"/>
+                </a:solidFill>
+              </a:ln>
+            </p:spPr>
+            <p:style>
+              <a:lnRef idx="2">
+                <a:schemeClr val="accent1">
+                  <a:shade val="50000"/>
+                </a:schemeClr>
+              </a:lnRef>
+              <a:fillRef idx="1">
+                <a:schemeClr val="accent1"/>
+              </a:fillRef>
+              <a:effectRef idx="0">
+                <a:schemeClr val="accent1"/>
+              </a:effectRef>
+              <a:fontRef idx="minor">
+                <a:schemeClr val="lt1"/>
+              </a:fontRef>
+            </p:style>
+            <p:txBody>
+              <a:bodyPr rtlCol="0" anchor="ctr"/>
+              <a:lstStyle/>
+              <a:p>
+                <a:pPr algn="ctr"/>
+                <a:endParaRPr lang="en-US"/>
+              </a:p>
+            </p:txBody>
+          </p:sp>
+          <p:sp>
+            <p:nvSpPr>
+              <p:cNvPr id="44" name="Oval 43"/>
+              <p:cNvSpPr/>
+              <p:nvPr/>
+            </p:nvSpPr>
+            <p:spPr>
+              <a:xfrm>
+                <a:off x="6802354" y="1466423"/>
+                <a:ext cx="45719" cy="45719"/>
+              </a:xfrm>
+              <a:prstGeom prst="ellipse">
+                <a:avLst/>
+              </a:prstGeom>
+              <a:solidFill>
+                <a:schemeClr val="tx1"/>
+              </a:solidFill>
+              <a:ln w="38100">
+                <a:solidFill>
+                  <a:schemeClr val="tx1"/>
+                </a:solidFill>
+              </a:ln>
+            </p:spPr>
+            <p:style>
+              <a:lnRef idx="2">
+                <a:schemeClr val="accent1">
+                  <a:shade val="50000"/>
+                </a:schemeClr>
+              </a:lnRef>
+              <a:fillRef idx="1">
+                <a:schemeClr val="accent1"/>
+              </a:fillRef>
+              <a:effectRef idx="0">
+                <a:schemeClr val="accent1"/>
+              </a:effectRef>
+              <a:fontRef idx="minor">
+                <a:schemeClr val="lt1"/>
+              </a:fontRef>
+            </p:style>
+            <p:txBody>
+              <a:bodyPr rtlCol="0" anchor="ctr"/>
+              <a:lstStyle/>
+              <a:p>
+                <a:pPr algn="ctr"/>
+                <a:endParaRPr lang="en-US"/>
+              </a:p>
+            </p:txBody>
+          </p:sp>
+          <p:sp>
+            <p:nvSpPr>
+              <p:cNvPr id="45" name="Oval 44"/>
+              <p:cNvSpPr/>
+              <p:nvPr/>
+            </p:nvSpPr>
+            <p:spPr>
+              <a:xfrm>
+                <a:off x="6795398" y="1637252"/>
+                <a:ext cx="45719" cy="45719"/>
+              </a:xfrm>
+              <a:prstGeom prst="ellipse">
+                <a:avLst/>
+              </a:prstGeom>
+              <a:solidFill>
+                <a:schemeClr val="tx1"/>
+              </a:solidFill>
+              <a:ln w="38100">
+                <a:solidFill>
+                  <a:schemeClr val="tx1"/>
+                </a:solidFill>
+              </a:ln>
+            </p:spPr>
+            <p:style>
+              <a:lnRef idx="2">
+                <a:schemeClr val="accent1">
+                  <a:shade val="50000"/>
+                </a:schemeClr>
+              </a:lnRef>
+              <a:fillRef idx="1">
+                <a:schemeClr val="accent1"/>
+              </a:fillRef>
+              <a:effectRef idx="0">
+                <a:schemeClr val="accent1"/>
+              </a:effectRef>
+              <a:fontRef idx="minor">
+                <a:schemeClr val="lt1"/>
+              </a:fontRef>
+            </p:style>
+            <p:txBody>
+              <a:bodyPr rtlCol="0" anchor="ctr"/>
+              <a:lstStyle/>
+              <a:p>
+                <a:pPr algn="ctr"/>
+                <a:endParaRPr lang="en-US"/>
+              </a:p>
+            </p:txBody>
+          </p:sp>
+          <p:sp>
+            <p:nvSpPr>
+              <p:cNvPr id="46" name="Oval 45"/>
+              <p:cNvSpPr/>
+              <p:nvPr/>
+            </p:nvSpPr>
+            <p:spPr>
+              <a:xfrm>
+                <a:off x="6935657" y="1576163"/>
+                <a:ext cx="45719" cy="45719"/>
+              </a:xfrm>
+              <a:prstGeom prst="ellipse">
+                <a:avLst/>
+              </a:prstGeom>
+              <a:solidFill>
+                <a:schemeClr val="tx1"/>
+              </a:solidFill>
+              <a:ln w="38100">
+                <a:solidFill>
+                  <a:schemeClr val="tx1"/>
+                </a:solidFill>
+              </a:ln>
+            </p:spPr>
+            <p:style>
+              <a:lnRef idx="2">
+                <a:schemeClr val="accent1">
+                  <a:shade val="50000"/>
+                </a:schemeClr>
+              </a:lnRef>
+              <a:fillRef idx="1">
+                <a:schemeClr val="accent1"/>
+              </a:fillRef>
+              <a:effectRef idx="0">
+                <a:schemeClr val="accent1"/>
+              </a:effectRef>
+              <a:fontRef idx="minor">
+                <a:schemeClr val="lt1"/>
+              </a:fontRef>
+            </p:style>
+            <p:txBody>
+              <a:bodyPr rtlCol="0" anchor="ctr"/>
+              <a:lstStyle/>
+              <a:p>
+                <a:pPr algn="ctr"/>
+                <a:endParaRPr lang="en-US"/>
+              </a:p>
+            </p:txBody>
+          </p:sp>
+          <p:sp>
+            <p:nvSpPr>
+              <p:cNvPr id="47" name="Oval 46"/>
+              <p:cNvSpPr/>
+              <p:nvPr/>
+            </p:nvSpPr>
+            <p:spPr>
+              <a:xfrm>
+                <a:off x="8937436" y="1179360"/>
+                <a:ext cx="45719" cy="45719"/>
+              </a:xfrm>
+              <a:prstGeom prst="ellipse">
+                <a:avLst/>
+              </a:prstGeom>
+              <a:solidFill>
+                <a:schemeClr val="tx1"/>
+              </a:solidFill>
+              <a:ln w="38100">
+                <a:solidFill>
+                  <a:schemeClr val="tx1"/>
+                </a:solidFill>
+              </a:ln>
+            </p:spPr>
+            <p:style>
+              <a:lnRef idx="2">
+                <a:schemeClr val="accent1">
+                  <a:shade val="50000"/>
+                </a:schemeClr>
+              </a:lnRef>
+              <a:fillRef idx="1">
+                <a:schemeClr val="accent1"/>
+              </a:fillRef>
+              <a:effectRef idx="0">
+                <a:schemeClr val="accent1"/>
+              </a:effectRef>
+              <a:fontRef idx="minor">
+                <a:schemeClr val="lt1"/>
+              </a:fontRef>
+            </p:style>
+            <p:txBody>
+              <a:bodyPr rtlCol="0" anchor="ctr"/>
+              <a:lstStyle/>
+              <a:p>
+                <a:pPr algn="ctr"/>
+                <a:endParaRPr lang="en-US"/>
+              </a:p>
+            </p:txBody>
+          </p:sp>
+          <p:sp>
+            <p:nvSpPr>
+              <p:cNvPr id="48" name="Oval 47"/>
+              <p:cNvSpPr/>
+              <p:nvPr/>
+            </p:nvSpPr>
+            <p:spPr>
+              <a:xfrm>
+                <a:off x="8891717" y="1354619"/>
+                <a:ext cx="45719" cy="45719"/>
+              </a:xfrm>
+              <a:prstGeom prst="ellipse">
+                <a:avLst/>
+              </a:prstGeom>
+              <a:solidFill>
+                <a:schemeClr val="tx1"/>
+              </a:solidFill>
+              <a:ln w="38100">
+                <a:solidFill>
+                  <a:schemeClr val="tx1"/>
+                </a:solidFill>
+              </a:ln>
+            </p:spPr>
+            <p:style>
+              <a:lnRef idx="2">
+                <a:schemeClr val="accent1">
+                  <a:shade val="50000"/>
+                </a:schemeClr>
+              </a:lnRef>
+              <a:fillRef idx="1">
+                <a:schemeClr val="accent1"/>
+              </a:fillRef>
+              <a:effectRef idx="0">
+                <a:schemeClr val="accent1"/>
+              </a:effectRef>
+              <a:fontRef idx="minor">
+                <a:schemeClr val="lt1"/>
+              </a:fontRef>
+            </p:style>
+            <p:txBody>
+              <a:bodyPr rtlCol="0" anchor="ctr"/>
+              <a:lstStyle/>
+              <a:p>
+                <a:pPr algn="ctr"/>
+                <a:endParaRPr lang="en-US"/>
+              </a:p>
+            </p:txBody>
+          </p:sp>
+          <p:sp>
+            <p:nvSpPr>
+              <p:cNvPr id="49" name="Oval 48"/>
+              <p:cNvSpPr/>
+              <p:nvPr/>
+            </p:nvSpPr>
+            <p:spPr>
+              <a:xfrm>
+                <a:off x="8542964" y="1167276"/>
+                <a:ext cx="45719" cy="45719"/>
+              </a:xfrm>
+              <a:prstGeom prst="ellipse">
+                <a:avLst/>
+              </a:prstGeom>
+              <a:solidFill>
+                <a:schemeClr val="tx1"/>
+              </a:solidFill>
+              <a:ln w="38100">
+                <a:solidFill>
+                  <a:schemeClr val="tx1"/>
+                </a:solidFill>
+              </a:ln>
+            </p:spPr>
+            <p:style>
+              <a:lnRef idx="2">
+                <a:schemeClr val="accent1">
+                  <a:shade val="50000"/>
+                </a:schemeClr>
+              </a:lnRef>
+              <a:fillRef idx="1">
+                <a:schemeClr val="accent1"/>
+              </a:fillRef>
+              <a:effectRef idx="0">
+                <a:schemeClr val="accent1"/>
+              </a:effectRef>
+              <a:fontRef idx="minor">
+                <a:schemeClr val="lt1"/>
+              </a:fontRef>
+            </p:style>
+            <p:txBody>
+              <a:bodyPr rtlCol="0" anchor="ctr"/>
+              <a:lstStyle/>
+              <a:p>
+                <a:pPr algn="ctr"/>
+                <a:endParaRPr lang="en-US"/>
+              </a:p>
+            </p:txBody>
+          </p:sp>
+          <p:sp>
+            <p:nvSpPr>
+              <p:cNvPr id="50" name="Oval 49"/>
+              <p:cNvSpPr/>
+              <p:nvPr/>
+            </p:nvSpPr>
+            <p:spPr>
+              <a:xfrm>
+                <a:off x="8695364" y="1319676"/>
+                <a:ext cx="45719" cy="45719"/>
+              </a:xfrm>
+              <a:prstGeom prst="ellipse">
+                <a:avLst/>
+              </a:prstGeom>
+              <a:solidFill>
+                <a:schemeClr val="tx1"/>
+              </a:solidFill>
+              <a:ln w="38100">
+                <a:solidFill>
+                  <a:schemeClr val="tx1"/>
+                </a:solidFill>
+              </a:ln>
+            </p:spPr>
+            <p:style>
+              <a:lnRef idx="2">
+                <a:schemeClr val="accent1">
+                  <a:shade val="50000"/>
+                </a:schemeClr>
+              </a:lnRef>
+              <a:fillRef idx="1">
+                <a:schemeClr val="accent1"/>
+              </a:fillRef>
+              <a:effectRef idx="0">
+                <a:schemeClr val="accent1"/>
+              </a:effectRef>
+              <a:fontRef idx="minor">
+                <a:schemeClr val="lt1"/>
+              </a:fontRef>
+            </p:style>
+            <p:txBody>
+              <a:bodyPr rtlCol="0" anchor="ctr"/>
+              <a:lstStyle/>
+              <a:p>
+                <a:pPr algn="ctr"/>
+                <a:endParaRPr lang="en-US"/>
+              </a:p>
+            </p:txBody>
+          </p:sp>
+          <p:sp>
+            <p:nvSpPr>
+              <p:cNvPr id="51" name="Oval 50"/>
+              <p:cNvSpPr/>
+              <p:nvPr/>
+            </p:nvSpPr>
+            <p:spPr>
+              <a:xfrm>
+                <a:off x="8497245" y="1342535"/>
+                <a:ext cx="45719" cy="45719"/>
+              </a:xfrm>
+              <a:prstGeom prst="ellipse">
+                <a:avLst/>
+              </a:prstGeom>
+              <a:solidFill>
+                <a:schemeClr val="tx1"/>
+              </a:solidFill>
+              <a:ln w="38100">
+                <a:solidFill>
+                  <a:schemeClr val="tx1"/>
+                </a:solidFill>
+              </a:ln>
+            </p:spPr>
+            <p:style>
+              <a:lnRef idx="2">
+                <a:schemeClr val="accent1">
+                  <a:shade val="50000"/>
+                </a:schemeClr>
+              </a:lnRef>
+              <a:fillRef idx="1">
+                <a:schemeClr val="accent1"/>
+              </a:fillRef>
+              <a:effectRef idx="0">
+                <a:schemeClr val="accent1"/>
+              </a:effectRef>
+              <a:fontRef idx="minor">
+                <a:schemeClr val="lt1"/>
+              </a:fontRef>
+            </p:style>
+            <p:txBody>
+              <a:bodyPr rtlCol="0" anchor="ctr"/>
+              <a:lstStyle/>
+              <a:p>
+                <a:pPr algn="ctr"/>
+                <a:endParaRPr lang="en-US"/>
+              </a:p>
+            </p:txBody>
+          </p:sp>
+          <p:sp>
+            <p:nvSpPr>
+              <p:cNvPr id="52" name="Oval 51"/>
+              <p:cNvSpPr/>
+              <p:nvPr/>
+            </p:nvSpPr>
+            <p:spPr>
+              <a:xfrm>
+                <a:off x="8649645" y="1485818"/>
+                <a:ext cx="45719" cy="45719"/>
+              </a:xfrm>
+              <a:prstGeom prst="ellipse">
+                <a:avLst/>
+              </a:prstGeom>
+              <a:solidFill>
+                <a:schemeClr val="tx1"/>
+              </a:solidFill>
+              <a:ln w="38100">
+                <a:solidFill>
+                  <a:schemeClr val="tx1"/>
+                </a:solidFill>
+              </a:ln>
+            </p:spPr>
+            <p:style>
+              <a:lnRef idx="2">
+                <a:schemeClr val="accent1">
+                  <a:shade val="50000"/>
+                </a:schemeClr>
+              </a:lnRef>
+              <a:fillRef idx="1">
+                <a:schemeClr val="accent1"/>
+              </a:fillRef>
+              <a:effectRef idx="0">
+                <a:schemeClr val="accent1"/>
+              </a:effectRef>
+              <a:fontRef idx="minor">
+                <a:schemeClr val="lt1"/>
+              </a:fontRef>
+            </p:style>
+            <p:txBody>
+              <a:bodyPr rtlCol="0" anchor="ctr"/>
+              <a:lstStyle/>
+              <a:p>
+                <a:pPr algn="ctr"/>
+                <a:endParaRPr lang="en-US"/>
+              </a:p>
+            </p:txBody>
+          </p:sp>
+          <p:sp>
+            <p:nvSpPr>
+              <p:cNvPr id="53" name="Oval 52"/>
+              <p:cNvSpPr/>
+              <p:nvPr/>
+            </p:nvSpPr>
+            <p:spPr>
+              <a:xfrm>
+                <a:off x="8718223" y="1190135"/>
+                <a:ext cx="45719" cy="45719"/>
+              </a:xfrm>
+              <a:prstGeom prst="ellipse">
+                <a:avLst/>
+              </a:prstGeom>
+              <a:solidFill>
+                <a:schemeClr val="tx1"/>
+              </a:solidFill>
+              <a:ln w="38100">
+                <a:solidFill>
+                  <a:schemeClr val="tx1"/>
+                </a:solidFill>
+              </a:ln>
+            </p:spPr>
+            <p:style>
+              <a:lnRef idx="2">
+                <a:schemeClr val="accent1">
+                  <a:shade val="50000"/>
+                </a:schemeClr>
+              </a:lnRef>
+              <a:fillRef idx="1">
+                <a:schemeClr val="accent1"/>
+              </a:fillRef>
+              <a:effectRef idx="0">
+                <a:schemeClr val="accent1"/>
+              </a:effectRef>
+              <a:fontRef idx="minor">
+                <a:schemeClr val="lt1"/>
+              </a:fontRef>
+            </p:style>
+            <p:txBody>
+              <a:bodyPr rtlCol="0" anchor="ctr"/>
+              <a:lstStyle/>
+              <a:p>
+                <a:pPr algn="ctr"/>
+                <a:endParaRPr lang="en-US"/>
+              </a:p>
+            </p:txBody>
+          </p:sp>
+          <p:sp>
+            <p:nvSpPr>
+              <p:cNvPr id="54" name="Oval 53"/>
+              <p:cNvSpPr/>
+              <p:nvPr/>
+            </p:nvSpPr>
+            <p:spPr>
+              <a:xfrm>
+                <a:off x="8795116" y="1411809"/>
+                <a:ext cx="45719" cy="45719"/>
+              </a:xfrm>
+              <a:prstGeom prst="ellipse">
+                <a:avLst/>
+              </a:prstGeom>
+              <a:solidFill>
+                <a:schemeClr val="tx1"/>
+              </a:solidFill>
+              <a:ln w="38100">
+                <a:solidFill>
+                  <a:schemeClr val="tx1"/>
+                </a:solidFill>
+              </a:ln>
+            </p:spPr>
+            <p:style>
+              <a:lnRef idx="2">
+                <a:schemeClr val="accent1">
+                  <a:shade val="50000"/>
+                </a:schemeClr>
+              </a:lnRef>
+              <a:fillRef idx="1">
+                <a:schemeClr val="accent1"/>
+              </a:fillRef>
+              <a:effectRef idx="0">
+                <a:schemeClr val="accent1"/>
+              </a:effectRef>
+              <a:fontRef idx="minor">
+                <a:schemeClr val="lt1"/>
+              </a:fontRef>
+            </p:style>
+            <p:txBody>
+              <a:bodyPr rtlCol="0" anchor="ctr"/>
+              <a:lstStyle/>
+              <a:p>
+                <a:pPr algn="ctr"/>
+                <a:endParaRPr lang="en-US"/>
+              </a:p>
+            </p:txBody>
+          </p:sp>
+          <p:sp>
+            <p:nvSpPr>
+              <p:cNvPr id="55" name="Oval 54"/>
+              <p:cNvSpPr/>
+              <p:nvPr/>
+            </p:nvSpPr>
+            <p:spPr>
+              <a:xfrm>
+                <a:off x="8836302" y="1589455"/>
+                <a:ext cx="45719" cy="45719"/>
+              </a:xfrm>
+              <a:prstGeom prst="ellipse">
+                <a:avLst/>
+              </a:prstGeom>
+              <a:solidFill>
+                <a:schemeClr val="tx1"/>
+              </a:solidFill>
+              <a:ln w="38100">
+                <a:solidFill>
+                  <a:schemeClr val="tx1"/>
+                </a:solidFill>
+              </a:ln>
+            </p:spPr>
+            <p:style>
+              <a:lnRef idx="2">
+                <a:schemeClr val="accent1">
+                  <a:shade val="50000"/>
+                </a:schemeClr>
+              </a:lnRef>
+              <a:fillRef idx="1">
+                <a:schemeClr val="accent1"/>
+              </a:fillRef>
+              <a:effectRef idx="0">
+                <a:schemeClr val="accent1"/>
+              </a:effectRef>
+              <a:fontRef idx="minor">
+                <a:schemeClr val="lt1"/>
+              </a:fontRef>
+            </p:style>
+            <p:txBody>
+              <a:bodyPr rtlCol="0" anchor="ctr"/>
+              <a:lstStyle/>
+              <a:p>
+                <a:pPr algn="ctr"/>
+                <a:endParaRPr lang="en-US"/>
+              </a:p>
+            </p:txBody>
+          </p:sp>
+          <p:sp>
+            <p:nvSpPr>
+              <p:cNvPr id="56" name="Oval 55"/>
+              <p:cNvSpPr/>
+              <p:nvPr/>
+            </p:nvSpPr>
+            <p:spPr>
+              <a:xfrm>
+                <a:off x="8483786" y="1490490"/>
+                <a:ext cx="45719" cy="45719"/>
+              </a:xfrm>
+              <a:prstGeom prst="ellipse">
+                <a:avLst/>
+              </a:prstGeom>
+              <a:solidFill>
+                <a:schemeClr val="tx1"/>
+              </a:solidFill>
+              <a:ln w="38100">
+                <a:solidFill>
+                  <a:schemeClr val="tx1"/>
+                </a:solidFill>
+              </a:ln>
+            </p:spPr>
+            <p:style>
+              <a:lnRef idx="2">
+                <a:schemeClr val="accent1">
+                  <a:shade val="50000"/>
+                </a:schemeClr>
+              </a:lnRef>
+              <a:fillRef idx="1">
+                <a:schemeClr val="accent1"/>
+              </a:fillRef>
+              <a:effectRef idx="0">
+                <a:schemeClr val="accent1"/>
+              </a:effectRef>
+              <a:fontRef idx="minor">
+                <a:schemeClr val="lt1"/>
+              </a:fontRef>
+            </p:style>
+            <p:txBody>
+              <a:bodyPr rtlCol="0" anchor="ctr"/>
+              <a:lstStyle/>
+              <a:p>
+                <a:pPr algn="ctr"/>
+                <a:endParaRPr lang="en-US"/>
+              </a:p>
+            </p:txBody>
+          </p:sp>
+          <p:sp>
+            <p:nvSpPr>
+              <p:cNvPr id="57" name="Oval 56"/>
+              <p:cNvSpPr/>
+              <p:nvPr/>
+            </p:nvSpPr>
+            <p:spPr>
+              <a:xfrm>
+                <a:off x="8476830" y="1661319"/>
+                <a:ext cx="45719" cy="45719"/>
+              </a:xfrm>
+              <a:prstGeom prst="ellipse">
+                <a:avLst/>
+              </a:prstGeom>
+              <a:solidFill>
+                <a:schemeClr val="tx1"/>
+              </a:solidFill>
+              <a:ln w="38100">
+                <a:solidFill>
+                  <a:schemeClr val="tx1"/>
+                </a:solidFill>
+              </a:ln>
+            </p:spPr>
+            <p:style>
+              <a:lnRef idx="2">
+                <a:schemeClr val="accent1">
+                  <a:shade val="50000"/>
+                </a:schemeClr>
+              </a:lnRef>
+              <a:fillRef idx="1">
+                <a:schemeClr val="accent1"/>
+              </a:fillRef>
+              <a:effectRef idx="0">
+                <a:schemeClr val="accent1"/>
+              </a:effectRef>
+              <a:fontRef idx="minor">
+                <a:schemeClr val="lt1"/>
+              </a:fontRef>
+            </p:style>
+            <p:txBody>
+              <a:bodyPr rtlCol="0" anchor="ctr"/>
+              <a:lstStyle/>
+              <a:p>
+                <a:pPr algn="ctr"/>
+                <a:endParaRPr lang="en-US"/>
+              </a:p>
+            </p:txBody>
+          </p:sp>
+          <p:sp>
+            <p:nvSpPr>
+              <p:cNvPr id="58" name="Oval 57"/>
+              <p:cNvSpPr/>
+              <p:nvPr/>
+            </p:nvSpPr>
+            <p:spPr>
+              <a:xfrm>
+                <a:off x="8617089" y="1600230"/>
+                <a:ext cx="45719" cy="45719"/>
+              </a:xfrm>
+              <a:prstGeom prst="ellipse">
+                <a:avLst/>
+              </a:prstGeom>
+              <a:solidFill>
+                <a:schemeClr val="tx1"/>
+              </a:solidFill>
+              <a:ln w="38100">
+                <a:solidFill>
+                  <a:schemeClr val="tx1"/>
+                </a:solidFill>
+              </a:ln>
+            </p:spPr>
+            <p:style>
+              <a:lnRef idx="2">
+                <a:schemeClr val="accent1">
+                  <a:shade val="50000"/>
+                </a:schemeClr>
+              </a:lnRef>
+              <a:fillRef idx="1">
+                <a:schemeClr val="accent1"/>
+              </a:fillRef>
+              <a:effectRef idx="0">
+                <a:schemeClr val="accent1"/>
+              </a:effectRef>
+              <a:fontRef idx="minor">
+                <a:schemeClr val="lt1"/>
+              </a:fontRef>
+            </p:style>
+            <p:txBody>
+              <a:bodyPr rtlCol="0" anchor="ctr"/>
+              <a:lstStyle/>
+              <a:p>
+                <a:pPr algn="ctr"/>
+                <a:endParaRPr lang="en-US"/>
+              </a:p>
+            </p:txBody>
+          </p:sp>
+        </p:grpSp>
+      </p:grpSp>
     </p:spTree>
     <p:extLst>
       <p:ext uri="{BB962C8B-B14F-4D97-AF65-F5344CB8AC3E}">

--- a/tex/figures/Current/Figures.pptx
+++ b/tex/figures/Current/Figures.pptx
@@ -201,7 +201,7 @@
           <a:p>
             <a:fld id="{FA15A6B2-55AC-CD4B-A1E6-BB01091FE9DC}" type="datetimeFigureOut">
               <a:rPr lang="en-US" smtClean="0"/>
-              <a:t>6/3/2019</a:t>
+              <a:t>6/21/2019</a:t>
             </a:fld>
             <a:endParaRPr lang="en-US"/>
           </a:p>
@@ -600,7 +600,7 @@
           <a:p>
             <a:fld id="{F7249F8D-641B-4CAF-BAE5-10524742F6F1}" type="datetimeFigureOut">
               <a:rPr lang="en-CA" smtClean="0"/>
-              <a:t>2019-06-03</a:t>
+              <a:t>2019-06-21</a:t>
             </a:fld>
             <a:endParaRPr lang="en-CA"/>
           </a:p>
@@ -770,7 +770,7 @@
           <a:p>
             <a:fld id="{F7249F8D-641B-4CAF-BAE5-10524742F6F1}" type="datetimeFigureOut">
               <a:rPr lang="en-CA" smtClean="0"/>
-              <a:t>2019-06-03</a:t>
+              <a:t>2019-06-21</a:t>
             </a:fld>
             <a:endParaRPr lang="en-CA"/>
           </a:p>
@@ -950,7 +950,7 @@
           <a:p>
             <a:fld id="{F7249F8D-641B-4CAF-BAE5-10524742F6F1}" type="datetimeFigureOut">
               <a:rPr lang="en-CA" smtClean="0"/>
-              <a:t>2019-06-03</a:t>
+              <a:t>2019-06-21</a:t>
             </a:fld>
             <a:endParaRPr lang="en-CA"/>
           </a:p>
@@ -1120,7 +1120,7 @@
           <a:p>
             <a:fld id="{F7249F8D-641B-4CAF-BAE5-10524742F6F1}" type="datetimeFigureOut">
               <a:rPr lang="en-CA" smtClean="0"/>
-              <a:t>2019-06-03</a:t>
+              <a:t>2019-06-21</a:t>
             </a:fld>
             <a:endParaRPr lang="en-CA"/>
           </a:p>
@@ -1366,7 +1366,7 @@
           <a:p>
             <a:fld id="{F7249F8D-641B-4CAF-BAE5-10524742F6F1}" type="datetimeFigureOut">
               <a:rPr lang="en-CA" smtClean="0"/>
-              <a:t>2019-06-03</a:t>
+              <a:t>2019-06-21</a:t>
             </a:fld>
             <a:endParaRPr lang="en-CA"/>
           </a:p>
@@ -1598,7 +1598,7 @@
           <a:p>
             <a:fld id="{F7249F8D-641B-4CAF-BAE5-10524742F6F1}" type="datetimeFigureOut">
               <a:rPr lang="en-CA" smtClean="0"/>
-              <a:t>2019-06-03</a:t>
+              <a:t>2019-06-21</a:t>
             </a:fld>
             <a:endParaRPr lang="en-CA"/>
           </a:p>
@@ -1965,7 +1965,7 @@
           <a:p>
             <a:fld id="{F7249F8D-641B-4CAF-BAE5-10524742F6F1}" type="datetimeFigureOut">
               <a:rPr lang="en-CA" smtClean="0"/>
-              <a:t>2019-06-03</a:t>
+              <a:t>2019-06-21</a:t>
             </a:fld>
             <a:endParaRPr lang="en-CA"/>
           </a:p>
@@ -2083,7 +2083,7 @@
           <a:p>
             <a:fld id="{F7249F8D-641B-4CAF-BAE5-10524742F6F1}" type="datetimeFigureOut">
               <a:rPr lang="en-CA" smtClean="0"/>
-              <a:t>2019-06-03</a:t>
+              <a:t>2019-06-21</a:t>
             </a:fld>
             <a:endParaRPr lang="en-CA"/>
           </a:p>
@@ -2178,7 +2178,7 @@
           <a:p>
             <a:fld id="{F7249F8D-641B-4CAF-BAE5-10524742F6F1}" type="datetimeFigureOut">
               <a:rPr lang="en-CA" smtClean="0"/>
-              <a:t>2019-06-03</a:t>
+              <a:t>2019-06-21</a:t>
             </a:fld>
             <a:endParaRPr lang="en-CA"/>
           </a:p>
@@ -2455,7 +2455,7 @@
           <a:p>
             <a:fld id="{F7249F8D-641B-4CAF-BAE5-10524742F6F1}" type="datetimeFigureOut">
               <a:rPr lang="en-CA" smtClean="0"/>
-              <a:t>2019-06-03</a:t>
+              <a:t>2019-06-21</a:t>
             </a:fld>
             <a:endParaRPr lang="en-CA"/>
           </a:p>
@@ -2708,7 +2708,7 @@
           <a:p>
             <a:fld id="{F7249F8D-641B-4CAF-BAE5-10524742F6F1}" type="datetimeFigureOut">
               <a:rPr lang="en-CA" smtClean="0"/>
-              <a:t>2019-06-03</a:t>
+              <a:t>2019-06-21</a:t>
             </a:fld>
             <a:endParaRPr lang="en-CA"/>
           </a:p>
@@ -2921,7 +2921,7 @@
           <a:p>
             <a:fld id="{F7249F8D-641B-4CAF-BAE5-10524742F6F1}" type="datetimeFigureOut">
               <a:rPr lang="en-CA" smtClean="0"/>
-              <a:t>2019-06-03</a:t>
+              <a:t>2019-06-21</a:t>
             </a:fld>
             <a:endParaRPr lang="en-CA"/>
           </a:p>
@@ -7170,9 +7170,8 @@
               </a:avLst>
             </a:prstGeom>
             <a:solidFill>
-              <a:schemeClr val="accent1">
-                <a:lumMod val="20000"/>
-                <a:lumOff val="80000"/>
+              <a:schemeClr val="bg2">
+                <a:lumMod val="90000"/>
               </a:schemeClr>
             </a:solidFill>
             <a:ln w="38100">
@@ -7220,7 +7219,7 @@
               </a:avLst>
             </a:prstGeom>
             <a:solidFill>
-              <a:schemeClr val="accent1">
+              <a:schemeClr val="bg2">
                 <a:lumMod val="75000"/>
               </a:schemeClr>
             </a:solidFill>
@@ -7252,8 +7251,8 @@
             </a:p>
           </p:txBody>
         </p:sp>
-        <mc:AlternateContent xmlns:mc="http://schemas.openxmlformats.org/markup-compatibility/2006">
-          <mc:Choice xmlns:a14="http://schemas.microsoft.com/office/drawing/2010/main" Requires="a14">
+        <mc:AlternateContent xmlns:mc="http://schemas.openxmlformats.org/markup-compatibility/2006" xmlns:a14="http://schemas.microsoft.com/office/drawing/2010/main">
+          <mc:Choice Requires="a14">
             <p:sp>
               <p:nvSpPr>
                 <p:cNvPr id="4" name="Rectangle 3"/>
@@ -7342,7 +7341,7 @@
               </p:txBody>
             </p:sp>
           </mc:Choice>
-          <mc:Fallback>
+          <mc:Fallback xmlns="">
             <p:sp>
               <p:nvSpPr>
                 <p:cNvPr id="4" name="Rectangle 3"/>
@@ -7418,8 +7417,8 @@
             </a:fontRef>
           </p:style>
         </p:cxnSp>
-        <mc:AlternateContent xmlns:mc="http://schemas.openxmlformats.org/markup-compatibility/2006">
-          <mc:Choice xmlns:a14="http://schemas.microsoft.com/office/drawing/2010/main" Requires="a14">
+        <mc:AlternateContent xmlns:mc="http://schemas.openxmlformats.org/markup-compatibility/2006" xmlns:a14="http://schemas.microsoft.com/office/drawing/2010/main">
+          <mc:Choice Requires="a14">
             <p:sp>
               <p:nvSpPr>
                 <p:cNvPr id="6" name="Rectangle 5"/>
@@ -7462,7 +7461,7 @@
               </p:txBody>
             </p:sp>
           </mc:Choice>
-          <mc:Fallback>
+          <mc:Fallback xmlns="">
             <p:sp>
               <p:nvSpPr>
                 <p:cNvPr id="6" name="Rectangle 5"/>
@@ -7501,8 +7500,8 @@
             </p:sp>
           </mc:Fallback>
         </mc:AlternateContent>
-        <mc:AlternateContent xmlns:mc="http://schemas.openxmlformats.org/markup-compatibility/2006">
-          <mc:Choice xmlns:a14="http://schemas.microsoft.com/office/drawing/2010/main" Requires="a14">
+        <mc:AlternateContent xmlns:mc="http://schemas.openxmlformats.org/markup-compatibility/2006" xmlns:a14="http://schemas.microsoft.com/office/drawing/2010/main">
+          <mc:Choice Requires="a14">
             <p:sp>
               <p:nvSpPr>
                 <p:cNvPr id="7" name="Rectangle 6"/>
@@ -7592,7 +7591,7 @@
               </p:txBody>
             </p:sp>
           </mc:Choice>
-          <mc:Fallback>
+          <mc:Fallback xmlns="">
             <p:sp>
               <p:nvSpPr>
                 <p:cNvPr id="7" name="Rectangle 6"/>
@@ -10035,6 +10034,6072 @@
           </p:sp>
         </p:grpSp>
       </p:grpSp>
+      <p:grpSp>
+        <p:nvGrpSpPr>
+          <p:cNvPr id="141" name="Group 140"/>
+          <p:cNvGrpSpPr/>
+          <p:nvPr/>
+        </p:nvGrpSpPr>
+        <p:grpSpPr>
+          <a:xfrm>
+            <a:off x="519545" y="354143"/>
+            <a:ext cx="4101745" cy="3190534"/>
+            <a:chOff x="4000500" y="2669940"/>
+            <a:chExt cx="4101745" cy="3190534"/>
+          </a:xfrm>
+        </p:grpSpPr>
+        <p:cxnSp>
+          <p:nvCxnSpPr>
+            <p:cNvPr id="132" name="Straight Connector 131"/>
+            <p:cNvCxnSpPr/>
+            <p:nvPr/>
+          </p:nvCxnSpPr>
+          <p:spPr>
+            <a:xfrm>
+              <a:off x="7524077" y="3780452"/>
+              <a:ext cx="5384" cy="527898"/>
+            </a:xfrm>
+            <a:prstGeom prst="line">
+              <a:avLst/>
+            </a:prstGeom>
+            <a:ln w="38100">
+              <a:solidFill>
+                <a:schemeClr val="tx1"/>
+              </a:solidFill>
+            </a:ln>
+          </p:spPr>
+          <p:style>
+            <a:lnRef idx="1">
+              <a:schemeClr val="accent1"/>
+            </a:lnRef>
+            <a:fillRef idx="0">
+              <a:schemeClr val="accent1"/>
+            </a:fillRef>
+            <a:effectRef idx="0">
+              <a:schemeClr val="accent1"/>
+            </a:effectRef>
+            <a:fontRef idx="minor">
+              <a:schemeClr val="tx1"/>
+            </a:fontRef>
+          </p:style>
+        </p:cxnSp>
+        <p:sp>
+          <p:nvSpPr>
+            <p:cNvPr id="60" name="Rounded Rectangle 59"/>
+            <p:cNvSpPr/>
+            <p:nvPr/>
+          </p:nvSpPr>
+          <p:spPr>
+            <a:xfrm>
+              <a:off x="4000500" y="4576876"/>
+              <a:ext cx="4101745" cy="1283598"/>
+            </a:xfrm>
+            <a:prstGeom prst="roundRect">
+              <a:avLst/>
+            </a:prstGeom>
+            <a:noFill/>
+            <a:ln w="38100">
+              <a:solidFill>
+                <a:schemeClr val="tx1"/>
+              </a:solidFill>
+            </a:ln>
+          </p:spPr>
+          <p:style>
+            <a:lnRef idx="2">
+              <a:schemeClr val="accent1">
+                <a:shade val="50000"/>
+              </a:schemeClr>
+            </a:lnRef>
+            <a:fillRef idx="1">
+              <a:schemeClr val="accent1"/>
+            </a:fillRef>
+            <a:effectRef idx="0">
+              <a:schemeClr val="accent1"/>
+            </a:effectRef>
+            <a:fontRef idx="minor">
+              <a:schemeClr val="lt1"/>
+            </a:fontRef>
+          </p:style>
+          <p:txBody>
+            <a:bodyPr rtlCol="0" anchor="ctr"/>
+            <a:lstStyle/>
+            <a:p>
+              <a:pPr algn="ctr"/>
+              <a:endParaRPr lang="en-US"/>
+            </a:p>
+          </p:txBody>
+        </p:sp>
+        <p:sp>
+          <p:nvSpPr>
+            <p:cNvPr id="63" name="Plus 62"/>
+            <p:cNvSpPr/>
+            <p:nvPr/>
+          </p:nvSpPr>
+          <p:spPr>
+            <a:xfrm>
+              <a:off x="7365047" y="4638083"/>
+              <a:ext cx="312065" cy="312065"/>
+            </a:xfrm>
+            <a:prstGeom prst="mathPlus">
+              <a:avLst>
+                <a:gd name="adj1" fmla="val 13350"/>
+              </a:avLst>
+            </a:prstGeom>
+            <a:solidFill>
+              <a:schemeClr val="tx1"/>
+            </a:solidFill>
+            <a:ln w="38100">
+              <a:solidFill>
+                <a:schemeClr val="tx1"/>
+              </a:solidFill>
+            </a:ln>
+          </p:spPr>
+          <p:style>
+            <a:lnRef idx="2">
+              <a:schemeClr val="accent1">
+                <a:shade val="50000"/>
+              </a:schemeClr>
+            </a:lnRef>
+            <a:fillRef idx="1">
+              <a:schemeClr val="accent1"/>
+            </a:fillRef>
+            <a:effectRef idx="0">
+              <a:schemeClr val="accent1"/>
+            </a:effectRef>
+            <a:fontRef idx="minor">
+              <a:schemeClr val="lt1"/>
+            </a:fontRef>
+          </p:style>
+          <p:txBody>
+            <a:bodyPr rtlCol="0" anchor="ctr"/>
+            <a:lstStyle/>
+            <a:p>
+              <a:pPr algn="ctr"/>
+              <a:endParaRPr lang="en-US"/>
+            </a:p>
+          </p:txBody>
+        </p:sp>
+        <p:sp>
+          <p:nvSpPr>
+            <p:cNvPr id="64" name="Minus 63"/>
+            <p:cNvSpPr/>
+            <p:nvPr/>
+          </p:nvSpPr>
+          <p:spPr>
+            <a:xfrm>
+              <a:off x="4493737" y="4681425"/>
+              <a:ext cx="379589" cy="225379"/>
+            </a:xfrm>
+            <a:prstGeom prst="mathMinus">
+              <a:avLst/>
+            </a:prstGeom>
+            <a:solidFill>
+              <a:schemeClr val="tx1"/>
+            </a:solidFill>
+            <a:ln w="38100">
+              <a:solidFill>
+                <a:schemeClr val="tx1"/>
+              </a:solidFill>
+            </a:ln>
+          </p:spPr>
+          <p:style>
+            <a:lnRef idx="2">
+              <a:schemeClr val="accent1">
+                <a:shade val="50000"/>
+              </a:schemeClr>
+            </a:lnRef>
+            <a:fillRef idx="1">
+              <a:schemeClr val="accent1"/>
+            </a:fillRef>
+            <a:effectRef idx="0">
+              <a:schemeClr val="accent1"/>
+            </a:effectRef>
+            <a:fontRef idx="minor">
+              <a:schemeClr val="lt1"/>
+            </a:fontRef>
+          </p:style>
+          <p:txBody>
+            <a:bodyPr rtlCol="0" anchor="ctr"/>
+            <a:lstStyle/>
+            <a:p>
+              <a:pPr algn="ctr"/>
+              <a:endParaRPr lang="en-US"/>
+            </a:p>
+          </p:txBody>
+        </p:sp>
+        <p:cxnSp>
+          <p:nvCxnSpPr>
+            <p:cNvPr id="71" name="Straight Connector 70"/>
+            <p:cNvCxnSpPr>
+              <a:endCxn id="76" idx="0"/>
+            </p:cNvCxnSpPr>
+            <p:nvPr/>
+          </p:nvCxnSpPr>
+          <p:spPr>
+            <a:xfrm>
+              <a:off x="4683532" y="3780452"/>
+              <a:ext cx="5384" cy="527898"/>
+            </a:xfrm>
+            <a:prstGeom prst="line">
+              <a:avLst/>
+            </a:prstGeom>
+            <a:ln w="38100">
+              <a:solidFill>
+                <a:schemeClr val="tx1"/>
+              </a:solidFill>
+            </a:ln>
+          </p:spPr>
+          <p:style>
+            <a:lnRef idx="1">
+              <a:schemeClr val="accent1"/>
+            </a:lnRef>
+            <a:fillRef idx="0">
+              <a:schemeClr val="accent1"/>
+            </a:fillRef>
+            <a:effectRef idx="0">
+              <a:schemeClr val="accent1"/>
+            </a:effectRef>
+            <a:fontRef idx="minor">
+              <a:schemeClr val="tx1"/>
+            </a:fontRef>
+          </p:style>
+        </p:cxnSp>
+        <p:sp>
+          <p:nvSpPr>
+            <p:cNvPr id="76" name="Rounded Rectangle 75"/>
+            <p:cNvSpPr/>
+            <p:nvPr/>
+          </p:nvSpPr>
+          <p:spPr>
+            <a:xfrm>
+              <a:off x="4405831" y="4308350"/>
+              <a:ext cx="566170" cy="268526"/>
+            </a:xfrm>
+            <a:prstGeom prst="roundRect">
+              <a:avLst/>
+            </a:prstGeom>
+            <a:noFill/>
+            <a:ln w="38100">
+              <a:solidFill>
+                <a:schemeClr val="tx1"/>
+              </a:solidFill>
+            </a:ln>
+          </p:spPr>
+          <p:style>
+            <a:lnRef idx="2">
+              <a:schemeClr val="accent1">
+                <a:shade val="50000"/>
+              </a:schemeClr>
+            </a:lnRef>
+            <a:fillRef idx="1">
+              <a:schemeClr val="accent1"/>
+            </a:fillRef>
+            <a:effectRef idx="0">
+              <a:schemeClr val="accent1"/>
+            </a:effectRef>
+            <a:fontRef idx="minor">
+              <a:schemeClr val="lt1"/>
+            </a:fontRef>
+          </p:style>
+          <p:txBody>
+            <a:bodyPr rtlCol="0" anchor="ctr"/>
+            <a:lstStyle/>
+            <a:p>
+              <a:pPr algn="ctr"/>
+              <a:endParaRPr lang="en-US"/>
+            </a:p>
+          </p:txBody>
+        </p:sp>
+        <mc:AlternateContent xmlns:mc="http://schemas.openxmlformats.org/markup-compatibility/2006">
+          <mc:Choice xmlns:a14="http://schemas.microsoft.com/office/drawing/2010/main" Requires="a14">
+            <p:sp>
+              <p:nvSpPr>
+                <p:cNvPr id="80" name="TextBox 79"/>
+                <p:cNvSpPr txBox="1"/>
+                <p:nvPr/>
+              </p:nvSpPr>
+              <p:spPr>
+                <a:xfrm>
+                  <a:off x="5228954" y="5064786"/>
+                  <a:ext cx="1708738" cy="307777"/>
+                </a:xfrm>
+                <a:prstGeom prst="rect">
+                  <a:avLst/>
+                </a:prstGeom>
+                <a:noFill/>
+              </p:spPr>
+              <p:txBody>
+                <a:bodyPr wrap="none" lIns="0" tIns="0" rIns="0" bIns="0" rtlCol="0">
+                  <a:spAutoFit/>
+                </a:bodyPr>
+                <a:lstStyle/>
+                <a:p>
+                  <a14:m>
+                    <m:oMathPara xmlns:m="http://schemas.openxmlformats.org/officeDocument/2006/math">
+                      <m:oMathParaPr>
+                        <m:jc m:val="centerGroup"/>
+                      </m:oMathParaPr>
+                      <m:oMath xmlns:m="http://schemas.openxmlformats.org/officeDocument/2006/math">
+                        <m:r>
+                          <a:rPr lang="en-US" sz="2000" b="0" i="1" smtClean="0">
+                            <a:latin typeface="Cambria Math" panose="02040503050406030204" pitchFamily="18" charset="0"/>
+                            <a:cs typeface="Arial" panose="020B0604020202020204" pitchFamily="34" charset="0"/>
+                          </a:rPr>
+                          <m:t>𝐴𝐶𝑀𝐸</m:t>
+                        </m:r>
+                        <m:r>
+                          <a:rPr lang="en-US" sz="2000" b="0" i="1" smtClean="0">
+                            <a:latin typeface="Cambria Math" panose="02040503050406030204" pitchFamily="18" charset="0"/>
+                            <a:cs typeface="Arial" panose="020B0604020202020204" pitchFamily="34" charset="0"/>
+                          </a:rPr>
+                          <m:t> </m:t>
+                        </m:r>
+                        <m:r>
+                          <a:rPr lang="en-US" sz="2000" b="0" i="1" smtClean="0">
+                            <a:latin typeface="Cambria Math" panose="02040503050406030204" pitchFamily="18" charset="0"/>
+                            <a:cs typeface="Arial" panose="020B0604020202020204" pitchFamily="34" charset="0"/>
+                          </a:rPr>
+                          <m:t>𝑏𝑎𝑡𝑡𝑒𝑟𝑦</m:t>
+                        </m:r>
+                      </m:oMath>
+                    </m:oMathPara>
+                  </a14:m>
+                  <a:endParaRPr lang="en-US" sz="2000" dirty="0" smtClean="0">
+                    <a:latin typeface="Arial" panose="020B0604020202020204" pitchFamily="34" charset="0"/>
+                    <a:cs typeface="Arial" panose="020B0604020202020204" pitchFamily="34" charset="0"/>
+                  </a:endParaRPr>
+                </a:p>
+              </p:txBody>
+            </p:sp>
+          </mc:Choice>
+          <mc:Fallback>
+            <p:sp>
+              <p:nvSpPr>
+                <p:cNvPr id="80" name="TextBox 79"/>
+                <p:cNvSpPr txBox="1">
+                  <a:spLocks noRot="1" noChangeAspect="1" noMove="1" noResize="1" noEditPoints="1" noAdjustHandles="1" noChangeArrowheads="1" noChangeShapeType="1" noTextEdit="1"/>
+                </p:cNvSpPr>
+                <p:nvPr/>
+              </p:nvSpPr>
+              <p:spPr>
+                <a:xfrm>
+                  <a:off x="5228954" y="5064786"/>
+                  <a:ext cx="1708738" cy="307777"/>
+                </a:xfrm>
+                <a:prstGeom prst="rect">
+                  <a:avLst/>
+                </a:prstGeom>
+                <a:blipFill>
+                  <a:blip r:embed="rId5"/>
+                  <a:stretch>
+                    <a:fillRect l="-2857" r="-4286" b="-38000"/>
+                  </a:stretch>
+                </a:blipFill>
+              </p:spPr>
+              <p:txBody>
+                <a:bodyPr/>
+                <a:lstStyle/>
+                <a:p>
+                  <a:r>
+                    <a:rPr lang="en-US">
+                      <a:noFill/>
+                    </a:rPr>
+                    <a:t> </a:t>
+                  </a:r>
+                </a:p>
+              </p:txBody>
+            </p:sp>
+          </mc:Fallback>
+        </mc:AlternateContent>
+        <p:cxnSp>
+          <p:nvCxnSpPr>
+            <p:cNvPr id="82" name="Straight Arrow Connector 81"/>
+            <p:cNvCxnSpPr/>
+            <p:nvPr/>
+          </p:nvCxnSpPr>
+          <p:spPr>
+            <a:xfrm flipH="1" flipV="1">
+              <a:off x="4678202" y="3849235"/>
+              <a:ext cx="5330" cy="207597"/>
+            </a:xfrm>
+            <a:prstGeom prst="straightConnector1">
+              <a:avLst/>
+            </a:prstGeom>
+            <a:ln w="38100">
+              <a:solidFill>
+                <a:srgbClr val="FF0000"/>
+              </a:solidFill>
+              <a:tailEnd type="triangle"/>
+            </a:ln>
+          </p:spPr>
+          <p:style>
+            <a:lnRef idx="1">
+              <a:schemeClr val="accent1"/>
+            </a:lnRef>
+            <a:fillRef idx="0">
+              <a:schemeClr val="accent1"/>
+            </a:fillRef>
+            <a:effectRef idx="0">
+              <a:schemeClr val="accent1"/>
+            </a:effectRef>
+            <a:fontRef idx="minor">
+              <a:schemeClr val="tx1"/>
+            </a:fontRef>
+          </p:style>
+        </p:cxnSp>
+        <p:sp>
+          <p:nvSpPr>
+            <p:cNvPr id="89" name="Oval 88"/>
+            <p:cNvSpPr/>
+            <p:nvPr/>
+          </p:nvSpPr>
+          <p:spPr>
+            <a:xfrm>
+              <a:off x="4652089" y="4030719"/>
+              <a:ext cx="52226" cy="52226"/>
+            </a:xfrm>
+            <a:prstGeom prst="ellipse">
+              <a:avLst/>
+            </a:prstGeom>
+            <a:solidFill>
+              <a:srgbClr val="FF0000"/>
+            </a:solidFill>
+            <a:ln w="38100">
+              <a:solidFill>
+                <a:srgbClr val="FF0000"/>
+              </a:solidFill>
+            </a:ln>
+          </p:spPr>
+          <p:style>
+            <a:lnRef idx="2">
+              <a:schemeClr val="accent1">
+                <a:shade val="50000"/>
+              </a:schemeClr>
+            </a:lnRef>
+            <a:fillRef idx="1">
+              <a:schemeClr val="accent1"/>
+            </a:fillRef>
+            <a:effectRef idx="0">
+              <a:schemeClr val="accent1"/>
+            </a:effectRef>
+            <a:fontRef idx="minor">
+              <a:schemeClr val="lt1"/>
+            </a:fontRef>
+          </p:style>
+          <p:txBody>
+            <a:bodyPr rtlCol="0" anchor="ctr"/>
+            <a:lstStyle/>
+            <a:p>
+              <a:pPr algn="ctr"/>
+              <a:endParaRPr lang="en-US"/>
+            </a:p>
+          </p:txBody>
+        </p:sp>
+        <p:cxnSp>
+          <p:nvCxnSpPr>
+            <p:cNvPr id="97" name="Straight Arrow Connector 96"/>
+            <p:cNvCxnSpPr/>
+            <p:nvPr/>
+          </p:nvCxnSpPr>
+          <p:spPr>
+            <a:xfrm flipH="1">
+              <a:off x="7524077" y="3932657"/>
+              <a:ext cx="387" cy="212738"/>
+            </a:xfrm>
+            <a:prstGeom prst="straightConnector1">
+              <a:avLst/>
+            </a:prstGeom>
+            <a:ln w="38100">
+              <a:solidFill>
+                <a:srgbClr val="FF0000"/>
+              </a:solidFill>
+              <a:tailEnd type="triangle"/>
+            </a:ln>
+          </p:spPr>
+          <p:style>
+            <a:lnRef idx="1">
+              <a:schemeClr val="accent1"/>
+            </a:lnRef>
+            <a:fillRef idx="0">
+              <a:schemeClr val="accent1"/>
+            </a:fillRef>
+            <a:effectRef idx="0">
+              <a:schemeClr val="accent1"/>
+            </a:effectRef>
+            <a:fontRef idx="minor">
+              <a:schemeClr val="tx1"/>
+            </a:fontRef>
+          </p:style>
+        </p:cxnSp>
+        <p:sp>
+          <p:nvSpPr>
+            <p:cNvPr id="98" name="Oval 97"/>
+            <p:cNvSpPr/>
+            <p:nvPr/>
+          </p:nvSpPr>
+          <p:spPr>
+            <a:xfrm>
+              <a:off x="7492084" y="3906544"/>
+              <a:ext cx="52226" cy="52226"/>
+            </a:xfrm>
+            <a:prstGeom prst="ellipse">
+              <a:avLst/>
+            </a:prstGeom>
+            <a:solidFill>
+              <a:srgbClr val="FF0000"/>
+            </a:solidFill>
+            <a:ln w="38100">
+              <a:solidFill>
+                <a:srgbClr val="FF0000"/>
+              </a:solidFill>
+            </a:ln>
+          </p:spPr>
+          <p:style>
+            <a:lnRef idx="2">
+              <a:schemeClr val="accent1">
+                <a:shade val="50000"/>
+              </a:schemeClr>
+            </a:lnRef>
+            <a:fillRef idx="1">
+              <a:schemeClr val="accent1"/>
+            </a:fillRef>
+            <a:effectRef idx="0">
+              <a:schemeClr val="accent1"/>
+            </a:effectRef>
+            <a:fontRef idx="minor">
+              <a:schemeClr val="lt1"/>
+            </a:fontRef>
+          </p:style>
+          <p:txBody>
+            <a:bodyPr rtlCol="0" anchor="ctr"/>
+            <a:lstStyle/>
+            <a:p>
+              <a:pPr algn="ctr"/>
+              <a:endParaRPr lang="en-US"/>
+            </a:p>
+          </p:txBody>
+        </p:sp>
+        <mc:AlternateContent xmlns:mc="http://schemas.openxmlformats.org/markup-compatibility/2006">
+          <mc:Choice xmlns:a14="http://schemas.microsoft.com/office/drawing/2010/main" Requires="a14">
+            <p:sp>
+              <p:nvSpPr>
+                <p:cNvPr id="101" name="TextBox 100"/>
+                <p:cNvSpPr txBox="1"/>
+                <p:nvPr/>
+              </p:nvSpPr>
+              <p:spPr>
+                <a:xfrm>
+                  <a:off x="4730428" y="3837260"/>
+                  <a:ext cx="288862" cy="246221"/>
+                </a:xfrm>
+                <a:prstGeom prst="rect">
+                  <a:avLst/>
+                </a:prstGeom>
+                <a:noFill/>
+              </p:spPr>
+              <p:txBody>
+                <a:bodyPr wrap="none" lIns="0" tIns="0" rIns="0" bIns="0" rtlCol="0">
+                  <a:spAutoFit/>
+                </a:bodyPr>
+                <a:lstStyle/>
+                <a:p>
+                  <a14:m>
+                    <m:oMathPara xmlns:m="http://schemas.openxmlformats.org/officeDocument/2006/math">
+                      <m:oMathParaPr>
+                        <m:jc m:val="centerGroup"/>
+                      </m:oMathParaPr>
+                      <m:oMath xmlns:m="http://schemas.openxmlformats.org/officeDocument/2006/math">
+                        <m:sSup>
+                          <m:sSupPr>
+                            <m:ctrlPr>
+                              <a:rPr lang="en-US" sz="1600" b="0" i="1" smtClean="0">
+                                <a:solidFill>
+                                  <a:srgbClr val="FF0000"/>
+                                </a:solidFill>
+                                <a:latin typeface="Cambria Math" panose="02040503050406030204" pitchFamily="18" charset="0"/>
+                                <a:cs typeface="Arial" panose="020B0604020202020204" pitchFamily="34" charset="0"/>
+                              </a:rPr>
+                            </m:ctrlPr>
+                          </m:sSupPr>
+                          <m:e>
+                            <m:r>
+                              <a:rPr lang="en-US" sz="1600" b="0" i="1" smtClean="0">
+                                <a:solidFill>
+                                  <a:srgbClr val="FF0000"/>
+                                </a:solidFill>
+                                <a:latin typeface="Cambria Math" panose="02040503050406030204" pitchFamily="18" charset="0"/>
+                                <a:cs typeface="Arial" panose="020B0604020202020204" pitchFamily="34" charset="0"/>
+                              </a:rPr>
+                              <m:t>𝑒</m:t>
+                            </m:r>
+                          </m:e>
+                          <m:sup>
+                            <m:r>
+                              <a:rPr lang="en-US" sz="1600" b="0" i="1" smtClean="0">
+                                <a:solidFill>
+                                  <a:srgbClr val="FF0000"/>
+                                </a:solidFill>
+                                <a:latin typeface="Cambria Math" panose="02040503050406030204" pitchFamily="18" charset="0"/>
+                                <a:cs typeface="Arial" panose="020B0604020202020204" pitchFamily="34" charset="0"/>
+                              </a:rPr>
+                              <m:t>−</m:t>
+                            </m:r>
+                          </m:sup>
+                        </m:sSup>
+                      </m:oMath>
+                    </m:oMathPara>
+                  </a14:m>
+                  <a:endParaRPr lang="en-US" sz="1600" dirty="0" smtClean="0">
+                    <a:solidFill>
+                      <a:srgbClr val="FF0000"/>
+                    </a:solidFill>
+                    <a:latin typeface="Arial" panose="020B0604020202020204" pitchFamily="34" charset="0"/>
+                    <a:cs typeface="Arial" panose="020B0604020202020204" pitchFamily="34" charset="0"/>
+                  </a:endParaRPr>
+                </a:p>
+              </p:txBody>
+            </p:sp>
+          </mc:Choice>
+          <mc:Fallback>
+            <p:sp>
+              <p:nvSpPr>
+                <p:cNvPr id="101" name="TextBox 100"/>
+                <p:cNvSpPr txBox="1">
+                  <a:spLocks noRot="1" noChangeAspect="1" noMove="1" noResize="1" noEditPoints="1" noAdjustHandles="1" noChangeArrowheads="1" noChangeShapeType="1" noTextEdit="1"/>
+                </p:cNvSpPr>
+                <p:nvPr/>
+              </p:nvSpPr>
+              <p:spPr>
+                <a:xfrm>
+                  <a:off x="4730428" y="3837260"/>
+                  <a:ext cx="288862" cy="246221"/>
+                </a:xfrm>
+                <a:prstGeom prst="rect">
+                  <a:avLst/>
+                </a:prstGeom>
+                <a:blipFill>
+                  <a:blip r:embed="rId6"/>
+                  <a:stretch>
+                    <a:fillRect l="-8511"/>
+                  </a:stretch>
+                </a:blipFill>
+              </p:spPr>
+              <p:txBody>
+                <a:bodyPr/>
+                <a:lstStyle/>
+                <a:p>
+                  <a:r>
+                    <a:rPr lang="en-US">
+                      <a:noFill/>
+                    </a:rPr>
+                    <a:t> </a:t>
+                  </a:r>
+                </a:p>
+              </p:txBody>
+            </p:sp>
+          </mc:Fallback>
+        </mc:AlternateContent>
+        <mc:AlternateContent xmlns:mc="http://schemas.openxmlformats.org/markup-compatibility/2006">
+          <mc:Choice xmlns:a14="http://schemas.microsoft.com/office/drawing/2010/main" Requires="a14">
+            <p:sp>
+              <p:nvSpPr>
+                <p:cNvPr id="103" name="TextBox 102"/>
+                <p:cNvSpPr txBox="1"/>
+                <p:nvPr/>
+              </p:nvSpPr>
+              <p:spPr>
+                <a:xfrm>
+                  <a:off x="7195216" y="3762680"/>
+                  <a:ext cx="288862" cy="246221"/>
+                </a:xfrm>
+                <a:prstGeom prst="rect">
+                  <a:avLst/>
+                </a:prstGeom>
+                <a:noFill/>
+              </p:spPr>
+              <p:txBody>
+                <a:bodyPr wrap="none" lIns="0" tIns="0" rIns="0" bIns="0" rtlCol="0">
+                  <a:spAutoFit/>
+                </a:bodyPr>
+                <a:lstStyle/>
+                <a:p>
+                  <a14:m>
+                    <m:oMathPara xmlns:m="http://schemas.openxmlformats.org/officeDocument/2006/math">
+                      <m:oMathParaPr>
+                        <m:jc m:val="centerGroup"/>
+                      </m:oMathParaPr>
+                      <m:oMath xmlns:m="http://schemas.openxmlformats.org/officeDocument/2006/math">
+                        <m:sSup>
+                          <m:sSupPr>
+                            <m:ctrlPr>
+                              <a:rPr lang="en-US" sz="1600" b="0" i="1" smtClean="0">
+                                <a:solidFill>
+                                  <a:srgbClr val="FF0000"/>
+                                </a:solidFill>
+                                <a:latin typeface="Cambria Math" panose="02040503050406030204" pitchFamily="18" charset="0"/>
+                                <a:cs typeface="Arial" panose="020B0604020202020204" pitchFamily="34" charset="0"/>
+                              </a:rPr>
+                            </m:ctrlPr>
+                          </m:sSupPr>
+                          <m:e>
+                            <m:r>
+                              <a:rPr lang="en-US" sz="1600" b="0" i="1" smtClean="0">
+                                <a:solidFill>
+                                  <a:srgbClr val="FF0000"/>
+                                </a:solidFill>
+                                <a:latin typeface="Cambria Math" panose="02040503050406030204" pitchFamily="18" charset="0"/>
+                                <a:cs typeface="Arial" panose="020B0604020202020204" pitchFamily="34" charset="0"/>
+                              </a:rPr>
+                              <m:t>𝑒</m:t>
+                            </m:r>
+                          </m:e>
+                          <m:sup>
+                            <m:r>
+                              <a:rPr lang="en-US" sz="1600" b="0" i="1" smtClean="0">
+                                <a:solidFill>
+                                  <a:srgbClr val="FF0000"/>
+                                </a:solidFill>
+                                <a:latin typeface="Cambria Math" panose="02040503050406030204" pitchFamily="18" charset="0"/>
+                                <a:cs typeface="Arial" panose="020B0604020202020204" pitchFamily="34" charset="0"/>
+                              </a:rPr>
+                              <m:t>−</m:t>
+                            </m:r>
+                          </m:sup>
+                        </m:sSup>
+                      </m:oMath>
+                    </m:oMathPara>
+                  </a14:m>
+                  <a:endParaRPr lang="en-US" sz="1600" dirty="0" smtClean="0">
+                    <a:solidFill>
+                      <a:srgbClr val="FF0000"/>
+                    </a:solidFill>
+                    <a:latin typeface="Arial" panose="020B0604020202020204" pitchFamily="34" charset="0"/>
+                    <a:cs typeface="Arial" panose="020B0604020202020204" pitchFamily="34" charset="0"/>
+                  </a:endParaRPr>
+                </a:p>
+              </p:txBody>
+            </p:sp>
+          </mc:Choice>
+          <mc:Fallback>
+            <p:sp>
+              <p:nvSpPr>
+                <p:cNvPr id="103" name="TextBox 102"/>
+                <p:cNvSpPr txBox="1">
+                  <a:spLocks noRot="1" noChangeAspect="1" noMove="1" noResize="1" noEditPoints="1" noAdjustHandles="1" noChangeArrowheads="1" noChangeShapeType="1" noTextEdit="1"/>
+                </p:cNvSpPr>
+                <p:nvPr/>
+              </p:nvSpPr>
+              <p:spPr>
+                <a:xfrm>
+                  <a:off x="7195216" y="3762680"/>
+                  <a:ext cx="288862" cy="246221"/>
+                </a:xfrm>
+                <a:prstGeom prst="rect">
+                  <a:avLst/>
+                </a:prstGeom>
+                <a:blipFill>
+                  <a:blip r:embed="rId7"/>
+                  <a:stretch>
+                    <a:fillRect l="-6250"/>
+                  </a:stretch>
+                </a:blipFill>
+              </p:spPr>
+              <p:txBody>
+                <a:bodyPr/>
+                <a:lstStyle/>
+                <a:p>
+                  <a:r>
+                    <a:rPr lang="en-US">
+                      <a:noFill/>
+                    </a:rPr>
+                    <a:t> </a:t>
+                  </a:r>
+                </a:p>
+              </p:txBody>
+            </p:sp>
+          </mc:Fallback>
+        </mc:AlternateContent>
+        <p:grpSp>
+          <p:nvGrpSpPr>
+            <p:cNvPr id="129" name="Group 128"/>
+            <p:cNvGrpSpPr/>
+            <p:nvPr/>
+          </p:nvGrpSpPr>
+          <p:grpSpPr>
+            <a:xfrm>
+              <a:off x="4683532" y="3302889"/>
+              <a:ext cx="2840932" cy="467611"/>
+              <a:chOff x="5060373" y="3106862"/>
+              <a:chExt cx="2867891" cy="467611"/>
+            </a:xfrm>
+          </p:grpSpPr>
+          <p:sp>
+            <p:nvSpPr>
+              <p:cNvPr id="104" name="Rectangle 103"/>
+              <p:cNvSpPr/>
+              <p:nvPr/>
+            </p:nvSpPr>
+            <p:spPr>
+              <a:xfrm>
+                <a:off x="5060373" y="3106862"/>
+                <a:ext cx="2867891" cy="467611"/>
+              </a:xfrm>
+              <a:prstGeom prst="rect">
+                <a:avLst/>
+              </a:prstGeom>
+              <a:solidFill>
+                <a:schemeClr val="bg2">
+                  <a:lumMod val="90000"/>
+                </a:schemeClr>
+              </a:solidFill>
+              <a:ln w="38100">
+                <a:solidFill>
+                  <a:schemeClr val="tx1"/>
+                </a:solidFill>
+              </a:ln>
+            </p:spPr>
+            <p:style>
+              <a:lnRef idx="2">
+                <a:schemeClr val="accent1">
+                  <a:shade val="50000"/>
+                </a:schemeClr>
+              </a:lnRef>
+              <a:fillRef idx="1">
+                <a:schemeClr val="accent1"/>
+              </a:fillRef>
+              <a:effectRef idx="0">
+                <a:schemeClr val="accent1"/>
+              </a:effectRef>
+              <a:fontRef idx="minor">
+                <a:schemeClr val="lt1"/>
+              </a:fontRef>
+            </p:style>
+            <p:txBody>
+              <a:bodyPr rtlCol="0" anchor="ctr"/>
+              <a:lstStyle/>
+              <a:p>
+                <a:pPr algn="ctr"/>
+                <a:endParaRPr lang="en-US"/>
+              </a:p>
+            </p:txBody>
+          </p:sp>
+          <p:sp>
+            <p:nvSpPr>
+              <p:cNvPr id="90" name="Oval 89"/>
+              <p:cNvSpPr/>
+              <p:nvPr/>
+            </p:nvSpPr>
+            <p:spPr>
+              <a:xfrm>
+                <a:off x="5459518" y="3231069"/>
+                <a:ext cx="52226" cy="52226"/>
+              </a:xfrm>
+              <a:prstGeom prst="ellipse">
+                <a:avLst/>
+              </a:prstGeom>
+              <a:solidFill>
+                <a:srgbClr val="FF0000"/>
+              </a:solidFill>
+              <a:ln w="38100">
+                <a:solidFill>
+                  <a:srgbClr val="FF0000"/>
+                </a:solidFill>
+              </a:ln>
+            </p:spPr>
+            <p:style>
+              <a:lnRef idx="2">
+                <a:schemeClr val="accent1">
+                  <a:shade val="50000"/>
+                </a:schemeClr>
+              </a:lnRef>
+              <a:fillRef idx="1">
+                <a:schemeClr val="accent1"/>
+              </a:fillRef>
+              <a:effectRef idx="0">
+                <a:schemeClr val="accent1"/>
+              </a:effectRef>
+              <a:fontRef idx="minor">
+                <a:schemeClr val="lt1"/>
+              </a:fontRef>
+            </p:style>
+            <p:txBody>
+              <a:bodyPr rtlCol="0" anchor="ctr"/>
+              <a:lstStyle/>
+              <a:p>
+                <a:pPr algn="ctr"/>
+                <a:endParaRPr lang="en-US"/>
+              </a:p>
+            </p:txBody>
+          </p:sp>
+          <p:cxnSp>
+            <p:nvCxnSpPr>
+              <p:cNvPr id="92" name="Straight Arrow Connector 91"/>
+              <p:cNvCxnSpPr/>
+              <p:nvPr/>
+            </p:nvCxnSpPr>
+            <p:spPr>
+              <a:xfrm>
+                <a:off x="5513205" y="3257182"/>
+                <a:ext cx="195533" cy="0"/>
+              </a:xfrm>
+              <a:prstGeom prst="straightConnector1">
+                <a:avLst/>
+              </a:prstGeom>
+              <a:ln w="38100">
+                <a:solidFill>
+                  <a:srgbClr val="FF0000"/>
+                </a:solidFill>
+                <a:tailEnd type="triangle"/>
+              </a:ln>
+            </p:spPr>
+            <p:style>
+              <a:lnRef idx="1">
+                <a:schemeClr val="accent1"/>
+              </a:lnRef>
+              <a:fillRef idx="0">
+                <a:schemeClr val="accent1"/>
+              </a:fillRef>
+              <a:effectRef idx="0">
+                <a:schemeClr val="accent1"/>
+              </a:effectRef>
+              <a:fontRef idx="minor">
+                <a:schemeClr val="tx1"/>
+              </a:fontRef>
+            </p:style>
+          </p:cxnSp>
+          <p:sp>
+            <p:nvSpPr>
+              <p:cNvPr id="107" name="Oval 106"/>
+              <p:cNvSpPr/>
+              <p:nvPr/>
+            </p:nvSpPr>
+            <p:spPr>
+              <a:xfrm>
+                <a:off x="5213267" y="3389714"/>
+                <a:ext cx="52226" cy="52226"/>
+              </a:xfrm>
+              <a:prstGeom prst="ellipse">
+                <a:avLst/>
+              </a:prstGeom>
+              <a:solidFill>
+                <a:srgbClr val="FF0000"/>
+              </a:solidFill>
+              <a:ln w="38100">
+                <a:solidFill>
+                  <a:srgbClr val="FF0000"/>
+                </a:solidFill>
+              </a:ln>
+            </p:spPr>
+            <p:style>
+              <a:lnRef idx="2">
+                <a:schemeClr val="accent1">
+                  <a:shade val="50000"/>
+                </a:schemeClr>
+              </a:lnRef>
+              <a:fillRef idx="1">
+                <a:schemeClr val="accent1"/>
+              </a:fillRef>
+              <a:effectRef idx="0">
+                <a:schemeClr val="accent1"/>
+              </a:effectRef>
+              <a:fontRef idx="minor">
+                <a:schemeClr val="lt1"/>
+              </a:fontRef>
+            </p:style>
+            <p:txBody>
+              <a:bodyPr rtlCol="0" anchor="ctr"/>
+              <a:lstStyle/>
+              <a:p>
+                <a:pPr algn="ctr"/>
+                <a:endParaRPr lang="en-US"/>
+              </a:p>
+            </p:txBody>
+          </p:sp>
+          <p:cxnSp>
+            <p:nvCxnSpPr>
+              <p:cNvPr id="108" name="Straight Arrow Connector 107"/>
+              <p:cNvCxnSpPr/>
+              <p:nvPr/>
+            </p:nvCxnSpPr>
+            <p:spPr>
+              <a:xfrm>
+                <a:off x="5266954" y="3415827"/>
+                <a:ext cx="195533" cy="0"/>
+              </a:xfrm>
+              <a:prstGeom prst="straightConnector1">
+                <a:avLst/>
+              </a:prstGeom>
+              <a:ln w="38100">
+                <a:solidFill>
+                  <a:srgbClr val="FF0000"/>
+                </a:solidFill>
+                <a:tailEnd type="triangle"/>
+              </a:ln>
+            </p:spPr>
+            <p:style>
+              <a:lnRef idx="1">
+                <a:schemeClr val="accent1"/>
+              </a:lnRef>
+              <a:fillRef idx="0">
+                <a:schemeClr val="accent1"/>
+              </a:fillRef>
+              <a:effectRef idx="0">
+                <a:schemeClr val="accent1"/>
+              </a:effectRef>
+              <a:fontRef idx="minor">
+                <a:schemeClr val="tx1"/>
+              </a:fontRef>
+            </p:style>
+          </p:cxnSp>
+          <p:sp>
+            <p:nvSpPr>
+              <p:cNvPr id="109" name="Oval 108"/>
+              <p:cNvSpPr/>
+              <p:nvPr/>
+            </p:nvSpPr>
+            <p:spPr>
+              <a:xfrm>
+                <a:off x="5857202" y="3231069"/>
+                <a:ext cx="52226" cy="52226"/>
+              </a:xfrm>
+              <a:prstGeom prst="ellipse">
+                <a:avLst/>
+              </a:prstGeom>
+              <a:solidFill>
+                <a:srgbClr val="FF0000"/>
+              </a:solidFill>
+              <a:ln w="38100">
+                <a:solidFill>
+                  <a:srgbClr val="FF0000"/>
+                </a:solidFill>
+              </a:ln>
+            </p:spPr>
+            <p:style>
+              <a:lnRef idx="2">
+                <a:schemeClr val="accent1">
+                  <a:shade val="50000"/>
+                </a:schemeClr>
+              </a:lnRef>
+              <a:fillRef idx="1">
+                <a:schemeClr val="accent1"/>
+              </a:fillRef>
+              <a:effectRef idx="0">
+                <a:schemeClr val="accent1"/>
+              </a:effectRef>
+              <a:fontRef idx="minor">
+                <a:schemeClr val="lt1"/>
+              </a:fontRef>
+            </p:style>
+            <p:txBody>
+              <a:bodyPr rtlCol="0" anchor="ctr"/>
+              <a:lstStyle/>
+              <a:p>
+                <a:pPr algn="ctr"/>
+                <a:endParaRPr lang="en-US"/>
+              </a:p>
+            </p:txBody>
+          </p:sp>
+          <p:cxnSp>
+            <p:nvCxnSpPr>
+              <p:cNvPr id="110" name="Straight Arrow Connector 109"/>
+              <p:cNvCxnSpPr/>
+              <p:nvPr/>
+            </p:nvCxnSpPr>
+            <p:spPr>
+              <a:xfrm>
+                <a:off x="5910889" y="3257182"/>
+                <a:ext cx="195533" cy="0"/>
+              </a:xfrm>
+              <a:prstGeom prst="straightConnector1">
+                <a:avLst/>
+              </a:prstGeom>
+              <a:ln w="38100">
+                <a:solidFill>
+                  <a:srgbClr val="FF0000"/>
+                </a:solidFill>
+                <a:tailEnd type="triangle"/>
+              </a:ln>
+            </p:spPr>
+            <p:style>
+              <a:lnRef idx="1">
+                <a:schemeClr val="accent1"/>
+              </a:lnRef>
+              <a:fillRef idx="0">
+                <a:schemeClr val="accent1"/>
+              </a:fillRef>
+              <a:effectRef idx="0">
+                <a:schemeClr val="accent1"/>
+              </a:effectRef>
+              <a:fontRef idx="minor">
+                <a:schemeClr val="tx1"/>
+              </a:fontRef>
+            </p:style>
+          </p:cxnSp>
+          <p:sp>
+            <p:nvSpPr>
+              <p:cNvPr id="111" name="Oval 110"/>
+              <p:cNvSpPr/>
+              <p:nvPr/>
+            </p:nvSpPr>
+            <p:spPr>
+              <a:xfrm>
+                <a:off x="5757974" y="3378392"/>
+                <a:ext cx="52226" cy="52226"/>
+              </a:xfrm>
+              <a:prstGeom prst="ellipse">
+                <a:avLst/>
+              </a:prstGeom>
+              <a:solidFill>
+                <a:srgbClr val="FF0000"/>
+              </a:solidFill>
+              <a:ln w="38100">
+                <a:solidFill>
+                  <a:srgbClr val="FF0000"/>
+                </a:solidFill>
+              </a:ln>
+            </p:spPr>
+            <p:style>
+              <a:lnRef idx="2">
+                <a:schemeClr val="accent1">
+                  <a:shade val="50000"/>
+                </a:schemeClr>
+              </a:lnRef>
+              <a:fillRef idx="1">
+                <a:schemeClr val="accent1"/>
+              </a:fillRef>
+              <a:effectRef idx="0">
+                <a:schemeClr val="accent1"/>
+              </a:effectRef>
+              <a:fontRef idx="minor">
+                <a:schemeClr val="lt1"/>
+              </a:fontRef>
+            </p:style>
+            <p:txBody>
+              <a:bodyPr rtlCol="0" anchor="ctr"/>
+              <a:lstStyle/>
+              <a:p>
+                <a:pPr algn="ctr"/>
+                <a:endParaRPr lang="en-US"/>
+              </a:p>
+            </p:txBody>
+          </p:sp>
+          <p:cxnSp>
+            <p:nvCxnSpPr>
+              <p:cNvPr id="112" name="Straight Arrow Connector 111"/>
+              <p:cNvCxnSpPr/>
+              <p:nvPr/>
+            </p:nvCxnSpPr>
+            <p:spPr>
+              <a:xfrm>
+                <a:off x="5811661" y="3404505"/>
+                <a:ext cx="195533" cy="0"/>
+              </a:xfrm>
+              <a:prstGeom prst="straightConnector1">
+                <a:avLst/>
+              </a:prstGeom>
+              <a:ln w="38100">
+                <a:solidFill>
+                  <a:srgbClr val="FF0000"/>
+                </a:solidFill>
+                <a:tailEnd type="triangle"/>
+              </a:ln>
+            </p:spPr>
+            <p:style>
+              <a:lnRef idx="1">
+                <a:schemeClr val="accent1"/>
+              </a:lnRef>
+              <a:fillRef idx="0">
+                <a:schemeClr val="accent1"/>
+              </a:fillRef>
+              <a:effectRef idx="0">
+                <a:schemeClr val="accent1"/>
+              </a:effectRef>
+              <a:fontRef idx="minor">
+                <a:schemeClr val="tx1"/>
+              </a:fontRef>
+            </p:style>
+          </p:cxnSp>
+          <p:sp>
+            <p:nvSpPr>
+              <p:cNvPr id="113" name="Oval 112"/>
+              <p:cNvSpPr/>
+              <p:nvPr/>
+            </p:nvSpPr>
+            <p:spPr>
+              <a:xfrm>
+                <a:off x="6124506" y="3306066"/>
+                <a:ext cx="52226" cy="52226"/>
+              </a:xfrm>
+              <a:prstGeom prst="ellipse">
+                <a:avLst/>
+              </a:prstGeom>
+              <a:solidFill>
+                <a:srgbClr val="FF0000"/>
+              </a:solidFill>
+              <a:ln w="38100">
+                <a:solidFill>
+                  <a:srgbClr val="FF0000"/>
+                </a:solidFill>
+              </a:ln>
+            </p:spPr>
+            <p:style>
+              <a:lnRef idx="2">
+                <a:schemeClr val="accent1">
+                  <a:shade val="50000"/>
+                </a:schemeClr>
+              </a:lnRef>
+              <a:fillRef idx="1">
+                <a:schemeClr val="accent1"/>
+              </a:fillRef>
+              <a:effectRef idx="0">
+                <a:schemeClr val="accent1"/>
+              </a:effectRef>
+              <a:fontRef idx="minor">
+                <a:schemeClr val="lt1"/>
+              </a:fontRef>
+            </p:style>
+            <p:txBody>
+              <a:bodyPr rtlCol="0" anchor="ctr"/>
+              <a:lstStyle/>
+              <a:p>
+                <a:pPr algn="ctr"/>
+                <a:endParaRPr lang="en-US"/>
+              </a:p>
+            </p:txBody>
+          </p:sp>
+          <p:cxnSp>
+            <p:nvCxnSpPr>
+              <p:cNvPr id="114" name="Straight Arrow Connector 113"/>
+              <p:cNvCxnSpPr/>
+              <p:nvPr/>
+            </p:nvCxnSpPr>
+            <p:spPr>
+              <a:xfrm>
+                <a:off x="6178193" y="3332179"/>
+                <a:ext cx="195533" cy="0"/>
+              </a:xfrm>
+              <a:prstGeom prst="straightConnector1">
+                <a:avLst/>
+              </a:prstGeom>
+              <a:ln w="38100">
+                <a:solidFill>
+                  <a:srgbClr val="FF0000"/>
+                </a:solidFill>
+                <a:tailEnd type="triangle"/>
+              </a:ln>
+            </p:spPr>
+            <p:style>
+              <a:lnRef idx="1">
+                <a:schemeClr val="accent1"/>
+              </a:lnRef>
+              <a:fillRef idx="0">
+                <a:schemeClr val="accent1"/>
+              </a:fillRef>
+              <a:effectRef idx="0">
+                <a:schemeClr val="accent1"/>
+              </a:effectRef>
+              <a:fontRef idx="minor">
+                <a:schemeClr val="tx1"/>
+              </a:fontRef>
+            </p:style>
+          </p:cxnSp>
+          <p:sp>
+            <p:nvSpPr>
+              <p:cNvPr id="115" name="Oval 114"/>
+              <p:cNvSpPr/>
+              <p:nvPr/>
+            </p:nvSpPr>
+            <p:spPr>
+              <a:xfrm>
+                <a:off x="6381148" y="3193439"/>
+                <a:ext cx="52226" cy="52226"/>
+              </a:xfrm>
+              <a:prstGeom prst="ellipse">
+                <a:avLst/>
+              </a:prstGeom>
+              <a:solidFill>
+                <a:srgbClr val="FF0000"/>
+              </a:solidFill>
+              <a:ln w="38100">
+                <a:solidFill>
+                  <a:srgbClr val="FF0000"/>
+                </a:solidFill>
+              </a:ln>
+            </p:spPr>
+            <p:style>
+              <a:lnRef idx="2">
+                <a:schemeClr val="accent1">
+                  <a:shade val="50000"/>
+                </a:schemeClr>
+              </a:lnRef>
+              <a:fillRef idx="1">
+                <a:schemeClr val="accent1"/>
+              </a:fillRef>
+              <a:effectRef idx="0">
+                <a:schemeClr val="accent1"/>
+              </a:effectRef>
+              <a:fontRef idx="minor">
+                <a:schemeClr val="lt1"/>
+              </a:fontRef>
+            </p:style>
+            <p:txBody>
+              <a:bodyPr rtlCol="0" anchor="ctr"/>
+              <a:lstStyle/>
+              <a:p>
+                <a:pPr algn="ctr"/>
+                <a:endParaRPr lang="en-US"/>
+              </a:p>
+            </p:txBody>
+          </p:sp>
+          <p:cxnSp>
+            <p:nvCxnSpPr>
+              <p:cNvPr id="116" name="Straight Arrow Connector 115"/>
+              <p:cNvCxnSpPr/>
+              <p:nvPr/>
+            </p:nvCxnSpPr>
+            <p:spPr>
+              <a:xfrm>
+                <a:off x="6434835" y="3219552"/>
+                <a:ext cx="195533" cy="0"/>
+              </a:xfrm>
+              <a:prstGeom prst="straightConnector1">
+                <a:avLst/>
+              </a:prstGeom>
+              <a:ln w="38100">
+                <a:solidFill>
+                  <a:srgbClr val="FF0000"/>
+                </a:solidFill>
+                <a:tailEnd type="triangle"/>
+              </a:ln>
+            </p:spPr>
+            <p:style>
+              <a:lnRef idx="1">
+                <a:schemeClr val="accent1"/>
+              </a:lnRef>
+              <a:fillRef idx="0">
+                <a:schemeClr val="accent1"/>
+              </a:fillRef>
+              <a:effectRef idx="0">
+                <a:schemeClr val="accent1"/>
+              </a:effectRef>
+              <a:fontRef idx="minor">
+                <a:schemeClr val="tx1"/>
+              </a:fontRef>
+            </p:style>
+          </p:cxnSp>
+          <p:sp>
+            <p:nvSpPr>
+              <p:cNvPr id="117" name="Oval 116"/>
+              <p:cNvSpPr/>
+              <p:nvPr/>
+            </p:nvSpPr>
+            <p:spPr>
+              <a:xfrm>
+                <a:off x="6663788" y="3268699"/>
+                <a:ext cx="52226" cy="52226"/>
+              </a:xfrm>
+              <a:prstGeom prst="ellipse">
+                <a:avLst/>
+              </a:prstGeom>
+              <a:solidFill>
+                <a:srgbClr val="FF0000"/>
+              </a:solidFill>
+              <a:ln w="38100">
+                <a:solidFill>
+                  <a:srgbClr val="FF0000"/>
+                </a:solidFill>
+              </a:ln>
+            </p:spPr>
+            <p:style>
+              <a:lnRef idx="2">
+                <a:schemeClr val="accent1">
+                  <a:shade val="50000"/>
+                </a:schemeClr>
+              </a:lnRef>
+              <a:fillRef idx="1">
+                <a:schemeClr val="accent1"/>
+              </a:fillRef>
+              <a:effectRef idx="0">
+                <a:schemeClr val="accent1"/>
+              </a:effectRef>
+              <a:fontRef idx="minor">
+                <a:schemeClr val="lt1"/>
+              </a:fontRef>
+            </p:style>
+            <p:txBody>
+              <a:bodyPr rtlCol="0" anchor="ctr"/>
+              <a:lstStyle/>
+              <a:p>
+                <a:pPr algn="ctr"/>
+                <a:endParaRPr lang="en-US"/>
+              </a:p>
+            </p:txBody>
+          </p:sp>
+          <p:cxnSp>
+            <p:nvCxnSpPr>
+              <p:cNvPr id="118" name="Straight Arrow Connector 117"/>
+              <p:cNvCxnSpPr/>
+              <p:nvPr/>
+            </p:nvCxnSpPr>
+            <p:spPr>
+              <a:xfrm>
+                <a:off x="6717475" y="3294812"/>
+                <a:ext cx="195533" cy="0"/>
+              </a:xfrm>
+              <a:prstGeom prst="straightConnector1">
+                <a:avLst/>
+              </a:prstGeom>
+              <a:ln w="38100">
+                <a:solidFill>
+                  <a:srgbClr val="FF0000"/>
+                </a:solidFill>
+                <a:tailEnd type="triangle"/>
+              </a:ln>
+            </p:spPr>
+            <p:style>
+              <a:lnRef idx="1">
+                <a:schemeClr val="accent1"/>
+              </a:lnRef>
+              <a:fillRef idx="0">
+                <a:schemeClr val="accent1"/>
+              </a:fillRef>
+              <a:effectRef idx="0">
+                <a:schemeClr val="accent1"/>
+              </a:effectRef>
+              <a:fontRef idx="minor">
+                <a:schemeClr val="tx1"/>
+              </a:fontRef>
+            </p:style>
+          </p:cxnSp>
+          <p:sp>
+            <p:nvSpPr>
+              <p:cNvPr id="119" name="Oval 118"/>
+              <p:cNvSpPr/>
+              <p:nvPr/>
+            </p:nvSpPr>
+            <p:spPr>
+              <a:xfrm>
+                <a:off x="6417537" y="3427344"/>
+                <a:ext cx="52226" cy="52226"/>
+              </a:xfrm>
+              <a:prstGeom prst="ellipse">
+                <a:avLst/>
+              </a:prstGeom>
+              <a:solidFill>
+                <a:srgbClr val="FF0000"/>
+              </a:solidFill>
+              <a:ln w="38100">
+                <a:solidFill>
+                  <a:srgbClr val="FF0000"/>
+                </a:solidFill>
+              </a:ln>
+            </p:spPr>
+            <p:style>
+              <a:lnRef idx="2">
+                <a:schemeClr val="accent1">
+                  <a:shade val="50000"/>
+                </a:schemeClr>
+              </a:lnRef>
+              <a:fillRef idx="1">
+                <a:schemeClr val="accent1"/>
+              </a:fillRef>
+              <a:effectRef idx="0">
+                <a:schemeClr val="accent1"/>
+              </a:effectRef>
+              <a:fontRef idx="minor">
+                <a:schemeClr val="lt1"/>
+              </a:fontRef>
+            </p:style>
+            <p:txBody>
+              <a:bodyPr rtlCol="0" anchor="ctr"/>
+              <a:lstStyle/>
+              <a:p>
+                <a:pPr algn="ctr"/>
+                <a:endParaRPr lang="en-US"/>
+              </a:p>
+            </p:txBody>
+          </p:sp>
+          <p:cxnSp>
+            <p:nvCxnSpPr>
+              <p:cNvPr id="120" name="Straight Arrow Connector 119"/>
+              <p:cNvCxnSpPr/>
+              <p:nvPr/>
+            </p:nvCxnSpPr>
+            <p:spPr>
+              <a:xfrm>
+                <a:off x="6471224" y="3453457"/>
+                <a:ext cx="195533" cy="0"/>
+              </a:xfrm>
+              <a:prstGeom prst="straightConnector1">
+                <a:avLst/>
+              </a:prstGeom>
+              <a:ln w="38100">
+                <a:solidFill>
+                  <a:srgbClr val="FF0000"/>
+                </a:solidFill>
+                <a:tailEnd type="triangle"/>
+              </a:ln>
+            </p:spPr>
+            <p:style>
+              <a:lnRef idx="1">
+                <a:schemeClr val="accent1"/>
+              </a:lnRef>
+              <a:fillRef idx="0">
+                <a:schemeClr val="accent1"/>
+              </a:fillRef>
+              <a:effectRef idx="0">
+                <a:schemeClr val="accent1"/>
+              </a:effectRef>
+              <a:fontRef idx="minor">
+                <a:schemeClr val="tx1"/>
+              </a:fontRef>
+            </p:style>
+          </p:cxnSp>
+          <p:sp>
+            <p:nvSpPr>
+              <p:cNvPr id="121" name="Oval 120"/>
+              <p:cNvSpPr/>
+              <p:nvPr/>
+            </p:nvSpPr>
+            <p:spPr>
+              <a:xfrm>
+                <a:off x="7061472" y="3268699"/>
+                <a:ext cx="52226" cy="52226"/>
+              </a:xfrm>
+              <a:prstGeom prst="ellipse">
+                <a:avLst/>
+              </a:prstGeom>
+              <a:solidFill>
+                <a:srgbClr val="FF0000"/>
+              </a:solidFill>
+              <a:ln w="38100">
+                <a:solidFill>
+                  <a:srgbClr val="FF0000"/>
+                </a:solidFill>
+              </a:ln>
+            </p:spPr>
+            <p:style>
+              <a:lnRef idx="2">
+                <a:schemeClr val="accent1">
+                  <a:shade val="50000"/>
+                </a:schemeClr>
+              </a:lnRef>
+              <a:fillRef idx="1">
+                <a:schemeClr val="accent1"/>
+              </a:fillRef>
+              <a:effectRef idx="0">
+                <a:schemeClr val="accent1"/>
+              </a:effectRef>
+              <a:fontRef idx="minor">
+                <a:schemeClr val="lt1"/>
+              </a:fontRef>
+            </p:style>
+            <p:txBody>
+              <a:bodyPr rtlCol="0" anchor="ctr"/>
+              <a:lstStyle/>
+              <a:p>
+                <a:pPr algn="ctr"/>
+                <a:endParaRPr lang="en-US"/>
+              </a:p>
+            </p:txBody>
+          </p:sp>
+          <p:cxnSp>
+            <p:nvCxnSpPr>
+              <p:cNvPr id="122" name="Straight Arrow Connector 121"/>
+              <p:cNvCxnSpPr/>
+              <p:nvPr/>
+            </p:nvCxnSpPr>
+            <p:spPr>
+              <a:xfrm>
+                <a:off x="7115159" y="3294812"/>
+                <a:ext cx="195533" cy="0"/>
+              </a:xfrm>
+              <a:prstGeom prst="straightConnector1">
+                <a:avLst/>
+              </a:prstGeom>
+              <a:ln w="38100">
+                <a:solidFill>
+                  <a:srgbClr val="FF0000"/>
+                </a:solidFill>
+                <a:tailEnd type="triangle"/>
+              </a:ln>
+            </p:spPr>
+            <p:style>
+              <a:lnRef idx="1">
+                <a:schemeClr val="accent1"/>
+              </a:lnRef>
+              <a:fillRef idx="0">
+                <a:schemeClr val="accent1"/>
+              </a:fillRef>
+              <a:effectRef idx="0">
+                <a:schemeClr val="accent1"/>
+              </a:effectRef>
+              <a:fontRef idx="minor">
+                <a:schemeClr val="tx1"/>
+              </a:fontRef>
+            </p:style>
+          </p:cxnSp>
+          <p:sp>
+            <p:nvSpPr>
+              <p:cNvPr id="123" name="Oval 122"/>
+              <p:cNvSpPr/>
+              <p:nvPr/>
+            </p:nvSpPr>
+            <p:spPr>
+              <a:xfrm>
+                <a:off x="6962244" y="3416022"/>
+                <a:ext cx="52226" cy="52226"/>
+              </a:xfrm>
+              <a:prstGeom prst="ellipse">
+                <a:avLst/>
+              </a:prstGeom>
+              <a:solidFill>
+                <a:srgbClr val="FF0000"/>
+              </a:solidFill>
+              <a:ln w="38100">
+                <a:solidFill>
+                  <a:srgbClr val="FF0000"/>
+                </a:solidFill>
+              </a:ln>
+            </p:spPr>
+            <p:style>
+              <a:lnRef idx="2">
+                <a:schemeClr val="accent1">
+                  <a:shade val="50000"/>
+                </a:schemeClr>
+              </a:lnRef>
+              <a:fillRef idx="1">
+                <a:schemeClr val="accent1"/>
+              </a:fillRef>
+              <a:effectRef idx="0">
+                <a:schemeClr val="accent1"/>
+              </a:effectRef>
+              <a:fontRef idx="minor">
+                <a:schemeClr val="lt1"/>
+              </a:fontRef>
+            </p:style>
+            <p:txBody>
+              <a:bodyPr rtlCol="0" anchor="ctr"/>
+              <a:lstStyle/>
+              <a:p>
+                <a:pPr algn="ctr"/>
+                <a:endParaRPr lang="en-US"/>
+              </a:p>
+            </p:txBody>
+          </p:sp>
+          <p:cxnSp>
+            <p:nvCxnSpPr>
+              <p:cNvPr id="124" name="Straight Arrow Connector 123"/>
+              <p:cNvCxnSpPr/>
+              <p:nvPr/>
+            </p:nvCxnSpPr>
+            <p:spPr>
+              <a:xfrm>
+                <a:off x="7015931" y="3442135"/>
+                <a:ext cx="195533" cy="0"/>
+              </a:xfrm>
+              <a:prstGeom prst="straightConnector1">
+                <a:avLst/>
+              </a:prstGeom>
+              <a:ln w="38100">
+                <a:solidFill>
+                  <a:srgbClr val="FF0000"/>
+                </a:solidFill>
+                <a:tailEnd type="triangle"/>
+              </a:ln>
+            </p:spPr>
+            <p:style>
+              <a:lnRef idx="1">
+                <a:schemeClr val="accent1"/>
+              </a:lnRef>
+              <a:fillRef idx="0">
+                <a:schemeClr val="accent1"/>
+              </a:fillRef>
+              <a:effectRef idx="0">
+                <a:schemeClr val="accent1"/>
+              </a:effectRef>
+              <a:fontRef idx="minor">
+                <a:schemeClr val="tx1"/>
+              </a:fontRef>
+            </p:style>
+          </p:cxnSp>
+          <p:sp>
+            <p:nvSpPr>
+              <p:cNvPr id="125" name="Oval 124"/>
+              <p:cNvSpPr/>
+              <p:nvPr/>
+            </p:nvSpPr>
+            <p:spPr>
+              <a:xfrm>
+                <a:off x="7328776" y="3343696"/>
+                <a:ext cx="52226" cy="52226"/>
+              </a:xfrm>
+              <a:prstGeom prst="ellipse">
+                <a:avLst/>
+              </a:prstGeom>
+              <a:solidFill>
+                <a:srgbClr val="FF0000"/>
+              </a:solidFill>
+              <a:ln w="38100">
+                <a:solidFill>
+                  <a:srgbClr val="FF0000"/>
+                </a:solidFill>
+              </a:ln>
+            </p:spPr>
+            <p:style>
+              <a:lnRef idx="2">
+                <a:schemeClr val="accent1">
+                  <a:shade val="50000"/>
+                </a:schemeClr>
+              </a:lnRef>
+              <a:fillRef idx="1">
+                <a:schemeClr val="accent1"/>
+              </a:fillRef>
+              <a:effectRef idx="0">
+                <a:schemeClr val="accent1"/>
+              </a:effectRef>
+              <a:fontRef idx="minor">
+                <a:schemeClr val="lt1"/>
+              </a:fontRef>
+            </p:style>
+            <p:txBody>
+              <a:bodyPr rtlCol="0" anchor="ctr"/>
+              <a:lstStyle/>
+              <a:p>
+                <a:pPr algn="ctr"/>
+                <a:endParaRPr lang="en-US"/>
+              </a:p>
+            </p:txBody>
+          </p:sp>
+          <p:cxnSp>
+            <p:nvCxnSpPr>
+              <p:cNvPr id="126" name="Straight Arrow Connector 125"/>
+              <p:cNvCxnSpPr/>
+              <p:nvPr/>
+            </p:nvCxnSpPr>
+            <p:spPr>
+              <a:xfrm>
+                <a:off x="7382463" y="3369809"/>
+                <a:ext cx="195533" cy="0"/>
+              </a:xfrm>
+              <a:prstGeom prst="straightConnector1">
+                <a:avLst/>
+              </a:prstGeom>
+              <a:ln w="38100">
+                <a:solidFill>
+                  <a:srgbClr val="FF0000"/>
+                </a:solidFill>
+                <a:tailEnd type="triangle"/>
+              </a:ln>
+            </p:spPr>
+            <p:style>
+              <a:lnRef idx="1">
+                <a:schemeClr val="accent1"/>
+              </a:lnRef>
+              <a:fillRef idx="0">
+                <a:schemeClr val="accent1"/>
+              </a:fillRef>
+              <a:effectRef idx="0">
+                <a:schemeClr val="accent1"/>
+              </a:effectRef>
+              <a:fontRef idx="minor">
+                <a:schemeClr val="tx1"/>
+              </a:fontRef>
+            </p:style>
+          </p:cxnSp>
+          <p:sp>
+            <p:nvSpPr>
+              <p:cNvPr id="127" name="Oval 126"/>
+              <p:cNvSpPr/>
+              <p:nvPr/>
+            </p:nvSpPr>
+            <p:spPr>
+              <a:xfrm>
+                <a:off x="7585418" y="3231069"/>
+                <a:ext cx="52226" cy="52226"/>
+              </a:xfrm>
+              <a:prstGeom prst="ellipse">
+                <a:avLst/>
+              </a:prstGeom>
+              <a:solidFill>
+                <a:srgbClr val="FF0000"/>
+              </a:solidFill>
+              <a:ln w="38100">
+                <a:solidFill>
+                  <a:srgbClr val="FF0000"/>
+                </a:solidFill>
+              </a:ln>
+            </p:spPr>
+            <p:style>
+              <a:lnRef idx="2">
+                <a:schemeClr val="accent1">
+                  <a:shade val="50000"/>
+                </a:schemeClr>
+              </a:lnRef>
+              <a:fillRef idx="1">
+                <a:schemeClr val="accent1"/>
+              </a:fillRef>
+              <a:effectRef idx="0">
+                <a:schemeClr val="accent1"/>
+              </a:effectRef>
+              <a:fontRef idx="minor">
+                <a:schemeClr val="lt1"/>
+              </a:fontRef>
+            </p:style>
+            <p:txBody>
+              <a:bodyPr rtlCol="0" anchor="ctr"/>
+              <a:lstStyle/>
+              <a:p>
+                <a:pPr algn="ctr"/>
+                <a:endParaRPr lang="en-US"/>
+              </a:p>
+            </p:txBody>
+          </p:sp>
+          <p:cxnSp>
+            <p:nvCxnSpPr>
+              <p:cNvPr id="128" name="Straight Arrow Connector 127"/>
+              <p:cNvCxnSpPr/>
+              <p:nvPr/>
+            </p:nvCxnSpPr>
+            <p:spPr>
+              <a:xfrm>
+                <a:off x="7639105" y="3257182"/>
+                <a:ext cx="195533" cy="0"/>
+              </a:xfrm>
+              <a:prstGeom prst="straightConnector1">
+                <a:avLst/>
+              </a:prstGeom>
+              <a:ln w="38100">
+                <a:solidFill>
+                  <a:srgbClr val="FF0000"/>
+                </a:solidFill>
+                <a:tailEnd type="triangle"/>
+              </a:ln>
+            </p:spPr>
+            <p:style>
+              <a:lnRef idx="1">
+                <a:schemeClr val="accent1"/>
+              </a:lnRef>
+              <a:fillRef idx="0">
+                <a:schemeClr val="accent1"/>
+              </a:fillRef>
+              <a:effectRef idx="0">
+                <a:schemeClr val="accent1"/>
+              </a:effectRef>
+              <a:fontRef idx="minor">
+                <a:schemeClr val="tx1"/>
+              </a:fontRef>
+            </p:style>
+          </p:cxnSp>
+        </p:grpSp>
+        <p:sp>
+          <p:nvSpPr>
+            <p:cNvPr id="133" name="Rounded Rectangle 132"/>
+            <p:cNvSpPr/>
+            <p:nvPr/>
+          </p:nvSpPr>
+          <p:spPr>
+            <a:xfrm>
+              <a:off x="7243766" y="4308350"/>
+              <a:ext cx="566170" cy="268526"/>
+            </a:xfrm>
+            <a:prstGeom prst="roundRect">
+              <a:avLst/>
+            </a:prstGeom>
+            <a:noFill/>
+            <a:ln w="38100">
+              <a:solidFill>
+                <a:schemeClr val="tx1"/>
+              </a:solidFill>
+            </a:ln>
+          </p:spPr>
+          <p:style>
+            <a:lnRef idx="2">
+              <a:schemeClr val="accent1">
+                <a:shade val="50000"/>
+              </a:schemeClr>
+            </a:lnRef>
+            <a:fillRef idx="1">
+              <a:schemeClr val="accent1"/>
+            </a:fillRef>
+            <a:effectRef idx="0">
+              <a:schemeClr val="accent1"/>
+            </a:effectRef>
+            <a:fontRef idx="minor">
+              <a:schemeClr val="lt1"/>
+            </a:fontRef>
+          </p:style>
+          <p:txBody>
+            <a:bodyPr rtlCol="0" anchor="ctr"/>
+            <a:lstStyle/>
+            <a:p>
+              <a:pPr algn="ctr"/>
+              <a:endParaRPr lang="en-US"/>
+            </a:p>
+          </p:txBody>
+        </p:sp>
+        <p:cxnSp>
+          <p:nvCxnSpPr>
+            <p:cNvPr id="135" name="Straight Arrow Connector 134"/>
+            <p:cNvCxnSpPr/>
+            <p:nvPr/>
+          </p:nvCxnSpPr>
+          <p:spPr>
+            <a:xfrm>
+              <a:off x="5400442" y="3932657"/>
+              <a:ext cx="1317112" cy="0"/>
+            </a:xfrm>
+            <a:prstGeom prst="straightConnector1">
+              <a:avLst/>
+            </a:prstGeom>
+            <a:ln w="38100">
+              <a:solidFill>
+                <a:srgbClr val="FF0000"/>
+              </a:solidFill>
+              <a:tailEnd type="triangle"/>
+            </a:ln>
+          </p:spPr>
+          <p:style>
+            <a:lnRef idx="1">
+              <a:schemeClr val="accent1"/>
+            </a:lnRef>
+            <a:fillRef idx="0">
+              <a:schemeClr val="accent1"/>
+            </a:fillRef>
+            <a:effectRef idx="0">
+              <a:schemeClr val="accent1"/>
+            </a:effectRef>
+            <a:fontRef idx="minor">
+              <a:schemeClr val="tx1"/>
+            </a:fontRef>
+          </p:style>
+        </p:cxnSp>
+        <mc:AlternateContent xmlns:mc="http://schemas.openxmlformats.org/markup-compatibility/2006">
+          <mc:Choice xmlns:a14="http://schemas.microsoft.com/office/drawing/2010/main" Requires="a14">
+            <p:sp>
+              <p:nvSpPr>
+                <p:cNvPr id="136" name="TextBox 135"/>
+                <p:cNvSpPr txBox="1"/>
+                <p:nvPr/>
+              </p:nvSpPr>
+              <p:spPr>
+                <a:xfrm>
+                  <a:off x="4982016" y="3958598"/>
+                  <a:ext cx="2373535" cy="307777"/>
+                </a:xfrm>
+                <a:prstGeom prst="rect">
+                  <a:avLst/>
+                </a:prstGeom>
+                <a:noFill/>
+              </p:spPr>
+              <p:txBody>
+                <a:bodyPr wrap="none" lIns="0" tIns="0" rIns="0" bIns="0" rtlCol="0">
+                  <a:spAutoFit/>
+                </a:bodyPr>
+                <a:lstStyle/>
+                <a:p>
+                  <a14:m>
+                    <m:oMathPara xmlns:m="http://schemas.openxmlformats.org/officeDocument/2006/math">
+                      <m:oMathParaPr>
+                        <m:jc m:val="centerGroup"/>
+                      </m:oMathParaPr>
+                      <m:oMath xmlns:m="http://schemas.openxmlformats.org/officeDocument/2006/math">
+                        <m:r>
+                          <a:rPr lang="en-US" sz="2000" b="0" i="1" smtClean="0">
+                            <a:solidFill>
+                              <a:srgbClr val="FF0000"/>
+                            </a:solidFill>
+                            <a:latin typeface="Cambria Math" panose="02040503050406030204" pitchFamily="18" charset="0"/>
+                            <a:cs typeface="Arial" panose="020B0604020202020204" pitchFamily="34" charset="0"/>
+                          </a:rPr>
+                          <m:t>𝑚𝑜𝑡𝑖𝑜𝑛</m:t>
+                        </m:r>
+                        <m:r>
+                          <a:rPr lang="en-US" sz="2000" b="0" i="1" smtClean="0">
+                            <a:solidFill>
+                              <a:srgbClr val="FF0000"/>
+                            </a:solidFill>
+                            <a:latin typeface="Cambria Math" panose="02040503050406030204" pitchFamily="18" charset="0"/>
+                            <a:cs typeface="Arial" panose="020B0604020202020204" pitchFamily="34" charset="0"/>
+                          </a:rPr>
+                          <m:t> </m:t>
+                        </m:r>
+                        <m:r>
+                          <a:rPr lang="en-US" sz="2000" b="0" i="1" smtClean="0">
+                            <a:solidFill>
+                              <a:srgbClr val="FF0000"/>
+                            </a:solidFill>
+                            <a:latin typeface="Cambria Math" panose="02040503050406030204" pitchFamily="18" charset="0"/>
+                            <a:cs typeface="Arial" panose="020B0604020202020204" pitchFamily="34" charset="0"/>
+                          </a:rPr>
+                          <m:t>𝑜𝑓</m:t>
+                        </m:r>
+                        <m:r>
+                          <a:rPr lang="en-US" sz="2000" b="0" i="1" smtClean="0">
+                            <a:solidFill>
+                              <a:srgbClr val="FF0000"/>
+                            </a:solidFill>
+                            <a:latin typeface="Cambria Math" panose="02040503050406030204" pitchFamily="18" charset="0"/>
+                            <a:cs typeface="Arial" panose="020B0604020202020204" pitchFamily="34" charset="0"/>
+                          </a:rPr>
+                          <m:t> </m:t>
+                        </m:r>
+                        <m:r>
+                          <a:rPr lang="en-US" sz="2000" b="0" i="1" smtClean="0">
+                            <a:solidFill>
+                              <a:srgbClr val="FF0000"/>
+                            </a:solidFill>
+                            <a:latin typeface="Cambria Math" panose="02040503050406030204" pitchFamily="18" charset="0"/>
+                            <a:cs typeface="Arial" panose="020B0604020202020204" pitchFamily="34" charset="0"/>
+                          </a:rPr>
+                          <m:t>𝑒𝑙𝑒𝑐𝑡𝑟𝑜𝑛𝑠</m:t>
+                        </m:r>
+                      </m:oMath>
+                    </m:oMathPara>
+                  </a14:m>
+                  <a:endParaRPr lang="en-US" sz="2000" dirty="0" smtClean="0">
+                    <a:solidFill>
+                      <a:srgbClr val="FF0000"/>
+                    </a:solidFill>
+                    <a:latin typeface="Arial" panose="020B0604020202020204" pitchFamily="34" charset="0"/>
+                    <a:cs typeface="Arial" panose="020B0604020202020204" pitchFamily="34" charset="0"/>
+                  </a:endParaRPr>
+                </a:p>
+              </p:txBody>
+            </p:sp>
+          </mc:Choice>
+          <mc:Fallback>
+            <p:sp>
+              <p:nvSpPr>
+                <p:cNvPr id="136" name="TextBox 135"/>
+                <p:cNvSpPr txBox="1">
+                  <a:spLocks noRot="1" noChangeAspect="1" noMove="1" noResize="1" noEditPoints="1" noAdjustHandles="1" noChangeArrowheads="1" noChangeShapeType="1" noTextEdit="1"/>
+                </p:cNvSpPr>
+                <p:nvPr/>
+              </p:nvSpPr>
+              <p:spPr>
+                <a:xfrm>
+                  <a:off x="4982016" y="3958598"/>
+                  <a:ext cx="2373535" cy="307777"/>
+                </a:xfrm>
+                <a:prstGeom prst="rect">
+                  <a:avLst/>
+                </a:prstGeom>
+                <a:blipFill>
+                  <a:blip r:embed="rId8"/>
+                  <a:stretch>
+                    <a:fillRect l="-1538" r="-1795" b="-37255"/>
+                  </a:stretch>
+                </a:blipFill>
+              </p:spPr>
+              <p:txBody>
+                <a:bodyPr/>
+                <a:lstStyle/>
+                <a:p>
+                  <a:r>
+                    <a:rPr lang="en-US">
+                      <a:noFill/>
+                    </a:rPr>
+                    <a:t> </a:t>
+                  </a:r>
+                </a:p>
+              </p:txBody>
+            </p:sp>
+          </mc:Fallback>
+        </mc:AlternateContent>
+        <p:cxnSp>
+          <p:nvCxnSpPr>
+            <p:cNvPr id="138" name="Straight Arrow Connector 137"/>
+            <p:cNvCxnSpPr/>
+            <p:nvPr/>
+          </p:nvCxnSpPr>
+          <p:spPr>
+            <a:xfrm flipH="1">
+              <a:off x="5374575" y="3106882"/>
+              <a:ext cx="1244686" cy="10391"/>
+            </a:xfrm>
+            <a:prstGeom prst="straightConnector1">
+              <a:avLst/>
+            </a:prstGeom>
+            <a:ln w="38100">
+              <a:solidFill>
+                <a:schemeClr val="tx1"/>
+              </a:solidFill>
+              <a:tailEnd type="triangle"/>
+            </a:ln>
+          </p:spPr>
+          <p:style>
+            <a:lnRef idx="1">
+              <a:schemeClr val="accent1"/>
+            </a:lnRef>
+            <a:fillRef idx="0">
+              <a:schemeClr val="accent1"/>
+            </a:fillRef>
+            <a:effectRef idx="0">
+              <a:schemeClr val="accent1"/>
+            </a:effectRef>
+            <a:fontRef idx="minor">
+              <a:schemeClr val="tx1"/>
+            </a:fontRef>
+          </p:style>
+        </p:cxnSp>
+        <mc:AlternateContent xmlns:mc="http://schemas.openxmlformats.org/markup-compatibility/2006">
+          <mc:Choice xmlns:a14="http://schemas.microsoft.com/office/drawing/2010/main" Requires="a14">
+            <p:sp>
+              <p:nvSpPr>
+                <p:cNvPr id="140" name="TextBox 139"/>
+                <p:cNvSpPr txBox="1"/>
+                <p:nvPr/>
+              </p:nvSpPr>
+              <p:spPr>
+                <a:xfrm>
+                  <a:off x="4827467" y="2669940"/>
+                  <a:ext cx="2532745" cy="307777"/>
+                </a:xfrm>
+                <a:prstGeom prst="rect">
+                  <a:avLst/>
+                </a:prstGeom>
+                <a:noFill/>
+              </p:spPr>
+              <p:txBody>
+                <a:bodyPr wrap="none" lIns="0" tIns="0" rIns="0" bIns="0" rtlCol="0">
+                  <a:spAutoFit/>
+                </a:bodyPr>
+                <a:lstStyle/>
+                <a:p>
+                  <a14:m>
+                    <m:oMathPara xmlns:m="http://schemas.openxmlformats.org/officeDocument/2006/math">
+                      <m:oMathParaPr>
+                        <m:jc m:val="centerGroup"/>
+                      </m:oMathParaPr>
+                      <m:oMath xmlns:m="http://schemas.openxmlformats.org/officeDocument/2006/math">
+                        <m:r>
+                          <a:rPr lang="en-US" sz="2000" b="0" i="1" smtClean="0">
+                            <a:latin typeface="Cambria Math" panose="02040503050406030204" pitchFamily="18" charset="0"/>
+                            <a:cs typeface="Arial" panose="020B0604020202020204" pitchFamily="34" charset="0"/>
+                          </a:rPr>
+                          <m:t>𝑐𝑜𝑛𝑣𝑒𝑛𝑡𝑖𝑜𝑛𝑎𝑙</m:t>
+                        </m:r>
+                        <m:r>
+                          <a:rPr lang="en-US" sz="2000" b="0" i="1" smtClean="0">
+                            <a:latin typeface="Cambria Math" panose="02040503050406030204" pitchFamily="18" charset="0"/>
+                            <a:cs typeface="Arial" panose="020B0604020202020204" pitchFamily="34" charset="0"/>
+                          </a:rPr>
+                          <m:t> </m:t>
+                        </m:r>
+                        <m:r>
+                          <a:rPr lang="en-US" sz="2000" b="0" i="1" smtClean="0">
+                            <a:latin typeface="Cambria Math" panose="02040503050406030204" pitchFamily="18" charset="0"/>
+                            <a:cs typeface="Arial" panose="020B0604020202020204" pitchFamily="34" charset="0"/>
+                          </a:rPr>
+                          <m:t>𝑐𝑢𝑟𝑟𝑒𝑛𝑡</m:t>
+                        </m:r>
+                      </m:oMath>
+                    </m:oMathPara>
+                  </a14:m>
+                  <a:endParaRPr lang="en-US" sz="2000" dirty="0" smtClean="0">
+                    <a:latin typeface="Arial" panose="020B0604020202020204" pitchFamily="34" charset="0"/>
+                    <a:cs typeface="Arial" panose="020B0604020202020204" pitchFamily="34" charset="0"/>
+                  </a:endParaRPr>
+                </a:p>
+              </p:txBody>
+            </p:sp>
+          </mc:Choice>
+          <mc:Fallback>
+            <p:sp>
+              <p:nvSpPr>
+                <p:cNvPr id="140" name="TextBox 139"/>
+                <p:cNvSpPr txBox="1">
+                  <a:spLocks noRot="1" noChangeAspect="1" noMove="1" noResize="1" noEditPoints="1" noAdjustHandles="1" noChangeArrowheads="1" noChangeShapeType="1" noTextEdit="1"/>
+                </p:cNvSpPr>
+                <p:nvPr/>
+              </p:nvSpPr>
+              <p:spPr>
+                <a:xfrm>
+                  <a:off x="4827467" y="2669940"/>
+                  <a:ext cx="2532745" cy="307777"/>
+                </a:xfrm>
+                <a:prstGeom prst="rect">
+                  <a:avLst/>
+                </a:prstGeom>
+                <a:blipFill>
+                  <a:blip r:embed="rId9"/>
+                  <a:stretch>
+                    <a:fillRect l="-1687" r="-1446" b="-9804"/>
+                  </a:stretch>
+                </a:blipFill>
+              </p:spPr>
+              <p:txBody>
+                <a:bodyPr/>
+                <a:lstStyle/>
+                <a:p>
+                  <a:r>
+                    <a:rPr lang="en-US">
+                      <a:noFill/>
+                    </a:rPr>
+                    <a:t> </a:t>
+                  </a:r>
+                </a:p>
+              </p:txBody>
+            </p:sp>
+          </mc:Fallback>
+        </mc:AlternateContent>
+      </p:grpSp>
+      <p:sp>
+        <p:nvSpPr>
+          <p:cNvPr id="142" name="Oval 141"/>
+          <p:cNvSpPr/>
+          <p:nvPr/>
+        </p:nvSpPr>
+        <p:spPr>
+          <a:xfrm>
+            <a:off x="9756533" y="754014"/>
+            <a:ext cx="332509" cy="830677"/>
+          </a:xfrm>
+          <a:prstGeom prst="ellipse">
+            <a:avLst/>
+          </a:prstGeom>
+          <a:solidFill>
+            <a:schemeClr val="bg2">
+              <a:lumMod val="75000"/>
+              <a:alpha val="54000"/>
+            </a:schemeClr>
+          </a:solidFill>
+          <a:ln w="38100">
+            <a:solidFill>
+              <a:schemeClr val="tx1"/>
+            </a:solidFill>
+          </a:ln>
+        </p:spPr>
+        <p:style>
+          <a:lnRef idx="2">
+            <a:schemeClr val="accent1">
+              <a:shade val="50000"/>
+            </a:schemeClr>
+          </a:lnRef>
+          <a:fillRef idx="1">
+            <a:schemeClr val="accent1"/>
+          </a:fillRef>
+          <a:effectRef idx="0">
+            <a:schemeClr val="accent1"/>
+          </a:effectRef>
+          <a:fontRef idx="minor">
+            <a:schemeClr val="lt1"/>
+          </a:fontRef>
+        </p:style>
+        <p:txBody>
+          <a:bodyPr rtlCol="0" anchor="ctr"/>
+          <a:lstStyle/>
+          <a:p>
+            <a:pPr algn="ctr"/>
+            <a:endParaRPr lang="en-US"/>
+          </a:p>
+        </p:txBody>
+      </p:sp>
+      <p:sp>
+        <p:nvSpPr>
+          <p:cNvPr id="144" name="Oval 143"/>
+          <p:cNvSpPr/>
+          <p:nvPr/>
+        </p:nvSpPr>
+        <p:spPr>
+          <a:xfrm>
+            <a:off x="6590472" y="1333687"/>
+            <a:ext cx="230682" cy="590340"/>
+          </a:xfrm>
+          <a:prstGeom prst="ellipse">
+            <a:avLst/>
+          </a:prstGeom>
+          <a:solidFill>
+            <a:schemeClr val="bg2">
+              <a:lumMod val="75000"/>
+              <a:alpha val="54000"/>
+            </a:schemeClr>
+          </a:solidFill>
+          <a:ln w="38100">
+            <a:solidFill>
+              <a:schemeClr val="tx1"/>
+            </a:solidFill>
+          </a:ln>
+        </p:spPr>
+        <p:style>
+          <a:lnRef idx="2">
+            <a:schemeClr val="accent1">
+              <a:shade val="50000"/>
+            </a:schemeClr>
+          </a:lnRef>
+          <a:fillRef idx="1">
+            <a:schemeClr val="accent1"/>
+          </a:fillRef>
+          <a:effectRef idx="0">
+            <a:schemeClr val="accent1"/>
+          </a:effectRef>
+          <a:fontRef idx="minor">
+            <a:schemeClr val="lt1"/>
+          </a:fontRef>
+        </p:style>
+        <p:txBody>
+          <a:bodyPr rtlCol="0" anchor="ctr"/>
+          <a:lstStyle/>
+          <a:p>
+            <a:pPr algn="ctr"/>
+            <a:endParaRPr lang="en-US"/>
+          </a:p>
+        </p:txBody>
+      </p:sp>
+      <mc:AlternateContent xmlns:mc="http://schemas.openxmlformats.org/markup-compatibility/2006">
+        <mc:Choice xmlns:a14="http://schemas.microsoft.com/office/drawing/2010/main" Requires="a14">
+          <p:sp>
+            <p:nvSpPr>
+              <p:cNvPr id="145" name="TextBox 144"/>
+              <p:cNvSpPr txBox="1"/>
+              <p:nvPr/>
+            </p:nvSpPr>
+            <p:spPr>
+              <a:xfrm>
+                <a:off x="6590472" y="1929754"/>
+                <a:ext cx="234936" cy="307777"/>
+              </a:xfrm>
+              <a:prstGeom prst="rect">
+                <a:avLst/>
+              </a:prstGeom>
+              <a:noFill/>
+            </p:spPr>
+            <p:txBody>
+              <a:bodyPr wrap="none" lIns="0" tIns="0" rIns="0" bIns="0" rtlCol="0">
+                <a:spAutoFit/>
+              </a:bodyPr>
+              <a:lstStyle/>
+              <a:p>
+                <a14:m>
+                  <m:oMathPara xmlns:m="http://schemas.openxmlformats.org/officeDocument/2006/math">
+                    <m:oMathParaPr>
+                      <m:jc m:val="centerGroup"/>
+                    </m:oMathParaPr>
+                    <m:oMath xmlns:m="http://schemas.openxmlformats.org/officeDocument/2006/math">
+                      <m:r>
+                        <a:rPr lang="en-US" sz="2000" b="0" i="1" smtClean="0">
+                          <a:latin typeface="Cambria Math" panose="02040503050406030204" pitchFamily="18" charset="0"/>
+                          <a:cs typeface="Arial" panose="020B0604020202020204" pitchFamily="34" charset="0"/>
+                        </a:rPr>
+                        <m:t>𝐴</m:t>
+                      </m:r>
+                    </m:oMath>
+                  </m:oMathPara>
+                </a14:m>
+                <a:endParaRPr lang="en-US" sz="2000" dirty="0" smtClean="0">
+                  <a:latin typeface="Arial" panose="020B0604020202020204" pitchFamily="34" charset="0"/>
+                  <a:cs typeface="Arial" panose="020B0604020202020204" pitchFamily="34" charset="0"/>
+                </a:endParaRPr>
+              </a:p>
+            </p:txBody>
+          </p:sp>
+        </mc:Choice>
+        <mc:Fallback>
+          <p:sp>
+            <p:nvSpPr>
+              <p:cNvPr id="145" name="TextBox 144"/>
+              <p:cNvSpPr txBox="1">
+                <a:spLocks noRot="1" noChangeAspect="1" noMove="1" noResize="1" noEditPoints="1" noAdjustHandles="1" noChangeArrowheads="1" noChangeShapeType="1" noTextEdit="1"/>
+              </p:cNvSpPr>
+              <p:nvPr/>
+            </p:nvSpPr>
+            <p:spPr>
+              <a:xfrm>
+                <a:off x="6590472" y="1929754"/>
+                <a:ext cx="234936" cy="307777"/>
+              </a:xfrm>
+              <a:prstGeom prst="rect">
+                <a:avLst/>
+              </a:prstGeom>
+              <a:blipFill>
+                <a:blip r:embed="rId10"/>
+                <a:stretch>
+                  <a:fillRect l="-20513" r="-23077" b="-10000"/>
+                </a:stretch>
+              </a:blipFill>
+            </p:spPr>
+            <p:txBody>
+              <a:bodyPr/>
+              <a:lstStyle/>
+              <a:p>
+                <a:r>
+                  <a:rPr lang="en-US">
+                    <a:noFill/>
+                  </a:rPr>
+                  <a:t> </a:t>
+                </a:r>
+              </a:p>
+            </p:txBody>
+          </p:sp>
+        </mc:Fallback>
+      </mc:AlternateContent>
+      <p:cxnSp>
+        <p:nvCxnSpPr>
+          <p:cNvPr id="147" name="Straight Arrow Connector 146"/>
+          <p:cNvCxnSpPr/>
+          <p:nvPr/>
+        </p:nvCxnSpPr>
+        <p:spPr>
+          <a:xfrm>
+            <a:off x="6686914" y="1656175"/>
+            <a:ext cx="443995" cy="0"/>
+          </a:xfrm>
+          <a:prstGeom prst="straightConnector1">
+            <a:avLst/>
+          </a:prstGeom>
+          <a:ln w="38100">
+            <a:solidFill>
+              <a:schemeClr val="tx1"/>
+            </a:solidFill>
+            <a:tailEnd type="triangle"/>
+          </a:ln>
+        </p:spPr>
+        <p:style>
+          <a:lnRef idx="1">
+            <a:schemeClr val="accent1"/>
+          </a:lnRef>
+          <a:fillRef idx="0">
+            <a:schemeClr val="accent1"/>
+          </a:fillRef>
+          <a:effectRef idx="0">
+            <a:schemeClr val="accent1"/>
+          </a:effectRef>
+          <a:fontRef idx="minor">
+            <a:schemeClr val="tx1"/>
+          </a:fontRef>
+        </p:style>
+      </p:cxnSp>
+      <p:grpSp>
+        <p:nvGrpSpPr>
+          <p:cNvPr id="289" name="Group 288"/>
+          <p:cNvGrpSpPr/>
+          <p:nvPr/>
+        </p:nvGrpSpPr>
+        <p:grpSpPr>
+          <a:xfrm>
+            <a:off x="6545698" y="2552914"/>
+            <a:ext cx="4154955" cy="3605219"/>
+            <a:chOff x="6545698" y="2552914"/>
+            <a:chExt cx="4154955" cy="3605219"/>
+          </a:xfrm>
+        </p:grpSpPr>
+        <mc:AlternateContent xmlns:mc="http://schemas.openxmlformats.org/markup-compatibility/2006">
+          <mc:Choice xmlns:a14="http://schemas.microsoft.com/office/drawing/2010/main" Requires="a14">
+            <p:sp>
+              <p:nvSpPr>
+                <p:cNvPr id="247" name="TextBox 246"/>
+                <p:cNvSpPr txBox="1"/>
+                <p:nvPr/>
+              </p:nvSpPr>
+              <p:spPr>
+                <a:xfrm>
+                  <a:off x="8662240" y="2552914"/>
+                  <a:ext cx="240835" cy="345159"/>
+                </a:xfrm>
+                <a:prstGeom prst="rect">
+                  <a:avLst/>
+                </a:prstGeom>
+                <a:noFill/>
+              </p:spPr>
+              <p:txBody>
+                <a:bodyPr wrap="none" lIns="0" tIns="0" rIns="0" bIns="0" rtlCol="0">
+                  <a:spAutoFit/>
+                </a:bodyPr>
+                <a:lstStyle/>
+                <a:p>
+                  <a14:m>
+                    <m:oMathPara xmlns:m="http://schemas.openxmlformats.org/officeDocument/2006/math">
+                      <m:oMathParaPr>
+                        <m:jc m:val="centerGroup"/>
+                      </m:oMathParaPr>
+                      <m:oMath xmlns:m="http://schemas.openxmlformats.org/officeDocument/2006/math">
+                        <m:acc>
+                          <m:accPr>
+                            <m:chr m:val="⃗"/>
+                            <m:ctrlPr>
+                              <a:rPr lang="en-US" sz="2000" b="0" i="1" smtClean="0">
+                                <a:latin typeface="Cambria Math" panose="02040503050406030204" pitchFamily="18" charset="0"/>
+                                <a:cs typeface="Arial" panose="020B0604020202020204" pitchFamily="34" charset="0"/>
+                              </a:rPr>
+                            </m:ctrlPr>
+                          </m:accPr>
+                          <m:e>
+                            <m:r>
+                              <a:rPr lang="en-US" sz="2000" b="0" i="1" smtClean="0">
+                                <a:latin typeface="Cambria Math" panose="02040503050406030204" pitchFamily="18" charset="0"/>
+                                <a:cs typeface="Arial" panose="020B0604020202020204" pitchFamily="34" charset="0"/>
+                              </a:rPr>
+                              <m:t>𝐸</m:t>
+                            </m:r>
+                          </m:e>
+                        </m:acc>
+                      </m:oMath>
+                    </m:oMathPara>
+                  </a14:m>
+                  <a:endParaRPr lang="en-US" sz="2000" dirty="0" smtClean="0">
+                    <a:latin typeface="Arial" panose="020B0604020202020204" pitchFamily="34" charset="0"/>
+                    <a:cs typeface="Arial" panose="020B0604020202020204" pitchFamily="34" charset="0"/>
+                  </a:endParaRPr>
+                </a:p>
+              </p:txBody>
+            </p:sp>
+          </mc:Choice>
+          <mc:Fallback>
+            <p:sp>
+              <p:nvSpPr>
+                <p:cNvPr id="247" name="TextBox 246"/>
+                <p:cNvSpPr txBox="1">
+                  <a:spLocks noRot="1" noChangeAspect="1" noMove="1" noResize="1" noEditPoints="1" noAdjustHandles="1" noChangeArrowheads="1" noChangeShapeType="1" noTextEdit="1"/>
+                </p:cNvSpPr>
+                <p:nvPr/>
+              </p:nvSpPr>
+              <p:spPr>
+                <a:xfrm>
+                  <a:off x="8662240" y="2552914"/>
+                  <a:ext cx="240835" cy="345159"/>
+                </a:xfrm>
+                <a:prstGeom prst="rect">
+                  <a:avLst/>
+                </a:prstGeom>
+                <a:blipFill>
+                  <a:blip r:embed="rId11"/>
+                  <a:stretch>
+                    <a:fillRect l="-23077" r="-17949" b="-8929"/>
+                  </a:stretch>
+                </a:blipFill>
+              </p:spPr>
+              <p:txBody>
+                <a:bodyPr/>
+                <a:lstStyle/>
+                <a:p>
+                  <a:r>
+                    <a:rPr lang="en-US">
+                      <a:noFill/>
+                    </a:rPr>
+                    <a:t> </a:t>
+                  </a:r>
+                </a:p>
+              </p:txBody>
+            </p:sp>
+          </mc:Fallback>
+        </mc:AlternateContent>
+        <p:grpSp>
+          <p:nvGrpSpPr>
+            <p:cNvPr id="288" name="Group 287"/>
+            <p:cNvGrpSpPr/>
+            <p:nvPr/>
+          </p:nvGrpSpPr>
+          <p:grpSpPr>
+            <a:xfrm>
+              <a:off x="6545698" y="3024464"/>
+              <a:ext cx="4154955" cy="3133669"/>
+              <a:chOff x="6545698" y="3024464"/>
+              <a:chExt cx="4154955" cy="3133669"/>
+            </a:xfrm>
+          </p:grpSpPr>
+          <p:sp>
+            <p:nvSpPr>
+              <p:cNvPr id="143" name="Can 142"/>
+              <p:cNvSpPr/>
+              <p:nvPr/>
+            </p:nvSpPr>
+            <p:spPr>
+              <a:xfrm rot="5400000">
+                <a:off x="7507598" y="2328192"/>
+                <a:ext cx="2231155" cy="4154955"/>
+              </a:xfrm>
+              <a:prstGeom prst="can">
+                <a:avLst>
+                  <a:gd name="adj" fmla="val 40385"/>
+                </a:avLst>
+              </a:prstGeom>
+              <a:solidFill>
+                <a:schemeClr val="bg2">
+                  <a:lumMod val="90000"/>
+                </a:schemeClr>
+              </a:solidFill>
+              <a:ln w="38100">
+                <a:solidFill>
+                  <a:schemeClr val="tx1"/>
+                </a:solidFill>
+              </a:ln>
+            </p:spPr>
+            <p:txBody>
+              <a:bodyPr rot="0" spcFirstLastPara="0" vertOverflow="overflow" horzOverflow="overflow" vert="horz" wrap="square" lIns="91440" tIns="45720" rIns="91440" bIns="45720" numCol="1" spcCol="0" rtlCol="0" fromWordArt="0" anchor="ctr" anchorCtr="0" forceAA="0" compatLnSpc="1">
+                <a:prstTxWarp prst="textNoShape">
+                  <a:avLst/>
+                </a:prstTxWarp>
+                <a:spAutoFit/>
+              </a:bodyPr>
+              <a:lstStyle/>
+              <a:p>
+                <a:pPr marL="234950" indent="-234950" algn="ctr" fontAlgn="t">
+                  <a:buFont typeface="Arial" panose="020B0604020202020204" pitchFamily="34" charset="0"/>
+                  <a:buChar char="•"/>
+                </a:pPr>
+                <a:endParaRPr lang="en-US">
+                  <a:solidFill>
+                    <a:srgbClr val="353535"/>
+                  </a:solidFill>
+                  <a:latin typeface="arial" panose="020B0604020202020204" pitchFamily="34" charset="0"/>
+                </a:endParaRPr>
+              </a:p>
+            </p:txBody>
+          </p:sp>
+          <p:grpSp>
+            <p:nvGrpSpPr>
+              <p:cNvPr id="153" name="Group 152"/>
+              <p:cNvGrpSpPr/>
+              <p:nvPr/>
+            </p:nvGrpSpPr>
+            <p:grpSpPr>
+              <a:xfrm rot="10335368">
+                <a:off x="6811324" y="4628642"/>
+                <a:ext cx="248741" cy="52226"/>
+                <a:chOff x="4328981" y="5376621"/>
+                <a:chExt cx="248741" cy="52226"/>
+              </a:xfrm>
+            </p:grpSpPr>
+            <p:sp>
+              <p:nvSpPr>
+                <p:cNvPr id="149" name="Oval 148"/>
+                <p:cNvSpPr/>
+                <p:nvPr/>
+              </p:nvSpPr>
+              <p:spPr>
+                <a:xfrm>
+                  <a:off x="4328981" y="5376621"/>
+                  <a:ext cx="51735" cy="52226"/>
+                </a:xfrm>
+                <a:prstGeom prst="ellipse">
+                  <a:avLst/>
+                </a:prstGeom>
+                <a:solidFill>
+                  <a:srgbClr val="FF0000"/>
+                </a:solidFill>
+                <a:ln w="38100">
+                  <a:solidFill>
+                    <a:srgbClr val="FF0000"/>
+                  </a:solidFill>
+                </a:ln>
+              </p:spPr>
+              <p:style>
+                <a:lnRef idx="2">
+                  <a:schemeClr val="accent1">
+                    <a:shade val="50000"/>
+                  </a:schemeClr>
+                </a:lnRef>
+                <a:fillRef idx="1">
+                  <a:schemeClr val="accent1"/>
+                </a:fillRef>
+                <a:effectRef idx="0">
+                  <a:schemeClr val="accent1"/>
+                </a:effectRef>
+                <a:fontRef idx="minor">
+                  <a:schemeClr val="lt1"/>
+                </a:fontRef>
+              </p:style>
+              <p:txBody>
+                <a:bodyPr rtlCol="0" anchor="ctr"/>
+                <a:lstStyle/>
+                <a:p>
+                  <a:pPr algn="ctr"/>
+                  <a:endParaRPr lang="en-US"/>
+                </a:p>
+              </p:txBody>
+            </p:sp>
+            <p:cxnSp>
+              <p:nvCxnSpPr>
+                <p:cNvPr id="151" name="Straight Arrow Connector 150"/>
+                <p:cNvCxnSpPr/>
+                <p:nvPr/>
+              </p:nvCxnSpPr>
+              <p:spPr>
+                <a:xfrm flipV="1">
+                  <a:off x="4392849" y="5402734"/>
+                  <a:ext cx="184873" cy="2"/>
+                </a:xfrm>
+                <a:prstGeom prst="straightConnector1">
+                  <a:avLst/>
+                </a:prstGeom>
+                <a:ln w="25400">
+                  <a:solidFill>
+                    <a:srgbClr val="FF0000"/>
+                  </a:solidFill>
+                  <a:tailEnd type="triangle"/>
+                </a:ln>
+              </p:spPr>
+              <p:style>
+                <a:lnRef idx="1">
+                  <a:schemeClr val="accent1"/>
+                </a:lnRef>
+                <a:fillRef idx="0">
+                  <a:schemeClr val="accent1"/>
+                </a:fillRef>
+                <a:effectRef idx="0">
+                  <a:schemeClr val="accent1"/>
+                </a:effectRef>
+                <a:fontRef idx="minor">
+                  <a:schemeClr val="tx1"/>
+                </a:fontRef>
+              </p:style>
+            </p:cxnSp>
+          </p:grpSp>
+          <p:grpSp>
+            <p:nvGrpSpPr>
+              <p:cNvPr id="154" name="Group 153"/>
+              <p:cNvGrpSpPr/>
+              <p:nvPr/>
+            </p:nvGrpSpPr>
+            <p:grpSpPr>
+              <a:xfrm rot="2932945">
+                <a:off x="7023144" y="4871353"/>
+                <a:ext cx="423641" cy="52226"/>
+                <a:chOff x="4328981" y="5376621"/>
+                <a:chExt cx="423641" cy="52226"/>
+              </a:xfrm>
+            </p:grpSpPr>
+            <p:sp>
+              <p:nvSpPr>
+                <p:cNvPr id="155" name="Oval 154"/>
+                <p:cNvSpPr/>
+                <p:nvPr/>
+              </p:nvSpPr>
+              <p:spPr>
+                <a:xfrm>
+                  <a:off x="4328981" y="5376621"/>
+                  <a:ext cx="51735" cy="52226"/>
+                </a:xfrm>
+                <a:prstGeom prst="ellipse">
+                  <a:avLst/>
+                </a:prstGeom>
+                <a:solidFill>
+                  <a:srgbClr val="FF0000"/>
+                </a:solidFill>
+                <a:ln w="38100">
+                  <a:solidFill>
+                    <a:srgbClr val="FF0000"/>
+                  </a:solidFill>
+                </a:ln>
+              </p:spPr>
+              <p:style>
+                <a:lnRef idx="2">
+                  <a:schemeClr val="accent1">
+                    <a:shade val="50000"/>
+                  </a:schemeClr>
+                </a:lnRef>
+                <a:fillRef idx="1">
+                  <a:schemeClr val="accent1"/>
+                </a:fillRef>
+                <a:effectRef idx="0">
+                  <a:schemeClr val="accent1"/>
+                </a:effectRef>
+                <a:fontRef idx="minor">
+                  <a:schemeClr val="lt1"/>
+                </a:fontRef>
+              </p:style>
+              <p:txBody>
+                <a:bodyPr rtlCol="0" anchor="ctr"/>
+                <a:lstStyle/>
+                <a:p>
+                  <a:pPr algn="ctr"/>
+                  <a:endParaRPr lang="en-US"/>
+                </a:p>
+              </p:txBody>
+            </p:sp>
+            <p:cxnSp>
+              <p:nvCxnSpPr>
+                <p:cNvPr id="156" name="Straight Arrow Connector 155"/>
+                <p:cNvCxnSpPr/>
+                <p:nvPr/>
+              </p:nvCxnSpPr>
+              <p:spPr>
+                <a:xfrm flipV="1">
+                  <a:off x="4392849" y="5402734"/>
+                  <a:ext cx="359773" cy="1"/>
+                </a:xfrm>
+                <a:prstGeom prst="straightConnector1">
+                  <a:avLst/>
+                </a:prstGeom>
+                <a:ln w="25400">
+                  <a:solidFill>
+                    <a:srgbClr val="FF0000"/>
+                  </a:solidFill>
+                  <a:tailEnd type="triangle"/>
+                </a:ln>
+              </p:spPr>
+              <p:style>
+                <a:lnRef idx="1">
+                  <a:schemeClr val="accent1"/>
+                </a:lnRef>
+                <a:fillRef idx="0">
+                  <a:schemeClr val="accent1"/>
+                </a:fillRef>
+                <a:effectRef idx="0">
+                  <a:schemeClr val="accent1"/>
+                </a:effectRef>
+                <a:fontRef idx="minor">
+                  <a:schemeClr val="tx1"/>
+                </a:fontRef>
+              </p:style>
+            </p:cxnSp>
+          </p:grpSp>
+          <p:grpSp>
+            <p:nvGrpSpPr>
+              <p:cNvPr id="157" name="Group 156"/>
+              <p:cNvGrpSpPr/>
+              <p:nvPr/>
+            </p:nvGrpSpPr>
+            <p:grpSpPr>
+              <a:xfrm rot="11089839">
+                <a:off x="6928889" y="4197894"/>
+                <a:ext cx="289476" cy="75117"/>
+                <a:chOff x="4328981" y="5376621"/>
+                <a:chExt cx="289476" cy="75117"/>
+              </a:xfrm>
+            </p:grpSpPr>
+            <p:sp>
+              <p:nvSpPr>
+                <p:cNvPr id="158" name="Oval 157"/>
+                <p:cNvSpPr/>
+                <p:nvPr/>
+              </p:nvSpPr>
+              <p:spPr>
+                <a:xfrm>
+                  <a:off x="4328981" y="5376621"/>
+                  <a:ext cx="51735" cy="52226"/>
+                </a:xfrm>
+                <a:prstGeom prst="ellipse">
+                  <a:avLst/>
+                </a:prstGeom>
+                <a:solidFill>
+                  <a:srgbClr val="FF0000"/>
+                </a:solidFill>
+                <a:ln w="38100">
+                  <a:solidFill>
+                    <a:srgbClr val="FF0000"/>
+                  </a:solidFill>
+                </a:ln>
+              </p:spPr>
+              <p:style>
+                <a:lnRef idx="2">
+                  <a:schemeClr val="accent1">
+                    <a:shade val="50000"/>
+                  </a:schemeClr>
+                </a:lnRef>
+                <a:fillRef idx="1">
+                  <a:schemeClr val="accent1"/>
+                </a:fillRef>
+                <a:effectRef idx="0">
+                  <a:schemeClr val="accent1"/>
+                </a:effectRef>
+                <a:fontRef idx="minor">
+                  <a:schemeClr val="lt1"/>
+                </a:fontRef>
+              </p:style>
+              <p:txBody>
+                <a:bodyPr rtlCol="0" anchor="ctr"/>
+                <a:lstStyle/>
+                <a:p>
+                  <a:pPr algn="ctr"/>
+                  <a:endParaRPr lang="en-US" b="1"/>
+                </a:p>
+              </p:txBody>
+            </p:sp>
+            <p:cxnSp>
+              <p:nvCxnSpPr>
+                <p:cNvPr id="159" name="Straight Arrow Connector 158"/>
+                <p:cNvCxnSpPr/>
+                <p:nvPr/>
+              </p:nvCxnSpPr>
+              <p:spPr>
+                <a:xfrm rot="20845529">
+                  <a:off x="4398248" y="5377879"/>
+                  <a:ext cx="220209" cy="73859"/>
+                </a:xfrm>
+                <a:prstGeom prst="straightConnector1">
+                  <a:avLst/>
+                </a:prstGeom>
+                <a:ln w="25400">
+                  <a:solidFill>
+                    <a:srgbClr val="FF0000"/>
+                  </a:solidFill>
+                  <a:tailEnd type="triangle"/>
+                </a:ln>
+              </p:spPr>
+              <p:style>
+                <a:lnRef idx="1">
+                  <a:schemeClr val="accent1"/>
+                </a:lnRef>
+                <a:fillRef idx="0">
+                  <a:schemeClr val="accent1"/>
+                </a:fillRef>
+                <a:effectRef idx="0">
+                  <a:schemeClr val="accent1"/>
+                </a:effectRef>
+                <a:fontRef idx="minor">
+                  <a:schemeClr val="tx1"/>
+                </a:fontRef>
+              </p:style>
+            </p:cxnSp>
+          </p:grpSp>
+          <p:grpSp>
+            <p:nvGrpSpPr>
+              <p:cNvPr id="160" name="Group 159"/>
+              <p:cNvGrpSpPr/>
+              <p:nvPr/>
+            </p:nvGrpSpPr>
+            <p:grpSpPr>
+              <a:xfrm rot="8501281">
+                <a:off x="7104299" y="3608615"/>
+                <a:ext cx="602551" cy="279261"/>
+                <a:chOff x="4328981" y="5270682"/>
+                <a:chExt cx="602551" cy="279261"/>
+              </a:xfrm>
+            </p:grpSpPr>
+            <p:sp>
+              <p:nvSpPr>
+                <p:cNvPr id="161" name="Oval 160"/>
+                <p:cNvSpPr/>
+                <p:nvPr/>
+              </p:nvSpPr>
+              <p:spPr>
+                <a:xfrm>
+                  <a:off x="4328981" y="5376621"/>
+                  <a:ext cx="51735" cy="52226"/>
+                </a:xfrm>
+                <a:prstGeom prst="ellipse">
+                  <a:avLst/>
+                </a:prstGeom>
+                <a:solidFill>
+                  <a:srgbClr val="FF0000"/>
+                </a:solidFill>
+                <a:ln w="38100">
+                  <a:solidFill>
+                    <a:srgbClr val="FF0000"/>
+                  </a:solidFill>
+                </a:ln>
+              </p:spPr>
+              <p:style>
+                <a:lnRef idx="2">
+                  <a:schemeClr val="accent1">
+                    <a:shade val="50000"/>
+                  </a:schemeClr>
+                </a:lnRef>
+                <a:fillRef idx="1">
+                  <a:schemeClr val="accent1"/>
+                </a:fillRef>
+                <a:effectRef idx="0">
+                  <a:schemeClr val="accent1"/>
+                </a:effectRef>
+                <a:fontRef idx="minor">
+                  <a:schemeClr val="lt1"/>
+                </a:fontRef>
+              </p:style>
+              <p:txBody>
+                <a:bodyPr rtlCol="0" anchor="ctr"/>
+                <a:lstStyle/>
+                <a:p>
+                  <a:pPr algn="ctr"/>
+                  <a:endParaRPr lang="en-US"/>
+                </a:p>
+              </p:txBody>
+            </p:sp>
+            <p:cxnSp>
+              <p:nvCxnSpPr>
+                <p:cNvPr id="162" name="Straight Arrow Connector 161"/>
+                <p:cNvCxnSpPr/>
+                <p:nvPr/>
+              </p:nvCxnSpPr>
+              <p:spPr>
+                <a:xfrm rot="1834087" flipV="1">
+                  <a:off x="4428934" y="5270682"/>
+                  <a:ext cx="502598" cy="279261"/>
+                </a:xfrm>
+                <a:prstGeom prst="straightConnector1">
+                  <a:avLst/>
+                </a:prstGeom>
+                <a:ln w="25400">
+                  <a:solidFill>
+                    <a:srgbClr val="FF0000"/>
+                  </a:solidFill>
+                  <a:tailEnd type="triangle"/>
+                </a:ln>
+              </p:spPr>
+              <p:style>
+                <a:lnRef idx="1">
+                  <a:schemeClr val="accent1"/>
+                </a:lnRef>
+                <a:fillRef idx="0">
+                  <a:schemeClr val="accent1"/>
+                </a:fillRef>
+                <a:effectRef idx="0">
+                  <a:schemeClr val="accent1"/>
+                </a:effectRef>
+                <a:fontRef idx="minor">
+                  <a:schemeClr val="tx1"/>
+                </a:fontRef>
+              </p:style>
+            </p:cxnSp>
+          </p:grpSp>
+          <p:grpSp>
+            <p:nvGrpSpPr>
+              <p:cNvPr id="163" name="Group 162"/>
+              <p:cNvGrpSpPr/>
+              <p:nvPr/>
+            </p:nvGrpSpPr>
+            <p:grpSpPr>
+              <a:xfrm rot="8501281">
+                <a:off x="7432791" y="4316253"/>
+                <a:ext cx="224397" cy="110886"/>
+                <a:chOff x="4328981" y="5335719"/>
+                <a:chExt cx="224397" cy="110886"/>
+              </a:xfrm>
+            </p:grpSpPr>
+            <p:sp>
+              <p:nvSpPr>
+                <p:cNvPr id="164" name="Oval 163"/>
+                <p:cNvSpPr/>
+                <p:nvPr/>
+              </p:nvSpPr>
+              <p:spPr>
+                <a:xfrm>
+                  <a:off x="4328981" y="5376621"/>
+                  <a:ext cx="51735" cy="52226"/>
+                </a:xfrm>
+                <a:prstGeom prst="ellipse">
+                  <a:avLst/>
+                </a:prstGeom>
+                <a:solidFill>
+                  <a:srgbClr val="FF0000"/>
+                </a:solidFill>
+                <a:ln w="38100">
+                  <a:solidFill>
+                    <a:srgbClr val="FF0000"/>
+                  </a:solidFill>
+                </a:ln>
+              </p:spPr>
+              <p:style>
+                <a:lnRef idx="2">
+                  <a:schemeClr val="accent1">
+                    <a:shade val="50000"/>
+                  </a:schemeClr>
+                </a:lnRef>
+                <a:fillRef idx="1">
+                  <a:schemeClr val="accent1"/>
+                </a:fillRef>
+                <a:effectRef idx="0">
+                  <a:schemeClr val="accent1"/>
+                </a:effectRef>
+                <a:fontRef idx="minor">
+                  <a:schemeClr val="lt1"/>
+                </a:fontRef>
+              </p:style>
+              <p:txBody>
+                <a:bodyPr rtlCol="0" anchor="ctr"/>
+                <a:lstStyle/>
+                <a:p>
+                  <a:pPr algn="ctr"/>
+                  <a:endParaRPr lang="en-US"/>
+                </a:p>
+              </p:txBody>
+            </p:sp>
+            <p:cxnSp>
+              <p:nvCxnSpPr>
+                <p:cNvPr id="165" name="Straight Arrow Connector 164"/>
+                <p:cNvCxnSpPr/>
+                <p:nvPr/>
+              </p:nvCxnSpPr>
+              <p:spPr>
+                <a:xfrm rot="1834087" flipV="1">
+                  <a:off x="4411162" y="5335719"/>
+                  <a:ext cx="142216" cy="110886"/>
+                </a:xfrm>
+                <a:prstGeom prst="straightConnector1">
+                  <a:avLst/>
+                </a:prstGeom>
+                <a:ln w="25400">
+                  <a:solidFill>
+                    <a:srgbClr val="FF0000"/>
+                  </a:solidFill>
+                  <a:tailEnd type="triangle"/>
+                </a:ln>
+              </p:spPr>
+              <p:style>
+                <a:lnRef idx="1">
+                  <a:schemeClr val="accent1"/>
+                </a:lnRef>
+                <a:fillRef idx="0">
+                  <a:schemeClr val="accent1"/>
+                </a:fillRef>
+                <a:effectRef idx="0">
+                  <a:schemeClr val="accent1"/>
+                </a:effectRef>
+                <a:fontRef idx="minor">
+                  <a:schemeClr val="tx1"/>
+                </a:fontRef>
+              </p:style>
+            </p:cxnSp>
+          </p:grpSp>
+          <p:grpSp>
+            <p:nvGrpSpPr>
+              <p:cNvPr id="166" name="Group 165"/>
+              <p:cNvGrpSpPr/>
+              <p:nvPr/>
+            </p:nvGrpSpPr>
+            <p:grpSpPr>
+              <a:xfrm rot="8501281">
+                <a:off x="7460588" y="5132031"/>
+                <a:ext cx="423641" cy="52226"/>
+                <a:chOff x="4328981" y="5376621"/>
+                <a:chExt cx="423641" cy="52226"/>
+              </a:xfrm>
+            </p:grpSpPr>
+            <p:sp>
+              <p:nvSpPr>
+                <p:cNvPr id="167" name="Oval 166"/>
+                <p:cNvSpPr/>
+                <p:nvPr/>
+              </p:nvSpPr>
+              <p:spPr>
+                <a:xfrm>
+                  <a:off x="4328981" y="5376621"/>
+                  <a:ext cx="51735" cy="52226"/>
+                </a:xfrm>
+                <a:prstGeom prst="ellipse">
+                  <a:avLst/>
+                </a:prstGeom>
+                <a:solidFill>
+                  <a:srgbClr val="FF0000"/>
+                </a:solidFill>
+                <a:ln w="38100">
+                  <a:solidFill>
+                    <a:srgbClr val="FF0000"/>
+                  </a:solidFill>
+                </a:ln>
+              </p:spPr>
+              <p:style>
+                <a:lnRef idx="2">
+                  <a:schemeClr val="accent1">
+                    <a:shade val="50000"/>
+                  </a:schemeClr>
+                </a:lnRef>
+                <a:fillRef idx="1">
+                  <a:schemeClr val="accent1"/>
+                </a:fillRef>
+                <a:effectRef idx="0">
+                  <a:schemeClr val="accent1"/>
+                </a:effectRef>
+                <a:fontRef idx="minor">
+                  <a:schemeClr val="lt1"/>
+                </a:fontRef>
+              </p:style>
+              <p:txBody>
+                <a:bodyPr rtlCol="0" anchor="ctr"/>
+                <a:lstStyle/>
+                <a:p>
+                  <a:pPr algn="ctr"/>
+                  <a:endParaRPr lang="en-US"/>
+                </a:p>
+              </p:txBody>
+            </p:sp>
+            <p:cxnSp>
+              <p:nvCxnSpPr>
+                <p:cNvPr id="168" name="Straight Arrow Connector 167"/>
+                <p:cNvCxnSpPr/>
+                <p:nvPr/>
+              </p:nvCxnSpPr>
+              <p:spPr>
+                <a:xfrm flipV="1">
+                  <a:off x="4392849" y="5402734"/>
+                  <a:ext cx="359773" cy="1"/>
+                </a:xfrm>
+                <a:prstGeom prst="straightConnector1">
+                  <a:avLst/>
+                </a:prstGeom>
+                <a:ln w="25400">
+                  <a:solidFill>
+                    <a:srgbClr val="FF0000"/>
+                  </a:solidFill>
+                  <a:tailEnd type="triangle"/>
+                </a:ln>
+              </p:spPr>
+              <p:style>
+                <a:lnRef idx="1">
+                  <a:schemeClr val="accent1"/>
+                </a:lnRef>
+                <a:fillRef idx="0">
+                  <a:schemeClr val="accent1"/>
+                </a:fillRef>
+                <a:effectRef idx="0">
+                  <a:schemeClr val="accent1"/>
+                </a:effectRef>
+                <a:fontRef idx="minor">
+                  <a:schemeClr val="tx1"/>
+                </a:fontRef>
+              </p:style>
+            </p:cxnSp>
+          </p:grpSp>
+          <p:grpSp>
+            <p:nvGrpSpPr>
+              <p:cNvPr id="169" name="Group 168"/>
+              <p:cNvGrpSpPr/>
+              <p:nvPr/>
+            </p:nvGrpSpPr>
+            <p:grpSpPr>
+              <a:xfrm rot="11877424">
+                <a:off x="7607214" y="4700587"/>
+                <a:ext cx="423641" cy="52226"/>
+                <a:chOff x="4328981" y="5376621"/>
+                <a:chExt cx="423641" cy="52226"/>
+              </a:xfrm>
+            </p:grpSpPr>
+            <p:sp>
+              <p:nvSpPr>
+                <p:cNvPr id="170" name="Oval 169"/>
+                <p:cNvSpPr/>
+                <p:nvPr/>
+              </p:nvSpPr>
+              <p:spPr>
+                <a:xfrm>
+                  <a:off x="4328981" y="5376621"/>
+                  <a:ext cx="51735" cy="52226"/>
+                </a:xfrm>
+                <a:prstGeom prst="ellipse">
+                  <a:avLst/>
+                </a:prstGeom>
+                <a:solidFill>
+                  <a:srgbClr val="FF0000"/>
+                </a:solidFill>
+                <a:ln w="38100">
+                  <a:solidFill>
+                    <a:srgbClr val="FF0000"/>
+                  </a:solidFill>
+                </a:ln>
+              </p:spPr>
+              <p:style>
+                <a:lnRef idx="2">
+                  <a:schemeClr val="accent1">
+                    <a:shade val="50000"/>
+                  </a:schemeClr>
+                </a:lnRef>
+                <a:fillRef idx="1">
+                  <a:schemeClr val="accent1"/>
+                </a:fillRef>
+                <a:effectRef idx="0">
+                  <a:schemeClr val="accent1"/>
+                </a:effectRef>
+                <a:fontRef idx="minor">
+                  <a:schemeClr val="lt1"/>
+                </a:fontRef>
+              </p:style>
+              <p:txBody>
+                <a:bodyPr rtlCol="0" anchor="ctr"/>
+                <a:lstStyle/>
+                <a:p>
+                  <a:pPr algn="ctr"/>
+                  <a:endParaRPr lang="en-US"/>
+                </a:p>
+              </p:txBody>
+            </p:sp>
+            <p:cxnSp>
+              <p:nvCxnSpPr>
+                <p:cNvPr id="171" name="Straight Arrow Connector 170"/>
+                <p:cNvCxnSpPr/>
+                <p:nvPr/>
+              </p:nvCxnSpPr>
+              <p:spPr>
+                <a:xfrm flipV="1">
+                  <a:off x="4392849" y="5402734"/>
+                  <a:ext cx="359773" cy="1"/>
+                </a:xfrm>
+                <a:prstGeom prst="straightConnector1">
+                  <a:avLst/>
+                </a:prstGeom>
+                <a:ln w="25400">
+                  <a:solidFill>
+                    <a:srgbClr val="FF0000"/>
+                  </a:solidFill>
+                  <a:tailEnd type="triangle"/>
+                </a:ln>
+              </p:spPr>
+              <p:style>
+                <a:lnRef idx="1">
+                  <a:schemeClr val="accent1"/>
+                </a:lnRef>
+                <a:fillRef idx="0">
+                  <a:schemeClr val="accent1"/>
+                </a:fillRef>
+                <a:effectRef idx="0">
+                  <a:schemeClr val="accent1"/>
+                </a:effectRef>
+                <a:fontRef idx="minor">
+                  <a:schemeClr val="tx1"/>
+                </a:fontRef>
+              </p:style>
+            </p:cxnSp>
+          </p:grpSp>
+          <p:grpSp>
+            <p:nvGrpSpPr>
+              <p:cNvPr id="176" name="Group 175"/>
+              <p:cNvGrpSpPr/>
+              <p:nvPr/>
+            </p:nvGrpSpPr>
+            <p:grpSpPr>
+              <a:xfrm rot="13351849">
+                <a:off x="7677598" y="4424229"/>
+                <a:ext cx="248741" cy="52226"/>
+                <a:chOff x="4328981" y="5376621"/>
+                <a:chExt cx="248741" cy="52226"/>
+              </a:xfrm>
+            </p:grpSpPr>
+            <p:sp>
+              <p:nvSpPr>
+                <p:cNvPr id="177" name="Oval 176"/>
+                <p:cNvSpPr/>
+                <p:nvPr/>
+              </p:nvSpPr>
+              <p:spPr>
+                <a:xfrm>
+                  <a:off x="4328981" y="5376621"/>
+                  <a:ext cx="51735" cy="52226"/>
+                </a:xfrm>
+                <a:prstGeom prst="ellipse">
+                  <a:avLst/>
+                </a:prstGeom>
+                <a:solidFill>
+                  <a:srgbClr val="FF0000"/>
+                </a:solidFill>
+                <a:ln w="38100">
+                  <a:solidFill>
+                    <a:srgbClr val="FF0000"/>
+                  </a:solidFill>
+                </a:ln>
+              </p:spPr>
+              <p:style>
+                <a:lnRef idx="2">
+                  <a:schemeClr val="accent1">
+                    <a:shade val="50000"/>
+                  </a:schemeClr>
+                </a:lnRef>
+                <a:fillRef idx="1">
+                  <a:schemeClr val="accent1"/>
+                </a:fillRef>
+                <a:effectRef idx="0">
+                  <a:schemeClr val="accent1"/>
+                </a:effectRef>
+                <a:fontRef idx="minor">
+                  <a:schemeClr val="lt1"/>
+                </a:fontRef>
+              </p:style>
+              <p:txBody>
+                <a:bodyPr rtlCol="0" anchor="ctr"/>
+                <a:lstStyle/>
+                <a:p>
+                  <a:pPr algn="ctr"/>
+                  <a:endParaRPr lang="en-US"/>
+                </a:p>
+              </p:txBody>
+            </p:sp>
+            <p:cxnSp>
+              <p:nvCxnSpPr>
+                <p:cNvPr id="178" name="Straight Arrow Connector 177"/>
+                <p:cNvCxnSpPr/>
+                <p:nvPr/>
+              </p:nvCxnSpPr>
+              <p:spPr>
+                <a:xfrm flipV="1">
+                  <a:off x="4392849" y="5402734"/>
+                  <a:ext cx="184873" cy="2"/>
+                </a:xfrm>
+                <a:prstGeom prst="straightConnector1">
+                  <a:avLst/>
+                </a:prstGeom>
+                <a:ln w="25400">
+                  <a:solidFill>
+                    <a:srgbClr val="FF0000"/>
+                  </a:solidFill>
+                  <a:tailEnd type="triangle"/>
+                </a:ln>
+              </p:spPr>
+              <p:style>
+                <a:lnRef idx="1">
+                  <a:schemeClr val="accent1"/>
+                </a:lnRef>
+                <a:fillRef idx="0">
+                  <a:schemeClr val="accent1"/>
+                </a:fillRef>
+                <a:effectRef idx="0">
+                  <a:schemeClr val="accent1"/>
+                </a:effectRef>
+                <a:fontRef idx="minor">
+                  <a:schemeClr val="tx1"/>
+                </a:fontRef>
+              </p:style>
+            </p:cxnSp>
+          </p:grpSp>
+          <p:grpSp>
+            <p:nvGrpSpPr>
+              <p:cNvPr id="179" name="Group 178"/>
+              <p:cNvGrpSpPr/>
+              <p:nvPr/>
+            </p:nvGrpSpPr>
+            <p:grpSpPr>
+              <a:xfrm rot="5949426">
+                <a:off x="7889418" y="4666940"/>
+                <a:ext cx="423641" cy="52226"/>
+                <a:chOff x="4328981" y="5376621"/>
+                <a:chExt cx="423641" cy="52226"/>
+              </a:xfrm>
+            </p:grpSpPr>
+            <p:sp>
+              <p:nvSpPr>
+                <p:cNvPr id="180" name="Oval 179"/>
+                <p:cNvSpPr/>
+                <p:nvPr/>
+              </p:nvSpPr>
+              <p:spPr>
+                <a:xfrm>
+                  <a:off x="4328981" y="5376621"/>
+                  <a:ext cx="51735" cy="52226"/>
+                </a:xfrm>
+                <a:prstGeom prst="ellipse">
+                  <a:avLst/>
+                </a:prstGeom>
+                <a:solidFill>
+                  <a:srgbClr val="FF0000"/>
+                </a:solidFill>
+                <a:ln w="38100">
+                  <a:solidFill>
+                    <a:srgbClr val="FF0000"/>
+                  </a:solidFill>
+                </a:ln>
+              </p:spPr>
+              <p:style>
+                <a:lnRef idx="2">
+                  <a:schemeClr val="accent1">
+                    <a:shade val="50000"/>
+                  </a:schemeClr>
+                </a:lnRef>
+                <a:fillRef idx="1">
+                  <a:schemeClr val="accent1"/>
+                </a:fillRef>
+                <a:effectRef idx="0">
+                  <a:schemeClr val="accent1"/>
+                </a:effectRef>
+                <a:fontRef idx="minor">
+                  <a:schemeClr val="lt1"/>
+                </a:fontRef>
+              </p:style>
+              <p:txBody>
+                <a:bodyPr rtlCol="0" anchor="ctr"/>
+                <a:lstStyle/>
+                <a:p>
+                  <a:pPr algn="ctr"/>
+                  <a:endParaRPr lang="en-US"/>
+                </a:p>
+              </p:txBody>
+            </p:sp>
+            <p:cxnSp>
+              <p:nvCxnSpPr>
+                <p:cNvPr id="181" name="Straight Arrow Connector 180"/>
+                <p:cNvCxnSpPr/>
+                <p:nvPr/>
+              </p:nvCxnSpPr>
+              <p:spPr>
+                <a:xfrm flipV="1">
+                  <a:off x="4392849" y="5402734"/>
+                  <a:ext cx="359773" cy="1"/>
+                </a:xfrm>
+                <a:prstGeom prst="straightConnector1">
+                  <a:avLst/>
+                </a:prstGeom>
+                <a:ln w="25400">
+                  <a:solidFill>
+                    <a:srgbClr val="FF0000"/>
+                  </a:solidFill>
+                  <a:tailEnd type="triangle"/>
+                </a:ln>
+              </p:spPr>
+              <p:style>
+                <a:lnRef idx="1">
+                  <a:schemeClr val="accent1"/>
+                </a:lnRef>
+                <a:fillRef idx="0">
+                  <a:schemeClr val="accent1"/>
+                </a:fillRef>
+                <a:effectRef idx="0">
+                  <a:schemeClr val="accent1"/>
+                </a:effectRef>
+                <a:fontRef idx="minor">
+                  <a:schemeClr val="tx1"/>
+                </a:fontRef>
+              </p:style>
+            </p:cxnSp>
+          </p:grpSp>
+          <p:grpSp>
+            <p:nvGrpSpPr>
+              <p:cNvPr id="182" name="Group 181"/>
+              <p:cNvGrpSpPr/>
+              <p:nvPr/>
+            </p:nvGrpSpPr>
+            <p:grpSpPr>
+              <a:xfrm rot="14106320">
+                <a:off x="7795163" y="3993481"/>
+                <a:ext cx="289476" cy="75117"/>
+                <a:chOff x="4328981" y="5376621"/>
+                <a:chExt cx="289476" cy="75117"/>
+              </a:xfrm>
+            </p:grpSpPr>
+            <p:sp>
+              <p:nvSpPr>
+                <p:cNvPr id="183" name="Oval 182"/>
+                <p:cNvSpPr/>
+                <p:nvPr/>
+              </p:nvSpPr>
+              <p:spPr>
+                <a:xfrm>
+                  <a:off x="4328981" y="5376621"/>
+                  <a:ext cx="51735" cy="52226"/>
+                </a:xfrm>
+                <a:prstGeom prst="ellipse">
+                  <a:avLst/>
+                </a:prstGeom>
+                <a:solidFill>
+                  <a:srgbClr val="FF0000"/>
+                </a:solidFill>
+                <a:ln w="38100">
+                  <a:solidFill>
+                    <a:srgbClr val="FF0000"/>
+                  </a:solidFill>
+                </a:ln>
+              </p:spPr>
+              <p:style>
+                <a:lnRef idx="2">
+                  <a:schemeClr val="accent1">
+                    <a:shade val="50000"/>
+                  </a:schemeClr>
+                </a:lnRef>
+                <a:fillRef idx="1">
+                  <a:schemeClr val="accent1"/>
+                </a:fillRef>
+                <a:effectRef idx="0">
+                  <a:schemeClr val="accent1"/>
+                </a:effectRef>
+                <a:fontRef idx="minor">
+                  <a:schemeClr val="lt1"/>
+                </a:fontRef>
+              </p:style>
+              <p:txBody>
+                <a:bodyPr rtlCol="0" anchor="ctr"/>
+                <a:lstStyle/>
+                <a:p>
+                  <a:pPr algn="ctr"/>
+                  <a:endParaRPr lang="en-US" b="1"/>
+                </a:p>
+              </p:txBody>
+            </p:sp>
+            <p:cxnSp>
+              <p:nvCxnSpPr>
+                <p:cNvPr id="184" name="Straight Arrow Connector 183"/>
+                <p:cNvCxnSpPr/>
+                <p:nvPr/>
+              </p:nvCxnSpPr>
+              <p:spPr>
+                <a:xfrm rot="20845529">
+                  <a:off x="4398248" y="5377879"/>
+                  <a:ext cx="220209" cy="73859"/>
+                </a:xfrm>
+                <a:prstGeom prst="straightConnector1">
+                  <a:avLst/>
+                </a:prstGeom>
+                <a:ln w="25400">
+                  <a:solidFill>
+                    <a:srgbClr val="FF0000"/>
+                  </a:solidFill>
+                  <a:tailEnd type="triangle"/>
+                </a:ln>
+              </p:spPr>
+              <p:style>
+                <a:lnRef idx="1">
+                  <a:schemeClr val="accent1"/>
+                </a:lnRef>
+                <a:fillRef idx="0">
+                  <a:schemeClr val="accent1"/>
+                </a:fillRef>
+                <a:effectRef idx="0">
+                  <a:schemeClr val="accent1"/>
+                </a:effectRef>
+                <a:fontRef idx="minor">
+                  <a:schemeClr val="tx1"/>
+                </a:fontRef>
+              </p:style>
+            </p:cxnSp>
+          </p:grpSp>
+          <p:grpSp>
+            <p:nvGrpSpPr>
+              <p:cNvPr id="185" name="Group 184"/>
+              <p:cNvGrpSpPr/>
+              <p:nvPr/>
+            </p:nvGrpSpPr>
+            <p:grpSpPr>
+              <a:xfrm rot="11517762">
+                <a:off x="7970573" y="3404202"/>
+                <a:ext cx="602551" cy="279261"/>
+                <a:chOff x="4328981" y="5270682"/>
+                <a:chExt cx="602551" cy="279261"/>
+              </a:xfrm>
+            </p:grpSpPr>
+            <p:sp>
+              <p:nvSpPr>
+                <p:cNvPr id="186" name="Oval 185"/>
+                <p:cNvSpPr/>
+                <p:nvPr/>
+              </p:nvSpPr>
+              <p:spPr>
+                <a:xfrm>
+                  <a:off x="4328981" y="5376621"/>
+                  <a:ext cx="51735" cy="52226"/>
+                </a:xfrm>
+                <a:prstGeom prst="ellipse">
+                  <a:avLst/>
+                </a:prstGeom>
+                <a:solidFill>
+                  <a:srgbClr val="FF0000"/>
+                </a:solidFill>
+                <a:ln w="38100">
+                  <a:solidFill>
+                    <a:srgbClr val="FF0000"/>
+                  </a:solidFill>
+                </a:ln>
+              </p:spPr>
+              <p:style>
+                <a:lnRef idx="2">
+                  <a:schemeClr val="accent1">
+                    <a:shade val="50000"/>
+                  </a:schemeClr>
+                </a:lnRef>
+                <a:fillRef idx="1">
+                  <a:schemeClr val="accent1"/>
+                </a:fillRef>
+                <a:effectRef idx="0">
+                  <a:schemeClr val="accent1"/>
+                </a:effectRef>
+                <a:fontRef idx="minor">
+                  <a:schemeClr val="lt1"/>
+                </a:fontRef>
+              </p:style>
+              <p:txBody>
+                <a:bodyPr rtlCol="0" anchor="ctr"/>
+                <a:lstStyle/>
+                <a:p>
+                  <a:pPr algn="ctr"/>
+                  <a:endParaRPr lang="en-US"/>
+                </a:p>
+              </p:txBody>
+            </p:sp>
+            <p:cxnSp>
+              <p:nvCxnSpPr>
+                <p:cNvPr id="187" name="Straight Arrow Connector 186"/>
+                <p:cNvCxnSpPr/>
+                <p:nvPr/>
+              </p:nvCxnSpPr>
+              <p:spPr>
+                <a:xfrm rot="1834087" flipV="1">
+                  <a:off x="4428934" y="5270682"/>
+                  <a:ext cx="502598" cy="279261"/>
+                </a:xfrm>
+                <a:prstGeom prst="straightConnector1">
+                  <a:avLst/>
+                </a:prstGeom>
+                <a:ln w="25400">
+                  <a:solidFill>
+                    <a:srgbClr val="FF0000"/>
+                  </a:solidFill>
+                  <a:tailEnd type="triangle"/>
+                </a:ln>
+              </p:spPr>
+              <p:style>
+                <a:lnRef idx="1">
+                  <a:schemeClr val="accent1"/>
+                </a:lnRef>
+                <a:fillRef idx="0">
+                  <a:schemeClr val="accent1"/>
+                </a:fillRef>
+                <a:effectRef idx="0">
+                  <a:schemeClr val="accent1"/>
+                </a:effectRef>
+                <a:fontRef idx="minor">
+                  <a:schemeClr val="tx1"/>
+                </a:fontRef>
+              </p:style>
+            </p:cxnSp>
+          </p:grpSp>
+          <p:grpSp>
+            <p:nvGrpSpPr>
+              <p:cNvPr id="188" name="Group 187"/>
+              <p:cNvGrpSpPr/>
+              <p:nvPr/>
+            </p:nvGrpSpPr>
+            <p:grpSpPr>
+              <a:xfrm rot="11517762">
+                <a:off x="8299065" y="4111840"/>
+                <a:ext cx="224397" cy="110886"/>
+                <a:chOff x="4328981" y="5335719"/>
+                <a:chExt cx="224397" cy="110886"/>
+              </a:xfrm>
+            </p:grpSpPr>
+            <p:sp>
+              <p:nvSpPr>
+                <p:cNvPr id="189" name="Oval 188"/>
+                <p:cNvSpPr/>
+                <p:nvPr/>
+              </p:nvSpPr>
+              <p:spPr>
+                <a:xfrm>
+                  <a:off x="4328981" y="5376621"/>
+                  <a:ext cx="51735" cy="52226"/>
+                </a:xfrm>
+                <a:prstGeom prst="ellipse">
+                  <a:avLst/>
+                </a:prstGeom>
+                <a:solidFill>
+                  <a:srgbClr val="FF0000"/>
+                </a:solidFill>
+                <a:ln w="38100">
+                  <a:solidFill>
+                    <a:srgbClr val="FF0000"/>
+                  </a:solidFill>
+                </a:ln>
+              </p:spPr>
+              <p:style>
+                <a:lnRef idx="2">
+                  <a:schemeClr val="accent1">
+                    <a:shade val="50000"/>
+                  </a:schemeClr>
+                </a:lnRef>
+                <a:fillRef idx="1">
+                  <a:schemeClr val="accent1"/>
+                </a:fillRef>
+                <a:effectRef idx="0">
+                  <a:schemeClr val="accent1"/>
+                </a:effectRef>
+                <a:fontRef idx="minor">
+                  <a:schemeClr val="lt1"/>
+                </a:fontRef>
+              </p:style>
+              <p:txBody>
+                <a:bodyPr rtlCol="0" anchor="ctr"/>
+                <a:lstStyle/>
+                <a:p>
+                  <a:pPr algn="ctr"/>
+                  <a:endParaRPr lang="en-US"/>
+                </a:p>
+              </p:txBody>
+            </p:sp>
+            <p:cxnSp>
+              <p:nvCxnSpPr>
+                <p:cNvPr id="190" name="Straight Arrow Connector 189"/>
+                <p:cNvCxnSpPr/>
+                <p:nvPr/>
+              </p:nvCxnSpPr>
+              <p:spPr>
+                <a:xfrm rot="1834087" flipV="1">
+                  <a:off x="4411162" y="5335719"/>
+                  <a:ext cx="142216" cy="110886"/>
+                </a:xfrm>
+                <a:prstGeom prst="straightConnector1">
+                  <a:avLst/>
+                </a:prstGeom>
+                <a:ln w="25400">
+                  <a:solidFill>
+                    <a:srgbClr val="FF0000"/>
+                  </a:solidFill>
+                  <a:tailEnd type="triangle"/>
+                </a:ln>
+              </p:spPr>
+              <p:style>
+                <a:lnRef idx="1">
+                  <a:schemeClr val="accent1"/>
+                </a:lnRef>
+                <a:fillRef idx="0">
+                  <a:schemeClr val="accent1"/>
+                </a:fillRef>
+                <a:effectRef idx="0">
+                  <a:schemeClr val="accent1"/>
+                </a:effectRef>
+                <a:fontRef idx="minor">
+                  <a:schemeClr val="tx1"/>
+                </a:fontRef>
+              </p:style>
+            </p:cxnSp>
+          </p:grpSp>
+          <p:grpSp>
+            <p:nvGrpSpPr>
+              <p:cNvPr id="191" name="Group 190"/>
+              <p:cNvGrpSpPr/>
+              <p:nvPr/>
+            </p:nvGrpSpPr>
+            <p:grpSpPr>
+              <a:xfrm rot="11517762">
+                <a:off x="8326862" y="4927618"/>
+                <a:ext cx="423641" cy="52226"/>
+                <a:chOff x="4328981" y="5376621"/>
+                <a:chExt cx="423641" cy="52226"/>
+              </a:xfrm>
+            </p:grpSpPr>
+            <p:sp>
+              <p:nvSpPr>
+                <p:cNvPr id="192" name="Oval 191"/>
+                <p:cNvSpPr/>
+                <p:nvPr/>
+              </p:nvSpPr>
+              <p:spPr>
+                <a:xfrm>
+                  <a:off x="4328981" y="5376621"/>
+                  <a:ext cx="51735" cy="52226"/>
+                </a:xfrm>
+                <a:prstGeom prst="ellipse">
+                  <a:avLst/>
+                </a:prstGeom>
+                <a:solidFill>
+                  <a:srgbClr val="FF0000"/>
+                </a:solidFill>
+                <a:ln w="38100">
+                  <a:solidFill>
+                    <a:srgbClr val="FF0000"/>
+                  </a:solidFill>
+                </a:ln>
+              </p:spPr>
+              <p:style>
+                <a:lnRef idx="2">
+                  <a:schemeClr val="accent1">
+                    <a:shade val="50000"/>
+                  </a:schemeClr>
+                </a:lnRef>
+                <a:fillRef idx="1">
+                  <a:schemeClr val="accent1"/>
+                </a:fillRef>
+                <a:effectRef idx="0">
+                  <a:schemeClr val="accent1"/>
+                </a:effectRef>
+                <a:fontRef idx="minor">
+                  <a:schemeClr val="lt1"/>
+                </a:fontRef>
+              </p:style>
+              <p:txBody>
+                <a:bodyPr rtlCol="0" anchor="ctr"/>
+                <a:lstStyle/>
+                <a:p>
+                  <a:pPr algn="ctr"/>
+                  <a:endParaRPr lang="en-US"/>
+                </a:p>
+              </p:txBody>
+            </p:sp>
+            <p:cxnSp>
+              <p:nvCxnSpPr>
+                <p:cNvPr id="193" name="Straight Arrow Connector 192"/>
+                <p:cNvCxnSpPr/>
+                <p:nvPr/>
+              </p:nvCxnSpPr>
+              <p:spPr>
+                <a:xfrm flipV="1">
+                  <a:off x="4392849" y="5402734"/>
+                  <a:ext cx="359773" cy="1"/>
+                </a:xfrm>
+                <a:prstGeom prst="straightConnector1">
+                  <a:avLst/>
+                </a:prstGeom>
+                <a:ln w="25400">
+                  <a:solidFill>
+                    <a:srgbClr val="FF0000"/>
+                  </a:solidFill>
+                  <a:tailEnd type="triangle"/>
+                </a:ln>
+              </p:spPr>
+              <p:style>
+                <a:lnRef idx="1">
+                  <a:schemeClr val="accent1"/>
+                </a:lnRef>
+                <a:fillRef idx="0">
+                  <a:schemeClr val="accent1"/>
+                </a:fillRef>
+                <a:effectRef idx="0">
+                  <a:schemeClr val="accent1"/>
+                </a:effectRef>
+                <a:fontRef idx="minor">
+                  <a:schemeClr val="tx1"/>
+                </a:fontRef>
+              </p:style>
+            </p:cxnSp>
+          </p:grpSp>
+          <p:grpSp>
+            <p:nvGrpSpPr>
+              <p:cNvPr id="194" name="Group 193"/>
+              <p:cNvGrpSpPr/>
+              <p:nvPr/>
+            </p:nvGrpSpPr>
+            <p:grpSpPr>
+              <a:xfrm rot="14893905">
+                <a:off x="8426534" y="4513419"/>
+                <a:ext cx="624775" cy="198267"/>
+                <a:chOff x="4328981" y="5273460"/>
+                <a:chExt cx="624775" cy="198267"/>
+              </a:xfrm>
+            </p:grpSpPr>
+            <p:sp>
+              <p:nvSpPr>
+                <p:cNvPr id="195" name="Oval 194"/>
+                <p:cNvSpPr/>
+                <p:nvPr/>
+              </p:nvSpPr>
+              <p:spPr>
+                <a:xfrm>
+                  <a:off x="4328981" y="5376621"/>
+                  <a:ext cx="51735" cy="52226"/>
+                </a:xfrm>
+                <a:prstGeom prst="ellipse">
+                  <a:avLst/>
+                </a:prstGeom>
+                <a:solidFill>
+                  <a:srgbClr val="FF0000"/>
+                </a:solidFill>
+                <a:ln w="38100">
+                  <a:solidFill>
+                    <a:srgbClr val="FF0000"/>
+                  </a:solidFill>
+                </a:ln>
+              </p:spPr>
+              <p:style>
+                <a:lnRef idx="2">
+                  <a:schemeClr val="accent1">
+                    <a:shade val="50000"/>
+                  </a:schemeClr>
+                </a:lnRef>
+                <a:fillRef idx="1">
+                  <a:schemeClr val="accent1"/>
+                </a:fillRef>
+                <a:effectRef idx="0">
+                  <a:schemeClr val="accent1"/>
+                </a:effectRef>
+                <a:fontRef idx="minor">
+                  <a:schemeClr val="lt1"/>
+                </a:fontRef>
+              </p:style>
+              <p:txBody>
+                <a:bodyPr rtlCol="0" anchor="ctr"/>
+                <a:lstStyle/>
+                <a:p>
+                  <a:pPr algn="ctr"/>
+                  <a:endParaRPr lang="en-US"/>
+                </a:p>
+              </p:txBody>
+            </p:sp>
+            <p:cxnSp>
+              <p:nvCxnSpPr>
+                <p:cNvPr id="196" name="Straight Arrow Connector 195"/>
+                <p:cNvCxnSpPr/>
+                <p:nvPr/>
+              </p:nvCxnSpPr>
+              <p:spPr>
+                <a:xfrm rot="17041463">
+                  <a:off x="4582119" y="5100091"/>
+                  <a:ext cx="198267" cy="545006"/>
+                </a:xfrm>
+                <a:prstGeom prst="straightConnector1">
+                  <a:avLst/>
+                </a:prstGeom>
+                <a:ln w="25400">
+                  <a:solidFill>
+                    <a:srgbClr val="FF0000"/>
+                  </a:solidFill>
+                  <a:tailEnd type="triangle"/>
+                </a:ln>
+              </p:spPr>
+              <p:style>
+                <a:lnRef idx="1">
+                  <a:schemeClr val="accent1"/>
+                </a:lnRef>
+                <a:fillRef idx="0">
+                  <a:schemeClr val="accent1"/>
+                </a:fillRef>
+                <a:effectRef idx="0">
+                  <a:schemeClr val="accent1"/>
+                </a:effectRef>
+                <a:fontRef idx="minor">
+                  <a:schemeClr val="tx1"/>
+                </a:fontRef>
+              </p:style>
+            </p:cxnSp>
+          </p:grpSp>
+          <p:grpSp>
+            <p:nvGrpSpPr>
+              <p:cNvPr id="218" name="Group 217"/>
+              <p:cNvGrpSpPr/>
+              <p:nvPr/>
+            </p:nvGrpSpPr>
+            <p:grpSpPr>
+              <a:xfrm rot="10335368">
+                <a:off x="8059705" y="5119573"/>
+                <a:ext cx="248741" cy="52226"/>
+                <a:chOff x="4328981" y="5376621"/>
+                <a:chExt cx="248741" cy="52226"/>
+              </a:xfrm>
+            </p:grpSpPr>
+            <p:sp>
+              <p:nvSpPr>
+                <p:cNvPr id="219" name="Oval 218"/>
+                <p:cNvSpPr/>
+                <p:nvPr/>
+              </p:nvSpPr>
+              <p:spPr>
+                <a:xfrm>
+                  <a:off x="4328981" y="5376621"/>
+                  <a:ext cx="51735" cy="52226"/>
+                </a:xfrm>
+                <a:prstGeom prst="ellipse">
+                  <a:avLst/>
+                </a:prstGeom>
+                <a:solidFill>
+                  <a:srgbClr val="FF0000"/>
+                </a:solidFill>
+                <a:ln w="38100">
+                  <a:solidFill>
+                    <a:srgbClr val="FF0000"/>
+                  </a:solidFill>
+                </a:ln>
+              </p:spPr>
+              <p:style>
+                <a:lnRef idx="2">
+                  <a:schemeClr val="accent1">
+                    <a:shade val="50000"/>
+                  </a:schemeClr>
+                </a:lnRef>
+                <a:fillRef idx="1">
+                  <a:schemeClr val="accent1"/>
+                </a:fillRef>
+                <a:effectRef idx="0">
+                  <a:schemeClr val="accent1"/>
+                </a:effectRef>
+                <a:fontRef idx="minor">
+                  <a:schemeClr val="lt1"/>
+                </a:fontRef>
+              </p:style>
+              <p:txBody>
+                <a:bodyPr rtlCol="0" anchor="ctr"/>
+                <a:lstStyle/>
+                <a:p>
+                  <a:pPr algn="ctr"/>
+                  <a:endParaRPr lang="en-US"/>
+                </a:p>
+              </p:txBody>
+            </p:sp>
+            <p:cxnSp>
+              <p:nvCxnSpPr>
+                <p:cNvPr id="220" name="Straight Arrow Connector 219"/>
+                <p:cNvCxnSpPr/>
+                <p:nvPr/>
+              </p:nvCxnSpPr>
+              <p:spPr>
+                <a:xfrm flipV="1">
+                  <a:off x="4392849" y="5402734"/>
+                  <a:ext cx="184873" cy="2"/>
+                </a:xfrm>
+                <a:prstGeom prst="straightConnector1">
+                  <a:avLst/>
+                </a:prstGeom>
+                <a:ln w="25400">
+                  <a:solidFill>
+                    <a:srgbClr val="FF0000"/>
+                  </a:solidFill>
+                  <a:tailEnd type="triangle"/>
+                </a:ln>
+              </p:spPr>
+              <p:style>
+                <a:lnRef idx="1">
+                  <a:schemeClr val="accent1"/>
+                </a:lnRef>
+                <a:fillRef idx="0">
+                  <a:schemeClr val="accent1"/>
+                </a:fillRef>
+                <a:effectRef idx="0">
+                  <a:schemeClr val="accent1"/>
+                </a:effectRef>
+                <a:fontRef idx="minor">
+                  <a:schemeClr val="tx1"/>
+                </a:fontRef>
+              </p:style>
+            </p:cxnSp>
+          </p:grpSp>
+          <p:grpSp>
+            <p:nvGrpSpPr>
+              <p:cNvPr id="221" name="Group 220"/>
+              <p:cNvGrpSpPr/>
+              <p:nvPr/>
+            </p:nvGrpSpPr>
+            <p:grpSpPr>
+              <a:xfrm rot="6246401">
+                <a:off x="8665140" y="5181815"/>
+                <a:ext cx="423641" cy="52226"/>
+                <a:chOff x="4328981" y="5376621"/>
+                <a:chExt cx="423641" cy="52226"/>
+              </a:xfrm>
+            </p:grpSpPr>
+            <p:sp>
+              <p:nvSpPr>
+                <p:cNvPr id="222" name="Oval 221"/>
+                <p:cNvSpPr/>
+                <p:nvPr/>
+              </p:nvSpPr>
+              <p:spPr>
+                <a:xfrm>
+                  <a:off x="4328981" y="5376621"/>
+                  <a:ext cx="51735" cy="52226"/>
+                </a:xfrm>
+                <a:prstGeom prst="ellipse">
+                  <a:avLst/>
+                </a:prstGeom>
+                <a:solidFill>
+                  <a:srgbClr val="FF0000"/>
+                </a:solidFill>
+                <a:ln w="38100">
+                  <a:solidFill>
+                    <a:srgbClr val="FF0000"/>
+                  </a:solidFill>
+                </a:ln>
+              </p:spPr>
+              <p:style>
+                <a:lnRef idx="2">
+                  <a:schemeClr val="accent1">
+                    <a:shade val="50000"/>
+                  </a:schemeClr>
+                </a:lnRef>
+                <a:fillRef idx="1">
+                  <a:schemeClr val="accent1"/>
+                </a:fillRef>
+                <a:effectRef idx="0">
+                  <a:schemeClr val="accent1"/>
+                </a:effectRef>
+                <a:fontRef idx="minor">
+                  <a:schemeClr val="lt1"/>
+                </a:fontRef>
+              </p:style>
+              <p:txBody>
+                <a:bodyPr rtlCol="0" anchor="ctr"/>
+                <a:lstStyle/>
+                <a:p>
+                  <a:pPr algn="ctr"/>
+                  <a:endParaRPr lang="en-US"/>
+                </a:p>
+              </p:txBody>
+            </p:sp>
+            <p:cxnSp>
+              <p:nvCxnSpPr>
+                <p:cNvPr id="223" name="Straight Arrow Connector 222"/>
+                <p:cNvCxnSpPr/>
+                <p:nvPr/>
+              </p:nvCxnSpPr>
+              <p:spPr>
+                <a:xfrm flipV="1">
+                  <a:off x="4392849" y="5402734"/>
+                  <a:ext cx="359773" cy="1"/>
+                </a:xfrm>
+                <a:prstGeom prst="straightConnector1">
+                  <a:avLst/>
+                </a:prstGeom>
+                <a:ln w="25400">
+                  <a:solidFill>
+                    <a:srgbClr val="FF0000"/>
+                  </a:solidFill>
+                  <a:tailEnd type="triangle"/>
+                </a:ln>
+              </p:spPr>
+              <p:style>
+                <a:lnRef idx="1">
+                  <a:schemeClr val="accent1"/>
+                </a:lnRef>
+                <a:fillRef idx="0">
+                  <a:schemeClr val="accent1"/>
+                </a:fillRef>
+                <a:effectRef idx="0">
+                  <a:schemeClr val="accent1"/>
+                </a:effectRef>
+                <a:fontRef idx="minor">
+                  <a:schemeClr val="tx1"/>
+                </a:fontRef>
+              </p:style>
+            </p:cxnSp>
+          </p:grpSp>
+          <p:grpSp>
+            <p:nvGrpSpPr>
+              <p:cNvPr id="224" name="Group 223"/>
+              <p:cNvGrpSpPr/>
+              <p:nvPr/>
+            </p:nvGrpSpPr>
+            <p:grpSpPr>
+              <a:xfrm rot="11089839">
+                <a:off x="8177270" y="4688825"/>
+                <a:ext cx="289476" cy="75117"/>
+                <a:chOff x="4328981" y="5376621"/>
+                <a:chExt cx="289476" cy="75117"/>
+              </a:xfrm>
+            </p:grpSpPr>
+            <p:sp>
+              <p:nvSpPr>
+                <p:cNvPr id="225" name="Oval 224"/>
+                <p:cNvSpPr/>
+                <p:nvPr/>
+              </p:nvSpPr>
+              <p:spPr>
+                <a:xfrm>
+                  <a:off x="4328981" y="5376621"/>
+                  <a:ext cx="51735" cy="52226"/>
+                </a:xfrm>
+                <a:prstGeom prst="ellipse">
+                  <a:avLst/>
+                </a:prstGeom>
+                <a:solidFill>
+                  <a:srgbClr val="FF0000"/>
+                </a:solidFill>
+                <a:ln w="38100">
+                  <a:solidFill>
+                    <a:srgbClr val="FF0000"/>
+                  </a:solidFill>
+                </a:ln>
+              </p:spPr>
+              <p:style>
+                <a:lnRef idx="2">
+                  <a:schemeClr val="accent1">
+                    <a:shade val="50000"/>
+                  </a:schemeClr>
+                </a:lnRef>
+                <a:fillRef idx="1">
+                  <a:schemeClr val="accent1"/>
+                </a:fillRef>
+                <a:effectRef idx="0">
+                  <a:schemeClr val="accent1"/>
+                </a:effectRef>
+                <a:fontRef idx="minor">
+                  <a:schemeClr val="lt1"/>
+                </a:fontRef>
+              </p:style>
+              <p:txBody>
+                <a:bodyPr rtlCol="0" anchor="ctr"/>
+                <a:lstStyle/>
+                <a:p>
+                  <a:pPr algn="ctr"/>
+                  <a:endParaRPr lang="en-US" b="1"/>
+                </a:p>
+              </p:txBody>
+            </p:sp>
+            <p:cxnSp>
+              <p:nvCxnSpPr>
+                <p:cNvPr id="226" name="Straight Arrow Connector 225"/>
+                <p:cNvCxnSpPr/>
+                <p:nvPr/>
+              </p:nvCxnSpPr>
+              <p:spPr>
+                <a:xfrm rot="20845529">
+                  <a:off x="4398248" y="5377879"/>
+                  <a:ext cx="220209" cy="73859"/>
+                </a:xfrm>
+                <a:prstGeom prst="straightConnector1">
+                  <a:avLst/>
+                </a:prstGeom>
+                <a:ln w="25400">
+                  <a:solidFill>
+                    <a:srgbClr val="FF0000"/>
+                  </a:solidFill>
+                  <a:tailEnd type="triangle"/>
+                </a:ln>
+              </p:spPr>
+              <p:style>
+                <a:lnRef idx="1">
+                  <a:schemeClr val="accent1"/>
+                </a:lnRef>
+                <a:fillRef idx="0">
+                  <a:schemeClr val="accent1"/>
+                </a:fillRef>
+                <a:effectRef idx="0">
+                  <a:schemeClr val="accent1"/>
+                </a:effectRef>
+                <a:fontRef idx="minor">
+                  <a:schemeClr val="tx1"/>
+                </a:fontRef>
+              </p:style>
+            </p:cxnSp>
+          </p:grpSp>
+          <p:grpSp>
+            <p:nvGrpSpPr>
+              <p:cNvPr id="227" name="Group 226"/>
+              <p:cNvGrpSpPr/>
+              <p:nvPr/>
+            </p:nvGrpSpPr>
+            <p:grpSpPr>
+              <a:xfrm rot="8501281">
+                <a:off x="8352680" y="4099546"/>
+                <a:ext cx="602551" cy="279261"/>
+                <a:chOff x="4328981" y="5270682"/>
+                <a:chExt cx="602551" cy="279261"/>
+              </a:xfrm>
+            </p:grpSpPr>
+            <p:sp>
+              <p:nvSpPr>
+                <p:cNvPr id="228" name="Oval 227"/>
+                <p:cNvSpPr/>
+                <p:nvPr/>
+              </p:nvSpPr>
+              <p:spPr>
+                <a:xfrm>
+                  <a:off x="4328981" y="5376621"/>
+                  <a:ext cx="51735" cy="52226"/>
+                </a:xfrm>
+                <a:prstGeom prst="ellipse">
+                  <a:avLst/>
+                </a:prstGeom>
+                <a:solidFill>
+                  <a:srgbClr val="FF0000"/>
+                </a:solidFill>
+                <a:ln w="38100">
+                  <a:solidFill>
+                    <a:srgbClr val="FF0000"/>
+                  </a:solidFill>
+                </a:ln>
+              </p:spPr>
+              <p:style>
+                <a:lnRef idx="2">
+                  <a:schemeClr val="accent1">
+                    <a:shade val="50000"/>
+                  </a:schemeClr>
+                </a:lnRef>
+                <a:fillRef idx="1">
+                  <a:schemeClr val="accent1"/>
+                </a:fillRef>
+                <a:effectRef idx="0">
+                  <a:schemeClr val="accent1"/>
+                </a:effectRef>
+                <a:fontRef idx="minor">
+                  <a:schemeClr val="lt1"/>
+                </a:fontRef>
+              </p:style>
+              <p:txBody>
+                <a:bodyPr rtlCol="0" anchor="ctr"/>
+                <a:lstStyle/>
+                <a:p>
+                  <a:pPr algn="ctr"/>
+                  <a:endParaRPr lang="en-US"/>
+                </a:p>
+              </p:txBody>
+            </p:sp>
+            <p:cxnSp>
+              <p:nvCxnSpPr>
+                <p:cNvPr id="229" name="Straight Arrow Connector 228"/>
+                <p:cNvCxnSpPr/>
+                <p:nvPr/>
+              </p:nvCxnSpPr>
+              <p:spPr>
+                <a:xfrm rot="1834087" flipV="1">
+                  <a:off x="4428934" y="5270682"/>
+                  <a:ext cx="502598" cy="279261"/>
+                </a:xfrm>
+                <a:prstGeom prst="straightConnector1">
+                  <a:avLst/>
+                </a:prstGeom>
+                <a:ln w="25400">
+                  <a:solidFill>
+                    <a:srgbClr val="FF0000"/>
+                  </a:solidFill>
+                  <a:tailEnd type="triangle"/>
+                </a:ln>
+              </p:spPr>
+              <p:style>
+                <a:lnRef idx="1">
+                  <a:schemeClr val="accent1"/>
+                </a:lnRef>
+                <a:fillRef idx="0">
+                  <a:schemeClr val="accent1"/>
+                </a:fillRef>
+                <a:effectRef idx="0">
+                  <a:schemeClr val="accent1"/>
+                </a:effectRef>
+                <a:fontRef idx="minor">
+                  <a:schemeClr val="tx1"/>
+                </a:fontRef>
+              </p:style>
+            </p:cxnSp>
+          </p:grpSp>
+          <p:grpSp>
+            <p:nvGrpSpPr>
+              <p:cNvPr id="230" name="Group 229"/>
+              <p:cNvGrpSpPr/>
+              <p:nvPr/>
+            </p:nvGrpSpPr>
+            <p:grpSpPr>
+              <a:xfrm rot="8501281">
+                <a:off x="9222349" y="5074515"/>
+                <a:ext cx="224397" cy="110886"/>
+                <a:chOff x="4328981" y="5335719"/>
+                <a:chExt cx="224397" cy="110886"/>
+              </a:xfrm>
+            </p:grpSpPr>
+            <p:sp>
+              <p:nvSpPr>
+                <p:cNvPr id="231" name="Oval 230"/>
+                <p:cNvSpPr/>
+                <p:nvPr/>
+              </p:nvSpPr>
+              <p:spPr>
+                <a:xfrm>
+                  <a:off x="4328981" y="5376621"/>
+                  <a:ext cx="51735" cy="52226"/>
+                </a:xfrm>
+                <a:prstGeom prst="ellipse">
+                  <a:avLst/>
+                </a:prstGeom>
+                <a:solidFill>
+                  <a:srgbClr val="FF0000"/>
+                </a:solidFill>
+                <a:ln w="38100">
+                  <a:solidFill>
+                    <a:srgbClr val="FF0000"/>
+                  </a:solidFill>
+                </a:ln>
+              </p:spPr>
+              <p:style>
+                <a:lnRef idx="2">
+                  <a:schemeClr val="accent1">
+                    <a:shade val="50000"/>
+                  </a:schemeClr>
+                </a:lnRef>
+                <a:fillRef idx="1">
+                  <a:schemeClr val="accent1"/>
+                </a:fillRef>
+                <a:effectRef idx="0">
+                  <a:schemeClr val="accent1"/>
+                </a:effectRef>
+                <a:fontRef idx="minor">
+                  <a:schemeClr val="lt1"/>
+                </a:fontRef>
+              </p:style>
+              <p:txBody>
+                <a:bodyPr rtlCol="0" anchor="ctr"/>
+                <a:lstStyle/>
+                <a:p>
+                  <a:pPr algn="ctr"/>
+                  <a:endParaRPr lang="en-US"/>
+                </a:p>
+              </p:txBody>
+            </p:sp>
+            <p:cxnSp>
+              <p:nvCxnSpPr>
+                <p:cNvPr id="232" name="Straight Arrow Connector 231"/>
+                <p:cNvCxnSpPr/>
+                <p:nvPr/>
+              </p:nvCxnSpPr>
+              <p:spPr>
+                <a:xfrm rot="1834087" flipV="1">
+                  <a:off x="4411162" y="5335719"/>
+                  <a:ext cx="142216" cy="110886"/>
+                </a:xfrm>
+                <a:prstGeom prst="straightConnector1">
+                  <a:avLst/>
+                </a:prstGeom>
+                <a:ln w="25400">
+                  <a:solidFill>
+                    <a:srgbClr val="FF0000"/>
+                  </a:solidFill>
+                  <a:tailEnd type="triangle"/>
+                </a:ln>
+              </p:spPr>
+              <p:style>
+                <a:lnRef idx="1">
+                  <a:schemeClr val="accent1"/>
+                </a:lnRef>
+                <a:fillRef idx="0">
+                  <a:schemeClr val="accent1"/>
+                </a:fillRef>
+                <a:effectRef idx="0">
+                  <a:schemeClr val="accent1"/>
+                </a:effectRef>
+                <a:fontRef idx="minor">
+                  <a:schemeClr val="tx1"/>
+                </a:fontRef>
+              </p:style>
+            </p:cxnSp>
+          </p:grpSp>
+          <p:grpSp>
+            <p:nvGrpSpPr>
+              <p:cNvPr id="233" name="Group 232"/>
+              <p:cNvGrpSpPr/>
+              <p:nvPr/>
+            </p:nvGrpSpPr>
+            <p:grpSpPr>
+              <a:xfrm rot="10656447">
+                <a:off x="8867753" y="4352532"/>
+                <a:ext cx="423641" cy="52226"/>
+                <a:chOff x="4328981" y="5376621"/>
+                <a:chExt cx="423641" cy="52226"/>
+              </a:xfrm>
+            </p:grpSpPr>
+            <p:sp>
+              <p:nvSpPr>
+                <p:cNvPr id="234" name="Oval 233"/>
+                <p:cNvSpPr/>
+                <p:nvPr/>
+              </p:nvSpPr>
+              <p:spPr>
+                <a:xfrm>
+                  <a:off x="4328981" y="5376621"/>
+                  <a:ext cx="51735" cy="52226"/>
+                </a:xfrm>
+                <a:prstGeom prst="ellipse">
+                  <a:avLst/>
+                </a:prstGeom>
+                <a:solidFill>
+                  <a:srgbClr val="FF0000"/>
+                </a:solidFill>
+                <a:ln w="38100">
+                  <a:solidFill>
+                    <a:srgbClr val="FF0000"/>
+                  </a:solidFill>
+                </a:ln>
+              </p:spPr>
+              <p:style>
+                <a:lnRef idx="2">
+                  <a:schemeClr val="accent1">
+                    <a:shade val="50000"/>
+                  </a:schemeClr>
+                </a:lnRef>
+                <a:fillRef idx="1">
+                  <a:schemeClr val="accent1"/>
+                </a:fillRef>
+                <a:effectRef idx="0">
+                  <a:schemeClr val="accent1"/>
+                </a:effectRef>
+                <a:fontRef idx="minor">
+                  <a:schemeClr val="lt1"/>
+                </a:fontRef>
+              </p:style>
+              <p:txBody>
+                <a:bodyPr rtlCol="0" anchor="ctr"/>
+                <a:lstStyle/>
+                <a:p>
+                  <a:pPr algn="ctr"/>
+                  <a:endParaRPr lang="en-US"/>
+                </a:p>
+              </p:txBody>
+            </p:sp>
+            <p:cxnSp>
+              <p:nvCxnSpPr>
+                <p:cNvPr id="235" name="Straight Arrow Connector 234"/>
+                <p:cNvCxnSpPr/>
+                <p:nvPr/>
+              </p:nvCxnSpPr>
+              <p:spPr>
+                <a:xfrm flipV="1">
+                  <a:off x="4392849" y="5402734"/>
+                  <a:ext cx="359773" cy="1"/>
+                </a:xfrm>
+                <a:prstGeom prst="straightConnector1">
+                  <a:avLst/>
+                </a:prstGeom>
+                <a:ln w="25400">
+                  <a:solidFill>
+                    <a:srgbClr val="FF0000"/>
+                  </a:solidFill>
+                  <a:tailEnd type="triangle"/>
+                </a:ln>
+              </p:spPr>
+              <p:style>
+                <a:lnRef idx="1">
+                  <a:schemeClr val="accent1"/>
+                </a:lnRef>
+                <a:fillRef idx="0">
+                  <a:schemeClr val="accent1"/>
+                </a:fillRef>
+                <a:effectRef idx="0">
+                  <a:schemeClr val="accent1"/>
+                </a:effectRef>
+                <a:fontRef idx="minor">
+                  <a:schemeClr val="tx1"/>
+                </a:fontRef>
+              </p:style>
+            </p:cxnSp>
+          </p:grpSp>
+          <p:grpSp>
+            <p:nvGrpSpPr>
+              <p:cNvPr id="236" name="Group 235"/>
+              <p:cNvGrpSpPr/>
+              <p:nvPr/>
+            </p:nvGrpSpPr>
+            <p:grpSpPr>
+              <a:xfrm rot="11877424">
+                <a:off x="8286504" y="3847373"/>
+                <a:ext cx="423641" cy="52226"/>
+                <a:chOff x="4328981" y="5376621"/>
+                <a:chExt cx="423641" cy="52226"/>
+              </a:xfrm>
+            </p:grpSpPr>
+            <p:sp>
+              <p:nvSpPr>
+                <p:cNvPr id="237" name="Oval 236"/>
+                <p:cNvSpPr/>
+                <p:nvPr/>
+              </p:nvSpPr>
+              <p:spPr>
+                <a:xfrm>
+                  <a:off x="4328981" y="5376621"/>
+                  <a:ext cx="51735" cy="52226"/>
+                </a:xfrm>
+                <a:prstGeom prst="ellipse">
+                  <a:avLst/>
+                </a:prstGeom>
+                <a:solidFill>
+                  <a:srgbClr val="FF0000"/>
+                </a:solidFill>
+                <a:ln w="38100">
+                  <a:solidFill>
+                    <a:srgbClr val="FF0000"/>
+                  </a:solidFill>
+                </a:ln>
+              </p:spPr>
+              <p:style>
+                <a:lnRef idx="2">
+                  <a:schemeClr val="accent1">
+                    <a:shade val="50000"/>
+                  </a:schemeClr>
+                </a:lnRef>
+                <a:fillRef idx="1">
+                  <a:schemeClr val="accent1"/>
+                </a:fillRef>
+                <a:effectRef idx="0">
+                  <a:schemeClr val="accent1"/>
+                </a:effectRef>
+                <a:fontRef idx="minor">
+                  <a:schemeClr val="lt1"/>
+                </a:fontRef>
+              </p:style>
+              <p:txBody>
+                <a:bodyPr rtlCol="0" anchor="ctr"/>
+                <a:lstStyle/>
+                <a:p>
+                  <a:pPr algn="ctr"/>
+                  <a:endParaRPr lang="en-US"/>
+                </a:p>
+              </p:txBody>
+            </p:sp>
+            <p:cxnSp>
+              <p:nvCxnSpPr>
+                <p:cNvPr id="238" name="Straight Arrow Connector 237"/>
+                <p:cNvCxnSpPr/>
+                <p:nvPr/>
+              </p:nvCxnSpPr>
+              <p:spPr>
+                <a:xfrm flipV="1">
+                  <a:off x="4392849" y="5402734"/>
+                  <a:ext cx="359773" cy="1"/>
+                </a:xfrm>
+                <a:prstGeom prst="straightConnector1">
+                  <a:avLst/>
+                </a:prstGeom>
+                <a:ln w="25400">
+                  <a:solidFill>
+                    <a:srgbClr val="FF0000"/>
+                  </a:solidFill>
+                  <a:tailEnd type="triangle"/>
+                </a:ln>
+              </p:spPr>
+              <p:style>
+                <a:lnRef idx="1">
+                  <a:schemeClr val="accent1"/>
+                </a:lnRef>
+                <a:fillRef idx="0">
+                  <a:schemeClr val="accent1"/>
+                </a:fillRef>
+                <a:effectRef idx="0">
+                  <a:schemeClr val="accent1"/>
+                </a:effectRef>
+                <a:fontRef idx="minor">
+                  <a:schemeClr val="tx1"/>
+                </a:fontRef>
+              </p:style>
+            </p:cxnSp>
+          </p:grpSp>
+          <p:grpSp>
+            <p:nvGrpSpPr>
+              <p:cNvPr id="240" name="Group 239"/>
+              <p:cNvGrpSpPr/>
+              <p:nvPr/>
+            </p:nvGrpSpPr>
+            <p:grpSpPr>
+              <a:xfrm rot="10335368">
+                <a:off x="7348554" y="4017548"/>
+                <a:ext cx="423641" cy="52226"/>
+                <a:chOff x="4328981" y="5376621"/>
+                <a:chExt cx="423641" cy="52226"/>
+              </a:xfrm>
+            </p:grpSpPr>
+            <p:sp>
+              <p:nvSpPr>
+                <p:cNvPr id="241" name="Oval 240"/>
+                <p:cNvSpPr/>
+                <p:nvPr/>
+              </p:nvSpPr>
+              <p:spPr>
+                <a:xfrm>
+                  <a:off x="4328981" y="5376621"/>
+                  <a:ext cx="51735" cy="52226"/>
+                </a:xfrm>
+                <a:prstGeom prst="ellipse">
+                  <a:avLst/>
+                </a:prstGeom>
+                <a:solidFill>
+                  <a:srgbClr val="FF0000"/>
+                </a:solidFill>
+                <a:ln w="38100">
+                  <a:solidFill>
+                    <a:srgbClr val="FF0000"/>
+                  </a:solidFill>
+                </a:ln>
+              </p:spPr>
+              <p:style>
+                <a:lnRef idx="2">
+                  <a:schemeClr val="accent1">
+                    <a:shade val="50000"/>
+                  </a:schemeClr>
+                </a:lnRef>
+                <a:fillRef idx="1">
+                  <a:schemeClr val="accent1"/>
+                </a:fillRef>
+                <a:effectRef idx="0">
+                  <a:schemeClr val="accent1"/>
+                </a:effectRef>
+                <a:fontRef idx="minor">
+                  <a:schemeClr val="lt1"/>
+                </a:fontRef>
+              </p:style>
+              <p:txBody>
+                <a:bodyPr rtlCol="0" anchor="ctr"/>
+                <a:lstStyle/>
+                <a:p>
+                  <a:pPr algn="ctr"/>
+                  <a:endParaRPr lang="en-US"/>
+                </a:p>
+              </p:txBody>
+            </p:sp>
+            <p:cxnSp>
+              <p:nvCxnSpPr>
+                <p:cNvPr id="242" name="Straight Arrow Connector 241"/>
+                <p:cNvCxnSpPr/>
+                <p:nvPr/>
+              </p:nvCxnSpPr>
+              <p:spPr>
+                <a:xfrm flipV="1">
+                  <a:off x="4392849" y="5402734"/>
+                  <a:ext cx="359773" cy="1"/>
+                </a:xfrm>
+                <a:prstGeom prst="straightConnector1">
+                  <a:avLst/>
+                </a:prstGeom>
+                <a:ln w="25400">
+                  <a:solidFill>
+                    <a:srgbClr val="FF0000"/>
+                  </a:solidFill>
+                  <a:tailEnd type="triangle"/>
+                </a:ln>
+              </p:spPr>
+              <p:style>
+                <a:lnRef idx="1">
+                  <a:schemeClr val="accent1"/>
+                </a:lnRef>
+                <a:fillRef idx="0">
+                  <a:schemeClr val="accent1"/>
+                </a:fillRef>
+                <a:effectRef idx="0">
+                  <a:schemeClr val="accent1"/>
+                </a:effectRef>
+                <a:fontRef idx="minor">
+                  <a:schemeClr val="tx1"/>
+                </a:fontRef>
+              </p:style>
+            </p:cxnSp>
+          </p:grpSp>
+          <p:grpSp>
+            <p:nvGrpSpPr>
+              <p:cNvPr id="243" name="Group 242"/>
+              <p:cNvGrpSpPr/>
+              <p:nvPr/>
+            </p:nvGrpSpPr>
+            <p:grpSpPr>
+              <a:xfrm rot="8998758">
+                <a:off x="8743978" y="3729913"/>
+                <a:ext cx="423641" cy="52226"/>
+                <a:chOff x="4328981" y="5376621"/>
+                <a:chExt cx="423641" cy="52226"/>
+              </a:xfrm>
+            </p:grpSpPr>
+            <p:sp>
+              <p:nvSpPr>
+                <p:cNvPr id="244" name="Oval 243"/>
+                <p:cNvSpPr/>
+                <p:nvPr/>
+              </p:nvSpPr>
+              <p:spPr>
+                <a:xfrm>
+                  <a:off x="4328981" y="5376621"/>
+                  <a:ext cx="51735" cy="52226"/>
+                </a:xfrm>
+                <a:prstGeom prst="ellipse">
+                  <a:avLst/>
+                </a:prstGeom>
+                <a:solidFill>
+                  <a:srgbClr val="FF0000"/>
+                </a:solidFill>
+                <a:ln w="38100">
+                  <a:solidFill>
+                    <a:srgbClr val="FF0000"/>
+                  </a:solidFill>
+                </a:ln>
+              </p:spPr>
+              <p:style>
+                <a:lnRef idx="2">
+                  <a:schemeClr val="accent1">
+                    <a:shade val="50000"/>
+                  </a:schemeClr>
+                </a:lnRef>
+                <a:fillRef idx="1">
+                  <a:schemeClr val="accent1"/>
+                </a:fillRef>
+                <a:effectRef idx="0">
+                  <a:schemeClr val="accent1"/>
+                </a:effectRef>
+                <a:fontRef idx="minor">
+                  <a:schemeClr val="lt1"/>
+                </a:fontRef>
+              </p:style>
+              <p:txBody>
+                <a:bodyPr rtlCol="0" anchor="ctr"/>
+                <a:lstStyle/>
+                <a:p>
+                  <a:pPr algn="ctr"/>
+                  <a:endParaRPr lang="en-US"/>
+                </a:p>
+              </p:txBody>
+            </p:sp>
+            <p:cxnSp>
+              <p:nvCxnSpPr>
+                <p:cNvPr id="245" name="Straight Arrow Connector 244"/>
+                <p:cNvCxnSpPr/>
+                <p:nvPr/>
+              </p:nvCxnSpPr>
+              <p:spPr>
+                <a:xfrm flipV="1">
+                  <a:off x="4392849" y="5402734"/>
+                  <a:ext cx="359773" cy="1"/>
+                </a:xfrm>
+                <a:prstGeom prst="straightConnector1">
+                  <a:avLst/>
+                </a:prstGeom>
+                <a:ln w="25400">
+                  <a:solidFill>
+                    <a:srgbClr val="FF0000"/>
+                  </a:solidFill>
+                  <a:tailEnd type="triangle"/>
+                </a:ln>
+              </p:spPr>
+              <p:style>
+                <a:lnRef idx="1">
+                  <a:schemeClr val="accent1"/>
+                </a:lnRef>
+                <a:fillRef idx="0">
+                  <a:schemeClr val="accent1"/>
+                </a:fillRef>
+                <a:effectRef idx="0">
+                  <a:schemeClr val="accent1"/>
+                </a:effectRef>
+                <a:fontRef idx="minor">
+                  <a:schemeClr val="tx1"/>
+                </a:fontRef>
+              </p:style>
+            </p:cxnSp>
+          </p:grpSp>
+          <p:sp>
+            <p:nvSpPr>
+              <p:cNvPr id="246" name="Left Arrow 245"/>
+              <p:cNvSpPr/>
+              <p:nvPr/>
+            </p:nvSpPr>
+            <p:spPr>
+              <a:xfrm rot="10800000">
+                <a:off x="7846555" y="3024464"/>
+                <a:ext cx="1759956" cy="199201"/>
+              </a:xfrm>
+              <a:prstGeom prst="leftArrow">
+                <a:avLst/>
+              </a:prstGeom>
+              <a:solidFill>
+                <a:schemeClr val="tx1"/>
+              </a:solidFill>
+              <a:ln w="38100">
+                <a:solidFill>
+                  <a:schemeClr val="tx1"/>
+                </a:solidFill>
+              </a:ln>
+            </p:spPr>
+            <p:style>
+              <a:lnRef idx="2">
+                <a:schemeClr val="accent1">
+                  <a:shade val="50000"/>
+                </a:schemeClr>
+              </a:lnRef>
+              <a:fillRef idx="1">
+                <a:schemeClr val="accent1"/>
+              </a:fillRef>
+              <a:effectRef idx="0">
+                <a:schemeClr val="accent1"/>
+              </a:effectRef>
+              <a:fontRef idx="minor">
+                <a:schemeClr val="lt1"/>
+              </a:fontRef>
+            </p:style>
+            <p:txBody>
+              <a:bodyPr rtlCol="0" anchor="ctr"/>
+              <a:lstStyle/>
+              <a:p>
+                <a:pPr algn="ctr"/>
+                <a:endParaRPr lang="en-US"/>
+              </a:p>
+            </p:txBody>
+          </p:sp>
+          <p:grpSp>
+            <p:nvGrpSpPr>
+              <p:cNvPr id="254" name="Group 253"/>
+              <p:cNvGrpSpPr/>
+              <p:nvPr/>
+            </p:nvGrpSpPr>
+            <p:grpSpPr>
+              <a:xfrm rot="5949426">
+                <a:off x="9045135" y="3725809"/>
+                <a:ext cx="423641" cy="52226"/>
+                <a:chOff x="4328981" y="5376621"/>
+                <a:chExt cx="423641" cy="52226"/>
+              </a:xfrm>
+            </p:grpSpPr>
+            <p:sp>
+              <p:nvSpPr>
+                <p:cNvPr id="255" name="Oval 254"/>
+                <p:cNvSpPr/>
+                <p:nvPr/>
+              </p:nvSpPr>
+              <p:spPr>
+                <a:xfrm>
+                  <a:off x="4328981" y="5376621"/>
+                  <a:ext cx="51735" cy="52226"/>
+                </a:xfrm>
+                <a:prstGeom prst="ellipse">
+                  <a:avLst/>
+                </a:prstGeom>
+                <a:solidFill>
+                  <a:srgbClr val="FF0000"/>
+                </a:solidFill>
+                <a:ln w="38100">
+                  <a:solidFill>
+                    <a:srgbClr val="FF0000"/>
+                  </a:solidFill>
+                </a:ln>
+              </p:spPr>
+              <p:style>
+                <a:lnRef idx="2">
+                  <a:schemeClr val="accent1">
+                    <a:shade val="50000"/>
+                  </a:schemeClr>
+                </a:lnRef>
+                <a:fillRef idx="1">
+                  <a:schemeClr val="accent1"/>
+                </a:fillRef>
+                <a:effectRef idx="0">
+                  <a:schemeClr val="accent1"/>
+                </a:effectRef>
+                <a:fontRef idx="minor">
+                  <a:schemeClr val="lt1"/>
+                </a:fontRef>
+              </p:style>
+              <p:txBody>
+                <a:bodyPr rtlCol="0" anchor="ctr"/>
+                <a:lstStyle/>
+                <a:p>
+                  <a:pPr algn="ctr"/>
+                  <a:endParaRPr lang="en-US"/>
+                </a:p>
+              </p:txBody>
+            </p:sp>
+            <p:cxnSp>
+              <p:nvCxnSpPr>
+                <p:cNvPr id="256" name="Straight Arrow Connector 255"/>
+                <p:cNvCxnSpPr/>
+                <p:nvPr/>
+              </p:nvCxnSpPr>
+              <p:spPr>
+                <a:xfrm flipV="1">
+                  <a:off x="4392849" y="5402734"/>
+                  <a:ext cx="359773" cy="1"/>
+                </a:xfrm>
+                <a:prstGeom prst="straightConnector1">
+                  <a:avLst/>
+                </a:prstGeom>
+                <a:ln w="25400">
+                  <a:solidFill>
+                    <a:srgbClr val="FF0000"/>
+                  </a:solidFill>
+                  <a:tailEnd type="triangle"/>
+                </a:ln>
+              </p:spPr>
+              <p:style>
+                <a:lnRef idx="1">
+                  <a:schemeClr val="accent1"/>
+                </a:lnRef>
+                <a:fillRef idx="0">
+                  <a:schemeClr val="accent1"/>
+                </a:fillRef>
+                <a:effectRef idx="0">
+                  <a:schemeClr val="accent1"/>
+                </a:effectRef>
+                <a:fontRef idx="minor">
+                  <a:schemeClr val="tx1"/>
+                </a:fontRef>
+              </p:style>
+            </p:cxnSp>
+          </p:grpSp>
+          <p:grpSp>
+            <p:nvGrpSpPr>
+              <p:cNvPr id="257" name="Group 256"/>
+              <p:cNvGrpSpPr/>
+              <p:nvPr/>
+            </p:nvGrpSpPr>
+            <p:grpSpPr>
+              <a:xfrm rot="10335368">
+                <a:off x="9215422" y="4178442"/>
+                <a:ext cx="248741" cy="52226"/>
+                <a:chOff x="4328981" y="5376621"/>
+                <a:chExt cx="248741" cy="52226"/>
+              </a:xfrm>
+            </p:grpSpPr>
+            <p:sp>
+              <p:nvSpPr>
+                <p:cNvPr id="258" name="Oval 257"/>
+                <p:cNvSpPr/>
+                <p:nvPr/>
+              </p:nvSpPr>
+              <p:spPr>
+                <a:xfrm>
+                  <a:off x="4328981" y="5376621"/>
+                  <a:ext cx="51735" cy="52226"/>
+                </a:xfrm>
+                <a:prstGeom prst="ellipse">
+                  <a:avLst/>
+                </a:prstGeom>
+                <a:solidFill>
+                  <a:srgbClr val="FF0000"/>
+                </a:solidFill>
+                <a:ln w="38100">
+                  <a:solidFill>
+                    <a:srgbClr val="FF0000"/>
+                  </a:solidFill>
+                </a:ln>
+              </p:spPr>
+              <p:style>
+                <a:lnRef idx="2">
+                  <a:schemeClr val="accent1">
+                    <a:shade val="50000"/>
+                  </a:schemeClr>
+                </a:lnRef>
+                <a:fillRef idx="1">
+                  <a:schemeClr val="accent1"/>
+                </a:fillRef>
+                <a:effectRef idx="0">
+                  <a:schemeClr val="accent1"/>
+                </a:effectRef>
+                <a:fontRef idx="minor">
+                  <a:schemeClr val="lt1"/>
+                </a:fontRef>
+              </p:style>
+              <p:txBody>
+                <a:bodyPr rtlCol="0" anchor="ctr"/>
+                <a:lstStyle/>
+                <a:p>
+                  <a:pPr algn="ctr"/>
+                  <a:endParaRPr lang="en-US"/>
+                </a:p>
+              </p:txBody>
+            </p:sp>
+            <p:cxnSp>
+              <p:nvCxnSpPr>
+                <p:cNvPr id="259" name="Straight Arrow Connector 258"/>
+                <p:cNvCxnSpPr/>
+                <p:nvPr/>
+              </p:nvCxnSpPr>
+              <p:spPr>
+                <a:xfrm flipV="1">
+                  <a:off x="4392849" y="5402734"/>
+                  <a:ext cx="184873" cy="2"/>
+                </a:xfrm>
+                <a:prstGeom prst="straightConnector1">
+                  <a:avLst/>
+                </a:prstGeom>
+                <a:ln w="25400">
+                  <a:solidFill>
+                    <a:srgbClr val="FF0000"/>
+                  </a:solidFill>
+                  <a:tailEnd type="triangle"/>
+                </a:ln>
+              </p:spPr>
+              <p:style>
+                <a:lnRef idx="1">
+                  <a:schemeClr val="accent1"/>
+                </a:lnRef>
+                <a:fillRef idx="0">
+                  <a:schemeClr val="accent1"/>
+                </a:fillRef>
+                <a:effectRef idx="0">
+                  <a:schemeClr val="accent1"/>
+                </a:effectRef>
+                <a:fontRef idx="minor">
+                  <a:schemeClr val="tx1"/>
+                </a:fontRef>
+              </p:style>
+            </p:cxnSp>
+          </p:grpSp>
+          <p:grpSp>
+            <p:nvGrpSpPr>
+              <p:cNvPr id="260" name="Group 259"/>
+              <p:cNvGrpSpPr/>
+              <p:nvPr/>
+            </p:nvGrpSpPr>
+            <p:grpSpPr>
+              <a:xfrm rot="5949426">
+                <a:off x="8911762" y="4852346"/>
+                <a:ext cx="423641" cy="52226"/>
+                <a:chOff x="4328981" y="5376621"/>
+                <a:chExt cx="423641" cy="52226"/>
+              </a:xfrm>
+            </p:grpSpPr>
+            <p:sp>
+              <p:nvSpPr>
+                <p:cNvPr id="261" name="Oval 260"/>
+                <p:cNvSpPr/>
+                <p:nvPr/>
+              </p:nvSpPr>
+              <p:spPr>
+                <a:xfrm>
+                  <a:off x="4328981" y="5376621"/>
+                  <a:ext cx="51735" cy="52226"/>
+                </a:xfrm>
+                <a:prstGeom prst="ellipse">
+                  <a:avLst/>
+                </a:prstGeom>
+                <a:solidFill>
+                  <a:srgbClr val="FF0000"/>
+                </a:solidFill>
+                <a:ln w="38100">
+                  <a:solidFill>
+                    <a:srgbClr val="FF0000"/>
+                  </a:solidFill>
+                </a:ln>
+              </p:spPr>
+              <p:style>
+                <a:lnRef idx="2">
+                  <a:schemeClr val="accent1">
+                    <a:shade val="50000"/>
+                  </a:schemeClr>
+                </a:lnRef>
+                <a:fillRef idx="1">
+                  <a:schemeClr val="accent1"/>
+                </a:fillRef>
+                <a:effectRef idx="0">
+                  <a:schemeClr val="accent1"/>
+                </a:effectRef>
+                <a:fontRef idx="minor">
+                  <a:schemeClr val="lt1"/>
+                </a:fontRef>
+              </p:style>
+              <p:txBody>
+                <a:bodyPr rtlCol="0" anchor="ctr"/>
+                <a:lstStyle/>
+                <a:p>
+                  <a:pPr algn="ctr"/>
+                  <a:endParaRPr lang="en-US"/>
+                </a:p>
+              </p:txBody>
+            </p:sp>
+            <p:cxnSp>
+              <p:nvCxnSpPr>
+                <p:cNvPr id="262" name="Straight Arrow Connector 261"/>
+                <p:cNvCxnSpPr/>
+                <p:nvPr/>
+              </p:nvCxnSpPr>
+              <p:spPr>
+                <a:xfrm flipV="1">
+                  <a:off x="4392849" y="5402734"/>
+                  <a:ext cx="359773" cy="1"/>
+                </a:xfrm>
+                <a:prstGeom prst="straightConnector1">
+                  <a:avLst/>
+                </a:prstGeom>
+                <a:ln w="25400">
+                  <a:solidFill>
+                    <a:srgbClr val="FF0000"/>
+                  </a:solidFill>
+                  <a:tailEnd type="triangle"/>
+                </a:ln>
+              </p:spPr>
+              <p:style>
+                <a:lnRef idx="1">
+                  <a:schemeClr val="accent1"/>
+                </a:lnRef>
+                <a:fillRef idx="0">
+                  <a:schemeClr val="accent1"/>
+                </a:fillRef>
+                <a:effectRef idx="0">
+                  <a:schemeClr val="accent1"/>
+                </a:effectRef>
+                <a:fontRef idx="minor">
+                  <a:schemeClr val="tx1"/>
+                </a:fontRef>
+              </p:style>
+            </p:cxnSp>
+          </p:grpSp>
+          <p:grpSp>
+            <p:nvGrpSpPr>
+              <p:cNvPr id="263" name="Group 262"/>
+              <p:cNvGrpSpPr/>
+              <p:nvPr/>
+            </p:nvGrpSpPr>
+            <p:grpSpPr>
+              <a:xfrm rot="10335368">
+                <a:off x="9082049" y="5304979"/>
+                <a:ext cx="248741" cy="52226"/>
+                <a:chOff x="4328981" y="5376621"/>
+                <a:chExt cx="248741" cy="52226"/>
+              </a:xfrm>
+            </p:grpSpPr>
+            <p:sp>
+              <p:nvSpPr>
+                <p:cNvPr id="264" name="Oval 263"/>
+                <p:cNvSpPr/>
+                <p:nvPr/>
+              </p:nvSpPr>
+              <p:spPr>
+                <a:xfrm>
+                  <a:off x="4328981" y="5376621"/>
+                  <a:ext cx="51735" cy="52226"/>
+                </a:xfrm>
+                <a:prstGeom prst="ellipse">
+                  <a:avLst/>
+                </a:prstGeom>
+                <a:solidFill>
+                  <a:srgbClr val="FF0000"/>
+                </a:solidFill>
+                <a:ln w="38100">
+                  <a:solidFill>
+                    <a:srgbClr val="FF0000"/>
+                  </a:solidFill>
+                </a:ln>
+              </p:spPr>
+              <p:style>
+                <a:lnRef idx="2">
+                  <a:schemeClr val="accent1">
+                    <a:shade val="50000"/>
+                  </a:schemeClr>
+                </a:lnRef>
+                <a:fillRef idx="1">
+                  <a:schemeClr val="accent1"/>
+                </a:fillRef>
+                <a:effectRef idx="0">
+                  <a:schemeClr val="accent1"/>
+                </a:effectRef>
+                <a:fontRef idx="minor">
+                  <a:schemeClr val="lt1"/>
+                </a:fontRef>
+              </p:style>
+              <p:txBody>
+                <a:bodyPr rtlCol="0" anchor="ctr"/>
+                <a:lstStyle/>
+                <a:p>
+                  <a:pPr algn="ctr"/>
+                  <a:endParaRPr lang="en-US"/>
+                </a:p>
+              </p:txBody>
+            </p:sp>
+            <p:cxnSp>
+              <p:nvCxnSpPr>
+                <p:cNvPr id="265" name="Straight Arrow Connector 264"/>
+                <p:cNvCxnSpPr/>
+                <p:nvPr/>
+              </p:nvCxnSpPr>
+              <p:spPr>
+                <a:xfrm flipV="1">
+                  <a:off x="4392849" y="5402734"/>
+                  <a:ext cx="184873" cy="2"/>
+                </a:xfrm>
+                <a:prstGeom prst="straightConnector1">
+                  <a:avLst/>
+                </a:prstGeom>
+                <a:ln w="25400">
+                  <a:solidFill>
+                    <a:srgbClr val="FF0000"/>
+                  </a:solidFill>
+                  <a:tailEnd type="triangle"/>
+                </a:ln>
+              </p:spPr>
+              <p:style>
+                <a:lnRef idx="1">
+                  <a:schemeClr val="accent1"/>
+                </a:lnRef>
+                <a:fillRef idx="0">
+                  <a:schemeClr val="accent1"/>
+                </a:fillRef>
+                <a:effectRef idx="0">
+                  <a:schemeClr val="accent1"/>
+                </a:effectRef>
+                <a:fontRef idx="minor">
+                  <a:schemeClr val="tx1"/>
+                </a:fontRef>
+              </p:style>
+            </p:cxnSp>
+          </p:grpSp>
+          <p:grpSp>
+            <p:nvGrpSpPr>
+              <p:cNvPr id="266" name="Group 265"/>
+              <p:cNvGrpSpPr/>
+              <p:nvPr/>
+            </p:nvGrpSpPr>
+            <p:grpSpPr>
+              <a:xfrm rot="7792744">
+                <a:off x="9338751" y="4235406"/>
+                <a:ext cx="286461" cy="157692"/>
+                <a:chOff x="4328981" y="5331331"/>
+                <a:chExt cx="286461" cy="157692"/>
+              </a:xfrm>
+            </p:grpSpPr>
+            <p:sp>
+              <p:nvSpPr>
+                <p:cNvPr id="267" name="Oval 266"/>
+                <p:cNvSpPr/>
+                <p:nvPr/>
+              </p:nvSpPr>
+              <p:spPr>
+                <a:xfrm>
+                  <a:off x="4328981" y="5376621"/>
+                  <a:ext cx="51735" cy="52226"/>
+                </a:xfrm>
+                <a:prstGeom prst="ellipse">
+                  <a:avLst/>
+                </a:prstGeom>
+                <a:solidFill>
+                  <a:srgbClr val="FF0000"/>
+                </a:solidFill>
+                <a:ln w="38100">
+                  <a:solidFill>
+                    <a:srgbClr val="FF0000"/>
+                  </a:solidFill>
+                </a:ln>
+              </p:spPr>
+              <p:style>
+                <a:lnRef idx="2">
+                  <a:schemeClr val="accent1">
+                    <a:shade val="50000"/>
+                  </a:schemeClr>
+                </a:lnRef>
+                <a:fillRef idx="1">
+                  <a:schemeClr val="accent1"/>
+                </a:fillRef>
+                <a:effectRef idx="0">
+                  <a:schemeClr val="accent1"/>
+                </a:effectRef>
+                <a:fontRef idx="minor">
+                  <a:schemeClr val="lt1"/>
+                </a:fontRef>
+              </p:style>
+              <p:txBody>
+                <a:bodyPr rtlCol="0" anchor="ctr"/>
+                <a:lstStyle/>
+                <a:p>
+                  <a:pPr algn="ctr"/>
+                  <a:endParaRPr lang="en-US"/>
+                </a:p>
+              </p:txBody>
+            </p:sp>
+            <p:cxnSp>
+              <p:nvCxnSpPr>
+                <p:cNvPr id="268" name="Straight Arrow Connector 267"/>
+                <p:cNvCxnSpPr/>
+                <p:nvPr/>
+              </p:nvCxnSpPr>
+              <p:spPr>
+                <a:xfrm rot="2542624" flipV="1">
+                  <a:off x="4420529" y="5331331"/>
+                  <a:ext cx="194913" cy="157692"/>
+                </a:xfrm>
+                <a:prstGeom prst="straightConnector1">
+                  <a:avLst/>
+                </a:prstGeom>
+                <a:ln w="25400">
+                  <a:solidFill>
+                    <a:srgbClr val="FF0000"/>
+                  </a:solidFill>
+                  <a:tailEnd type="triangle"/>
+                </a:ln>
+              </p:spPr>
+              <p:style>
+                <a:lnRef idx="1">
+                  <a:schemeClr val="accent1"/>
+                </a:lnRef>
+                <a:fillRef idx="0">
+                  <a:schemeClr val="accent1"/>
+                </a:fillRef>
+                <a:effectRef idx="0">
+                  <a:schemeClr val="accent1"/>
+                </a:effectRef>
+                <a:fontRef idx="minor">
+                  <a:schemeClr val="tx1"/>
+                </a:fontRef>
+              </p:style>
+            </p:cxnSp>
+          </p:grpSp>
+          <p:grpSp>
+            <p:nvGrpSpPr>
+              <p:cNvPr id="269" name="Group 268"/>
+              <p:cNvGrpSpPr/>
+              <p:nvPr/>
+            </p:nvGrpSpPr>
+            <p:grpSpPr>
+              <a:xfrm rot="10335368">
+                <a:off x="8888531" y="4551777"/>
+                <a:ext cx="175234" cy="73755"/>
+                <a:chOff x="4328981" y="5376621"/>
+                <a:chExt cx="175234" cy="73755"/>
+              </a:xfrm>
+            </p:grpSpPr>
+            <p:sp>
+              <p:nvSpPr>
+                <p:cNvPr id="270" name="Oval 269"/>
+                <p:cNvSpPr/>
+                <p:nvPr/>
+              </p:nvSpPr>
+              <p:spPr>
+                <a:xfrm>
+                  <a:off x="4328981" y="5376621"/>
+                  <a:ext cx="51735" cy="52226"/>
+                </a:xfrm>
+                <a:prstGeom prst="ellipse">
+                  <a:avLst/>
+                </a:prstGeom>
+                <a:solidFill>
+                  <a:srgbClr val="FF0000"/>
+                </a:solidFill>
+                <a:ln w="38100">
+                  <a:solidFill>
+                    <a:srgbClr val="FF0000"/>
+                  </a:solidFill>
+                </a:ln>
+              </p:spPr>
+              <p:style>
+                <a:lnRef idx="2">
+                  <a:schemeClr val="accent1">
+                    <a:shade val="50000"/>
+                  </a:schemeClr>
+                </a:lnRef>
+                <a:fillRef idx="1">
+                  <a:schemeClr val="accent1"/>
+                </a:fillRef>
+                <a:effectRef idx="0">
+                  <a:schemeClr val="accent1"/>
+                </a:effectRef>
+                <a:fontRef idx="minor">
+                  <a:schemeClr val="lt1"/>
+                </a:fontRef>
+              </p:style>
+              <p:txBody>
+                <a:bodyPr rtlCol="0" anchor="ctr"/>
+                <a:lstStyle/>
+                <a:p>
+                  <a:pPr algn="ctr"/>
+                  <a:endParaRPr lang="en-US"/>
+                </a:p>
+              </p:txBody>
+            </p:sp>
+            <p:cxnSp>
+              <p:nvCxnSpPr>
+                <p:cNvPr id="271" name="Straight Arrow Connector 270"/>
+                <p:cNvCxnSpPr/>
+                <p:nvPr/>
+              </p:nvCxnSpPr>
+              <p:spPr>
+                <a:xfrm>
+                  <a:off x="4392849" y="5402736"/>
+                  <a:ext cx="111366" cy="47640"/>
+                </a:xfrm>
+                <a:prstGeom prst="straightConnector1">
+                  <a:avLst/>
+                </a:prstGeom>
+                <a:ln w="25400">
+                  <a:solidFill>
+                    <a:srgbClr val="FF0000"/>
+                  </a:solidFill>
+                  <a:tailEnd type="triangle"/>
+                </a:ln>
+              </p:spPr>
+              <p:style>
+                <a:lnRef idx="1">
+                  <a:schemeClr val="accent1"/>
+                </a:lnRef>
+                <a:fillRef idx="0">
+                  <a:schemeClr val="accent1"/>
+                </a:fillRef>
+                <a:effectRef idx="0">
+                  <a:schemeClr val="accent1"/>
+                </a:effectRef>
+                <a:fontRef idx="minor">
+                  <a:schemeClr val="tx1"/>
+                </a:fontRef>
+              </p:style>
+            </p:cxnSp>
+          </p:grpSp>
+          <p:grpSp>
+            <p:nvGrpSpPr>
+              <p:cNvPr id="275" name="Group 274"/>
+              <p:cNvGrpSpPr/>
+              <p:nvPr/>
+            </p:nvGrpSpPr>
+            <p:grpSpPr>
+              <a:xfrm rot="8786434">
+                <a:off x="9467036" y="5163117"/>
+                <a:ext cx="423641" cy="52226"/>
+                <a:chOff x="4328981" y="5376621"/>
+                <a:chExt cx="423641" cy="52226"/>
+              </a:xfrm>
+            </p:grpSpPr>
+            <p:sp>
+              <p:nvSpPr>
+                <p:cNvPr id="276" name="Oval 275"/>
+                <p:cNvSpPr/>
+                <p:nvPr/>
+              </p:nvSpPr>
+              <p:spPr>
+                <a:xfrm>
+                  <a:off x="4328981" y="5376621"/>
+                  <a:ext cx="51735" cy="52226"/>
+                </a:xfrm>
+                <a:prstGeom prst="ellipse">
+                  <a:avLst/>
+                </a:prstGeom>
+                <a:solidFill>
+                  <a:srgbClr val="FF0000"/>
+                </a:solidFill>
+                <a:ln w="38100">
+                  <a:solidFill>
+                    <a:srgbClr val="FF0000"/>
+                  </a:solidFill>
+                </a:ln>
+              </p:spPr>
+              <p:style>
+                <a:lnRef idx="2">
+                  <a:schemeClr val="accent1">
+                    <a:shade val="50000"/>
+                  </a:schemeClr>
+                </a:lnRef>
+                <a:fillRef idx="1">
+                  <a:schemeClr val="accent1"/>
+                </a:fillRef>
+                <a:effectRef idx="0">
+                  <a:schemeClr val="accent1"/>
+                </a:effectRef>
+                <a:fontRef idx="minor">
+                  <a:schemeClr val="lt1"/>
+                </a:fontRef>
+              </p:style>
+              <p:txBody>
+                <a:bodyPr rtlCol="0" anchor="ctr"/>
+                <a:lstStyle/>
+                <a:p>
+                  <a:pPr algn="ctr"/>
+                  <a:endParaRPr lang="en-US"/>
+                </a:p>
+              </p:txBody>
+            </p:sp>
+            <p:cxnSp>
+              <p:nvCxnSpPr>
+                <p:cNvPr id="277" name="Straight Arrow Connector 276"/>
+                <p:cNvCxnSpPr/>
+                <p:nvPr/>
+              </p:nvCxnSpPr>
+              <p:spPr>
+                <a:xfrm flipV="1">
+                  <a:off x="4392849" y="5402734"/>
+                  <a:ext cx="359773" cy="1"/>
+                </a:xfrm>
+                <a:prstGeom prst="straightConnector1">
+                  <a:avLst/>
+                </a:prstGeom>
+                <a:ln w="25400">
+                  <a:solidFill>
+                    <a:srgbClr val="FF0000"/>
+                  </a:solidFill>
+                  <a:tailEnd type="triangle"/>
+                </a:ln>
+              </p:spPr>
+              <p:style>
+                <a:lnRef idx="1">
+                  <a:schemeClr val="accent1"/>
+                </a:lnRef>
+                <a:fillRef idx="0">
+                  <a:schemeClr val="accent1"/>
+                </a:fillRef>
+                <a:effectRef idx="0">
+                  <a:schemeClr val="accent1"/>
+                </a:effectRef>
+                <a:fontRef idx="minor">
+                  <a:schemeClr val="tx1"/>
+                </a:fontRef>
+              </p:style>
+            </p:cxnSp>
+          </p:grpSp>
+          <p:grpSp>
+            <p:nvGrpSpPr>
+              <p:cNvPr id="278" name="Group 277"/>
+              <p:cNvGrpSpPr/>
+              <p:nvPr/>
+            </p:nvGrpSpPr>
+            <p:grpSpPr>
+              <a:xfrm rot="10335368">
+                <a:off x="9231028" y="4728935"/>
+                <a:ext cx="423641" cy="52226"/>
+                <a:chOff x="4328981" y="5376621"/>
+                <a:chExt cx="423641" cy="52226"/>
+              </a:xfrm>
+            </p:grpSpPr>
+            <p:sp>
+              <p:nvSpPr>
+                <p:cNvPr id="279" name="Oval 278"/>
+                <p:cNvSpPr/>
+                <p:nvPr/>
+              </p:nvSpPr>
+              <p:spPr>
+                <a:xfrm>
+                  <a:off x="4328981" y="5376621"/>
+                  <a:ext cx="51735" cy="52226"/>
+                </a:xfrm>
+                <a:prstGeom prst="ellipse">
+                  <a:avLst/>
+                </a:prstGeom>
+                <a:solidFill>
+                  <a:srgbClr val="FF0000"/>
+                </a:solidFill>
+                <a:ln w="38100">
+                  <a:solidFill>
+                    <a:srgbClr val="FF0000"/>
+                  </a:solidFill>
+                </a:ln>
+              </p:spPr>
+              <p:style>
+                <a:lnRef idx="2">
+                  <a:schemeClr val="accent1">
+                    <a:shade val="50000"/>
+                  </a:schemeClr>
+                </a:lnRef>
+                <a:fillRef idx="1">
+                  <a:schemeClr val="accent1"/>
+                </a:fillRef>
+                <a:effectRef idx="0">
+                  <a:schemeClr val="accent1"/>
+                </a:effectRef>
+                <a:fontRef idx="minor">
+                  <a:schemeClr val="lt1"/>
+                </a:fontRef>
+              </p:style>
+              <p:txBody>
+                <a:bodyPr rtlCol="0" anchor="ctr"/>
+                <a:lstStyle/>
+                <a:p>
+                  <a:pPr algn="ctr"/>
+                  <a:endParaRPr lang="en-US"/>
+                </a:p>
+              </p:txBody>
+            </p:sp>
+            <p:cxnSp>
+              <p:nvCxnSpPr>
+                <p:cNvPr id="280" name="Straight Arrow Connector 279"/>
+                <p:cNvCxnSpPr/>
+                <p:nvPr/>
+              </p:nvCxnSpPr>
+              <p:spPr>
+                <a:xfrm flipV="1">
+                  <a:off x="4392849" y="5402734"/>
+                  <a:ext cx="359773" cy="1"/>
+                </a:xfrm>
+                <a:prstGeom prst="straightConnector1">
+                  <a:avLst/>
+                </a:prstGeom>
+                <a:ln w="25400">
+                  <a:solidFill>
+                    <a:srgbClr val="FF0000"/>
+                  </a:solidFill>
+                  <a:tailEnd type="triangle"/>
+                </a:ln>
+              </p:spPr>
+              <p:style>
+                <a:lnRef idx="1">
+                  <a:schemeClr val="accent1"/>
+                </a:lnRef>
+                <a:fillRef idx="0">
+                  <a:schemeClr val="accent1"/>
+                </a:fillRef>
+                <a:effectRef idx="0">
+                  <a:schemeClr val="accent1"/>
+                </a:effectRef>
+                <a:fontRef idx="minor">
+                  <a:schemeClr val="tx1"/>
+                </a:fontRef>
+              </p:style>
+            </p:cxnSp>
+          </p:grpSp>
+          <p:grpSp>
+            <p:nvGrpSpPr>
+              <p:cNvPr id="281" name="Group 280"/>
+              <p:cNvGrpSpPr/>
+              <p:nvPr/>
+            </p:nvGrpSpPr>
+            <p:grpSpPr>
+              <a:xfrm rot="8786434">
+                <a:off x="9535901" y="3588897"/>
+                <a:ext cx="423641" cy="52226"/>
+                <a:chOff x="4328981" y="5376621"/>
+                <a:chExt cx="423641" cy="52226"/>
+              </a:xfrm>
+            </p:grpSpPr>
+            <p:sp>
+              <p:nvSpPr>
+                <p:cNvPr id="282" name="Oval 281"/>
+                <p:cNvSpPr/>
+                <p:nvPr/>
+              </p:nvSpPr>
+              <p:spPr>
+                <a:xfrm>
+                  <a:off x="4328981" y="5376621"/>
+                  <a:ext cx="51735" cy="52226"/>
+                </a:xfrm>
+                <a:prstGeom prst="ellipse">
+                  <a:avLst/>
+                </a:prstGeom>
+                <a:solidFill>
+                  <a:srgbClr val="FF0000"/>
+                </a:solidFill>
+                <a:ln w="38100">
+                  <a:solidFill>
+                    <a:srgbClr val="FF0000"/>
+                  </a:solidFill>
+                </a:ln>
+              </p:spPr>
+              <p:style>
+                <a:lnRef idx="2">
+                  <a:schemeClr val="accent1">
+                    <a:shade val="50000"/>
+                  </a:schemeClr>
+                </a:lnRef>
+                <a:fillRef idx="1">
+                  <a:schemeClr val="accent1"/>
+                </a:fillRef>
+                <a:effectRef idx="0">
+                  <a:schemeClr val="accent1"/>
+                </a:effectRef>
+                <a:fontRef idx="minor">
+                  <a:schemeClr val="lt1"/>
+                </a:fontRef>
+              </p:style>
+              <p:txBody>
+                <a:bodyPr rtlCol="0" anchor="ctr"/>
+                <a:lstStyle/>
+                <a:p>
+                  <a:pPr algn="ctr"/>
+                  <a:endParaRPr lang="en-US"/>
+                </a:p>
+              </p:txBody>
+            </p:sp>
+            <p:cxnSp>
+              <p:nvCxnSpPr>
+                <p:cNvPr id="283" name="Straight Arrow Connector 282"/>
+                <p:cNvCxnSpPr/>
+                <p:nvPr/>
+              </p:nvCxnSpPr>
+              <p:spPr>
+                <a:xfrm flipV="1">
+                  <a:off x="4392849" y="5402734"/>
+                  <a:ext cx="359773" cy="1"/>
+                </a:xfrm>
+                <a:prstGeom prst="straightConnector1">
+                  <a:avLst/>
+                </a:prstGeom>
+                <a:ln w="25400">
+                  <a:solidFill>
+                    <a:srgbClr val="FF0000"/>
+                  </a:solidFill>
+                  <a:tailEnd type="triangle"/>
+                </a:ln>
+              </p:spPr>
+              <p:style>
+                <a:lnRef idx="1">
+                  <a:schemeClr val="accent1"/>
+                </a:lnRef>
+                <a:fillRef idx="0">
+                  <a:schemeClr val="accent1"/>
+                </a:fillRef>
+                <a:effectRef idx="0">
+                  <a:schemeClr val="accent1"/>
+                </a:effectRef>
+                <a:fontRef idx="minor">
+                  <a:schemeClr val="tx1"/>
+                </a:fontRef>
+              </p:style>
+            </p:cxnSp>
+          </p:grpSp>
+          <mc:AlternateContent xmlns:mc="http://schemas.openxmlformats.org/markup-compatibility/2006">
+            <mc:Choice xmlns:a14="http://schemas.microsoft.com/office/drawing/2010/main" Requires="a14">
+              <p:sp>
+                <p:nvSpPr>
+                  <p:cNvPr id="284" name="TextBox 283"/>
+                  <p:cNvSpPr txBox="1"/>
+                  <p:nvPr/>
+                </p:nvSpPr>
+                <p:spPr>
+                  <a:xfrm>
+                    <a:off x="10073074" y="4207642"/>
+                    <a:ext cx="340493" cy="307777"/>
+                  </a:xfrm>
+                  <a:prstGeom prst="rect">
+                    <a:avLst/>
+                  </a:prstGeom>
+                  <a:noFill/>
+                </p:spPr>
+                <p:txBody>
+                  <a:bodyPr wrap="square" lIns="0" tIns="0" rIns="0" bIns="0" rtlCol="0">
+                    <a:spAutoFit/>
+                  </a:bodyPr>
+                  <a:lstStyle/>
+                  <a:p>
+                    <a14:m>
+                      <m:oMathPara xmlns:m="http://schemas.openxmlformats.org/officeDocument/2006/math">
+                        <m:oMathParaPr>
+                          <m:jc m:val="centerGroup"/>
+                        </m:oMathParaPr>
+                        <m:oMath xmlns:m="http://schemas.openxmlformats.org/officeDocument/2006/math">
+                          <m:r>
+                            <a:rPr lang="en-US" sz="2000" b="0" i="1" smtClean="0">
+                              <a:latin typeface="Cambria Math" panose="02040503050406030204" pitchFamily="18" charset="0"/>
+                              <a:cs typeface="Arial" panose="020B0604020202020204" pitchFamily="34" charset="0"/>
+                            </a:rPr>
+                            <m:t>𝐴</m:t>
+                          </m:r>
+                        </m:oMath>
+                      </m:oMathPara>
+                    </a14:m>
+                    <a:endParaRPr lang="en-US" sz="2000" dirty="0" smtClean="0">
+                      <a:latin typeface="Arial" panose="020B0604020202020204" pitchFamily="34" charset="0"/>
+                      <a:cs typeface="Arial" panose="020B0604020202020204" pitchFamily="34" charset="0"/>
+                    </a:endParaRPr>
+                  </a:p>
+                </p:txBody>
+              </p:sp>
+            </mc:Choice>
+            <mc:Fallback>
+              <p:sp>
+                <p:nvSpPr>
+                  <p:cNvPr id="284" name="TextBox 283"/>
+                  <p:cNvSpPr txBox="1">
+                    <a:spLocks noRot="1" noChangeAspect="1" noMove="1" noResize="1" noEditPoints="1" noAdjustHandles="1" noChangeArrowheads="1" noChangeShapeType="1" noTextEdit="1"/>
+                  </p:cNvSpPr>
+                  <p:nvPr/>
+                </p:nvSpPr>
+                <p:spPr>
+                  <a:xfrm>
+                    <a:off x="10073074" y="4207642"/>
+                    <a:ext cx="340493" cy="307777"/>
+                  </a:xfrm>
+                  <a:prstGeom prst="rect">
+                    <a:avLst/>
+                  </a:prstGeom>
+                  <a:blipFill>
+                    <a:blip r:embed="rId12"/>
+                    <a:stretch>
+                      <a:fillRect r="-1786" b="-9804"/>
+                    </a:stretch>
+                  </a:blipFill>
+                </p:spPr>
+                <p:txBody>
+                  <a:bodyPr/>
+                  <a:lstStyle/>
+                  <a:p>
+                    <a:r>
+                      <a:rPr lang="en-US">
+                        <a:noFill/>
+                      </a:rPr>
+                      <a:t> </a:t>
+                    </a:r>
+                  </a:p>
+                </p:txBody>
+              </p:sp>
+            </mc:Fallback>
+          </mc:AlternateContent>
+          <p:cxnSp>
+            <p:nvCxnSpPr>
+              <p:cNvPr id="286" name="Straight Arrow Connector 285"/>
+              <p:cNvCxnSpPr/>
+              <p:nvPr/>
+            </p:nvCxnSpPr>
+            <p:spPr>
+              <a:xfrm>
+                <a:off x="6964179" y="5723467"/>
+                <a:ext cx="3308962" cy="0"/>
+              </a:xfrm>
+              <a:prstGeom prst="straightConnector1">
+                <a:avLst/>
+              </a:prstGeom>
+              <a:ln w="38100">
+                <a:solidFill>
+                  <a:schemeClr val="tx1"/>
+                </a:solidFill>
+                <a:headEnd type="triangle"/>
+                <a:tailEnd type="triangle"/>
+              </a:ln>
+            </p:spPr>
+            <p:style>
+              <a:lnRef idx="1">
+                <a:schemeClr val="accent1"/>
+              </a:lnRef>
+              <a:fillRef idx="0">
+                <a:schemeClr val="accent1"/>
+              </a:fillRef>
+              <a:effectRef idx="0">
+                <a:schemeClr val="accent1"/>
+              </a:effectRef>
+              <a:fontRef idx="minor">
+                <a:schemeClr val="tx1"/>
+              </a:fontRef>
+            </p:style>
+          </p:cxnSp>
+          <mc:AlternateContent xmlns:mc="http://schemas.openxmlformats.org/markup-compatibility/2006">
+            <mc:Choice xmlns:a14="http://schemas.microsoft.com/office/drawing/2010/main" Requires="a14">
+              <p:sp>
+                <p:nvSpPr>
+                  <p:cNvPr id="287" name="TextBox 286"/>
+                  <p:cNvSpPr txBox="1"/>
+                  <p:nvPr/>
+                </p:nvSpPr>
+                <p:spPr>
+                  <a:xfrm>
+                    <a:off x="8274633" y="5850356"/>
+                    <a:ext cx="628442" cy="307777"/>
+                  </a:xfrm>
+                  <a:prstGeom prst="rect">
+                    <a:avLst/>
+                  </a:prstGeom>
+                  <a:noFill/>
+                </p:spPr>
+                <p:txBody>
+                  <a:bodyPr wrap="none" lIns="0" tIns="0" rIns="0" bIns="0" rtlCol="0">
+                    <a:spAutoFit/>
+                  </a:bodyPr>
+                  <a:lstStyle/>
+                  <a:p>
+                    <a14:m>
+                      <m:oMathPara xmlns:m="http://schemas.openxmlformats.org/officeDocument/2006/math">
+                        <m:oMathParaPr>
+                          <m:jc m:val="centerGroup"/>
+                        </m:oMathParaPr>
+                        <m:oMath xmlns:m="http://schemas.openxmlformats.org/officeDocument/2006/math">
+                          <m:r>
+                            <a:rPr lang="en-US" sz="2000" b="0" i="1" smtClean="0">
+                              <a:latin typeface="Cambria Math" panose="02040503050406030204" pitchFamily="18" charset="0"/>
+                              <a:cs typeface="Arial" panose="020B0604020202020204" pitchFamily="34" charset="0"/>
+                            </a:rPr>
+                            <m:t>𝐿</m:t>
+                          </m:r>
+                          <m:r>
+                            <a:rPr lang="en-US" sz="2000" b="0" i="1" smtClean="0">
+                              <a:latin typeface="Cambria Math" panose="02040503050406030204" pitchFamily="18" charset="0"/>
+                              <a:cs typeface="Arial" panose="020B0604020202020204" pitchFamily="34" charset="0"/>
+                            </a:rPr>
+                            <m:t>, </m:t>
+                          </m:r>
+                          <m:r>
+                            <m:rPr>
+                              <m:sty m:val="p"/>
+                            </m:rPr>
+                            <a:rPr lang="en-US" sz="2000" b="0" i="0" smtClean="0">
+                              <a:latin typeface="Cambria Math" panose="02040503050406030204" pitchFamily="18" charset="0"/>
+                              <a:cs typeface="Arial" panose="020B0604020202020204" pitchFamily="34" charset="0"/>
+                            </a:rPr>
+                            <m:t>Δ</m:t>
+                          </m:r>
+                          <m:r>
+                            <a:rPr lang="en-US" sz="2000" b="0" i="1" smtClean="0">
+                              <a:latin typeface="Cambria Math" panose="02040503050406030204" pitchFamily="18" charset="0"/>
+                              <a:cs typeface="Arial" panose="020B0604020202020204" pitchFamily="34" charset="0"/>
+                            </a:rPr>
+                            <m:t>𝑉</m:t>
+                          </m:r>
+                        </m:oMath>
+                      </m:oMathPara>
+                    </a14:m>
+                    <a:endParaRPr lang="en-US" sz="2000" dirty="0" smtClean="0">
+                      <a:latin typeface="Arial" panose="020B0604020202020204" pitchFamily="34" charset="0"/>
+                      <a:cs typeface="Arial" panose="020B0604020202020204" pitchFamily="34" charset="0"/>
+                    </a:endParaRPr>
+                  </a:p>
+                </p:txBody>
+              </p:sp>
+            </mc:Choice>
+            <mc:Fallback>
+              <p:sp>
+                <p:nvSpPr>
+                  <p:cNvPr id="287" name="TextBox 286"/>
+                  <p:cNvSpPr txBox="1">
+                    <a:spLocks noRot="1" noChangeAspect="1" noMove="1" noResize="1" noEditPoints="1" noAdjustHandles="1" noChangeArrowheads="1" noChangeShapeType="1" noTextEdit="1"/>
+                  </p:cNvSpPr>
+                  <p:nvPr/>
+                </p:nvSpPr>
+                <p:spPr>
+                  <a:xfrm>
+                    <a:off x="8274633" y="5850356"/>
+                    <a:ext cx="628442" cy="307777"/>
+                  </a:xfrm>
+                  <a:prstGeom prst="rect">
+                    <a:avLst/>
+                  </a:prstGeom>
+                  <a:blipFill>
+                    <a:blip r:embed="rId13"/>
+                    <a:stretch>
+                      <a:fillRect l="-7767" r="-7767" b="-10000"/>
+                    </a:stretch>
+                  </a:blipFill>
+                </p:spPr>
+                <p:txBody>
+                  <a:bodyPr/>
+                  <a:lstStyle/>
+                  <a:p>
+                    <a:r>
+                      <a:rPr lang="en-US">
+                        <a:noFill/>
+                      </a:rPr>
+                      <a:t> </a:t>
+                    </a:r>
+                  </a:p>
+                </p:txBody>
+              </p:sp>
+            </mc:Fallback>
+          </mc:AlternateContent>
+        </p:grpSp>
+      </p:grpSp>
     </p:spTree>
     <p:extLst>
       <p:ext uri="{BB962C8B-B14F-4D97-AF65-F5344CB8AC3E}">
@@ -10072,6 +16137,995 @@
           <a:chExt cx="0" cy="0"/>
         </a:xfrm>
       </p:grpSpPr>
+      <p:grpSp>
+        <p:nvGrpSpPr>
+          <p:cNvPr id="2" name="Group 1"/>
+          <p:cNvGrpSpPr/>
+          <p:nvPr/>
+        </p:nvGrpSpPr>
+        <p:grpSpPr>
+          <a:xfrm>
+            <a:off x="930969" y="1029772"/>
+            <a:ext cx="4108241" cy="2638874"/>
+            <a:chOff x="7464802" y="740348"/>
+            <a:chExt cx="4108241" cy="2638874"/>
+          </a:xfrm>
+        </p:grpSpPr>
+        <p:grpSp>
+          <p:nvGrpSpPr>
+            <p:cNvPr id="3" name="Group 2"/>
+            <p:cNvGrpSpPr/>
+            <p:nvPr/>
+          </p:nvGrpSpPr>
+          <p:grpSpPr>
+            <a:xfrm>
+              <a:off x="8419895" y="740348"/>
+              <a:ext cx="3153148" cy="2638874"/>
+              <a:chOff x="8597633" y="1708537"/>
+              <a:chExt cx="3153148" cy="2638874"/>
+            </a:xfrm>
+          </p:grpSpPr>
+          <p:cxnSp>
+            <p:nvCxnSpPr>
+              <p:cNvPr id="9" name="Straight Arrow Connector 8"/>
+              <p:cNvCxnSpPr/>
+              <p:nvPr/>
+            </p:nvCxnSpPr>
+            <p:spPr>
+              <a:xfrm flipV="1">
+                <a:off x="8937937" y="3885746"/>
+                <a:ext cx="2575775" cy="25757"/>
+              </a:xfrm>
+              <a:prstGeom prst="straightConnector1">
+                <a:avLst/>
+              </a:prstGeom>
+              <a:ln w="38100">
+                <a:solidFill>
+                  <a:schemeClr val="tx1"/>
+                </a:solidFill>
+                <a:tailEnd type="triangle"/>
+              </a:ln>
+            </p:spPr>
+            <p:style>
+              <a:lnRef idx="1">
+                <a:schemeClr val="accent1"/>
+              </a:lnRef>
+              <a:fillRef idx="0">
+                <a:schemeClr val="accent1"/>
+              </a:fillRef>
+              <a:effectRef idx="0">
+                <a:schemeClr val="accent1"/>
+              </a:effectRef>
+              <a:fontRef idx="minor">
+                <a:schemeClr val="tx1"/>
+              </a:fontRef>
+            </p:style>
+          </p:cxnSp>
+          <p:cxnSp>
+            <p:nvCxnSpPr>
+              <p:cNvPr id="10" name="Straight Arrow Connector 9"/>
+              <p:cNvCxnSpPr/>
+              <p:nvPr/>
+            </p:nvCxnSpPr>
+            <p:spPr>
+              <a:xfrm flipH="1" flipV="1">
+                <a:off x="8937936" y="1782393"/>
+                <a:ext cx="23610" cy="2144110"/>
+              </a:xfrm>
+              <a:prstGeom prst="straightConnector1">
+                <a:avLst/>
+              </a:prstGeom>
+              <a:ln w="38100">
+                <a:solidFill>
+                  <a:schemeClr val="tx1"/>
+                </a:solidFill>
+                <a:tailEnd type="triangle"/>
+              </a:ln>
+            </p:spPr>
+            <p:style>
+              <a:lnRef idx="1">
+                <a:schemeClr val="accent1"/>
+              </a:lnRef>
+              <a:fillRef idx="0">
+                <a:schemeClr val="accent1"/>
+              </a:fillRef>
+              <a:effectRef idx="0">
+                <a:schemeClr val="accent1"/>
+              </a:effectRef>
+              <a:fontRef idx="minor">
+                <a:schemeClr val="tx1"/>
+              </a:fontRef>
+            </p:style>
+          </p:cxnSp>
+          <mc:AlternateContent xmlns:mc="http://schemas.openxmlformats.org/markup-compatibility/2006">
+            <mc:Choice xmlns:a14="http://schemas.microsoft.com/office/drawing/2010/main" Requires="a14">
+              <p:sp>
+                <p:nvSpPr>
+                  <p:cNvPr id="11" name="TextBox 10"/>
+                  <p:cNvSpPr txBox="1"/>
+                  <p:nvPr/>
+                </p:nvSpPr>
+                <p:spPr>
+                  <a:xfrm>
+                    <a:off x="11084781" y="3885746"/>
+                    <a:ext cx="459100" cy="461665"/>
+                  </a:xfrm>
+                  <a:prstGeom prst="rect">
+                    <a:avLst/>
+                  </a:prstGeom>
+                  <a:noFill/>
+                </p:spPr>
+                <p:txBody>
+                  <a:bodyPr wrap="none" rtlCol="0">
+                    <a:spAutoFit/>
+                  </a:bodyPr>
+                  <a:lstStyle/>
+                  <a:p>
+                    <a14:m>
+                      <m:oMathPara xmlns:m="http://schemas.openxmlformats.org/officeDocument/2006/math">
+                        <m:oMathParaPr>
+                          <m:jc m:val="centerGroup"/>
+                        </m:oMathParaPr>
+                        <m:oMath xmlns:m="http://schemas.openxmlformats.org/officeDocument/2006/math">
+                          <m:r>
+                            <a:rPr lang="en-CA" sz="2400" i="1" dirty="0" smtClean="0">
+                              <a:latin typeface="Cambria Math" panose="02040503050406030204" pitchFamily="18" charset="0"/>
+                              <a:cs typeface="Arial" panose="020B0604020202020204" pitchFamily="34" charset="0"/>
+                            </a:rPr>
+                            <m:t>𝑇</m:t>
+                          </m:r>
+                        </m:oMath>
+                      </m:oMathPara>
+                    </a14:m>
+                    <a:endParaRPr lang="en-CA" sz="2400" dirty="0" smtClean="0">
+                      <a:latin typeface="Arial" panose="020B0604020202020204" pitchFamily="34" charset="0"/>
+                      <a:cs typeface="Arial" panose="020B0604020202020204" pitchFamily="34" charset="0"/>
+                    </a:endParaRPr>
+                  </a:p>
+                </p:txBody>
+              </p:sp>
+            </mc:Choice>
+            <mc:Fallback>
+              <p:sp>
+                <p:nvSpPr>
+                  <p:cNvPr id="11" name="TextBox 10"/>
+                  <p:cNvSpPr txBox="1">
+                    <a:spLocks noRot="1" noChangeAspect="1" noMove="1" noResize="1" noEditPoints="1" noAdjustHandles="1" noChangeArrowheads="1" noChangeShapeType="1" noTextEdit="1"/>
+                  </p:cNvSpPr>
+                  <p:nvPr/>
+                </p:nvSpPr>
+                <p:spPr>
+                  <a:xfrm>
+                    <a:off x="11084781" y="3885746"/>
+                    <a:ext cx="459100" cy="461665"/>
+                  </a:xfrm>
+                  <a:prstGeom prst="rect">
+                    <a:avLst/>
+                  </a:prstGeom>
+                  <a:blipFill>
+                    <a:blip r:embed="rId2"/>
+                    <a:stretch>
+                      <a:fillRect/>
+                    </a:stretch>
+                  </a:blipFill>
+                </p:spPr>
+                <p:txBody>
+                  <a:bodyPr/>
+                  <a:lstStyle/>
+                  <a:p>
+                    <a:r>
+                      <a:rPr lang="en-US">
+                        <a:noFill/>
+                      </a:rPr>
+                      <a:t> </a:t>
+                    </a:r>
+                  </a:p>
+                </p:txBody>
+              </p:sp>
+            </mc:Fallback>
+          </mc:AlternateContent>
+          <p:sp>
+            <p:nvSpPr>
+              <p:cNvPr id="12" name="TextBox 11"/>
+              <p:cNvSpPr txBox="1"/>
+              <p:nvPr/>
+            </p:nvSpPr>
+            <p:spPr>
+              <a:xfrm>
+                <a:off x="8597633" y="1814231"/>
+                <a:ext cx="328047" cy="461665"/>
+              </a:xfrm>
+              <a:prstGeom prst="rect">
+                <a:avLst/>
+              </a:prstGeom>
+              <a:noFill/>
+            </p:spPr>
+            <p:txBody>
+              <a:bodyPr wrap="square" rtlCol="0">
+                <a:spAutoFit/>
+              </a:bodyPr>
+              <a:lstStyle/>
+              <a:p>
+                <a:r>
+                  <a:rPr lang="en-CA" sz="2400" dirty="0" smtClean="0">
+                    <a:latin typeface="Symbol" panose="05050102010706020507" pitchFamily="18" charset="2"/>
+                    <a:cs typeface="Arial" panose="020B0604020202020204" pitchFamily="34" charset="0"/>
+                  </a:rPr>
+                  <a:t>r</a:t>
+                </a:r>
+              </a:p>
+            </p:txBody>
+          </p:sp>
+          <p:cxnSp>
+            <p:nvCxnSpPr>
+              <p:cNvPr id="13" name="Straight Connector 12"/>
+              <p:cNvCxnSpPr/>
+              <p:nvPr/>
+            </p:nvCxnSpPr>
+            <p:spPr>
+              <a:xfrm flipV="1">
+                <a:off x="8950192" y="2042230"/>
+                <a:ext cx="2320698" cy="1369120"/>
+              </a:xfrm>
+              <a:prstGeom prst="line">
+                <a:avLst/>
+              </a:prstGeom>
+              <a:ln w="38100">
+                <a:solidFill>
+                  <a:srgbClr val="FF0000"/>
+                </a:solidFill>
+              </a:ln>
+            </p:spPr>
+            <p:style>
+              <a:lnRef idx="1">
+                <a:schemeClr val="accent1"/>
+              </a:lnRef>
+              <a:fillRef idx="0">
+                <a:schemeClr val="accent1"/>
+              </a:fillRef>
+              <a:effectRef idx="0">
+                <a:schemeClr val="accent1"/>
+              </a:effectRef>
+              <a:fontRef idx="minor">
+                <a:schemeClr val="tx1"/>
+              </a:fontRef>
+            </p:style>
+          </p:cxnSp>
+          <mc:AlternateContent xmlns:mc="http://schemas.openxmlformats.org/markup-compatibility/2006" xmlns:a14="http://schemas.microsoft.com/office/drawing/2010/main">
+            <mc:Choice Requires="a14">
+              <p:sp>
+                <p:nvSpPr>
+                  <p:cNvPr id="14" name="Rectangle 13"/>
+                  <p:cNvSpPr/>
+                  <p:nvPr/>
+                </p:nvSpPr>
+                <p:spPr>
+                  <a:xfrm>
+                    <a:off x="8973802" y="1708537"/>
+                    <a:ext cx="2776979" cy="369332"/>
+                  </a:xfrm>
+                  <a:prstGeom prst="rect">
+                    <a:avLst/>
+                  </a:prstGeom>
+                </p:spPr>
+                <p:txBody>
+                  <a:bodyPr wrap="none">
+                    <a:spAutoFit/>
+                  </a:bodyPr>
+                  <a:lstStyle/>
+                  <a:p>
+                    <a:pPr/>
+                    <a14:m>
+                      <m:oMathPara xmlns:m="http://schemas.openxmlformats.org/officeDocument/2006/math">
+                        <m:oMathParaPr>
+                          <m:jc m:val="centerGroup"/>
+                        </m:oMathParaPr>
+                        <m:oMath xmlns:m="http://schemas.openxmlformats.org/officeDocument/2006/math">
+                          <m:r>
+                            <a:rPr lang="en-US" i="1" smtClean="0">
+                              <a:solidFill>
+                                <a:srgbClr val="FF0000"/>
+                              </a:solidFill>
+                              <a:latin typeface="Cambria Math" panose="02040503050406030204" pitchFamily="18" charset="0"/>
+                            </a:rPr>
+                            <m:t>𝜌</m:t>
+                          </m:r>
+                          <m:d>
+                            <m:dPr>
+                              <m:ctrlPr>
+                                <a:rPr lang="en-US" i="1">
+                                  <a:solidFill>
+                                    <a:srgbClr val="FF0000"/>
+                                  </a:solidFill>
+                                  <a:latin typeface="Cambria Math" panose="02040503050406030204" pitchFamily="18" charset="0"/>
+                                </a:rPr>
+                              </m:ctrlPr>
+                            </m:dPr>
+                            <m:e>
+                              <m:r>
+                                <a:rPr lang="en-US" i="1">
+                                  <a:solidFill>
+                                    <a:srgbClr val="FF0000"/>
+                                  </a:solidFill>
+                                  <a:latin typeface="Cambria Math" panose="02040503050406030204" pitchFamily="18" charset="0"/>
+                                </a:rPr>
+                                <m:t>𝑇</m:t>
+                              </m:r>
+                            </m:e>
+                          </m:d>
+                          <m:r>
+                            <a:rPr lang="en-US" i="1">
+                              <a:solidFill>
+                                <a:srgbClr val="FF0000"/>
+                              </a:solidFill>
+                              <a:latin typeface="Cambria Math" panose="02040503050406030204" pitchFamily="18" charset="0"/>
+                            </a:rPr>
+                            <m:t>=</m:t>
+                          </m:r>
+                          <m:sSub>
+                            <m:sSubPr>
+                              <m:ctrlPr>
+                                <a:rPr lang="en-US" i="1">
+                                  <a:solidFill>
+                                    <a:srgbClr val="FF0000"/>
+                                  </a:solidFill>
+                                  <a:latin typeface="Cambria Math" panose="02040503050406030204" pitchFamily="18" charset="0"/>
+                                </a:rPr>
+                              </m:ctrlPr>
+                            </m:sSubPr>
+                            <m:e>
+                              <m:r>
+                                <a:rPr lang="en-US" i="1">
+                                  <a:solidFill>
+                                    <a:srgbClr val="FF0000"/>
+                                  </a:solidFill>
+                                  <a:latin typeface="Cambria Math" panose="02040503050406030204" pitchFamily="18" charset="0"/>
+                                </a:rPr>
+                                <m:t>𝜌</m:t>
+                              </m:r>
+                            </m:e>
+                            <m:sub>
+                              <m:r>
+                                <a:rPr lang="en-US" i="1">
+                                  <a:solidFill>
+                                    <a:srgbClr val="FF0000"/>
+                                  </a:solidFill>
+                                  <a:latin typeface="Cambria Math" panose="02040503050406030204" pitchFamily="18" charset="0"/>
+                                </a:rPr>
+                                <m:t>0</m:t>
+                              </m:r>
+                            </m:sub>
+                          </m:sSub>
+                          <m:d>
+                            <m:dPr>
+                              <m:begChr m:val="["/>
+                              <m:endChr m:val="]"/>
+                              <m:ctrlPr>
+                                <a:rPr lang="en-US" i="1">
+                                  <a:solidFill>
+                                    <a:srgbClr val="FF0000"/>
+                                  </a:solidFill>
+                                  <a:latin typeface="Cambria Math" panose="02040503050406030204" pitchFamily="18" charset="0"/>
+                                </a:rPr>
+                              </m:ctrlPr>
+                            </m:dPr>
+                            <m:e>
+                              <m:r>
+                                <a:rPr lang="en-US" i="1">
+                                  <a:solidFill>
+                                    <a:srgbClr val="FF0000"/>
+                                  </a:solidFill>
+                                  <a:latin typeface="Cambria Math" panose="02040503050406030204" pitchFamily="18" charset="0"/>
+                                </a:rPr>
+                                <m:t>1+</m:t>
+                              </m:r>
+                              <m:r>
+                                <a:rPr lang="en-US" i="1">
+                                  <a:solidFill>
+                                    <a:srgbClr val="FF0000"/>
+                                  </a:solidFill>
+                                  <a:latin typeface="Cambria Math" panose="02040503050406030204" pitchFamily="18" charset="0"/>
+                                </a:rPr>
+                                <m:t>𝛼</m:t>
+                              </m:r>
+                              <m:d>
+                                <m:dPr>
+                                  <m:ctrlPr>
+                                    <a:rPr lang="en-US" i="1">
+                                      <a:solidFill>
+                                        <a:srgbClr val="FF0000"/>
+                                      </a:solidFill>
+                                      <a:latin typeface="Cambria Math" panose="02040503050406030204" pitchFamily="18" charset="0"/>
+                                    </a:rPr>
+                                  </m:ctrlPr>
+                                </m:dPr>
+                                <m:e>
+                                  <m:r>
+                                    <a:rPr lang="en-US" i="1">
+                                      <a:solidFill>
+                                        <a:srgbClr val="FF0000"/>
+                                      </a:solidFill>
+                                      <a:latin typeface="Cambria Math" panose="02040503050406030204" pitchFamily="18" charset="0"/>
+                                    </a:rPr>
+                                    <m:t>𝑇</m:t>
+                                  </m:r>
+                                  <m:r>
+                                    <a:rPr lang="en-US" i="1">
+                                      <a:solidFill>
+                                        <a:srgbClr val="FF0000"/>
+                                      </a:solidFill>
+                                      <a:latin typeface="Cambria Math" panose="02040503050406030204" pitchFamily="18" charset="0"/>
+                                    </a:rPr>
+                                    <m:t>−</m:t>
+                                  </m:r>
+                                  <m:sSub>
+                                    <m:sSubPr>
+                                      <m:ctrlPr>
+                                        <a:rPr lang="en-US" i="1">
+                                          <a:solidFill>
+                                            <a:srgbClr val="FF0000"/>
+                                          </a:solidFill>
+                                          <a:latin typeface="Cambria Math" panose="02040503050406030204" pitchFamily="18" charset="0"/>
+                                        </a:rPr>
+                                      </m:ctrlPr>
+                                    </m:sSubPr>
+                                    <m:e>
+                                      <m:r>
+                                        <a:rPr lang="en-US" i="1">
+                                          <a:solidFill>
+                                            <a:srgbClr val="FF0000"/>
+                                          </a:solidFill>
+                                          <a:latin typeface="Cambria Math" panose="02040503050406030204" pitchFamily="18" charset="0"/>
+                                        </a:rPr>
+                                        <m:t>𝑇</m:t>
+                                      </m:r>
+                                    </m:e>
+                                    <m:sub>
+                                      <m:r>
+                                        <a:rPr lang="en-US" i="1">
+                                          <a:solidFill>
+                                            <a:srgbClr val="FF0000"/>
+                                          </a:solidFill>
+                                          <a:latin typeface="Cambria Math" panose="02040503050406030204" pitchFamily="18" charset="0"/>
+                                        </a:rPr>
+                                        <m:t>0</m:t>
+                                      </m:r>
+                                    </m:sub>
+                                  </m:sSub>
+                                </m:e>
+                              </m:d>
+                            </m:e>
+                          </m:d>
+                        </m:oMath>
+                      </m:oMathPara>
+                    </a14:m>
+                    <a:endParaRPr lang="en-CA" dirty="0">
+                      <a:solidFill>
+                        <a:srgbClr val="FF0000"/>
+                      </a:solidFill>
+                    </a:endParaRPr>
+                  </a:p>
+                </p:txBody>
+              </p:sp>
+            </mc:Choice>
+            <mc:Fallback xmlns="">
+              <p:sp>
+                <p:nvSpPr>
+                  <p:cNvPr id="15" name="Rectangle 14"/>
+                  <p:cNvSpPr>
+                    <a:spLocks noRot="1" noChangeAspect="1" noMove="1" noResize="1" noEditPoints="1" noAdjustHandles="1" noChangeArrowheads="1" noChangeShapeType="1" noTextEdit="1"/>
+                  </p:cNvSpPr>
+                  <p:nvPr/>
+                </p:nvSpPr>
+                <p:spPr>
+                  <a:xfrm>
+                    <a:off x="8973802" y="1708537"/>
+                    <a:ext cx="2776979" cy="369332"/>
+                  </a:xfrm>
+                  <a:prstGeom prst="rect">
+                    <a:avLst/>
+                  </a:prstGeom>
+                  <a:blipFill rotWithShape="0">
+                    <a:blip r:embed="rId3"/>
+                    <a:stretch>
+                      <a:fillRect b="-6557"/>
+                    </a:stretch>
+                  </a:blipFill>
+                </p:spPr>
+                <p:txBody>
+                  <a:bodyPr/>
+                  <a:lstStyle/>
+                  <a:p>
+                    <a:r>
+                      <a:rPr lang="en-CA">
+                        <a:noFill/>
+                      </a:rPr>
+                      <a:t> </a:t>
+                    </a:r>
+                  </a:p>
+                </p:txBody>
+              </p:sp>
+            </mc:Fallback>
+          </mc:AlternateContent>
+        </p:grpSp>
+        <mc:AlternateContent xmlns:mc="http://schemas.openxmlformats.org/markup-compatibility/2006" xmlns:a14="http://schemas.microsoft.com/office/drawing/2010/main">
+          <mc:Choice Requires="a14">
+            <p:sp>
+              <p:nvSpPr>
+                <p:cNvPr id="4" name="Rectangle 3"/>
+                <p:cNvSpPr/>
+                <p:nvPr/>
+              </p:nvSpPr>
+              <p:spPr>
+                <a:xfrm>
+                  <a:off x="8357445" y="1653188"/>
+                  <a:ext cx="467436" cy="369332"/>
+                </a:xfrm>
+                <a:prstGeom prst="rect">
+                  <a:avLst/>
+                </a:prstGeom>
+              </p:spPr>
+              <p:txBody>
+                <a:bodyPr wrap="none">
+                  <a:spAutoFit/>
+                </a:bodyPr>
+                <a:lstStyle/>
+                <a:p>
+                  <a:pPr/>
+                  <a14:m>
+                    <m:oMathPara xmlns:m="http://schemas.openxmlformats.org/officeDocument/2006/math">
+                      <m:oMathParaPr>
+                        <m:jc m:val="centerGroup"/>
+                      </m:oMathParaPr>
+                      <m:oMath xmlns:m="http://schemas.openxmlformats.org/officeDocument/2006/math">
+                        <m:sSub>
+                          <m:sSubPr>
+                            <m:ctrlPr>
+                              <a:rPr lang="en-US" i="1" smtClean="0">
+                                <a:solidFill>
+                                  <a:schemeClr val="tx1"/>
+                                </a:solidFill>
+                                <a:latin typeface="Cambria Math" panose="02040503050406030204" pitchFamily="18" charset="0"/>
+                              </a:rPr>
+                            </m:ctrlPr>
+                          </m:sSubPr>
+                          <m:e>
+                            <m:r>
+                              <a:rPr lang="en-US" i="1">
+                                <a:solidFill>
+                                  <a:schemeClr val="tx1"/>
+                                </a:solidFill>
+                                <a:latin typeface="Cambria Math" panose="02040503050406030204" pitchFamily="18" charset="0"/>
+                              </a:rPr>
+                              <m:t>𝜌</m:t>
+                            </m:r>
+                          </m:e>
+                          <m:sub>
+                            <m:r>
+                              <a:rPr lang="en-US" i="1">
+                                <a:solidFill>
+                                  <a:schemeClr val="tx1"/>
+                                </a:solidFill>
+                                <a:latin typeface="Cambria Math" panose="02040503050406030204" pitchFamily="18" charset="0"/>
+                              </a:rPr>
+                              <m:t>0</m:t>
+                            </m:r>
+                          </m:sub>
+                        </m:sSub>
+                      </m:oMath>
+                    </m:oMathPara>
+                  </a14:m>
+                  <a:endParaRPr lang="en-CA" dirty="0">
+                    <a:solidFill>
+                      <a:schemeClr val="tx1"/>
+                    </a:solidFill>
+                  </a:endParaRPr>
+                </a:p>
+              </p:txBody>
+            </p:sp>
+          </mc:Choice>
+          <mc:Fallback xmlns="">
+            <p:sp>
+              <p:nvSpPr>
+                <p:cNvPr id="4" name="Rectangle 3"/>
+                <p:cNvSpPr>
+                  <a:spLocks noRot="1" noChangeAspect="1" noMove="1" noResize="1" noEditPoints="1" noAdjustHandles="1" noChangeArrowheads="1" noChangeShapeType="1" noTextEdit="1"/>
+                </p:cNvSpPr>
+                <p:nvPr/>
+              </p:nvSpPr>
+              <p:spPr>
+                <a:xfrm>
+                  <a:off x="8357445" y="1653188"/>
+                  <a:ext cx="467436" cy="369332"/>
+                </a:xfrm>
+                <a:prstGeom prst="rect">
+                  <a:avLst/>
+                </a:prstGeom>
+                <a:blipFill rotWithShape="0">
+                  <a:blip r:embed="rId4"/>
+                  <a:stretch>
+                    <a:fillRect b="-6557"/>
+                  </a:stretch>
+                </a:blipFill>
+              </p:spPr>
+              <p:txBody>
+                <a:bodyPr/>
+                <a:lstStyle/>
+                <a:p>
+                  <a:r>
+                    <a:rPr lang="en-CA">
+                      <a:noFill/>
+                    </a:rPr>
+                    <a:t> </a:t>
+                  </a:r>
+                </a:p>
+              </p:txBody>
+            </p:sp>
+          </mc:Fallback>
+        </mc:AlternateContent>
+        <p:cxnSp>
+          <p:nvCxnSpPr>
+            <p:cNvPr id="5" name="Straight Connector 4"/>
+            <p:cNvCxnSpPr/>
+            <p:nvPr/>
+          </p:nvCxnSpPr>
+          <p:spPr>
+            <a:xfrm>
+              <a:off x="8822157" y="1886259"/>
+              <a:ext cx="882605" cy="0"/>
+            </a:xfrm>
+            <a:prstGeom prst="line">
+              <a:avLst/>
+            </a:prstGeom>
+            <a:ln w="38100">
+              <a:solidFill>
+                <a:schemeClr val="tx1"/>
+              </a:solidFill>
+              <a:prstDash val="sysDot"/>
+            </a:ln>
+          </p:spPr>
+          <p:style>
+            <a:lnRef idx="1">
+              <a:schemeClr val="accent1"/>
+            </a:lnRef>
+            <a:fillRef idx="0">
+              <a:schemeClr val="accent1"/>
+            </a:fillRef>
+            <a:effectRef idx="0">
+              <a:schemeClr val="accent1"/>
+            </a:effectRef>
+            <a:fontRef idx="minor">
+              <a:schemeClr val="tx1"/>
+            </a:fontRef>
+          </p:style>
+        </p:cxnSp>
+        <p:cxnSp>
+          <p:nvCxnSpPr>
+            <p:cNvPr id="6" name="Straight Connector 5"/>
+            <p:cNvCxnSpPr/>
+            <p:nvPr/>
+          </p:nvCxnSpPr>
+          <p:spPr>
+            <a:xfrm>
+              <a:off x="9704762" y="1886259"/>
+              <a:ext cx="12256" cy="1057055"/>
+            </a:xfrm>
+            <a:prstGeom prst="line">
+              <a:avLst/>
+            </a:prstGeom>
+            <a:ln w="38100">
+              <a:solidFill>
+                <a:schemeClr val="tx1"/>
+              </a:solidFill>
+              <a:prstDash val="sysDot"/>
+            </a:ln>
+          </p:spPr>
+          <p:style>
+            <a:lnRef idx="1">
+              <a:schemeClr val="accent1"/>
+            </a:lnRef>
+            <a:fillRef idx="0">
+              <a:schemeClr val="accent1"/>
+            </a:fillRef>
+            <a:effectRef idx="0">
+              <a:schemeClr val="accent1"/>
+            </a:effectRef>
+            <a:fontRef idx="minor">
+              <a:schemeClr val="tx1"/>
+            </a:fontRef>
+          </p:style>
+        </p:cxnSp>
+        <mc:AlternateContent xmlns:mc="http://schemas.openxmlformats.org/markup-compatibility/2006" xmlns:a14="http://schemas.microsoft.com/office/drawing/2010/main">
+          <mc:Choice Requires="a14">
+            <p:sp>
+              <p:nvSpPr>
+                <p:cNvPr id="7" name="Rectangle 6"/>
+                <p:cNvSpPr/>
+                <p:nvPr/>
+              </p:nvSpPr>
+              <p:spPr>
+                <a:xfrm>
+                  <a:off x="9486462" y="2896162"/>
+                  <a:ext cx="457946" cy="369332"/>
+                </a:xfrm>
+                <a:prstGeom prst="rect">
+                  <a:avLst/>
+                </a:prstGeom>
+              </p:spPr>
+              <p:txBody>
+                <a:bodyPr wrap="none">
+                  <a:spAutoFit/>
+                </a:bodyPr>
+                <a:lstStyle/>
+                <a:p>
+                  <a:pPr/>
+                  <a14:m>
+                    <m:oMathPara xmlns:m="http://schemas.openxmlformats.org/officeDocument/2006/math">
+                      <m:oMathParaPr>
+                        <m:jc m:val="centerGroup"/>
+                      </m:oMathParaPr>
+                      <m:oMath xmlns:m="http://schemas.openxmlformats.org/officeDocument/2006/math">
+                        <m:sSub>
+                          <m:sSubPr>
+                            <m:ctrlPr>
+                              <a:rPr lang="en-US" b="0" i="1" smtClean="0">
+                                <a:solidFill>
+                                  <a:schemeClr val="tx1"/>
+                                </a:solidFill>
+                                <a:latin typeface="Cambria Math" panose="02040503050406030204" pitchFamily="18" charset="0"/>
+                              </a:rPr>
+                            </m:ctrlPr>
+                          </m:sSubPr>
+                          <m:e>
+                            <m:r>
+                              <a:rPr lang="en-US" b="0" i="1" smtClean="0">
+                                <a:solidFill>
+                                  <a:schemeClr val="tx1"/>
+                                </a:solidFill>
+                                <a:latin typeface="Cambria Math" panose="02040503050406030204" pitchFamily="18" charset="0"/>
+                              </a:rPr>
+                              <m:t>𝑇</m:t>
+                            </m:r>
+                          </m:e>
+                          <m:sub>
+                            <m:r>
+                              <a:rPr lang="en-US" b="0" i="1" smtClean="0">
+                                <a:solidFill>
+                                  <a:schemeClr val="tx1"/>
+                                </a:solidFill>
+                                <a:latin typeface="Cambria Math" panose="02040503050406030204" pitchFamily="18" charset="0"/>
+                              </a:rPr>
+                              <m:t>0</m:t>
+                            </m:r>
+                          </m:sub>
+                        </m:sSub>
+                      </m:oMath>
+                    </m:oMathPara>
+                  </a14:m>
+                  <a:endParaRPr lang="en-CA" dirty="0">
+                    <a:solidFill>
+                      <a:schemeClr val="tx1"/>
+                    </a:solidFill>
+                  </a:endParaRPr>
+                </a:p>
+              </p:txBody>
+            </p:sp>
+          </mc:Choice>
+          <mc:Fallback xmlns="">
+            <p:sp>
+              <p:nvSpPr>
+                <p:cNvPr id="17" name="Rectangle 16"/>
+                <p:cNvSpPr>
+                  <a:spLocks noRot="1" noChangeAspect="1" noMove="1" noResize="1" noEditPoints="1" noAdjustHandles="1" noChangeArrowheads="1" noChangeShapeType="1" noTextEdit="1"/>
+                </p:cNvSpPr>
+                <p:nvPr/>
+              </p:nvSpPr>
+              <p:spPr>
+                <a:xfrm>
+                  <a:off x="9486462" y="2896162"/>
+                  <a:ext cx="457946" cy="369332"/>
+                </a:xfrm>
+                <a:prstGeom prst="rect">
+                  <a:avLst/>
+                </a:prstGeom>
+                <a:blipFill rotWithShape="0">
+                  <a:blip r:embed="rId5"/>
+                  <a:stretch>
+                    <a:fillRect/>
+                  </a:stretch>
+                </a:blipFill>
+              </p:spPr>
+              <p:txBody>
+                <a:bodyPr/>
+                <a:lstStyle/>
+                <a:p>
+                  <a:r>
+                    <a:rPr lang="en-CA">
+                      <a:noFill/>
+                    </a:rPr>
+                    <a:t> </a:t>
+                  </a:r>
+                </a:p>
+              </p:txBody>
+            </p:sp>
+          </mc:Fallback>
+        </mc:AlternateContent>
+        <mc:AlternateContent xmlns:mc="http://schemas.openxmlformats.org/markup-compatibility/2006" xmlns:a14="http://schemas.microsoft.com/office/drawing/2010/main">
+          <mc:Choice Requires="a14">
+            <p:sp>
+              <p:nvSpPr>
+                <p:cNvPr id="8" name="Rectangle 7"/>
+                <p:cNvSpPr/>
+                <p:nvPr/>
+              </p:nvSpPr>
+              <p:spPr>
+                <a:xfrm>
+                  <a:off x="7464802" y="2213077"/>
+                  <a:ext cx="1331262" cy="369332"/>
+                </a:xfrm>
+                <a:prstGeom prst="rect">
+                  <a:avLst/>
+                </a:prstGeom>
+              </p:spPr>
+              <p:txBody>
+                <a:bodyPr wrap="none">
+                  <a:spAutoFit/>
+                </a:bodyPr>
+                <a:lstStyle/>
+                <a:p>
+                  <a:pPr/>
+                  <a14:m>
+                    <m:oMathPara xmlns:m="http://schemas.openxmlformats.org/officeDocument/2006/math">
+                      <m:oMathParaPr>
+                        <m:jc m:val="centerGroup"/>
+                      </m:oMathParaPr>
+                      <m:oMath xmlns:m="http://schemas.openxmlformats.org/officeDocument/2006/math">
+                        <m:sSub>
+                          <m:sSubPr>
+                            <m:ctrlPr>
+                              <a:rPr lang="en-US" i="1">
+                                <a:latin typeface="Cambria Math" panose="02040503050406030204" pitchFamily="18" charset="0"/>
+                                <a:cs typeface="Arial" panose="020B0604020202020204" pitchFamily="34" charset="0"/>
+                              </a:rPr>
+                            </m:ctrlPr>
+                          </m:sSubPr>
+                          <m:e>
+                            <m:r>
+                              <a:rPr lang="en-US" i="1">
+                                <a:latin typeface="Cambria Math" panose="02040503050406030204" pitchFamily="18" charset="0"/>
+                                <a:cs typeface="Arial" panose="020B0604020202020204" pitchFamily="34" charset="0"/>
+                              </a:rPr>
+                              <m:t>𝜌</m:t>
+                            </m:r>
+                          </m:e>
+                          <m:sub>
+                            <m:r>
+                              <a:rPr lang="en-US" i="1">
+                                <a:latin typeface="Cambria Math" panose="02040503050406030204" pitchFamily="18" charset="0"/>
+                                <a:cs typeface="Arial" panose="020B0604020202020204" pitchFamily="34" charset="0"/>
+                              </a:rPr>
+                              <m:t>0</m:t>
+                            </m:r>
+                          </m:sub>
+                        </m:sSub>
+                        <m:r>
+                          <a:rPr lang="en-US" i="1">
+                            <a:latin typeface="Cambria Math" panose="02040503050406030204" pitchFamily="18" charset="0"/>
+                            <a:cs typeface="Arial" panose="020B0604020202020204" pitchFamily="34" charset="0"/>
+                          </a:rPr>
+                          <m:t>−</m:t>
+                        </m:r>
+                        <m:sSub>
+                          <m:sSubPr>
+                            <m:ctrlPr>
+                              <a:rPr lang="en-US" i="1">
+                                <a:latin typeface="Cambria Math" panose="02040503050406030204" pitchFamily="18" charset="0"/>
+                                <a:cs typeface="Arial" panose="020B0604020202020204" pitchFamily="34" charset="0"/>
+                              </a:rPr>
+                            </m:ctrlPr>
+                          </m:sSubPr>
+                          <m:e>
+                            <m:r>
+                              <a:rPr lang="en-US" i="1">
+                                <a:latin typeface="Cambria Math" panose="02040503050406030204" pitchFamily="18" charset="0"/>
+                                <a:cs typeface="Arial" panose="020B0604020202020204" pitchFamily="34" charset="0"/>
+                              </a:rPr>
+                              <m:t>𝜌</m:t>
+                            </m:r>
+                          </m:e>
+                          <m:sub>
+                            <m:r>
+                              <a:rPr lang="en-US" i="1">
+                                <a:latin typeface="Cambria Math" panose="02040503050406030204" pitchFamily="18" charset="0"/>
+                                <a:cs typeface="Arial" panose="020B0604020202020204" pitchFamily="34" charset="0"/>
+                              </a:rPr>
+                              <m:t>0</m:t>
+                            </m:r>
+                          </m:sub>
+                        </m:sSub>
+                        <m:sSub>
+                          <m:sSubPr>
+                            <m:ctrlPr>
+                              <a:rPr lang="en-US" i="1">
+                                <a:latin typeface="Cambria Math" panose="02040503050406030204" pitchFamily="18" charset="0"/>
+                                <a:cs typeface="Arial" panose="020B0604020202020204" pitchFamily="34" charset="0"/>
+                              </a:rPr>
+                            </m:ctrlPr>
+                          </m:sSubPr>
+                          <m:e>
+                            <m:r>
+                              <a:rPr lang="en-US" i="1">
+                                <a:latin typeface="Cambria Math" panose="02040503050406030204" pitchFamily="18" charset="0"/>
+                                <a:cs typeface="Arial" panose="020B0604020202020204" pitchFamily="34" charset="0"/>
+                              </a:rPr>
+                              <m:t>𝛼</m:t>
+                            </m:r>
+                            <m:r>
+                              <a:rPr lang="en-US" i="1">
+                                <a:latin typeface="Cambria Math" panose="02040503050406030204" pitchFamily="18" charset="0"/>
+                                <a:cs typeface="Arial" panose="020B0604020202020204" pitchFamily="34" charset="0"/>
+                              </a:rPr>
+                              <m:t>𝑇</m:t>
+                            </m:r>
+                          </m:e>
+                          <m:sub>
+                            <m:r>
+                              <a:rPr lang="en-US" i="1">
+                                <a:latin typeface="Cambria Math" panose="02040503050406030204" pitchFamily="18" charset="0"/>
+                                <a:cs typeface="Arial" panose="020B0604020202020204" pitchFamily="34" charset="0"/>
+                              </a:rPr>
+                              <m:t>0</m:t>
+                            </m:r>
+                          </m:sub>
+                        </m:sSub>
+                      </m:oMath>
+                    </m:oMathPara>
+                  </a14:m>
+                  <a:endParaRPr lang="en-CA" dirty="0"/>
+                </a:p>
+              </p:txBody>
+            </p:sp>
+          </mc:Choice>
+          <mc:Fallback xmlns="">
+            <p:sp>
+              <p:nvSpPr>
+                <p:cNvPr id="10" name="Rectangle 9"/>
+                <p:cNvSpPr>
+                  <a:spLocks noRot="1" noChangeAspect="1" noMove="1" noResize="1" noEditPoints="1" noAdjustHandles="1" noChangeArrowheads="1" noChangeShapeType="1" noTextEdit="1"/>
+                </p:cNvSpPr>
+                <p:nvPr/>
+              </p:nvSpPr>
+              <p:spPr>
+                <a:xfrm>
+                  <a:off x="7464802" y="2213077"/>
+                  <a:ext cx="1331262" cy="369332"/>
+                </a:xfrm>
+                <a:prstGeom prst="rect">
+                  <a:avLst/>
+                </a:prstGeom>
+                <a:blipFill rotWithShape="0">
+                  <a:blip r:embed="rId6"/>
+                  <a:stretch>
+                    <a:fillRect b="-6557"/>
+                  </a:stretch>
+                </a:blipFill>
+              </p:spPr>
+              <p:txBody>
+                <a:bodyPr/>
+                <a:lstStyle/>
+                <a:p>
+                  <a:r>
+                    <a:rPr lang="en-CA">
+                      <a:noFill/>
+                    </a:rPr>
+                    <a:t> </a:t>
+                  </a:r>
+                </a:p>
+              </p:txBody>
+            </p:sp>
+          </mc:Fallback>
+        </mc:AlternateContent>
+      </p:grpSp>
     </p:spTree>
     <p:extLst>
       <p:ext uri="{BB962C8B-B14F-4D97-AF65-F5344CB8AC3E}">

--- a/tex/figures/Current/Figures.pptx
+++ b/tex/figures/Current/Figures.pptx
@@ -25103,6 +25103,989 @@
           <a:chExt cx="0" cy="0"/>
         </a:xfrm>
       </p:grpSpPr>
+      <p:grpSp>
+        <p:nvGrpSpPr>
+          <p:cNvPr id="17" name="Group 16"/>
+          <p:cNvGrpSpPr/>
+          <p:nvPr/>
+        </p:nvGrpSpPr>
+        <p:grpSpPr>
+          <a:xfrm>
+            <a:off x="380343" y="962769"/>
+            <a:ext cx="8166855" cy="3034078"/>
+            <a:chOff x="380343" y="962769"/>
+            <a:chExt cx="8166855" cy="3034078"/>
+          </a:xfrm>
+        </p:grpSpPr>
+        <p:sp>
+          <p:nvSpPr>
+            <p:cNvPr id="2" name="Minus 1"/>
+            <p:cNvSpPr/>
+            <p:nvPr/>
+          </p:nvSpPr>
+          <p:spPr>
+            <a:xfrm rot="5400000">
+              <a:off x="921379" y="2219690"/>
+              <a:ext cx="1256428" cy="551433"/>
+            </a:xfrm>
+            <a:prstGeom prst="mathMinus">
+              <a:avLst/>
+            </a:prstGeom>
+            <a:solidFill>
+              <a:schemeClr val="tx1"/>
+            </a:solidFill>
+            <a:ln w="38100">
+              <a:solidFill>
+                <a:schemeClr val="tx1"/>
+              </a:solidFill>
+            </a:ln>
+          </p:spPr>
+          <p:style>
+            <a:lnRef idx="2">
+              <a:schemeClr val="accent1">
+                <a:shade val="50000"/>
+              </a:schemeClr>
+            </a:lnRef>
+            <a:fillRef idx="1">
+              <a:schemeClr val="accent1"/>
+            </a:fillRef>
+            <a:effectRef idx="0">
+              <a:schemeClr val="accent1"/>
+            </a:effectRef>
+            <a:fontRef idx="minor">
+              <a:schemeClr val="lt1"/>
+            </a:fontRef>
+          </p:style>
+          <p:txBody>
+            <a:bodyPr rtlCol="0" anchor="ctr"/>
+            <a:lstStyle/>
+            <a:p>
+              <a:pPr algn="ctr"/>
+              <a:endParaRPr lang="en-CA"/>
+            </a:p>
+          </p:txBody>
+        </p:sp>
+        <p:sp>
+          <p:nvSpPr>
+            <p:cNvPr id="3" name="Minus 2"/>
+            <p:cNvSpPr/>
+            <p:nvPr/>
+          </p:nvSpPr>
+          <p:spPr>
+            <a:xfrm rot="5400000">
+              <a:off x="1821819" y="2219690"/>
+              <a:ext cx="1256428" cy="551433"/>
+            </a:xfrm>
+            <a:prstGeom prst="mathMinus">
+              <a:avLst/>
+            </a:prstGeom>
+            <a:solidFill>
+              <a:schemeClr val="tx1"/>
+            </a:solidFill>
+            <a:ln w="38100">
+              <a:solidFill>
+                <a:schemeClr val="tx1"/>
+              </a:solidFill>
+            </a:ln>
+          </p:spPr>
+          <p:style>
+            <a:lnRef idx="2">
+              <a:schemeClr val="accent1">
+                <a:shade val="50000"/>
+              </a:schemeClr>
+            </a:lnRef>
+            <a:fillRef idx="1">
+              <a:schemeClr val="accent1"/>
+            </a:fillRef>
+            <a:effectRef idx="0">
+              <a:schemeClr val="accent1"/>
+            </a:effectRef>
+            <a:fontRef idx="minor">
+              <a:schemeClr val="lt1"/>
+            </a:fontRef>
+          </p:style>
+          <p:txBody>
+            <a:bodyPr rtlCol="0" anchor="ctr"/>
+            <a:lstStyle/>
+            <a:p>
+              <a:pPr algn="ctr"/>
+              <a:endParaRPr lang="en-CA"/>
+            </a:p>
+          </p:txBody>
+        </p:sp>
+        <p:sp>
+          <p:nvSpPr>
+            <p:cNvPr id="4" name="Oval 3"/>
+            <p:cNvSpPr/>
+            <p:nvPr/>
+          </p:nvSpPr>
+          <p:spPr>
+            <a:xfrm>
+              <a:off x="1832288" y="3294634"/>
+              <a:ext cx="342028" cy="342028"/>
+            </a:xfrm>
+            <a:prstGeom prst="ellipse">
+              <a:avLst/>
+            </a:prstGeom>
+            <a:solidFill>
+              <a:schemeClr val="tx1"/>
+            </a:solidFill>
+            <a:ln w="38100">
+              <a:solidFill>
+                <a:schemeClr val="tx1"/>
+              </a:solidFill>
+            </a:ln>
+          </p:spPr>
+          <p:style>
+            <a:lnRef idx="2">
+              <a:schemeClr val="accent1">
+                <a:shade val="50000"/>
+              </a:schemeClr>
+            </a:lnRef>
+            <a:fillRef idx="1">
+              <a:schemeClr val="accent1"/>
+            </a:fillRef>
+            <a:effectRef idx="0">
+              <a:schemeClr val="accent1"/>
+            </a:effectRef>
+            <a:fontRef idx="minor">
+              <a:schemeClr val="lt1"/>
+            </a:fontRef>
+          </p:style>
+          <p:txBody>
+            <a:bodyPr rtlCol="0" anchor="ctr"/>
+            <a:lstStyle/>
+            <a:p>
+              <a:pPr algn="ctr"/>
+              <a:endParaRPr lang="en-CA"/>
+            </a:p>
+          </p:txBody>
+        </p:sp>
+        <p:sp>
+          <p:nvSpPr>
+            <p:cNvPr id="5" name="Rectangle 4"/>
+            <p:cNvSpPr/>
+            <p:nvPr/>
+          </p:nvSpPr>
+          <p:spPr>
+            <a:xfrm>
+              <a:off x="4701483" y="1528219"/>
+              <a:ext cx="3845715" cy="2179464"/>
+            </a:xfrm>
+            <a:prstGeom prst="rect">
+              <a:avLst/>
+            </a:prstGeom>
+            <a:noFill/>
+            <a:ln w="38100">
+              <a:solidFill>
+                <a:schemeClr val="tx1"/>
+              </a:solidFill>
+            </a:ln>
+          </p:spPr>
+          <p:style>
+            <a:lnRef idx="2">
+              <a:schemeClr val="accent1">
+                <a:shade val="50000"/>
+              </a:schemeClr>
+            </a:lnRef>
+            <a:fillRef idx="1">
+              <a:schemeClr val="accent1"/>
+            </a:fillRef>
+            <a:effectRef idx="0">
+              <a:schemeClr val="accent1"/>
+            </a:effectRef>
+            <a:fontRef idx="minor">
+              <a:schemeClr val="lt1"/>
+            </a:fontRef>
+          </p:style>
+          <p:txBody>
+            <a:bodyPr rtlCol="0" anchor="ctr"/>
+            <a:lstStyle/>
+            <a:p>
+              <a:pPr algn="ctr"/>
+              <a:endParaRPr lang="en-CA"/>
+            </a:p>
+          </p:txBody>
+        </p:sp>
+        <p:sp>
+          <p:nvSpPr>
+            <p:cNvPr id="6" name="Rectangle 5"/>
+            <p:cNvSpPr/>
+            <p:nvPr/>
+          </p:nvSpPr>
+          <p:spPr>
+            <a:xfrm>
+              <a:off x="6002525" y="962770"/>
+              <a:ext cx="1579707" cy="565449"/>
+            </a:xfrm>
+            <a:prstGeom prst="rect">
+              <a:avLst/>
+            </a:prstGeom>
+            <a:solidFill>
+              <a:schemeClr val="accent2">
+                <a:lumMod val="60000"/>
+                <a:lumOff val="40000"/>
+              </a:schemeClr>
+            </a:solidFill>
+            <a:ln w="38100">
+              <a:solidFill>
+                <a:schemeClr val="tx1"/>
+              </a:solidFill>
+            </a:ln>
+          </p:spPr>
+          <p:style>
+            <a:lnRef idx="2">
+              <a:schemeClr val="accent1">
+                <a:shade val="50000"/>
+              </a:schemeClr>
+            </a:lnRef>
+            <a:fillRef idx="1">
+              <a:schemeClr val="accent1"/>
+            </a:fillRef>
+            <a:effectRef idx="0">
+              <a:schemeClr val="accent1"/>
+            </a:effectRef>
+            <a:fontRef idx="minor">
+              <a:schemeClr val="lt1"/>
+            </a:fontRef>
+          </p:style>
+          <p:txBody>
+            <a:bodyPr rtlCol="0" anchor="ctr"/>
+            <a:lstStyle/>
+            <a:p>
+              <a:pPr algn="ctr"/>
+              <a:endParaRPr lang="en-CA"/>
+            </a:p>
+          </p:txBody>
+        </p:sp>
+        <p:sp>
+          <p:nvSpPr>
+            <p:cNvPr id="7" name="Rectangle 6"/>
+            <p:cNvSpPr/>
+            <p:nvPr/>
+          </p:nvSpPr>
+          <p:spPr>
+            <a:xfrm>
+              <a:off x="5425736" y="962769"/>
+              <a:ext cx="1579707" cy="565449"/>
+            </a:xfrm>
+            <a:prstGeom prst="rect">
+              <a:avLst/>
+            </a:prstGeom>
+            <a:solidFill>
+              <a:schemeClr val="accent2">
+                <a:lumMod val="60000"/>
+                <a:lumOff val="40000"/>
+              </a:schemeClr>
+            </a:solidFill>
+            <a:ln w="38100">
+              <a:solidFill>
+                <a:schemeClr val="tx1"/>
+              </a:solidFill>
+            </a:ln>
+          </p:spPr>
+          <p:style>
+            <a:lnRef idx="2">
+              <a:schemeClr val="accent1">
+                <a:shade val="50000"/>
+              </a:schemeClr>
+            </a:lnRef>
+            <a:fillRef idx="1">
+              <a:schemeClr val="accent1"/>
+            </a:fillRef>
+            <a:effectRef idx="0">
+              <a:schemeClr val="accent1"/>
+            </a:effectRef>
+            <a:fontRef idx="minor">
+              <a:schemeClr val="lt1"/>
+            </a:fontRef>
+          </p:style>
+          <p:txBody>
+            <a:bodyPr rtlCol="0" anchor="ctr"/>
+            <a:lstStyle/>
+            <a:p>
+              <a:pPr algn="ctr"/>
+              <a:endParaRPr lang="en-CA"/>
+            </a:p>
+          </p:txBody>
+        </p:sp>
+        <p:sp>
+          <p:nvSpPr>
+            <p:cNvPr id="8" name="Freeform 7"/>
+            <p:cNvSpPr/>
+            <p:nvPr/>
+          </p:nvSpPr>
+          <p:spPr>
+            <a:xfrm>
+              <a:off x="2530929" y="1895688"/>
+              <a:ext cx="5078191" cy="1296548"/>
+            </a:xfrm>
+            <a:custGeom>
+              <a:avLst/>
+              <a:gdLst>
+                <a:gd name="connsiteX0" fmla="*/ 2979964 w 5078191"/>
+                <a:gd name="connsiteY0" fmla="*/ 22919 h 1296548"/>
+                <a:gd name="connsiteX1" fmla="*/ 5078185 w 5078191"/>
+                <a:gd name="connsiteY1" fmla="*/ 31083 h 1296548"/>
+                <a:gd name="connsiteX2" fmla="*/ 3004457 w 5078191"/>
+                <a:gd name="connsiteY2" fmla="*/ 324998 h 1296548"/>
+                <a:gd name="connsiteX3" fmla="*/ 4972050 w 5078191"/>
+                <a:gd name="connsiteY3" fmla="*/ 324998 h 1296548"/>
+                <a:gd name="connsiteX4" fmla="*/ 3020785 w 5078191"/>
+                <a:gd name="connsiteY4" fmla="*/ 602583 h 1296548"/>
+                <a:gd name="connsiteX5" fmla="*/ 4898571 w 5078191"/>
+                <a:gd name="connsiteY5" fmla="*/ 684226 h 1296548"/>
+                <a:gd name="connsiteX6" fmla="*/ 3012621 w 5078191"/>
+                <a:gd name="connsiteY6" fmla="*/ 888333 h 1296548"/>
+                <a:gd name="connsiteX7" fmla="*/ 4947557 w 5078191"/>
+                <a:gd name="connsiteY7" fmla="*/ 1059783 h 1296548"/>
+                <a:gd name="connsiteX8" fmla="*/ 2963635 w 5078191"/>
+                <a:gd name="connsiteY8" fmla="*/ 1206741 h 1296548"/>
+                <a:gd name="connsiteX9" fmla="*/ 4955721 w 5078191"/>
+                <a:gd name="connsiteY9" fmla="*/ 1296548 h 1296548"/>
+                <a:gd name="connsiteX10" fmla="*/ 0 w 5078191"/>
+                <a:gd name="connsiteY10" fmla="*/ 1076112 h 1296548"/>
+              </a:gdLst>
+              <a:ahLst/>
+              <a:cxnLst>
+                <a:cxn ang="0">
+                  <a:pos x="connsiteX0" y="connsiteY0"/>
+                </a:cxn>
+                <a:cxn ang="0">
+                  <a:pos x="connsiteX1" y="connsiteY1"/>
+                </a:cxn>
+                <a:cxn ang="0">
+                  <a:pos x="connsiteX2" y="connsiteY2"/>
+                </a:cxn>
+                <a:cxn ang="0">
+                  <a:pos x="connsiteX3" y="connsiteY3"/>
+                </a:cxn>
+                <a:cxn ang="0">
+                  <a:pos x="connsiteX4" y="connsiteY4"/>
+                </a:cxn>
+                <a:cxn ang="0">
+                  <a:pos x="connsiteX5" y="connsiteY5"/>
+                </a:cxn>
+                <a:cxn ang="0">
+                  <a:pos x="connsiteX6" y="connsiteY6"/>
+                </a:cxn>
+                <a:cxn ang="0">
+                  <a:pos x="connsiteX7" y="connsiteY7"/>
+                </a:cxn>
+                <a:cxn ang="0">
+                  <a:pos x="connsiteX8" y="connsiteY8"/>
+                </a:cxn>
+                <a:cxn ang="0">
+                  <a:pos x="connsiteX9" y="connsiteY9"/>
+                </a:cxn>
+                <a:cxn ang="0">
+                  <a:pos x="connsiteX10" y="connsiteY10"/>
+                </a:cxn>
+              </a:cxnLst>
+              <a:rect l="l" t="t" r="r" b="b"/>
+              <a:pathLst>
+                <a:path w="5078191" h="1296548">
+                  <a:moveTo>
+                    <a:pt x="2979964" y="22919"/>
+                  </a:moveTo>
+                  <a:cubicBezTo>
+                    <a:pt x="4027033" y="1828"/>
+                    <a:pt x="5074103" y="-19263"/>
+                    <a:pt x="5078185" y="31083"/>
+                  </a:cubicBezTo>
+                  <a:cubicBezTo>
+                    <a:pt x="5082267" y="81429"/>
+                    <a:pt x="3022146" y="276012"/>
+                    <a:pt x="3004457" y="324998"/>
+                  </a:cubicBezTo>
+                  <a:cubicBezTo>
+                    <a:pt x="2986768" y="373984"/>
+                    <a:pt x="4969329" y="278734"/>
+                    <a:pt x="4972050" y="324998"/>
+                  </a:cubicBezTo>
+                  <a:cubicBezTo>
+                    <a:pt x="4974771" y="371262"/>
+                    <a:pt x="3033031" y="542712"/>
+                    <a:pt x="3020785" y="602583"/>
+                  </a:cubicBezTo>
+                  <a:cubicBezTo>
+                    <a:pt x="3008539" y="662454"/>
+                    <a:pt x="4899932" y="636601"/>
+                    <a:pt x="4898571" y="684226"/>
+                  </a:cubicBezTo>
+                  <a:cubicBezTo>
+                    <a:pt x="4897210" y="731851"/>
+                    <a:pt x="3004457" y="825740"/>
+                    <a:pt x="3012621" y="888333"/>
+                  </a:cubicBezTo>
+                  <a:cubicBezTo>
+                    <a:pt x="3020785" y="950926"/>
+                    <a:pt x="4955721" y="1006715"/>
+                    <a:pt x="4947557" y="1059783"/>
+                  </a:cubicBezTo>
+                  <a:cubicBezTo>
+                    <a:pt x="4939393" y="1112851"/>
+                    <a:pt x="2962274" y="1167280"/>
+                    <a:pt x="2963635" y="1206741"/>
+                  </a:cubicBezTo>
+                  <a:cubicBezTo>
+                    <a:pt x="2964996" y="1246202"/>
+                    <a:pt x="4955721" y="1296548"/>
+                    <a:pt x="4955721" y="1296548"/>
+                  </a:cubicBezTo>
+                  <a:lnTo>
+                    <a:pt x="0" y="1076112"/>
+                  </a:lnTo>
+                </a:path>
+              </a:pathLst>
+            </a:custGeom>
+            <a:noFill/>
+            <a:ln w="38100">
+              <a:solidFill>
+                <a:schemeClr val="tx1"/>
+              </a:solidFill>
+            </a:ln>
+          </p:spPr>
+          <p:style>
+            <a:lnRef idx="2">
+              <a:schemeClr val="accent1">
+                <a:shade val="50000"/>
+              </a:schemeClr>
+            </a:lnRef>
+            <a:fillRef idx="1">
+              <a:schemeClr val="accent1"/>
+            </a:fillRef>
+            <a:effectRef idx="0">
+              <a:schemeClr val="accent1"/>
+            </a:effectRef>
+            <a:fontRef idx="minor">
+              <a:schemeClr val="lt1"/>
+            </a:fontRef>
+          </p:style>
+          <p:txBody>
+            <a:bodyPr rtlCol="0" anchor="ctr"/>
+            <a:lstStyle/>
+            <a:p>
+              <a:pPr algn="ctr"/>
+              <a:endParaRPr lang="en-CA"/>
+            </a:p>
+          </p:txBody>
+        </p:sp>
+        <p:sp>
+          <p:nvSpPr>
+            <p:cNvPr id="10" name="Freeform 9"/>
+            <p:cNvSpPr/>
+            <p:nvPr/>
+          </p:nvSpPr>
+          <p:spPr>
+            <a:xfrm>
+              <a:off x="1134395" y="1752390"/>
+              <a:ext cx="4384662" cy="1221389"/>
+            </a:xfrm>
+            <a:custGeom>
+              <a:avLst/>
+              <a:gdLst>
+                <a:gd name="connsiteX0" fmla="*/ 4384662 w 4384662"/>
+                <a:gd name="connsiteY0" fmla="*/ 158053 h 1221389"/>
+                <a:gd name="connsiteX1" fmla="*/ 294355 w 4384662"/>
+                <a:gd name="connsiteY1" fmla="*/ 76410 h 1221389"/>
+                <a:gd name="connsiteX2" fmla="*/ 327012 w 4384662"/>
+                <a:gd name="connsiteY2" fmla="*/ 1113274 h 1221389"/>
+                <a:gd name="connsiteX3" fmla="*/ 351505 w 4384662"/>
+                <a:gd name="connsiteY3" fmla="*/ 1137767 h 1221389"/>
+              </a:gdLst>
+              <a:ahLst/>
+              <a:cxnLst>
+                <a:cxn ang="0">
+                  <a:pos x="connsiteX0" y="connsiteY0"/>
+                </a:cxn>
+                <a:cxn ang="0">
+                  <a:pos x="connsiteX1" y="connsiteY1"/>
+                </a:cxn>
+                <a:cxn ang="0">
+                  <a:pos x="connsiteX2" y="connsiteY2"/>
+                </a:cxn>
+                <a:cxn ang="0">
+                  <a:pos x="connsiteX3" y="connsiteY3"/>
+                </a:cxn>
+              </a:cxnLst>
+              <a:rect l="l" t="t" r="r" b="b"/>
+              <a:pathLst>
+                <a:path w="4384662" h="1221389">
+                  <a:moveTo>
+                    <a:pt x="4384662" y="158053"/>
+                  </a:moveTo>
+                  <a:cubicBezTo>
+                    <a:pt x="2677646" y="37630"/>
+                    <a:pt x="970630" y="-82793"/>
+                    <a:pt x="294355" y="76410"/>
+                  </a:cubicBezTo>
+                  <a:cubicBezTo>
+                    <a:pt x="-381920" y="235613"/>
+                    <a:pt x="317487" y="936381"/>
+                    <a:pt x="327012" y="1113274"/>
+                  </a:cubicBezTo>
+                  <a:cubicBezTo>
+                    <a:pt x="336537" y="1290167"/>
+                    <a:pt x="344021" y="1213967"/>
+                    <a:pt x="351505" y="1137767"/>
+                  </a:cubicBezTo>
+                </a:path>
+              </a:pathLst>
+            </a:custGeom>
+            <a:noFill/>
+            <a:ln w="38100">
+              <a:solidFill>
+                <a:schemeClr val="tx1"/>
+              </a:solidFill>
+            </a:ln>
+          </p:spPr>
+          <p:style>
+            <a:lnRef idx="2">
+              <a:schemeClr val="accent1">
+                <a:shade val="50000"/>
+              </a:schemeClr>
+            </a:lnRef>
+            <a:fillRef idx="1">
+              <a:schemeClr val="accent1"/>
+            </a:fillRef>
+            <a:effectRef idx="0">
+              <a:schemeClr val="accent1"/>
+            </a:effectRef>
+            <a:fontRef idx="minor">
+              <a:schemeClr val="lt1"/>
+            </a:fontRef>
+          </p:style>
+          <p:txBody>
+            <a:bodyPr rtlCol="0" anchor="ctr"/>
+            <a:lstStyle/>
+            <a:p>
+              <a:pPr algn="ctr"/>
+              <a:endParaRPr lang="en-CA"/>
+            </a:p>
+          </p:txBody>
+        </p:sp>
+        <p:cxnSp>
+          <p:nvCxnSpPr>
+            <p:cNvPr id="12" name="Straight Connector 11"/>
+            <p:cNvCxnSpPr>
+              <a:stCxn id="4" idx="6"/>
+            </p:cNvCxnSpPr>
+            <p:nvPr/>
+          </p:nvCxnSpPr>
+          <p:spPr>
+            <a:xfrm>
+              <a:off x="2174316" y="3465648"/>
+              <a:ext cx="2527167" cy="223422"/>
+            </a:xfrm>
+            <a:prstGeom prst="line">
+              <a:avLst/>
+            </a:prstGeom>
+            <a:ln w="38100">
+              <a:solidFill>
+                <a:schemeClr val="tx1"/>
+              </a:solidFill>
+            </a:ln>
+          </p:spPr>
+          <p:style>
+            <a:lnRef idx="1">
+              <a:schemeClr val="accent1"/>
+            </a:lnRef>
+            <a:fillRef idx="0">
+              <a:schemeClr val="accent1"/>
+            </a:fillRef>
+            <a:effectRef idx="0">
+              <a:schemeClr val="accent1"/>
+            </a:effectRef>
+            <a:fontRef idx="minor">
+              <a:schemeClr val="tx1"/>
+            </a:fontRef>
+          </p:style>
+        </p:cxnSp>
+        <mc:AlternateContent xmlns:mc="http://schemas.openxmlformats.org/markup-compatibility/2006">
+          <mc:Choice xmlns:a14="http://schemas.microsoft.com/office/drawing/2010/main" Requires="a14">
+            <p:sp>
+              <p:nvSpPr>
+                <p:cNvPr id="13" name="TextBox 12"/>
+                <p:cNvSpPr txBox="1"/>
+                <p:nvPr/>
+              </p:nvSpPr>
+              <p:spPr>
+                <a:xfrm>
+                  <a:off x="2611420" y="2209195"/>
+                  <a:ext cx="947503" cy="307777"/>
+                </a:xfrm>
+                <a:prstGeom prst="rect">
+                  <a:avLst/>
+                </a:prstGeom>
+                <a:noFill/>
+              </p:spPr>
+              <p:txBody>
+                <a:bodyPr wrap="none" lIns="0" tIns="0" rIns="0" bIns="0" rtlCol="0">
+                  <a:spAutoFit/>
+                </a:bodyPr>
+                <a:lstStyle/>
+                <a:p>
+                  <a14:m>
+                    <m:oMathPara xmlns:m="http://schemas.openxmlformats.org/officeDocument/2006/math">
+                      <m:oMathParaPr>
+                        <m:jc m:val="centerGroup"/>
+                      </m:oMathParaPr>
+                      <m:oMath xmlns:m="http://schemas.openxmlformats.org/officeDocument/2006/math">
+                        <m:r>
+                          <a:rPr lang="en-US" sz="2000" b="0" i="1" smtClean="0">
+                            <a:latin typeface="Cambria Math" panose="02040503050406030204" pitchFamily="18" charset="0"/>
+                            <a:cs typeface="Arial" panose="020B0604020202020204" pitchFamily="34" charset="0"/>
+                          </a:rPr>
+                          <m:t>𝑛𝑒𝑢𝑡𝑟𝑎𝑙</m:t>
+                        </m:r>
+                      </m:oMath>
+                    </m:oMathPara>
+                  </a14:m>
+                  <a:endParaRPr lang="en-CA" sz="2000" dirty="0" smtClean="0">
+                    <a:latin typeface="Arial" panose="020B0604020202020204" pitchFamily="34" charset="0"/>
+                    <a:cs typeface="Arial" panose="020B0604020202020204" pitchFamily="34" charset="0"/>
+                  </a:endParaRPr>
+                </a:p>
+              </p:txBody>
+            </p:sp>
+          </mc:Choice>
+          <mc:Fallback>
+            <p:sp>
+              <p:nvSpPr>
+                <p:cNvPr id="13" name="TextBox 12"/>
+                <p:cNvSpPr txBox="1">
+                  <a:spLocks noRot="1" noChangeAspect="1" noMove="1" noResize="1" noEditPoints="1" noAdjustHandles="1" noChangeArrowheads="1" noChangeShapeType="1" noTextEdit="1"/>
+                </p:cNvSpPr>
+                <p:nvPr/>
+              </p:nvSpPr>
+              <p:spPr>
+                <a:xfrm>
+                  <a:off x="2611420" y="2209195"/>
+                  <a:ext cx="947503" cy="307777"/>
+                </a:xfrm>
+                <a:prstGeom prst="rect">
+                  <a:avLst/>
+                </a:prstGeom>
+                <a:blipFill rotWithShape="0">
+                  <a:blip r:embed="rId2"/>
+                  <a:stretch>
+                    <a:fillRect l="-5769" r="-4487" b="-9804"/>
+                  </a:stretch>
+                </a:blipFill>
+              </p:spPr>
+              <p:txBody>
+                <a:bodyPr/>
+                <a:lstStyle/>
+                <a:p>
+                  <a:r>
+                    <a:rPr lang="en-CA">
+                      <a:noFill/>
+                    </a:rPr>
+                    <a:t> </a:t>
+                  </a:r>
+                </a:p>
+              </p:txBody>
+            </p:sp>
+          </mc:Fallback>
+        </mc:AlternateContent>
+        <mc:AlternateContent xmlns:mc="http://schemas.openxmlformats.org/markup-compatibility/2006">
+          <mc:Choice xmlns:a14="http://schemas.microsoft.com/office/drawing/2010/main" Requires="a14">
+            <p:sp>
+              <p:nvSpPr>
+                <p:cNvPr id="14" name="TextBox 13"/>
+                <p:cNvSpPr txBox="1"/>
+                <p:nvPr/>
+              </p:nvSpPr>
+              <p:spPr>
+                <a:xfrm>
+                  <a:off x="380343" y="2775230"/>
+                  <a:ext cx="505779" cy="307777"/>
+                </a:xfrm>
+                <a:prstGeom prst="rect">
+                  <a:avLst/>
+                </a:prstGeom>
+                <a:noFill/>
+              </p:spPr>
+              <p:txBody>
+                <a:bodyPr wrap="none" lIns="0" tIns="0" rIns="0" bIns="0" rtlCol="0">
+                  <a:spAutoFit/>
+                </a:bodyPr>
+                <a:lstStyle/>
+                <a:p>
+                  <a14:m>
+                    <m:oMathPara xmlns:m="http://schemas.openxmlformats.org/officeDocument/2006/math">
+                      <m:oMathParaPr>
+                        <m:jc m:val="centerGroup"/>
+                      </m:oMathParaPr>
+                      <m:oMath xmlns:m="http://schemas.openxmlformats.org/officeDocument/2006/math">
+                        <m:r>
+                          <a:rPr lang="en-US" sz="2000" b="0" i="1" smtClean="0">
+                            <a:latin typeface="Cambria Math" panose="02040503050406030204" pitchFamily="18" charset="0"/>
+                            <a:cs typeface="Arial" panose="020B0604020202020204" pitchFamily="34" charset="0"/>
+                          </a:rPr>
+                          <m:t>𝑙𝑖𝑣𝑒</m:t>
+                        </m:r>
+                      </m:oMath>
+                    </m:oMathPara>
+                  </a14:m>
+                  <a:endParaRPr lang="en-CA" sz="2000" dirty="0" smtClean="0">
+                    <a:latin typeface="Arial" panose="020B0604020202020204" pitchFamily="34" charset="0"/>
+                    <a:cs typeface="Arial" panose="020B0604020202020204" pitchFamily="34" charset="0"/>
+                  </a:endParaRPr>
+                </a:p>
+              </p:txBody>
+            </p:sp>
+          </mc:Choice>
+          <mc:Fallback>
+            <p:sp>
+              <p:nvSpPr>
+                <p:cNvPr id="14" name="TextBox 13"/>
+                <p:cNvSpPr txBox="1">
+                  <a:spLocks noRot="1" noChangeAspect="1" noMove="1" noResize="1" noEditPoints="1" noAdjustHandles="1" noChangeArrowheads="1" noChangeShapeType="1" noTextEdit="1"/>
+                </p:cNvSpPr>
+                <p:nvPr/>
+              </p:nvSpPr>
+              <p:spPr>
+                <a:xfrm>
+                  <a:off x="380343" y="2775230"/>
+                  <a:ext cx="505779" cy="307777"/>
+                </a:xfrm>
+                <a:prstGeom prst="rect">
+                  <a:avLst/>
+                </a:prstGeom>
+                <a:blipFill rotWithShape="0">
+                  <a:blip r:embed="rId3"/>
+                  <a:stretch>
+                    <a:fillRect l="-10843" r="-9639" b="-9804"/>
+                  </a:stretch>
+                </a:blipFill>
+              </p:spPr>
+              <p:txBody>
+                <a:bodyPr/>
+                <a:lstStyle/>
+                <a:p>
+                  <a:r>
+                    <a:rPr lang="en-CA">
+                      <a:noFill/>
+                    </a:rPr>
+                    <a:t> </a:t>
+                  </a:r>
+                </a:p>
+              </p:txBody>
+            </p:sp>
+          </mc:Fallback>
+        </mc:AlternateContent>
+        <mc:AlternateContent xmlns:mc="http://schemas.openxmlformats.org/markup-compatibility/2006">
+          <mc:Choice xmlns:a14="http://schemas.microsoft.com/office/drawing/2010/main" Requires="a14">
+            <p:sp>
+              <p:nvSpPr>
+                <p:cNvPr id="15" name="TextBox 14"/>
+                <p:cNvSpPr txBox="1"/>
+                <p:nvPr/>
+              </p:nvSpPr>
+              <p:spPr>
+                <a:xfrm>
+                  <a:off x="1663917" y="3689070"/>
+                  <a:ext cx="2146678" cy="307777"/>
+                </a:xfrm>
+                <a:prstGeom prst="rect">
+                  <a:avLst/>
+                </a:prstGeom>
+                <a:noFill/>
+              </p:spPr>
+              <p:txBody>
+                <a:bodyPr wrap="none" lIns="0" tIns="0" rIns="0" bIns="0" rtlCol="0">
+                  <a:spAutoFit/>
+                </a:bodyPr>
+                <a:lstStyle/>
+                <a:p>
+                  <a14:m>
+                    <m:oMathPara xmlns:m="http://schemas.openxmlformats.org/officeDocument/2006/math">
+                      <m:oMathParaPr>
+                        <m:jc m:val="centerGroup"/>
+                      </m:oMathParaPr>
+                      <m:oMath xmlns:m="http://schemas.openxmlformats.org/officeDocument/2006/math">
+                        <m:r>
+                          <a:rPr lang="en-US" sz="2000" b="0" i="1" smtClean="0">
+                            <a:latin typeface="Cambria Math" panose="02040503050406030204" pitchFamily="18" charset="0"/>
+                            <a:cs typeface="Arial" panose="020B0604020202020204" pitchFamily="34" charset="0"/>
+                          </a:rPr>
+                          <m:t>𝑑𝑒𝑑𝑖𝑐𝑎𝑡𝑒𝑑</m:t>
+                        </m:r>
+                        <m:r>
+                          <a:rPr lang="en-US" sz="2000" b="0" i="1" smtClean="0">
+                            <a:latin typeface="Cambria Math" panose="02040503050406030204" pitchFamily="18" charset="0"/>
+                            <a:cs typeface="Arial" panose="020B0604020202020204" pitchFamily="34" charset="0"/>
+                          </a:rPr>
+                          <m:t> </m:t>
+                        </m:r>
+                        <m:r>
+                          <a:rPr lang="en-US" sz="2000" b="0" i="1" smtClean="0">
+                            <a:latin typeface="Cambria Math" panose="02040503050406030204" pitchFamily="18" charset="0"/>
+                            <a:cs typeface="Arial" panose="020B0604020202020204" pitchFamily="34" charset="0"/>
+                          </a:rPr>
+                          <m:t>𝑔𝑟𝑜𝑢𝑛𝑑</m:t>
+                        </m:r>
+                      </m:oMath>
+                    </m:oMathPara>
+                  </a14:m>
+                  <a:endParaRPr lang="en-CA" sz="2000" dirty="0" smtClean="0">
+                    <a:latin typeface="Arial" panose="020B0604020202020204" pitchFamily="34" charset="0"/>
+                    <a:cs typeface="Arial" panose="020B0604020202020204" pitchFamily="34" charset="0"/>
+                  </a:endParaRPr>
+                </a:p>
+              </p:txBody>
+            </p:sp>
+          </mc:Choice>
+          <mc:Fallback>
+            <p:sp>
+              <p:nvSpPr>
+                <p:cNvPr id="15" name="TextBox 14"/>
+                <p:cNvSpPr txBox="1">
+                  <a:spLocks noRot="1" noChangeAspect="1" noMove="1" noResize="1" noEditPoints="1" noAdjustHandles="1" noChangeArrowheads="1" noChangeShapeType="1" noTextEdit="1"/>
+                </p:cNvSpPr>
+                <p:nvPr/>
+              </p:nvSpPr>
+              <p:spPr>
+                <a:xfrm>
+                  <a:off x="1663917" y="3689070"/>
+                  <a:ext cx="2146678" cy="307777"/>
+                </a:xfrm>
+                <a:prstGeom prst="rect">
+                  <a:avLst/>
+                </a:prstGeom>
+                <a:blipFill rotWithShape="0">
+                  <a:blip r:embed="rId4"/>
+                  <a:stretch>
+                    <a:fillRect l="-2273" r="-3125" b="-37255"/>
+                  </a:stretch>
+                </a:blipFill>
+              </p:spPr>
+              <p:txBody>
+                <a:bodyPr/>
+                <a:lstStyle/>
+                <a:p>
+                  <a:r>
+                    <a:rPr lang="en-CA">
+                      <a:noFill/>
+                    </a:rPr>
+                    <a:t> </a:t>
+                  </a:r>
+                </a:p>
+              </p:txBody>
+            </p:sp>
+          </mc:Fallback>
+        </mc:AlternateContent>
+        <mc:AlternateContent xmlns:mc="http://schemas.openxmlformats.org/markup-compatibility/2006">
+          <mc:Choice xmlns:a14="http://schemas.microsoft.com/office/drawing/2010/main" Requires="a14">
+            <p:sp>
+              <p:nvSpPr>
+                <p:cNvPr id="16" name="TextBox 15"/>
+                <p:cNvSpPr txBox="1"/>
+                <p:nvPr/>
+              </p:nvSpPr>
+              <p:spPr>
+                <a:xfrm>
+                  <a:off x="5335952" y="3351587"/>
+                  <a:ext cx="2241704" cy="307777"/>
+                </a:xfrm>
+                <a:prstGeom prst="rect">
+                  <a:avLst/>
+                </a:prstGeom>
+                <a:noFill/>
+              </p:spPr>
+              <p:txBody>
+                <a:bodyPr wrap="none" lIns="0" tIns="0" rIns="0" bIns="0" rtlCol="0">
+                  <a:spAutoFit/>
+                </a:bodyPr>
+                <a:lstStyle/>
+                <a:p>
+                  <a14:m>
+                    <m:oMathPara xmlns:m="http://schemas.openxmlformats.org/officeDocument/2006/math">
+                      <m:oMathParaPr>
+                        <m:jc m:val="centerGroup"/>
+                      </m:oMathParaPr>
+                      <m:oMath xmlns:m="http://schemas.openxmlformats.org/officeDocument/2006/math">
+                        <m:r>
+                          <a:rPr lang="en-US" sz="2000" b="0" i="1" smtClean="0">
+                            <a:latin typeface="Cambria Math" panose="02040503050406030204" pitchFamily="18" charset="0"/>
+                            <a:cs typeface="Arial" panose="020B0604020202020204" pitchFamily="34" charset="0"/>
+                          </a:rPr>
+                          <m:t>𝑇𝑜𝑎𝑠𝑡</m:t>
+                        </m:r>
+                        <m:r>
+                          <a:rPr lang="en-US" sz="2000" b="0" i="1" smtClean="0">
+                            <a:latin typeface="Cambria Math" panose="02040503050406030204" pitchFamily="18" charset="0"/>
+                            <a:cs typeface="Arial" panose="020B0604020202020204" pitchFamily="34" charset="0"/>
+                          </a:rPr>
+                          <m:t> </m:t>
+                        </m:r>
+                        <m:r>
+                          <a:rPr lang="en-US" sz="2000" b="0" i="1" smtClean="0">
+                            <a:latin typeface="Cambria Math" panose="02040503050406030204" pitchFamily="18" charset="0"/>
+                            <a:cs typeface="Arial" panose="020B0604020202020204" pitchFamily="34" charset="0"/>
+                          </a:rPr>
+                          <m:t>𝑚𝑎𝑠𝑡𝑒𝑟</m:t>
+                        </m:r>
+                        <m:r>
+                          <a:rPr lang="en-US" sz="2000" b="0" i="1" smtClean="0">
+                            <a:latin typeface="Cambria Math" panose="02040503050406030204" pitchFamily="18" charset="0"/>
+                            <a:cs typeface="Arial" panose="020B0604020202020204" pitchFamily="34" charset="0"/>
+                          </a:rPr>
+                          <m:t> 2000</m:t>
+                        </m:r>
+                      </m:oMath>
+                    </m:oMathPara>
+                  </a14:m>
+                  <a:endParaRPr lang="en-CA" sz="2000" dirty="0" smtClean="0">
+                    <a:latin typeface="Arial" panose="020B0604020202020204" pitchFamily="34" charset="0"/>
+                    <a:cs typeface="Arial" panose="020B0604020202020204" pitchFamily="34" charset="0"/>
+                  </a:endParaRPr>
+                </a:p>
+              </p:txBody>
+            </p:sp>
+          </mc:Choice>
+          <mc:Fallback>
+            <p:sp>
+              <p:nvSpPr>
+                <p:cNvPr id="16" name="TextBox 15"/>
+                <p:cNvSpPr txBox="1">
+                  <a:spLocks noRot="1" noChangeAspect="1" noMove="1" noResize="1" noEditPoints="1" noAdjustHandles="1" noChangeArrowheads="1" noChangeShapeType="1" noTextEdit="1"/>
+                </p:cNvSpPr>
+                <p:nvPr/>
+              </p:nvSpPr>
+              <p:spPr>
+                <a:xfrm>
+                  <a:off x="5335952" y="3351587"/>
+                  <a:ext cx="2241704" cy="307777"/>
+                </a:xfrm>
+                <a:prstGeom prst="rect">
+                  <a:avLst/>
+                </a:prstGeom>
+                <a:blipFill rotWithShape="0">
+                  <a:blip r:embed="rId5"/>
+                  <a:stretch>
+                    <a:fillRect l="-1902" r="-1902" b="-10000"/>
+                  </a:stretch>
+                </a:blipFill>
+              </p:spPr>
+              <p:txBody>
+                <a:bodyPr/>
+                <a:lstStyle/>
+                <a:p>
+                  <a:r>
+                    <a:rPr lang="en-CA">
+                      <a:noFill/>
+                    </a:rPr>
+                    <a:t> </a:t>
+                  </a:r>
+                </a:p>
+              </p:txBody>
+            </p:sp>
+          </mc:Fallback>
+        </mc:AlternateContent>
+      </p:grpSp>
     </p:spTree>
     <p:extLst>
       <p:ext uri="{BB962C8B-B14F-4D97-AF65-F5344CB8AC3E}">

--- a/tex/figures/Current/Figures.pptx
+++ b/tex/figures/Current/Figures.pptx
@@ -201,7 +201,7 @@
           <a:p>
             <a:fld id="{FA15A6B2-55AC-CD4B-A1E6-BB01091FE9DC}" type="datetimeFigureOut">
               <a:rPr lang="en-US" smtClean="0"/>
-              <a:t>6/24/2019</a:t>
+              <a:t>6/25/2019</a:t>
             </a:fld>
             <a:endParaRPr lang="en-US"/>
           </a:p>
@@ -600,7 +600,7 @@
           <a:p>
             <a:fld id="{F7249F8D-641B-4CAF-BAE5-10524742F6F1}" type="datetimeFigureOut">
               <a:rPr lang="en-CA" smtClean="0"/>
-              <a:t>2019-06-24</a:t>
+              <a:t>2019-06-25</a:t>
             </a:fld>
             <a:endParaRPr lang="en-CA"/>
           </a:p>
@@ -770,7 +770,7 @@
           <a:p>
             <a:fld id="{F7249F8D-641B-4CAF-BAE5-10524742F6F1}" type="datetimeFigureOut">
               <a:rPr lang="en-CA" smtClean="0"/>
-              <a:t>2019-06-24</a:t>
+              <a:t>2019-06-25</a:t>
             </a:fld>
             <a:endParaRPr lang="en-CA"/>
           </a:p>
@@ -950,7 +950,7 @@
           <a:p>
             <a:fld id="{F7249F8D-641B-4CAF-BAE5-10524742F6F1}" type="datetimeFigureOut">
               <a:rPr lang="en-CA" smtClean="0"/>
-              <a:t>2019-06-24</a:t>
+              <a:t>2019-06-25</a:t>
             </a:fld>
             <a:endParaRPr lang="en-CA"/>
           </a:p>
@@ -1120,7 +1120,7 @@
           <a:p>
             <a:fld id="{F7249F8D-641B-4CAF-BAE5-10524742F6F1}" type="datetimeFigureOut">
               <a:rPr lang="en-CA" smtClean="0"/>
-              <a:t>2019-06-24</a:t>
+              <a:t>2019-06-25</a:t>
             </a:fld>
             <a:endParaRPr lang="en-CA"/>
           </a:p>
@@ -1366,7 +1366,7 @@
           <a:p>
             <a:fld id="{F7249F8D-641B-4CAF-BAE5-10524742F6F1}" type="datetimeFigureOut">
               <a:rPr lang="en-CA" smtClean="0"/>
-              <a:t>2019-06-24</a:t>
+              <a:t>2019-06-25</a:t>
             </a:fld>
             <a:endParaRPr lang="en-CA"/>
           </a:p>
@@ -1598,7 +1598,7 @@
           <a:p>
             <a:fld id="{F7249F8D-641B-4CAF-BAE5-10524742F6F1}" type="datetimeFigureOut">
               <a:rPr lang="en-CA" smtClean="0"/>
-              <a:t>2019-06-24</a:t>
+              <a:t>2019-06-25</a:t>
             </a:fld>
             <a:endParaRPr lang="en-CA"/>
           </a:p>
@@ -1965,7 +1965,7 @@
           <a:p>
             <a:fld id="{F7249F8D-641B-4CAF-BAE5-10524742F6F1}" type="datetimeFigureOut">
               <a:rPr lang="en-CA" smtClean="0"/>
-              <a:t>2019-06-24</a:t>
+              <a:t>2019-06-25</a:t>
             </a:fld>
             <a:endParaRPr lang="en-CA"/>
           </a:p>
@@ -2083,7 +2083,7 @@
           <a:p>
             <a:fld id="{F7249F8D-641B-4CAF-BAE5-10524742F6F1}" type="datetimeFigureOut">
               <a:rPr lang="en-CA" smtClean="0"/>
-              <a:t>2019-06-24</a:t>
+              <a:t>2019-06-25</a:t>
             </a:fld>
             <a:endParaRPr lang="en-CA"/>
           </a:p>
@@ -2178,7 +2178,7 @@
           <a:p>
             <a:fld id="{F7249F8D-641B-4CAF-BAE5-10524742F6F1}" type="datetimeFigureOut">
               <a:rPr lang="en-CA" smtClean="0"/>
-              <a:t>2019-06-24</a:t>
+              <a:t>2019-06-25</a:t>
             </a:fld>
             <a:endParaRPr lang="en-CA"/>
           </a:p>
@@ -2455,7 +2455,7 @@
           <a:p>
             <a:fld id="{F7249F8D-641B-4CAF-BAE5-10524742F6F1}" type="datetimeFigureOut">
               <a:rPr lang="en-CA" smtClean="0"/>
-              <a:t>2019-06-24</a:t>
+              <a:t>2019-06-25</a:t>
             </a:fld>
             <a:endParaRPr lang="en-CA"/>
           </a:p>
@@ -2708,7 +2708,7 @@
           <a:p>
             <a:fld id="{F7249F8D-641B-4CAF-BAE5-10524742F6F1}" type="datetimeFigureOut">
               <a:rPr lang="en-CA" smtClean="0"/>
-              <a:t>2019-06-24</a:t>
+              <a:t>2019-06-25</a:t>
             </a:fld>
             <a:endParaRPr lang="en-CA"/>
           </a:p>
@@ -2921,7 +2921,7 @@
           <a:p>
             <a:fld id="{F7249F8D-641B-4CAF-BAE5-10524742F6F1}" type="datetimeFigureOut">
               <a:rPr lang="en-CA" smtClean="0"/>
-              <a:t>2019-06-24</a:t>
+              <a:t>2019-06-25</a:t>
             </a:fld>
             <a:endParaRPr lang="en-CA"/>
           </a:p>
@@ -9406,8 +9406,8 @@
           </a:p>
         </p:txBody>
       </p:sp>
-      <mc:AlternateContent xmlns:mc="http://schemas.openxmlformats.org/markup-compatibility/2006">
-        <mc:Choice xmlns:a14="http://schemas.microsoft.com/office/drawing/2010/main" Requires="a14">
+      <mc:AlternateContent xmlns:mc="http://schemas.openxmlformats.org/markup-compatibility/2006" xmlns:a14="http://schemas.microsoft.com/office/drawing/2010/main">
+        <mc:Choice Requires="a14">
           <p:sp>
             <p:nvSpPr>
               <p:cNvPr id="145" name="TextBox 144"/>
@@ -9455,7 +9455,7 @@
             </p:txBody>
           </p:sp>
         </mc:Choice>
-        <mc:Fallback>
+        <mc:Fallback xmlns="">
           <p:sp>
             <p:nvSpPr>
               <p:cNvPr id="145" name="TextBox 144"/>
@@ -13289,8 +13289,8 @@
               </a:p>
             </p:txBody>
           </p:sp>
-          <mc:AlternateContent xmlns:mc="http://schemas.openxmlformats.org/markup-compatibility/2006">
-            <mc:Choice xmlns:a14="http://schemas.microsoft.com/office/drawing/2010/main" Requires="a14">
+          <mc:AlternateContent xmlns:mc="http://schemas.openxmlformats.org/markup-compatibility/2006" xmlns:a14="http://schemas.microsoft.com/office/drawing/2010/main">
+            <mc:Choice Requires="a14">
               <p:sp>
                 <p:nvSpPr>
                   <p:cNvPr id="4" name="Rectangle 3"/>
@@ -13379,7 +13379,7 @@
                 </p:txBody>
               </p:sp>
             </mc:Choice>
-            <mc:Fallback>
+            <mc:Fallback xmlns="">
               <p:sp>
                 <p:nvSpPr>
                   <p:cNvPr id="4" name="Rectangle 3"/>
@@ -13455,8 +13455,8 @@
               </a:fontRef>
             </p:style>
           </p:cxnSp>
-          <mc:AlternateContent xmlns:mc="http://schemas.openxmlformats.org/markup-compatibility/2006">
-            <mc:Choice xmlns:a14="http://schemas.microsoft.com/office/drawing/2010/main" Requires="a14">
+          <mc:AlternateContent xmlns:mc="http://schemas.openxmlformats.org/markup-compatibility/2006" xmlns:a14="http://schemas.microsoft.com/office/drawing/2010/main">
+            <mc:Choice Requires="a14">
               <p:sp>
                 <p:nvSpPr>
                   <p:cNvPr id="6" name="Rectangle 5"/>
@@ -13499,7 +13499,7 @@
                 </p:txBody>
               </p:sp>
             </mc:Choice>
-            <mc:Fallback>
+            <mc:Fallback xmlns="">
               <p:sp>
                 <p:nvSpPr>
                   <p:cNvPr id="6" name="Rectangle 5"/>
@@ -13538,8 +13538,8 @@
               </p:sp>
             </mc:Fallback>
           </mc:AlternateContent>
-          <mc:AlternateContent xmlns:mc="http://schemas.openxmlformats.org/markup-compatibility/2006">
-            <mc:Choice xmlns:a14="http://schemas.microsoft.com/office/drawing/2010/main" Requires="a14">
+          <mc:AlternateContent xmlns:mc="http://schemas.openxmlformats.org/markup-compatibility/2006" xmlns:a14="http://schemas.microsoft.com/office/drawing/2010/main">
+            <mc:Choice Requires="a14">
               <p:sp>
                 <p:nvSpPr>
                   <p:cNvPr id="7" name="Rectangle 6"/>
@@ -13629,7 +13629,7 @@
                 </p:txBody>
               </p:sp>
             </mc:Choice>
-            <mc:Fallback>
+            <mc:Fallback xmlns="">
               <p:sp>
                 <p:nvSpPr>
                   <p:cNvPr id="7" name="Rectangle 6"/>
@@ -16238,8 +16238,8 @@
             </a:p>
           </p:txBody>
         </p:sp>
-        <mc:AlternateContent xmlns:mc="http://schemas.openxmlformats.org/markup-compatibility/2006">
-          <mc:Choice xmlns:a14="http://schemas.microsoft.com/office/drawing/2010/main" Requires="a14">
+        <mc:AlternateContent xmlns:mc="http://schemas.openxmlformats.org/markup-compatibility/2006" xmlns:a14="http://schemas.microsoft.com/office/drawing/2010/main">
+          <mc:Choice Requires="a14">
             <p:sp>
               <p:nvSpPr>
                 <p:cNvPr id="239" name="Rectangle 238"/>
@@ -16282,7 +16282,7 @@
               </p:txBody>
             </p:sp>
           </mc:Choice>
-          <mc:Fallback>
+          <mc:Fallback xmlns="">
             <p:sp>
               <p:nvSpPr>
                 <p:cNvPr id="239" name="Rectangle 238"/>
@@ -16321,8 +16321,8 @@
             </p:sp>
           </mc:Fallback>
         </mc:AlternateContent>
-        <mc:AlternateContent xmlns:mc="http://schemas.openxmlformats.org/markup-compatibility/2006">
-          <mc:Choice xmlns:a14="http://schemas.microsoft.com/office/drawing/2010/main" Requires="a14">
+        <mc:AlternateContent xmlns:mc="http://schemas.openxmlformats.org/markup-compatibility/2006" xmlns:a14="http://schemas.microsoft.com/office/drawing/2010/main">
+          <mc:Choice Requires="a14">
             <p:sp>
               <p:nvSpPr>
                 <p:cNvPr id="248" name="TextBox 247"/>
@@ -16383,7 +16383,7 @@
               </p:txBody>
             </p:sp>
           </mc:Choice>
-          <mc:Fallback>
+          <mc:Fallback xmlns="">
             <p:sp>
               <p:nvSpPr>
                 <p:cNvPr id="248" name="TextBox 247"/>
@@ -16507,8 +16507,8 @@
             </a:fontRef>
           </p:style>
         </p:cxnSp>
-        <mc:AlternateContent xmlns:mc="http://schemas.openxmlformats.org/markup-compatibility/2006">
-          <mc:Choice xmlns:a14="http://schemas.microsoft.com/office/drawing/2010/main" Requires="a14">
+        <mc:AlternateContent xmlns:mc="http://schemas.openxmlformats.org/markup-compatibility/2006" xmlns:a14="http://schemas.microsoft.com/office/drawing/2010/main">
+          <mc:Choice Requires="a14">
             <p:sp>
               <p:nvSpPr>
                 <p:cNvPr id="251" name="TextBox 250"/>
@@ -16580,7 +16580,7 @@
               </p:txBody>
             </p:sp>
           </mc:Choice>
-          <mc:Fallback>
+          <mc:Fallback xmlns="">
             <p:sp>
               <p:nvSpPr>
                 <p:cNvPr id="251" name="TextBox 250"/>
@@ -16655,8 +16655,8 @@
             </a:fontRef>
           </p:style>
         </p:cxnSp>
-        <mc:AlternateContent xmlns:mc="http://schemas.openxmlformats.org/markup-compatibility/2006">
-          <mc:Choice xmlns:a14="http://schemas.microsoft.com/office/drawing/2010/main" Requires="a14">
+        <mc:AlternateContent xmlns:mc="http://schemas.openxmlformats.org/markup-compatibility/2006" xmlns:a14="http://schemas.microsoft.com/office/drawing/2010/main">
+          <mc:Choice Requires="a14">
             <p:sp>
               <p:nvSpPr>
                 <p:cNvPr id="252" name="TextBox 251"/>
@@ -16704,7 +16704,7 @@
               </p:txBody>
             </p:sp>
           </mc:Choice>
-          <mc:Fallback>
+          <mc:Fallback xmlns="">
             <p:sp>
               <p:nvSpPr>
                 <p:cNvPr id="252" name="TextBox 251"/>
@@ -16743,8 +16743,8 @@
             </p:sp>
           </mc:Fallback>
         </mc:AlternateContent>
-        <mc:AlternateContent xmlns:mc="http://schemas.openxmlformats.org/markup-compatibility/2006">
-          <mc:Choice xmlns:a14="http://schemas.microsoft.com/office/drawing/2010/main" Requires="a14">
+        <mc:AlternateContent xmlns:mc="http://schemas.openxmlformats.org/markup-compatibility/2006" xmlns:a14="http://schemas.microsoft.com/office/drawing/2010/main">
+          <mc:Choice Requires="a14">
             <p:sp>
               <p:nvSpPr>
                 <p:cNvPr id="253" name="TextBox 252"/>
@@ -16792,7 +16792,7 @@
               </p:txBody>
             </p:sp>
           </mc:Choice>
-          <mc:Fallback>
+          <mc:Fallback xmlns="">
             <p:sp>
               <p:nvSpPr>
                 <p:cNvPr id="253" name="TextBox 252"/>
@@ -20016,8 +20016,8 @@
               </p:txBody>
             </p:sp>
           </p:grpSp>
-          <mc:AlternateContent xmlns:mc="http://schemas.openxmlformats.org/markup-compatibility/2006">
-            <mc:Choice xmlns:a14="http://schemas.microsoft.com/office/drawing/2010/main" Requires="a14">
+          <mc:AlternateContent xmlns:mc="http://schemas.openxmlformats.org/markup-compatibility/2006" xmlns:a14="http://schemas.microsoft.com/office/drawing/2010/main">
+            <mc:Choice Requires="a14">
               <p:sp>
                 <p:nvSpPr>
                   <p:cNvPr id="17" name="TextBox 42"/>
@@ -20180,7 +20180,7 @@
                 </p:txBody>
               </p:sp>
             </mc:Choice>
-            <mc:Fallback>
+            <mc:Fallback xmlns="">
               <p:sp>
                 <p:nvSpPr>
                   <p:cNvPr id="17" name="TextBox 42"/>
@@ -20219,8 +20219,8 @@
               </p:sp>
             </mc:Fallback>
           </mc:AlternateContent>
-          <mc:AlternateContent xmlns:mc="http://schemas.openxmlformats.org/markup-compatibility/2006">
-            <mc:Choice xmlns:a14="http://schemas.microsoft.com/office/drawing/2010/main" Requires="a14">
+          <mc:AlternateContent xmlns:mc="http://schemas.openxmlformats.org/markup-compatibility/2006" xmlns:a14="http://schemas.microsoft.com/office/drawing/2010/main">
+            <mc:Choice Requires="a14">
               <p:sp>
                 <p:nvSpPr>
                   <p:cNvPr id="18" name="TextBox 43"/>
@@ -20383,7 +20383,7 @@
                 </p:txBody>
               </p:sp>
             </mc:Choice>
-            <mc:Fallback>
+            <mc:Fallback xmlns="">
               <p:sp>
                 <p:nvSpPr>
                   <p:cNvPr id="18" name="TextBox 43"/>
@@ -20422,8 +20422,8 @@
               </p:sp>
             </mc:Fallback>
           </mc:AlternateContent>
-          <mc:AlternateContent xmlns:mc="http://schemas.openxmlformats.org/markup-compatibility/2006">
-            <mc:Choice xmlns:a14="http://schemas.microsoft.com/office/drawing/2010/main" Requires="a14">
+          <mc:AlternateContent xmlns:mc="http://schemas.openxmlformats.org/markup-compatibility/2006" xmlns:a14="http://schemas.microsoft.com/office/drawing/2010/main">
+            <mc:Choice Requires="a14">
               <p:sp>
                 <p:nvSpPr>
                   <p:cNvPr id="19" name="TextBox 44"/>
@@ -20586,7 +20586,7 @@
                 </p:txBody>
               </p:sp>
             </mc:Choice>
-            <mc:Fallback>
+            <mc:Fallback xmlns="">
               <p:sp>
                 <p:nvSpPr>
                   <p:cNvPr id="19" name="TextBox 44"/>
@@ -20626,8 +20626,8 @@
             </mc:Fallback>
           </mc:AlternateContent>
         </p:grpSp>
-        <mc:AlternateContent xmlns:mc="http://schemas.openxmlformats.org/markup-compatibility/2006">
-          <mc:Choice xmlns:a14="http://schemas.microsoft.com/office/drawing/2010/main" Requires="a14">
+        <mc:AlternateContent xmlns:mc="http://schemas.openxmlformats.org/markup-compatibility/2006" xmlns:a14="http://schemas.microsoft.com/office/drawing/2010/main">
+          <mc:Choice Requires="a14">
             <p:sp>
               <p:nvSpPr>
                 <p:cNvPr id="35" name="TextBox 44"/>
@@ -20790,7 +20790,7 @@
               </p:txBody>
             </p:sp>
           </mc:Choice>
-          <mc:Fallback>
+          <mc:Fallback xmlns="">
             <p:sp>
               <p:nvSpPr>
                 <p:cNvPr id="35" name="TextBox 44"/>
@@ -20829,8 +20829,8 @@
             </p:sp>
           </mc:Fallback>
         </mc:AlternateContent>
-        <mc:AlternateContent xmlns:mc="http://schemas.openxmlformats.org/markup-compatibility/2006">
-          <mc:Choice xmlns:a14="http://schemas.microsoft.com/office/drawing/2010/main" Requires="a14">
+        <mc:AlternateContent xmlns:mc="http://schemas.openxmlformats.org/markup-compatibility/2006" xmlns:a14="http://schemas.microsoft.com/office/drawing/2010/main">
+          <mc:Choice Requires="a14">
             <p:sp>
               <p:nvSpPr>
                 <p:cNvPr id="37" name="TextBox 36"/>
@@ -20853,6 +20853,7 @@
                 </a:bodyPr>
                 <a:lstStyle/>
                 <a:p>
+                  <a:pPr/>
                   <a14:m>
                     <m:oMathPara xmlns:m="http://schemas.openxmlformats.org/officeDocument/2006/math">
                       <m:oMathParaPr>
@@ -20877,7 +20878,7 @@
               </p:txBody>
             </p:sp>
           </mc:Choice>
-          <mc:Fallback>
+          <mc:Fallback xmlns="">
             <p:sp>
               <p:nvSpPr>
                 <p:cNvPr id="37" name="TextBox 36"/>
@@ -21200,8 +21201,8 @@
                 </a:fontRef>
               </p:style>
             </p:cxnSp>
-            <mc:AlternateContent xmlns:mc="http://schemas.openxmlformats.org/markup-compatibility/2006">
-              <mc:Choice xmlns:a14="http://schemas.microsoft.com/office/drawing/2010/main" Requires="a14">
+            <mc:AlternateContent xmlns:mc="http://schemas.openxmlformats.org/markup-compatibility/2006" xmlns:a14="http://schemas.microsoft.com/office/drawing/2010/main">
+              <mc:Choice Requires="a14">
                 <p:sp>
                   <p:nvSpPr>
                     <p:cNvPr id="62" name="TextBox 61"/>
@@ -21224,6 +21225,7 @@
                     </a:bodyPr>
                     <a:lstStyle/>
                     <a:p>
+                      <a:pPr/>
                       <a14:m>
                         <m:oMathPara xmlns:m="http://schemas.openxmlformats.org/officeDocument/2006/math">
                           <m:oMathParaPr>
@@ -21290,7 +21292,7 @@
                   </p:txBody>
                 </p:sp>
               </mc:Choice>
-              <mc:Fallback>
+              <mc:Fallback xmlns="">
                 <p:sp>
                   <p:nvSpPr>
                     <p:cNvPr id="62" name="TextBox 61"/>
@@ -21366,8 +21368,8 @@
                 </a:fontRef>
               </p:style>
             </p:cxnSp>
-            <mc:AlternateContent xmlns:mc="http://schemas.openxmlformats.org/markup-compatibility/2006">
-              <mc:Choice xmlns:a14="http://schemas.microsoft.com/office/drawing/2010/main" Requires="a14">
+            <mc:AlternateContent xmlns:mc="http://schemas.openxmlformats.org/markup-compatibility/2006" xmlns:a14="http://schemas.microsoft.com/office/drawing/2010/main">
+              <mc:Choice Requires="a14">
                 <p:sp>
                   <p:nvSpPr>
                     <p:cNvPr id="76" name="TextBox 75"/>
@@ -21390,6 +21392,7 @@
                     </a:bodyPr>
                     <a:lstStyle/>
                     <a:p>
+                      <a:pPr/>
                       <a14:m>
                         <m:oMathPara xmlns:m="http://schemas.openxmlformats.org/officeDocument/2006/math">
                           <m:oMathParaPr>
@@ -21429,7 +21432,7 @@
                   </p:txBody>
                 </p:sp>
               </mc:Choice>
-              <mc:Fallback>
+              <mc:Fallback xmlns="">
                 <p:sp>
                   <p:nvSpPr>
                     <p:cNvPr id="76" name="TextBox 75"/>
@@ -21468,8 +21471,8 @@
                 </p:sp>
               </mc:Fallback>
             </mc:AlternateContent>
-            <mc:AlternateContent xmlns:mc="http://schemas.openxmlformats.org/markup-compatibility/2006">
-              <mc:Choice xmlns:a14="http://schemas.microsoft.com/office/drawing/2010/main" Requires="a14">
+            <mc:AlternateContent xmlns:mc="http://schemas.openxmlformats.org/markup-compatibility/2006" xmlns:a14="http://schemas.microsoft.com/office/drawing/2010/main">
+              <mc:Choice Requires="a14">
                 <p:sp>
                   <p:nvSpPr>
                     <p:cNvPr id="77" name="TextBox 76"/>
@@ -21492,6 +21495,7 @@
                     </a:bodyPr>
                     <a:lstStyle/>
                     <a:p>
+                      <a:pPr/>
                       <a14:m>
                         <m:oMathPara xmlns:m="http://schemas.openxmlformats.org/officeDocument/2006/math">
                           <m:oMathParaPr>
@@ -21531,7 +21535,7 @@
                   </p:txBody>
                 </p:sp>
               </mc:Choice>
-              <mc:Fallback>
+              <mc:Fallback xmlns="">
                 <p:sp>
                   <p:nvSpPr>
                     <p:cNvPr id="77" name="TextBox 76"/>
@@ -21620,8 +21624,8 @@
                 </a:p>
               </p:txBody>
             </p:sp>
-            <mc:AlternateContent xmlns:mc="http://schemas.openxmlformats.org/markup-compatibility/2006">
-              <mc:Choice xmlns:a14="http://schemas.microsoft.com/office/drawing/2010/main" Requires="a14">
+            <mc:AlternateContent xmlns:mc="http://schemas.openxmlformats.org/markup-compatibility/2006" xmlns:a14="http://schemas.microsoft.com/office/drawing/2010/main">
+              <mc:Choice Requires="a14">
                 <p:sp>
                   <p:nvSpPr>
                     <p:cNvPr id="85" name="TextBox 84"/>
@@ -21644,6 +21648,7 @@
                     </a:bodyPr>
                     <a:lstStyle/>
                     <a:p>
+                      <a:pPr/>
                       <a14:m>
                         <m:oMathPara xmlns:m="http://schemas.openxmlformats.org/officeDocument/2006/math">
                           <m:oMathParaPr>
@@ -21668,7 +21673,7 @@
                   </p:txBody>
                 </p:sp>
               </mc:Choice>
-              <mc:Fallback>
+              <mc:Fallback xmlns="">
                 <p:sp>
                   <p:nvSpPr>
                     <p:cNvPr id="85" name="TextBox 84"/>
@@ -21841,8 +21846,8 @@
                 </a:fontRef>
               </p:style>
             </p:cxnSp>
-            <mc:AlternateContent xmlns:mc="http://schemas.openxmlformats.org/markup-compatibility/2006">
-              <mc:Choice xmlns:a14="http://schemas.microsoft.com/office/drawing/2010/main" Requires="a14">
+            <mc:AlternateContent xmlns:mc="http://schemas.openxmlformats.org/markup-compatibility/2006" xmlns:a14="http://schemas.microsoft.com/office/drawing/2010/main">
+              <mc:Choice Requires="a14">
                 <p:sp>
                   <p:nvSpPr>
                     <p:cNvPr id="91" name="TextBox 90"/>
@@ -21865,6 +21870,7 @@
                     </a:bodyPr>
                     <a:lstStyle/>
                     <a:p>
+                      <a:pPr/>
                       <a14:m>
                         <m:oMathPara xmlns:m="http://schemas.openxmlformats.org/officeDocument/2006/math">
                           <m:oMathParaPr>
@@ -21892,7 +21898,7 @@
                   </p:txBody>
                 </p:sp>
               </mc:Choice>
-              <mc:Fallback>
+              <mc:Fallback xmlns="">
                 <p:sp>
                   <p:nvSpPr>
                     <p:cNvPr id="91" name="TextBox 90"/>
@@ -21931,8 +21937,8 @@
                 </p:sp>
               </mc:Fallback>
             </mc:AlternateContent>
-            <mc:AlternateContent xmlns:mc="http://schemas.openxmlformats.org/markup-compatibility/2006">
-              <mc:Choice xmlns:a14="http://schemas.microsoft.com/office/drawing/2010/main" Requires="a14">
+            <mc:AlternateContent xmlns:mc="http://schemas.openxmlformats.org/markup-compatibility/2006" xmlns:a14="http://schemas.microsoft.com/office/drawing/2010/main">
+              <mc:Choice Requires="a14">
                 <p:sp>
                   <p:nvSpPr>
                     <p:cNvPr id="92" name="TextBox 91"/>
@@ -21955,6 +21961,7 @@
                     </a:bodyPr>
                     <a:lstStyle/>
                     <a:p>
+                      <a:pPr/>
                       <a14:m>
                         <m:oMathPara xmlns:m="http://schemas.openxmlformats.org/officeDocument/2006/math">
                           <m:oMathParaPr>
@@ -22040,7 +22047,7 @@
                   </p:txBody>
                 </p:sp>
               </mc:Choice>
-              <mc:Fallback>
+              <mc:Fallback xmlns="">
                 <p:sp>
                   <p:nvSpPr>
                     <p:cNvPr id="92" name="TextBox 91"/>
@@ -22116,8 +22123,8 @@
                 </a:fontRef>
               </p:style>
             </p:cxnSp>
-            <mc:AlternateContent xmlns:mc="http://schemas.openxmlformats.org/markup-compatibility/2006">
-              <mc:Choice xmlns:a14="http://schemas.microsoft.com/office/drawing/2010/main" Requires="a14">
+            <mc:AlternateContent xmlns:mc="http://schemas.openxmlformats.org/markup-compatibility/2006" xmlns:a14="http://schemas.microsoft.com/office/drawing/2010/main">
+              <mc:Choice Requires="a14">
                 <p:sp>
                   <p:nvSpPr>
                     <p:cNvPr id="95" name="TextBox 94"/>
@@ -22140,6 +22147,7 @@
                     </a:bodyPr>
                     <a:lstStyle/>
                     <a:p>
+                      <a:pPr/>
                       <a14:m>
                         <m:oMathPara xmlns:m="http://schemas.openxmlformats.org/officeDocument/2006/math">
                           <m:oMathParaPr>
@@ -22225,7 +22233,7 @@
                   </p:txBody>
                 </p:sp>
               </mc:Choice>
-              <mc:Fallback>
+              <mc:Fallback xmlns="">
                 <p:sp>
                   <p:nvSpPr>
                     <p:cNvPr id="95" name="TextBox 94"/>
@@ -22375,8 +22383,8 @@
               </a:fontRef>
             </p:style>
           </p:cxnSp>
-          <mc:AlternateContent xmlns:mc="http://schemas.openxmlformats.org/markup-compatibility/2006">
-            <mc:Choice xmlns:a14="http://schemas.microsoft.com/office/drawing/2010/main" Requires="a14">
+          <mc:AlternateContent xmlns:mc="http://schemas.openxmlformats.org/markup-compatibility/2006" xmlns:a14="http://schemas.microsoft.com/office/drawing/2010/main">
+            <mc:Choice Requires="a14">
               <p:sp>
                 <p:nvSpPr>
                   <p:cNvPr id="102" name="TextBox 101"/>
@@ -22399,6 +22407,7 @@
                   </a:bodyPr>
                   <a:lstStyle/>
                   <a:p>
+                    <a:pPr/>
                     <a14:m>
                       <m:oMathPara xmlns:m="http://schemas.openxmlformats.org/officeDocument/2006/math">
                         <m:oMathParaPr>
@@ -22426,7 +22435,7 @@
                 </p:txBody>
               </p:sp>
             </mc:Choice>
-            <mc:Fallback>
+            <mc:Fallback xmlns="">
               <p:sp>
                 <p:nvSpPr>
                   <p:cNvPr id="102" name="TextBox 101"/>
@@ -22465,8 +22474,8 @@
               </p:sp>
             </mc:Fallback>
           </mc:AlternateContent>
-          <mc:AlternateContent xmlns:mc="http://schemas.openxmlformats.org/markup-compatibility/2006">
-            <mc:Choice xmlns:a14="http://schemas.microsoft.com/office/drawing/2010/main" Requires="a14">
+          <mc:AlternateContent xmlns:mc="http://schemas.openxmlformats.org/markup-compatibility/2006" xmlns:a14="http://schemas.microsoft.com/office/drawing/2010/main">
+            <mc:Choice Requires="a14">
               <p:sp>
                 <p:nvSpPr>
                   <p:cNvPr id="103" name="TextBox 102"/>
@@ -22489,6 +22498,7 @@
                   </a:bodyPr>
                   <a:lstStyle/>
                   <a:p>
+                    <a:pPr/>
                     <a14:m>
                       <m:oMathPara xmlns:m="http://schemas.openxmlformats.org/officeDocument/2006/math">
                         <m:oMathParaPr>
@@ -22516,7 +22526,7 @@
                 </p:txBody>
               </p:sp>
             </mc:Choice>
-            <mc:Fallback>
+            <mc:Fallback xmlns="">
               <p:sp>
                 <p:nvSpPr>
                   <p:cNvPr id="103" name="TextBox 102"/>
@@ -22603,8 +22613,8 @@
             </a:p>
           </p:txBody>
         </p:sp>
-        <mc:AlternateContent xmlns:mc="http://schemas.openxmlformats.org/markup-compatibility/2006">
-          <mc:Choice xmlns:a14="http://schemas.microsoft.com/office/drawing/2010/main" Requires="a14">
+        <mc:AlternateContent xmlns:mc="http://schemas.openxmlformats.org/markup-compatibility/2006" xmlns:a14="http://schemas.microsoft.com/office/drawing/2010/main">
+          <mc:Choice Requires="a14">
             <p:sp>
               <p:nvSpPr>
                 <p:cNvPr id="106" name="Rectangle 105"/>
@@ -22626,6 +22636,7 @@
                 </a:bodyPr>
                 <a:lstStyle/>
                 <a:p>
+                  <a:pPr/>
                   <a14:m>
                     <m:oMathPara xmlns:m="http://schemas.openxmlformats.org/officeDocument/2006/math">
                       <m:oMathParaPr>
@@ -22678,7 +22689,7 @@
               </p:txBody>
             </p:sp>
           </mc:Choice>
-          <mc:Fallback>
+          <mc:Fallback xmlns="">
             <p:sp>
               <p:nvSpPr>
                 <p:cNvPr id="106" name="Rectangle 105"/>
@@ -22839,8 +22850,8 @@
             </a:fontRef>
           </p:style>
         </p:cxnSp>
-        <mc:AlternateContent xmlns:mc="http://schemas.openxmlformats.org/markup-compatibility/2006">
-          <mc:Choice xmlns:a14="http://schemas.microsoft.com/office/drawing/2010/main" Requires="a14">
+        <mc:AlternateContent xmlns:mc="http://schemas.openxmlformats.org/markup-compatibility/2006" xmlns:a14="http://schemas.microsoft.com/office/drawing/2010/main">
+          <mc:Choice Requires="a14">
             <p:sp>
               <p:nvSpPr>
                 <p:cNvPr id="122" name="TextBox 121"/>
@@ -22863,6 +22874,7 @@
                 </a:bodyPr>
                 <a:lstStyle/>
                 <a:p>
+                  <a:pPr/>
                   <a14:m>
                     <m:oMathPara xmlns:m="http://schemas.openxmlformats.org/officeDocument/2006/math">
                       <m:oMathParaPr>
@@ -22929,7 +22941,7 @@
               </p:txBody>
             </p:sp>
           </mc:Choice>
-          <mc:Fallback>
+          <mc:Fallback xmlns="">
             <p:sp>
               <p:nvSpPr>
                 <p:cNvPr id="122" name="TextBox 121"/>
@@ -23068,8 +23080,8 @@
               </a:p>
             </p:txBody>
           </p:sp>
-          <mc:AlternateContent xmlns:mc="http://schemas.openxmlformats.org/markup-compatibility/2006">
-            <mc:Choice xmlns:a14="http://schemas.microsoft.com/office/drawing/2010/main" Requires="a14">
+          <mc:AlternateContent xmlns:mc="http://schemas.openxmlformats.org/markup-compatibility/2006" xmlns:a14="http://schemas.microsoft.com/office/drawing/2010/main">
+            <mc:Choice Requires="a14">
               <p:sp>
                 <p:nvSpPr>
                   <p:cNvPr id="124" name="TextBox 123"/>
@@ -23092,6 +23104,7 @@
                   </a:bodyPr>
                   <a:lstStyle/>
                   <a:p>
+                    <a:pPr/>
                     <a14:m>
                       <m:oMathPara xmlns:m="http://schemas.openxmlformats.org/officeDocument/2006/math">
                         <m:oMathParaPr>
@@ -23131,7 +23144,7 @@
                 </p:txBody>
               </p:sp>
             </mc:Choice>
-            <mc:Fallback>
+            <mc:Fallback xmlns="">
               <p:sp>
                 <p:nvSpPr>
                   <p:cNvPr id="124" name="TextBox 123"/>
@@ -23234,8 +23247,8 @@
               </a:p>
             </p:txBody>
           </p:sp>
-          <mc:AlternateContent xmlns:mc="http://schemas.openxmlformats.org/markup-compatibility/2006">
-            <mc:Choice xmlns:a14="http://schemas.microsoft.com/office/drawing/2010/main" Requires="a14">
+          <mc:AlternateContent xmlns:mc="http://schemas.openxmlformats.org/markup-compatibility/2006" xmlns:a14="http://schemas.microsoft.com/office/drawing/2010/main">
+            <mc:Choice Requires="a14">
               <p:sp>
                 <p:nvSpPr>
                   <p:cNvPr id="125" name="TextBox 124"/>
@@ -23258,6 +23271,7 @@
                   </a:bodyPr>
                   <a:lstStyle/>
                   <a:p>
+                    <a:pPr/>
                     <a14:m>
                       <m:oMathPara xmlns:m="http://schemas.openxmlformats.org/officeDocument/2006/math">
                         <m:oMathParaPr>
@@ -23297,7 +23311,7 @@
                 </p:txBody>
               </p:sp>
             </mc:Choice>
-            <mc:Fallback>
+            <mc:Fallback xmlns="">
               <p:sp>
                 <p:nvSpPr>
                   <p:cNvPr id="125" name="TextBox 124"/>
@@ -23387,8 +23401,8 @@
             </a:p>
           </p:txBody>
         </p:sp>
-        <mc:AlternateContent xmlns:mc="http://schemas.openxmlformats.org/markup-compatibility/2006">
-          <mc:Choice xmlns:a14="http://schemas.microsoft.com/office/drawing/2010/main" Requires="a14">
+        <mc:AlternateContent xmlns:mc="http://schemas.openxmlformats.org/markup-compatibility/2006" xmlns:a14="http://schemas.microsoft.com/office/drawing/2010/main">
+          <mc:Choice Requires="a14">
             <p:sp>
               <p:nvSpPr>
                 <p:cNvPr id="127" name="TextBox 126"/>
@@ -23411,6 +23425,7 @@
                 </a:bodyPr>
                 <a:lstStyle/>
                 <a:p>
+                  <a:pPr/>
                   <a14:m>
                     <m:oMathPara xmlns:m="http://schemas.openxmlformats.org/officeDocument/2006/math">
                       <m:oMathParaPr>
@@ -23435,7 +23450,7 @@
               </p:txBody>
             </p:sp>
           </mc:Choice>
-          <mc:Fallback>
+          <mc:Fallback xmlns="">
             <p:sp>
               <p:nvSpPr>
                 <p:cNvPr id="127" name="TextBox 126"/>
@@ -23608,8 +23623,8 @@
             </a:fontRef>
           </p:style>
         </p:cxnSp>
-        <mc:AlternateContent xmlns:mc="http://schemas.openxmlformats.org/markup-compatibility/2006">
-          <mc:Choice xmlns:a14="http://schemas.microsoft.com/office/drawing/2010/main" Requires="a14">
+        <mc:AlternateContent xmlns:mc="http://schemas.openxmlformats.org/markup-compatibility/2006" xmlns:a14="http://schemas.microsoft.com/office/drawing/2010/main">
+          <mc:Choice Requires="a14">
             <p:sp>
               <p:nvSpPr>
                 <p:cNvPr id="131" name="TextBox 130"/>
@@ -23632,6 +23647,7 @@
                 </a:bodyPr>
                 <a:lstStyle/>
                 <a:p>
+                  <a:pPr/>
                   <a14:m>
                     <m:oMathPara xmlns:m="http://schemas.openxmlformats.org/officeDocument/2006/math">
                       <m:oMathParaPr>
@@ -23659,7 +23675,7 @@
               </p:txBody>
             </p:sp>
           </mc:Choice>
-          <mc:Fallback>
+          <mc:Fallback xmlns="">
             <p:sp>
               <p:nvSpPr>
                 <p:cNvPr id="131" name="TextBox 130"/>
@@ -23698,8 +23714,8 @@
             </p:sp>
           </mc:Fallback>
         </mc:AlternateContent>
-        <mc:AlternateContent xmlns:mc="http://schemas.openxmlformats.org/markup-compatibility/2006">
-          <mc:Choice xmlns:a14="http://schemas.microsoft.com/office/drawing/2010/main" Requires="a14">
+        <mc:AlternateContent xmlns:mc="http://schemas.openxmlformats.org/markup-compatibility/2006" xmlns:a14="http://schemas.microsoft.com/office/drawing/2010/main">
+          <mc:Choice Requires="a14">
             <p:sp>
               <p:nvSpPr>
                 <p:cNvPr id="132" name="TextBox 131"/>
@@ -23722,6 +23738,7 @@
                 </a:bodyPr>
                 <a:lstStyle/>
                 <a:p>
+                  <a:pPr/>
                   <a14:m>
                     <m:oMathPara xmlns:m="http://schemas.openxmlformats.org/officeDocument/2006/math">
                       <m:oMathParaPr>
@@ -23807,7 +23824,7 @@
               </p:txBody>
             </p:sp>
           </mc:Choice>
-          <mc:Fallback>
+          <mc:Fallback xmlns="">
             <p:sp>
               <p:nvSpPr>
                 <p:cNvPr id="132" name="TextBox 131"/>
@@ -23883,8 +23900,8 @@
             </a:fontRef>
           </p:style>
         </p:cxnSp>
-        <mc:AlternateContent xmlns:mc="http://schemas.openxmlformats.org/markup-compatibility/2006">
-          <mc:Choice xmlns:a14="http://schemas.microsoft.com/office/drawing/2010/main" Requires="a14">
+        <mc:AlternateContent xmlns:mc="http://schemas.openxmlformats.org/markup-compatibility/2006" xmlns:a14="http://schemas.microsoft.com/office/drawing/2010/main">
+          <mc:Choice Requires="a14">
             <p:sp>
               <p:nvSpPr>
                 <p:cNvPr id="134" name="TextBox 133"/>
@@ -23907,6 +23924,7 @@
                 </a:bodyPr>
                 <a:lstStyle/>
                 <a:p>
+                  <a:pPr/>
                   <a14:m>
                     <m:oMathPara xmlns:m="http://schemas.openxmlformats.org/officeDocument/2006/math">
                       <m:oMathParaPr>
@@ -23992,7 +24010,7 @@
               </p:txBody>
             </p:sp>
           </mc:Choice>
-          <mc:Fallback>
+          <mc:Fallback xmlns="">
             <p:sp>
               <p:nvSpPr>
                 <p:cNvPr id="134" name="TextBox 133"/>
@@ -24141,8 +24159,8 @@
             </a:fontRef>
           </p:style>
         </p:cxnSp>
-        <mc:AlternateContent xmlns:mc="http://schemas.openxmlformats.org/markup-compatibility/2006">
-          <mc:Choice xmlns:a14="http://schemas.microsoft.com/office/drawing/2010/main" Requires="a14">
+        <mc:AlternateContent xmlns:mc="http://schemas.openxmlformats.org/markup-compatibility/2006" xmlns:a14="http://schemas.microsoft.com/office/drawing/2010/main">
+          <mc:Choice Requires="a14">
             <p:sp>
               <p:nvSpPr>
                 <p:cNvPr id="115" name="TextBox 114"/>
@@ -24165,6 +24183,7 @@
                 </a:bodyPr>
                 <a:lstStyle/>
                 <a:p>
+                  <a:pPr/>
                   <a14:m>
                     <m:oMathPara xmlns:m="http://schemas.openxmlformats.org/officeDocument/2006/math">
                       <m:oMathParaPr>
@@ -24217,7 +24236,7 @@
               </p:txBody>
             </p:sp>
           </mc:Choice>
-          <mc:Fallback>
+          <mc:Fallback xmlns="">
             <p:sp>
               <p:nvSpPr>
                 <p:cNvPr id="115" name="TextBox 114"/>
@@ -24256,8 +24275,8 @@
             </p:sp>
           </mc:Fallback>
         </mc:AlternateContent>
-        <mc:AlternateContent xmlns:mc="http://schemas.openxmlformats.org/markup-compatibility/2006">
-          <mc:Choice xmlns:a14="http://schemas.microsoft.com/office/drawing/2010/main" Requires="a14">
+        <mc:AlternateContent xmlns:mc="http://schemas.openxmlformats.org/markup-compatibility/2006" xmlns:a14="http://schemas.microsoft.com/office/drawing/2010/main">
+          <mc:Choice Requires="a14">
             <p:sp>
               <p:nvSpPr>
                 <p:cNvPr id="116" name="TextBox 115"/>
@@ -24280,6 +24299,7 @@
                 </a:bodyPr>
                 <a:lstStyle/>
                 <a:p>
+                  <a:pPr/>
                   <a14:m>
                     <m:oMathPara xmlns:m="http://schemas.openxmlformats.org/officeDocument/2006/math">
                       <m:oMathParaPr>
@@ -24307,7 +24327,7 @@
               </p:txBody>
             </p:sp>
           </mc:Choice>
-          <mc:Fallback>
+          <mc:Fallback xmlns="">
             <p:sp>
               <p:nvSpPr>
                 <p:cNvPr id="116" name="TextBox 115"/>
@@ -24393,8 +24413,8 @@
             </a:p>
           </p:txBody>
         </p:sp>
-        <mc:AlternateContent xmlns:mc="http://schemas.openxmlformats.org/markup-compatibility/2006">
-          <mc:Choice xmlns:a14="http://schemas.microsoft.com/office/drawing/2010/main" Requires="a14">
+        <mc:AlternateContent xmlns:mc="http://schemas.openxmlformats.org/markup-compatibility/2006" xmlns:a14="http://schemas.microsoft.com/office/drawing/2010/main">
+          <mc:Choice Requires="a14">
             <p:sp>
               <p:nvSpPr>
                 <p:cNvPr id="111" name="Rectangle 110"/>
@@ -24416,6 +24436,7 @@
                 </a:bodyPr>
                 <a:lstStyle/>
                 <a:p>
+                  <a:pPr/>
                   <a14:m>
                     <m:oMathPara xmlns:m="http://schemas.openxmlformats.org/officeDocument/2006/math">
                       <m:oMathParaPr>
@@ -24468,7 +24489,7 @@
               </p:txBody>
             </p:sp>
           </mc:Choice>
-          <mc:Fallback>
+          <mc:Fallback xmlns="">
             <p:sp>
               <p:nvSpPr>
                 <p:cNvPr id="111" name="Rectangle 110"/>
@@ -24720,8 +24741,8 @@
             </a:fontRef>
           </p:style>
         </p:cxnSp>
-        <mc:AlternateContent xmlns:mc="http://schemas.openxmlformats.org/markup-compatibility/2006">
-          <mc:Choice xmlns:a14="http://schemas.microsoft.com/office/drawing/2010/main" Requires="a14">
+        <mc:AlternateContent xmlns:mc="http://schemas.openxmlformats.org/markup-compatibility/2006" xmlns:a14="http://schemas.microsoft.com/office/drawing/2010/main">
+          <mc:Choice Requires="a14">
             <p:sp>
               <p:nvSpPr>
                 <p:cNvPr id="162" name="TextBox 161"/>
@@ -24744,6 +24765,7 @@
                 </a:bodyPr>
                 <a:lstStyle/>
                 <a:p>
+                  <a:pPr/>
                   <a14:m>
                     <m:oMathPara xmlns:m="http://schemas.openxmlformats.org/officeDocument/2006/math">
                       <m:oMathParaPr>
@@ -24796,7 +24818,7 @@
               </p:txBody>
             </p:sp>
           </mc:Choice>
-          <mc:Fallback>
+          <mc:Fallback xmlns="">
             <p:sp>
               <p:nvSpPr>
                 <p:cNvPr id="162" name="TextBox 161"/>
@@ -24835,8 +24857,8 @@
             </p:sp>
           </mc:Fallback>
         </mc:AlternateContent>
-        <mc:AlternateContent xmlns:mc="http://schemas.openxmlformats.org/markup-compatibility/2006">
-          <mc:Choice xmlns:a14="http://schemas.microsoft.com/office/drawing/2010/main" Requires="a14">
+        <mc:AlternateContent xmlns:mc="http://schemas.openxmlformats.org/markup-compatibility/2006" xmlns:a14="http://schemas.microsoft.com/office/drawing/2010/main">
+          <mc:Choice Requires="a14">
             <p:sp>
               <p:nvSpPr>
                 <p:cNvPr id="163" name="TextBox 162"/>
@@ -24859,6 +24881,7 @@
                 </a:bodyPr>
                 <a:lstStyle/>
                 <a:p>
+                  <a:pPr/>
                   <a14:m>
                     <m:oMathPara xmlns:m="http://schemas.openxmlformats.org/officeDocument/2006/math">
                       <m:oMathParaPr>
@@ -24911,7 +24934,7 @@
               </p:txBody>
             </p:sp>
           </mc:Choice>
-          <mc:Fallback>
+          <mc:Fallback xmlns="">
             <p:sp>
               <p:nvSpPr>
                 <p:cNvPr id="163" name="TextBox 162"/>
@@ -24950,8 +24973,8 @@
             </p:sp>
           </mc:Fallback>
         </mc:AlternateContent>
-        <mc:AlternateContent xmlns:mc="http://schemas.openxmlformats.org/markup-compatibility/2006">
-          <mc:Choice xmlns:a14="http://schemas.microsoft.com/office/drawing/2010/main" Requires="a14">
+        <mc:AlternateContent xmlns:mc="http://schemas.openxmlformats.org/markup-compatibility/2006" xmlns:a14="http://schemas.microsoft.com/office/drawing/2010/main">
+          <mc:Choice Requires="a14">
             <p:sp>
               <p:nvSpPr>
                 <p:cNvPr id="164" name="TextBox 163"/>
@@ -24974,6 +24997,7 @@
                 </a:bodyPr>
                 <a:lstStyle/>
                 <a:p>
+                  <a:pPr/>
                   <a14:m>
                     <m:oMathPara xmlns:m="http://schemas.openxmlformats.org/officeDocument/2006/math">
                       <m:oMathParaPr>
@@ -25026,7 +25050,7 @@
               </p:txBody>
             </p:sp>
           </mc:Choice>
-          <mc:Fallback>
+          <mc:Fallback xmlns="">
             <p:sp>
               <p:nvSpPr>
                 <p:cNvPr id="164" name="TextBox 163"/>
@@ -25111,7 +25135,7 @@
         </p:nvGrpSpPr>
         <p:grpSpPr>
           <a:xfrm>
-            <a:off x="380343" y="962769"/>
+            <a:off x="3793014" y="3823922"/>
             <a:ext cx="8166855" cy="3034078"/>
             <a:chOff x="380343" y="962769"/>
             <a:chExt cx="8166855" cy="3034078"/>
@@ -25702,8 +25726,8 @@
             </a:fontRef>
           </p:style>
         </p:cxnSp>
-        <mc:AlternateContent xmlns:mc="http://schemas.openxmlformats.org/markup-compatibility/2006">
-          <mc:Choice xmlns:a14="http://schemas.microsoft.com/office/drawing/2010/main" Requires="a14">
+        <mc:AlternateContent xmlns:mc="http://schemas.openxmlformats.org/markup-compatibility/2006" xmlns:a14="http://schemas.microsoft.com/office/drawing/2010/main">
+          <mc:Choice Requires="a14">
             <p:sp>
               <p:nvSpPr>
                 <p:cNvPr id="13" name="TextBox 12"/>
@@ -25726,6 +25750,7 @@
                 </a:bodyPr>
                 <a:lstStyle/>
                 <a:p>
+                  <a:pPr/>
                   <a14:m>
                     <m:oMathPara xmlns:m="http://schemas.openxmlformats.org/officeDocument/2006/math">
                       <m:oMathParaPr>
@@ -25750,7 +25775,7 @@
               </p:txBody>
             </p:sp>
           </mc:Choice>
-          <mc:Fallback>
+          <mc:Fallback xmlns="">
             <p:sp>
               <p:nvSpPr>
                 <p:cNvPr id="13" name="TextBox 12"/>
@@ -25789,8 +25814,8 @@
             </p:sp>
           </mc:Fallback>
         </mc:AlternateContent>
-        <mc:AlternateContent xmlns:mc="http://schemas.openxmlformats.org/markup-compatibility/2006">
-          <mc:Choice xmlns:a14="http://schemas.microsoft.com/office/drawing/2010/main" Requires="a14">
+        <mc:AlternateContent xmlns:mc="http://schemas.openxmlformats.org/markup-compatibility/2006" xmlns:a14="http://schemas.microsoft.com/office/drawing/2010/main">
+          <mc:Choice Requires="a14">
             <p:sp>
               <p:nvSpPr>
                 <p:cNvPr id="14" name="TextBox 13"/>
@@ -25813,6 +25838,7 @@
                 </a:bodyPr>
                 <a:lstStyle/>
                 <a:p>
+                  <a:pPr/>
                   <a14:m>
                     <m:oMathPara xmlns:m="http://schemas.openxmlformats.org/officeDocument/2006/math">
                       <m:oMathParaPr>
@@ -25837,7 +25863,7 @@
               </p:txBody>
             </p:sp>
           </mc:Choice>
-          <mc:Fallback>
+          <mc:Fallback xmlns="">
             <p:sp>
               <p:nvSpPr>
                 <p:cNvPr id="14" name="TextBox 13"/>
@@ -25876,8 +25902,8 @@
             </p:sp>
           </mc:Fallback>
         </mc:AlternateContent>
-        <mc:AlternateContent xmlns:mc="http://schemas.openxmlformats.org/markup-compatibility/2006">
-          <mc:Choice xmlns:a14="http://schemas.microsoft.com/office/drawing/2010/main" Requires="a14">
+        <mc:AlternateContent xmlns:mc="http://schemas.openxmlformats.org/markup-compatibility/2006" xmlns:a14="http://schemas.microsoft.com/office/drawing/2010/main">
+          <mc:Choice Requires="a14">
             <p:sp>
               <p:nvSpPr>
                 <p:cNvPr id="15" name="TextBox 14"/>
@@ -25900,6 +25926,7 @@
                 </a:bodyPr>
                 <a:lstStyle/>
                 <a:p>
+                  <a:pPr/>
                   <a14:m>
                     <m:oMathPara xmlns:m="http://schemas.openxmlformats.org/officeDocument/2006/math">
                       <m:oMathParaPr>
@@ -25938,7 +25965,7 @@
               </p:txBody>
             </p:sp>
           </mc:Choice>
-          <mc:Fallback>
+          <mc:Fallback xmlns="">
             <p:sp>
               <p:nvSpPr>
                 <p:cNvPr id="15" name="TextBox 14"/>
@@ -25977,8 +26004,8 @@
             </p:sp>
           </mc:Fallback>
         </mc:AlternateContent>
-        <mc:AlternateContent xmlns:mc="http://schemas.openxmlformats.org/markup-compatibility/2006">
-          <mc:Choice xmlns:a14="http://schemas.microsoft.com/office/drawing/2010/main" Requires="a14">
+        <mc:AlternateContent xmlns:mc="http://schemas.openxmlformats.org/markup-compatibility/2006" xmlns:a14="http://schemas.microsoft.com/office/drawing/2010/main">
+          <mc:Choice Requires="a14">
             <p:sp>
               <p:nvSpPr>
                 <p:cNvPr id="16" name="TextBox 15"/>
@@ -26001,6 +26028,7 @@
                 </a:bodyPr>
                 <a:lstStyle/>
                 <a:p>
+                  <a:pPr/>
                   <a14:m>
                     <m:oMathPara xmlns:m="http://schemas.openxmlformats.org/officeDocument/2006/math">
                       <m:oMathParaPr>
@@ -26046,7 +26074,7 @@
               </p:txBody>
             </p:sp>
           </mc:Choice>
-          <mc:Fallback>
+          <mc:Fallback xmlns="">
             <p:sp>
               <p:nvSpPr>
                 <p:cNvPr id="16" name="TextBox 15"/>
@@ -26085,6 +26113,1046 @@
             </p:sp>
           </mc:Fallback>
         </mc:AlternateContent>
+      </p:grpSp>
+      <p:grpSp>
+        <p:nvGrpSpPr>
+          <p:cNvPr id="97" name="Group 96"/>
+          <p:cNvGrpSpPr/>
+          <p:nvPr/>
+        </p:nvGrpSpPr>
+        <p:grpSpPr>
+          <a:xfrm>
+            <a:off x="53032" y="632636"/>
+            <a:ext cx="3918467" cy="2190470"/>
+            <a:chOff x="53032" y="632636"/>
+            <a:chExt cx="3918467" cy="2190470"/>
+          </a:xfrm>
+        </p:grpSpPr>
+        <mc:AlternateContent xmlns:mc="http://schemas.openxmlformats.org/markup-compatibility/2006">
+          <mc:Choice xmlns:a14="http://schemas.microsoft.com/office/drawing/2010/main" Requires="a14">
+            <p:sp>
+              <p:nvSpPr>
+                <p:cNvPr id="21" name="Rectangle 20"/>
+                <p:cNvSpPr/>
+                <p:nvPr/>
+              </p:nvSpPr>
+              <p:spPr>
+                <a:xfrm>
+                  <a:off x="470350" y="709812"/>
+                  <a:ext cx="688458" cy="391582"/>
+                </a:xfrm>
+                <a:prstGeom prst="rect">
+                  <a:avLst/>
+                </a:prstGeom>
+              </p:spPr>
+              <p:txBody>
+                <a:bodyPr wrap="none">
+                  <a:spAutoFit/>
+                </a:bodyPr>
+                <a:lstStyle/>
+                <a:p>
+                  <a:pPr/>
+                  <a14:m>
+                    <m:oMathPara xmlns:m="http://schemas.openxmlformats.org/officeDocument/2006/math">
+                      <m:oMathParaPr>
+                        <m:jc m:val="centerGroup"/>
+                      </m:oMathParaPr>
+                      <m:oMath xmlns:m="http://schemas.openxmlformats.org/officeDocument/2006/math">
+                        <m:sSub>
+                          <m:sSubPr>
+                            <m:ctrlPr>
+                              <a:rPr lang="en-US" i="1" smtClean="0">
+                                <a:solidFill>
+                                  <a:schemeClr val="accent1"/>
+                                </a:solidFill>
+                                <a:latin typeface="Cambria Math" panose="02040503050406030204" pitchFamily="18" charset="0"/>
+                              </a:rPr>
+                            </m:ctrlPr>
+                          </m:sSubPr>
+                          <m:e>
+                            <m:r>
+                              <a:rPr lang="en-US" i="1">
+                                <a:solidFill>
+                                  <a:schemeClr val="accent1"/>
+                                </a:solidFill>
+                                <a:latin typeface="Cambria Math" panose="02040503050406030204" pitchFamily="18" charset="0"/>
+                              </a:rPr>
+                              <m:t>𝑅</m:t>
+                            </m:r>
+                          </m:e>
+                          <m:sub>
+                            <m:r>
+                              <a:rPr lang="en-US" i="1">
+                                <a:solidFill>
+                                  <a:schemeClr val="accent1"/>
+                                </a:solidFill>
+                                <a:latin typeface="Cambria Math" panose="02040503050406030204" pitchFamily="18" charset="0"/>
+                              </a:rPr>
+                              <m:t>𝑒𝑓𝑓</m:t>
+                            </m:r>
+                          </m:sub>
+                        </m:sSub>
+                      </m:oMath>
+                    </m:oMathPara>
+                  </a14:m>
+                  <a:endParaRPr lang="en-CA" dirty="0">
+                    <a:solidFill>
+                      <a:schemeClr val="accent1"/>
+                    </a:solidFill>
+                  </a:endParaRPr>
+                </a:p>
+              </p:txBody>
+            </p:sp>
+          </mc:Choice>
+          <mc:Fallback>
+            <p:sp>
+              <p:nvSpPr>
+                <p:cNvPr id="21" name="Rectangle 20"/>
+                <p:cNvSpPr>
+                  <a:spLocks noRot="1" noChangeAspect="1" noMove="1" noResize="1" noEditPoints="1" noAdjustHandles="1" noChangeArrowheads="1" noChangeShapeType="1" noTextEdit="1"/>
+                </p:cNvSpPr>
+                <p:nvPr/>
+              </p:nvSpPr>
+              <p:spPr>
+                <a:xfrm>
+                  <a:off x="470350" y="709812"/>
+                  <a:ext cx="688458" cy="391582"/>
+                </a:xfrm>
+                <a:prstGeom prst="rect">
+                  <a:avLst/>
+                </a:prstGeom>
+                <a:blipFill rotWithShape="0">
+                  <a:blip r:embed="rId6"/>
+                  <a:stretch>
+                    <a:fillRect b="-9231"/>
+                  </a:stretch>
+                </a:blipFill>
+              </p:spPr>
+              <p:txBody>
+                <a:bodyPr/>
+                <a:lstStyle/>
+                <a:p>
+                  <a:r>
+                    <a:rPr lang="en-CA">
+                      <a:noFill/>
+                    </a:rPr>
+                    <a:t> </a:t>
+                  </a:r>
+                </a:p>
+              </p:txBody>
+            </p:sp>
+          </mc:Fallback>
+        </mc:AlternateContent>
+        <p:cxnSp>
+          <p:nvCxnSpPr>
+            <p:cNvPr id="49" name="Straight Connector 48"/>
+            <p:cNvCxnSpPr>
+              <a:endCxn id="79" idx="3"/>
+            </p:cNvCxnSpPr>
+            <p:nvPr/>
+          </p:nvCxnSpPr>
+          <p:spPr>
+            <a:xfrm>
+              <a:off x="1728009" y="2257500"/>
+              <a:ext cx="221207" cy="2"/>
+            </a:xfrm>
+            <a:prstGeom prst="line">
+              <a:avLst/>
+            </a:prstGeom>
+            <a:ln w="38100">
+              <a:solidFill>
+                <a:schemeClr val="tx1"/>
+              </a:solidFill>
+            </a:ln>
+          </p:spPr>
+          <p:style>
+            <a:lnRef idx="1">
+              <a:schemeClr val="accent1"/>
+            </a:lnRef>
+            <a:fillRef idx="0">
+              <a:schemeClr val="accent1"/>
+            </a:fillRef>
+            <a:effectRef idx="0">
+              <a:schemeClr val="accent1"/>
+            </a:effectRef>
+            <a:fontRef idx="minor">
+              <a:schemeClr val="tx1"/>
+            </a:fontRef>
+          </p:style>
+        </p:cxnSp>
+        <p:grpSp>
+          <p:nvGrpSpPr>
+            <p:cNvPr id="52" name="Group 51"/>
+            <p:cNvGrpSpPr/>
+            <p:nvPr/>
+          </p:nvGrpSpPr>
+          <p:grpSpPr>
+            <a:xfrm>
+              <a:off x="1949215" y="881823"/>
+              <a:ext cx="1295183" cy="560888"/>
+              <a:chOff x="7591040" y="4540462"/>
+              <a:chExt cx="1295183" cy="560888"/>
+            </a:xfrm>
+          </p:grpSpPr>
+          <p:sp>
+            <p:nvSpPr>
+              <p:cNvPr id="81" name="Can 80"/>
+              <p:cNvSpPr/>
+              <p:nvPr/>
+            </p:nvSpPr>
+            <p:spPr>
+              <a:xfrm rot="5400000">
+                <a:off x="7958188" y="4173314"/>
+                <a:ext cx="560888" cy="1295183"/>
+              </a:xfrm>
+              <a:prstGeom prst="can">
+                <a:avLst>
+                  <a:gd name="adj" fmla="val 40385"/>
+                </a:avLst>
+              </a:prstGeom>
+              <a:solidFill>
+                <a:schemeClr val="bg2">
+                  <a:lumMod val="90000"/>
+                </a:schemeClr>
+              </a:solidFill>
+              <a:ln w="38100">
+                <a:solidFill>
+                  <a:schemeClr val="tx1"/>
+                </a:solidFill>
+              </a:ln>
+            </p:spPr>
+            <p:txBody>
+              <a:bodyPr rot="0" spcFirstLastPara="0" vertOverflow="overflow" horzOverflow="overflow" vert="horz" wrap="square" lIns="91440" tIns="45720" rIns="91440" bIns="45720" numCol="1" spcCol="0" rtlCol="0" fromWordArt="0" anchor="ctr" anchorCtr="0" forceAA="0" compatLnSpc="1">
+                <a:prstTxWarp prst="textNoShape">
+                  <a:avLst/>
+                </a:prstTxWarp>
+                <a:spAutoFit/>
+              </a:bodyPr>
+              <a:lstStyle/>
+              <a:p>
+                <a:pPr marL="234950" indent="-234950" algn="ctr" fontAlgn="t">
+                  <a:buFont typeface="Arial" panose="020B0604020202020204" pitchFamily="34" charset="0"/>
+                  <a:buChar char="•"/>
+                </a:pPr>
+                <a:endParaRPr lang="en-US">
+                  <a:solidFill>
+                    <a:srgbClr val="353535"/>
+                  </a:solidFill>
+                  <a:latin typeface="arial" panose="020B0604020202020204" pitchFamily="34" charset="0"/>
+                </a:endParaRPr>
+              </a:p>
+            </p:txBody>
+          </p:sp>
+          <mc:AlternateContent xmlns:mc="http://schemas.openxmlformats.org/markup-compatibility/2006">
+            <mc:Choice xmlns:a14="http://schemas.microsoft.com/office/drawing/2010/main" Requires="a14">
+              <p:sp>
+                <p:nvSpPr>
+                  <p:cNvPr id="82" name="TextBox 81"/>
+                  <p:cNvSpPr txBox="1"/>
+                  <p:nvPr/>
+                </p:nvSpPr>
+                <p:spPr>
+                  <a:xfrm>
+                    <a:off x="7723541" y="4678397"/>
+                    <a:ext cx="890437" cy="276999"/>
+                  </a:xfrm>
+                  <a:prstGeom prst="rect">
+                    <a:avLst/>
+                  </a:prstGeom>
+                  <a:noFill/>
+                </p:spPr>
+                <p:txBody>
+                  <a:bodyPr wrap="none" lIns="0" tIns="0" rIns="0" bIns="0" rtlCol="0">
+                    <a:spAutoFit/>
+                  </a:bodyPr>
+                  <a:lstStyle/>
+                  <a:p>
+                    <a:pPr/>
+                    <a14:m>
+                      <m:oMathPara xmlns:m="http://schemas.openxmlformats.org/officeDocument/2006/math">
+                        <m:oMathParaPr>
+                          <m:jc m:val="centerGroup"/>
+                        </m:oMathParaPr>
+                        <m:oMath xmlns:m="http://schemas.openxmlformats.org/officeDocument/2006/math">
+                          <m:sSub>
+                            <m:sSubPr>
+                              <m:ctrlPr>
+                                <a:rPr lang="en-US" b="0" i="1" smtClean="0">
+                                  <a:latin typeface="Cambria Math" panose="02040503050406030204" pitchFamily="18" charset="0"/>
+                                </a:rPr>
+                              </m:ctrlPr>
+                            </m:sSubPr>
+                            <m:e>
+                              <m:r>
+                                <a:rPr lang="en-US" b="0" i="1" smtClean="0">
+                                  <a:latin typeface="Cambria Math" panose="02040503050406030204" pitchFamily="18" charset="0"/>
+                                </a:rPr>
+                                <m:t>𝑅</m:t>
+                              </m:r>
+                            </m:e>
+                            <m:sub>
+                              <m:r>
+                                <a:rPr lang="en-US" b="0" i="1" smtClean="0">
+                                  <a:latin typeface="Cambria Math" panose="02040503050406030204" pitchFamily="18" charset="0"/>
+                                </a:rPr>
+                                <m:t>2</m:t>
+                              </m:r>
+                            </m:sub>
+                          </m:sSub>
+                          <m:r>
+                            <a:rPr lang="en-US" b="0" i="1" smtClean="0">
+                              <a:latin typeface="Cambria Math" panose="02040503050406030204" pitchFamily="18" charset="0"/>
+                            </a:rPr>
+                            <m:t>=2</m:t>
+                          </m:r>
+                          <m:r>
+                            <m:rPr>
+                              <m:sty m:val="p"/>
+                            </m:rPr>
+                            <a:rPr lang="en-US" b="0" i="0" smtClean="0">
+                              <a:latin typeface="Cambria Math" panose="02040503050406030204" pitchFamily="18" charset="0"/>
+                            </a:rPr>
+                            <m:t>Ω</m:t>
+                          </m:r>
+                        </m:oMath>
+                      </m:oMathPara>
+                    </a14:m>
+                    <a:endParaRPr lang="en-CA" dirty="0"/>
+                  </a:p>
+                </p:txBody>
+              </p:sp>
+            </mc:Choice>
+            <mc:Fallback>
+              <p:sp>
+                <p:nvSpPr>
+                  <p:cNvPr id="82" name="TextBox 81"/>
+                  <p:cNvSpPr txBox="1">
+                    <a:spLocks noRot="1" noChangeAspect="1" noMove="1" noResize="1" noEditPoints="1" noAdjustHandles="1" noChangeArrowheads="1" noChangeShapeType="1" noTextEdit="1"/>
+                  </p:cNvSpPr>
+                  <p:nvPr/>
+                </p:nvSpPr>
+                <p:spPr>
+                  <a:xfrm>
+                    <a:off x="7723541" y="4678397"/>
+                    <a:ext cx="890437" cy="276999"/>
+                  </a:xfrm>
+                  <a:prstGeom prst="rect">
+                    <a:avLst/>
+                  </a:prstGeom>
+                  <a:blipFill rotWithShape="0">
+                    <a:blip r:embed="rId7"/>
+                    <a:stretch>
+                      <a:fillRect l="-5442" r="-6122" b="-15217"/>
+                    </a:stretch>
+                  </a:blipFill>
+                </p:spPr>
+                <p:txBody>
+                  <a:bodyPr/>
+                  <a:lstStyle/>
+                  <a:p>
+                    <a:r>
+                      <a:rPr lang="en-CA">
+                        <a:noFill/>
+                      </a:rPr>
+                      <a:t> </a:t>
+                    </a:r>
+                  </a:p>
+                </p:txBody>
+              </p:sp>
+            </mc:Fallback>
+          </mc:AlternateContent>
+        </p:grpSp>
+        <p:grpSp>
+          <p:nvGrpSpPr>
+            <p:cNvPr id="53" name="Group 52"/>
+            <p:cNvGrpSpPr/>
+            <p:nvPr/>
+          </p:nvGrpSpPr>
+          <p:grpSpPr>
+            <a:xfrm>
+              <a:off x="1949215" y="1977058"/>
+              <a:ext cx="1295183" cy="560888"/>
+              <a:chOff x="9207695" y="4540462"/>
+              <a:chExt cx="1295183" cy="560888"/>
+            </a:xfrm>
+          </p:grpSpPr>
+          <p:sp>
+            <p:nvSpPr>
+              <p:cNvPr id="79" name="Can 78"/>
+              <p:cNvSpPr/>
+              <p:nvPr/>
+            </p:nvSpPr>
+            <p:spPr>
+              <a:xfrm rot="5400000">
+                <a:off x="9574843" y="4173314"/>
+                <a:ext cx="560888" cy="1295183"/>
+              </a:xfrm>
+              <a:prstGeom prst="can">
+                <a:avLst>
+                  <a:gd name="adj" fmla="val 40385"/>
+                </a:avLst>
+              </a:prstGeom>
+              <a:solidFill>
+                <a:schemeClr val="bg2">
+                  <a:lumMod val="90000"/>
+                </a:schemeClr>
+              </a:solidFill>
+              <a:ln w="38100">
+                <a:solidFill>
+                  <a:schemeClr val="tx1"/>
+                </a:solidFill>
+              </a:ln>
+            </p:spPr>
+            <p:txBody>
+              <a:bodyPr rot="0" spcFirstLastPara="0" vertOverflow="overflow" horzOverflow="overflow" vert="horz" wrap="square" lIns="91440" tIns="45720" rIns="91440" bIns="45720" numCol="1" spcCol="0" rtlCol="0" fromWordArt="0" anchor="ctr" anchorCtr="0" forceAA="0" compatLnSpc="1">
+                <a:prstTxWarp prst="textNoShape">
+                  <a:avLst/>
+                </a:prstTxWarp>
+                <a:spAutoFit/>
+              </a:bodyPr>
+              <a:lstStyle/>
+              <a:p>
+                <a:pPr marL="234950" indent="-234950" algn="ctr" fontAlgn="t">
+                  <a:buFont typeface="Arial" panose="020B0604020202020204" pitchFamily="34" charset="0"/>
+                  <a:buChar char="•"/>
+                </a:pPr>
+                <a:endParaRPr lang="en-US">
+                  <a:solidFill>
+                    <a:srgbClr val="353535"/>
+                  </a:solidFill>
+                  <a:latin typeface="arial" panose="020B0604020202020204" pitchFamily="34" charset="0"/>
+                </a:endParaRPr>
+              </a:p>
+            </p:txBody>
+          </p:sp>
+          <mc:AlternateContent xmlns:mc="http://schemas.openxmlformats.org/markup-compatibility/2006">
+            <mc:Choice xmlns:a14="http://schemas.microsoft.com/office/drawing/2010/main" Requires="a14">
+              <p:sp>
+                <p:nvSpPr>
+                  <p:cNvPr id="80" name="TextBox 79"/>
+                  <p:cNvSpPr txBox="1"/>
+                  <p:nvPr/>
+                </p:nvSpPr>
+                <p:spPr>
+                  <a:xfrm>
+                    <a:off x="9349291" y="4682404"/>
+                    <a:ext cx="890437" cy="276999"/>
+                  </a:xfrm>
+                  <a:prstGeom prst="rect">
+                    <a:avLst/>
+                  </a:prstGeom>
+                  <a:noFill/>
+                </p:spPr>
+                <p:txBody>
+                  <a:bodyPr wrap="none" lIns="0" tIns="0" rIns="0" bIns="0" rtlCol="0">
+                    <a:spAutoFit/>
+                  </a:bodyPr>
+                  <a:lstStyle/>
+                  <a:p>
+                    <a:pPr/>
+                    <a14:m>
+                      <m:oMathPara xmlns:m="http://schemas.openxmlformats.org/officeDocument/2006/math">
+                        <m:oMathParaPr>
+                          <m:jc m:val="centerGroup"/>
+                        </m:oMathParaPr>
+                        <m:oMath xmlns:m="http://schemas.openxmlformats.org/officeDocument/2006/math">
+                          <m:sSub>
+                            <m:sSubPr>
+                              <m:ctrlPr>
+                                <a:rPr lang="en-US" b="0" i="1" smtClean="0">
+                                  <a:latin typeface="Cambria Math" panose="02040503050406030204" pitchFamily="18" charset="0"/>
+                                </a:rPr>
+                              </m:ctrlPr>
+                            </m:sSubPr>
+                            <m:e>
+                              <m:r>
+                                <a:rPr lang="en-US" b="0" i="1" smtClean="0">
+                                  <a:latin typeface="Cambria Math" panose="02040503050406030204" pitchFamily="18" charset="0"/>
+                                </a:rPr>
+                                <m:t>𝑅</m:t>
+                              </m:r>
+                            </m:e>
+                            <m:sub>
+                              <m:r>
+                                <a:rPr lang="en-US" b="0" i="1" smtClean="0">
+                                  <a:latin typeface="Cambria Math" panose="02040503050406030204" pitchFamily="18" charset="0"/>
+                                </a:rPr>
+                                <m:t>3</m:t>
+                              </m:r>
+                            </m:sub>
+                          </m:sSub>
+                          <m:r>
+                            <a:rPr lang="en-US" b="0" i="1" smtClean="0">
+                              <a:latin typeface="Cambria Math" panose="02040503050406030204" pitchFamily="18" charset="0"/>
+                            </a:rPr>
+                            <m:t>=3</m:t>
+                          </m:r>
+                          <m:r>
+                            <m:rPr>
+                              <m:sty m:val="p"/>
+                            </m:rPr>
+                            <a:rPr lang="en-US" b="0" i="0" smtClean="0">
+                              <a:latin typeface="Cambria Math" panose="02040503050406030204" pitchFamily="18" charset="0"/>
+                            </a:rPr>
+                            <m:t>Ω</m:t>
+                          </m:r>
+                        </m:oMath>
+                      </m:oMathPara>
+                    </a14:m>
+                    <a:endParaRPr lang="en-CA" dirty="0"/>
+                  </a:p>
+                </p:txBody>
+              </p:sp>
+            </mc:Choice>
+            <mc:Fallback>
+              <p:sp>
+                <p:nvSpPr>
+                  <p:cNvPr id="80" name="TextBox 79"/>
+                  <p:cNvSpPr txBox="1">
+                    <a:spLocks noRot="1" noChangeAspect="1" noMove="1" noResize="1" noEditPoints="1" noAdjustHandles="1" noChangeArrowheads="1" noChangeShapeType="1" noTextEdit="1"/>
+                  </p:cNvSpPr>
+                  <p:nvPr/>
+                </p:nvSpPr>
+                <p:spPr>
+                  <a:xfrm>
+                    <a:off x="9349291" y="4682404"/>
+                    <a:ext cx="890437" cy="276999"/>
+                  </a:xfrm>
+                  <a:prstGeom prst="rect">
+                    <a:avLst/>
+                  </a:prstGeom>
+                  <a:blipFill rotWithShape="0">
+                    <a:blip r:embed="rId8"/>
+                    <a:stretch>
+                      <a:fillRect l="-6164" r="-6164" b="-15556"/>
+                    </a:stretch>
+                  </a:blipFill>
+                </p:spPr>
+                <p:txBody>
+                  <a:bodyPr/>
+                  <a:lstStyle/>
+                  <a:p>
+                    <a:r>
+                      <a:rPr lang="en-CA">
+                        <a:noFill/>
+                      </a:rPr>
+                      <a:t> </a:t>
+                    </a:r>
+                  </a:p>
+                </p:txBody>
+              </p:sp>
+            </mc:Fallback>
+          </mc:AlternateContent>
+        </p:grpSp>
+        <p:sp>
+          <p:nvSpPr>
+            <p:cNvPr id="68" name="Rounded Rectangle 67"/>
+            <p:cNvSpPr/>
+            <p:nvPr/>
+          </p:nvSpPr>
+          <p:spPr>
+            <a:xfrm>
+              <a:off x="244128" y="632636"/>
+              <a:ext cx="3548886" cy="2190470"/>
+            </a:xfrm>
+            <a:prstGeom prst="roundRect">
+              <a:avLst/>
+            </a:prstGeom>
+            <a:noFill/>
+            <a:ln w="25400">
+              <a:solidFill>
+                <a:schemeClr val="accent1"/>
+              </a:solidFill>
+              <a:prstDash val="dash"/>
+            </a:ln>
+          </p:spPr>
+          <p:style>
+            <a:lnRef idx="2">
+              <a:schemeClr val="accent1">
+                <a:shade val="50000"/>
+              </a:schemeClr>
+            </a:lnRef>
+            <a:fillRef idx="1">
+              <a:schemeClr val="accent1"/>
+            </a:fillRef>
+            <a:effectRef idx="0">
+              <a:schemeClr val="accent1"/>
+            </a:effectRef>
+            <a:fontRef idx="minor">
+              <a:schemeClr val="lt1"/>
+            </a:fontRef>
+          </p:style>
+          <p:txBody>
+            <a:bodyPr rtlCol="0" anchor="ctr"/>
+            <a:lstStyle/>
+            <a:p>
+              <a:pPr algn="ctr"/>
+              <a:endParaRPr lang="en-CA"/>
+            </a:p>
+          </p:txBody>
+        </p:sp>
+        <p:grpSp>
+          <p:nvGrpSpPr>
+            <p:cNvPr id="83" name="Group 82"/>
+            <p:cNvGrpSpPr/>
+            <p:nvPr/>
+          </p:nvGrpSpPr>
+          <p:grpSpPr>
+            <a:xfrm>
+              <a:off x="340192" y="1416169"/>
+              <a:ext cx="1295183" cy="560888"/>
+              <a:chOff x="9207695" y="4540462"/>
+              <a:chExt cx="1295183" cy="560888"/>
+            </a:xfrm>
+          </p:grpSpPr>
+          <p:sp>
+            <p:nvSpPr>
+              <p:cNvPr id="84" name="Can 83"/>
+              <p:cNvSpPr/>
+              <p:nvPr/>
+            </p:nvSpPr>
+            <p:spPr>
+              <a:xfrm rot="5400000">
+                <a:off x="9574843" y="4173314"/>
+                <a:ext cx="560888" cy="1295183"/>
+              </a:xfrm>
+              <a:prstGeom prst="can">
+                <a:avLst>
+                  <a:gd name="adj" fmla="val 40385"/>
+                </a:avLst>
+              </a:prstGeom>
+              <a:solidFill>
+                <a:schemeClr val="bg2">
+                  <a:lumMod val="90000"/>
+                </a:schemeClr>
+              </a:solidFill>
+              <a:ln w="38100">
+                <a:solidFill>
+                  <a:schemeClr val="tx1"/>
+                </a:solidFill>
+              </a:ln>
+            </p:spPr>
+            <p:txBody>
+              <a:bodyPr rot="0" spcFirstLastPara="0" vertOverflow="overflow" horzOverflow="overflow" vert="horz" wrap="square" lIns="91440" tIns="45720" rIns="91440" bIns="45720" numCol="1" spcCol="0" rtlCol="0" fromWordArt="0" anchor="ctr" anchorCtr="0" forceAA="0" compatLnSpc="1">
+                <a:prstTxWarp prst="textNoShape">
+                  <a:avLst/>
+                </a:prstTxWarp>
+                <a:spAutoFit/>
+              </a:bodyPr>
+              <a:lstStyle/>
+              <a:p>
+                <a:pPr marL="234950" indent="-234950" algn="ctr" fontAlgn="t">
+                  <a:buFont typeface="Arial" panose="020B0604020202020204" pitchFamily="34" charset="0"/>
+                  <a:buChar char="•"/>
+                </a:pPr>
+                <a:endParaRPr lang="en-US">
+                  <a:solidFill>
+                    <a:srgbClr val="353535"/>
+                  </a:solidFill>
+                  <a:latin typeface="arial" panose="020B0604020202020204" pitchFamily="34" charset="0"/>
+                </a:endParaRPr>
+              </a:p>
+            </p:txBody>
+          </p:sp>
+          <mc:AlternateContent xmlns:mc="http://schemas.openxmlformats.org/markup-compatibility/2006">
+            <mc:Choice xmlns:a14="http://schemas.microsoft.com/office/drawing/2010/main" Requires="a14">
+              <p:sp>
+                <p:nvSpPr>
+                  <p:cNvPr id="85" name="TextBox 84"/>
+                  <p:cNvSpPr txBox="1"/>
+                  <p:nvPr/>
+                </p:nvSpPr>
+                <p:spPr>
+                  <a:xfrm>
+                    <a:off x="9299215" y="4682404"/>
+                    <a:ext cx="885114" cy="276999"/>
+                  </a:xfrm>
+                  <a:prstGeom prst="rect">
+                    <a:avLst/>
+                  </a:prstGeom>
+                  <a:noFill/>
+                </p:spPr>
+                <p:txBody>
+                  <a:bodyPr wrap="none" lIns="0" tIns="0" rIns="0" bIns="0" rtlCol="0">
+                    <a:spAutoFit/>
+                  </a:bodyPr>
+                  <a:lstStyle/>
+                  <a:p>
+                    <a:pPr/>
+                    <a14:m>
+                      <m:oMathPara xmlns:m="http://schemas.openxmlformats.org/officeDocument/2006/math">
+                        <m:oMathParaPr>
+                          <m:jc m:val="centerGroup"/>
+                        </m:oMathParaPr>
+                        <m:oMath xmlns:m="http://schemas.openxmlformats.org/officeDocument/2006/math">
+                          <m:sSub>
+                            <m:sSubPr>
+                              <m:ctrlPr>
+                                <a:rPr lang="en-US" b="0" i="1" smtClean="0">
+                                  <a:latin typeface="Cambria Math" panose="02040503050406030204" pitchFamily="18" charset="0"/>
+                                </a:rPr>
+                              </m:ctrlPr>
+                            </m:sSubPr>
+                            <m:e>
+                              <m:r>
+                                <a:rPr lang="en-US" b="0" i="1" smtClean="0">
+                                  <a:latin typeface="Cambria Math" panose="02040503050406030204" pitchFamily="18" charset="0"/>
+                                </a:rPr>
+                                <m:t>𝑅</m:t>
+                              </m:r>
+                            </m:e>
+                            <m:sub>
+                              <m:r>
+                                <a:rPr lang="en-US" b="0" i="1" smtClean="0">
+                                  <a:latin typeface="Cambria Math" panose="02040503050406030204" pitchFamily="18" charset="0"/>
+                                </a:rPr>
+                                <m:t>1</m:t>
+                              </m:r>
+                            </m:sub>
+                          </m:sSub>
+                          <m:r>
+                            <a:rPr lang="en-US" b="0" i="1" smtClean="0">
+                              <a:latin typeface="Cambria Math" panose="02040503050406030204" pitchFamily="18" charset="0"/>
+                            </a:rPr>
+                            <m:t>=1</m:t>
+                          </m:r>
+                          <m:r>
+                            <m:rPr>
+                              <m:sty m:val="p"/>
+                            </m:rPr>
+                            <a:rPr lang="en-US" b="0" i="0" smtClean="0">
+                              <a:latin typeface="Cambria Math" panose="02040503050406030204" pitchFamily="18" charset="0"/>
+                            </a:rPr>
+                            <m:t>Ω</m:t>
+                          </m:r>
+                        </m:oMath>
+                      </m:oMathPara>
+                    </a14:m>
+                    <a:endParaRPr lang="en-CA" dirty="0"/>
+                  </a:p>
+                </p:txBody>
+              </p:sp>
+            </mc:Choice>
+            <mc:Fallback>
+              <p:sp>
+                <p:nvSpPr>
+                  <p:cNvPr id="85" name="TextBox 84"/>
+                  <p:cNvSpPr txBox="1">
+                    <a:spLocks noRot="1" noChangeAspect="1" noMove="1" noResize="1" noEditPoints="1" noAdjustHandles="1" noChangeArrowheads="1" noChangeShapeType="1" noTextEdit="1"/>
+                  </p:cNvSpPr>
+                  <p:nvPr/>
+                </p:nvSpPr>
+                <p:spPr>
+                  <a:xfrm>
+                    <a:off x="9299215" y="4682404"/>
+                    <a:ext cx="885114" cy="276999"/>
+                  </a:xfrm>
+                  <a:prstGeom prst="rect">
+                    <a:avLst/>
+                  </a:prstGeom>
+                  <a:blipFill rotWithShape="0">
+                    <a:blip r:embed="rId9"/>
+                    <a:stretch>
+                      <a:fillRect l="-6207" r="-6207" b="-15556"/>
+                    </a:stretch>
+                  </a:blipFill>
+                </p:spPr>
+                <p:txBody>
+                  <a:bodyPr/>
+                  <a:lstStyle/>
+                  <a:p>
+                    <a:r>
+                      <a:rPr lang="en-CA">
+                        <a:noFill/>
+                      </a:rPr>
+                      <a:t> </a:t>
+                    </a:r>
+                  </a:p>
+                </p:txBody>
+              </p:sp>
+            </mc:Fallback>
+          </mc:AlternateContent>
+        </p:grpSp>
+        <p:cxnSp>
+          <p:nvCxnSpPr>
+            <p:cNvPr id="86" name="Straight Connector 85"/>
+            <p:cNvCxnSpPr/>
+            <p:nvPr/>
+          </p:nvCxnSpPr>
+          <p:spPr>
+            <a:xfrm>
+              <a:off x="1735672" y="1162265"/>
+              <a:ext cx="221207" cy="2"/>
+            </a:xfrm>
+            <a:prstGeom prst="line">
+              <a:avLst/>
+            </a:prstGeom>
+            <a:ln w="38100">
+              <a:solidFill>
+                <a:schemeClr val="tx1"/>
+              </a:solidFill>
+            </a:ln>
+          </p:spPr>
+          <p:style>
+            <a:lnRef idx="1">
+              <a:schemeClr val="accent1"/>
+            </a:lnRef>
+            <a:fillRef idx="0">
+              <a:schemeClr val="accent1"/>
+            </a:fillRef>
+            <a:effectRef idx="0">
+              <a:schemeClr val="accent1"/>
+            </a:effectRef>
+            <a:fontRef idx="minor">
+              <a:schemeClr val="tx1"/>
+            </a:fontRef>
+          </p:style>
+        </p:cxnSp>
+        <p:cxnSp>
+          <p:nvCxnSpPr>
+            <p:cNvPr id="87" name="Straight Connector 86"/>
+            <p:cNvCxnSpPr/>
+            <p:nvPr/>
+          </p:nvCxnSpPr>
+          <p:spPr>
+            <a:xfrm flipH="1">
+              <a:off x="1744738" y="1158258"/>
+              <a:ext cx="10850" cy="1099242"/>
+            </a:xfrm>
+            <a:prstGeom prst="line">
+              <a:avLst/>
+            </a:prstGeom>
+            <a:ln w="38100">
+              <a:solidFill>
+                <a:schemeClr val="tx1"/>
+              </a:solidFill>
+            </a:ln>
+          </p:spPr>
+          <p:style>
+            <a:lnRef idx="1">
+              <a:schemeClr val="accent1"/>
+            </a:lnRef>
+            <a:fillRef idx="0">
+              <a:schemeClr val="accent1"/>
+            </a:fillRef>
+            <a:effectRef idx="0">
+              <a:schemeClr val="accent1"/>
+            </a:effectRef>
+            <a:fontRef idx="minor">
+              <a:schemeClr val="tx1"/>
+            </a:fontRef>
+          </p:style>
+        </p:cxnSp>
+        <p:cxnSp>
+          <p:nvCxnSpPr>
+            <p:cNvPr id="88" name="Straight Connector 87"/>
+            <p:cNvCxnSpPr/>
+            <p:nvPr/>
+          </p:nvCxnSpPr>
+          <p:spPr>
+            <a:xfrm>
+              <a:off x="1542937" y="1696611"/>
+              <a:ext cx="221207" cy="2"/>
+            </a:xfrm>
+            <a:prstGeom prst="line">
+              <a:avLst/>
+            </a:prstGeom>
+            <a:ln w="38100">
+              <a:solidFill>
+                <a:schemeClr val="tx1"/>
+              </a:solidFill>
+            </a:ln>
+          </p:spPr>
+          <p:style>
+            <a:lnRef idx="1">
+              <a:schemeClr val="accent1"/>
+            </a:lnRef>
+            <a:fillRef idx="0">
+              <a:schemeClr val="accent1"/>
+            </a:fillRef>
+            <a:effectRef idx="0">
+              <a:schemeClr val="accent1"/>
+            </a:effectRef>
+            <a:fontRef idx="minor">
+              <a:schemeClr val="tx1"/>
+            </a:fontRef>
+          </p:style>
+        </p:cxnSp>
+        <p:cxnSp>
+          <p:nvCxnSpPr>
+            <p:cNvPr id="89" name="Straight Connector 88"/>
+            <p:cNvCxnSpPr/>
+            <p:nvPr/>
+          </p:nvCxnSpPr>
+          <p:spPr>
+            <a:xfrm flipH="1">
+              <a:off x="3496526" y="1158258"/>
+              <a:ext cx="10850" cy="1099242"/>
+            </a:xfrm>
+            <a:prstGeom prst="line">
+              <a:avLst/>
+            </a:prstGeom>
+            <a:ln w="38100">
+              <a:solidFill>
+                <a:schemeClr val="tx1"/>
+              </a:solidFill>
+            </a:ln>
+          </p:spPr>
+          <p:style>
+            <a:lnRef idx="1">
+              <a:schemeClr val="accent1"/>
+            </a:lnRef>
+            <a:fillRef idx="0">
+              <a:schemeClr val="accent1"/>
+            </a:fillRef>
+            <a:effectRef idx="0">
+              <a:schemeClr val="accent1"/>
+            </a:effectRef>
+            <a:fontRef idx="minor">
+              <a:schemeClr val="tx1"/>
+            </a:fontRef>
+          </p:style>
+        </p:cxnSp>
+        <p:cxnSp>
+          <p:nvCxnSpPr>
+            <p:cNvPr id="90" name="Straight Connector 89"/>
+            <p:cNvCxnSpPr/>
+            <p:nvPr/>
+          </p:nvCxnSpPr>
+          <p:spPr>
+            <a:xfrm>
+              <a:off x="3132724" y="1158258"/>
+              <a:ext cx="373546" cy="0"/>
+            </a:xfrm>
+            <a:prstGeom prst="line">
+              <a:avLst/>
+            </a:prstGeom>
+            <a:ln w="38100">
+              <a:solidFill>
+                <a:schemeClr val="tx1"/>
+              </a:solidFill>
+            </a:ln>
+          </p:spPr>
+          <p:style>
+            <a:lnRef idx="1">
+              <a:schemeClr val="accent1"/>
+            </a:lnRef>
+            <a:fillRef idx="0">
+              <a:schemeClr val="accent1"/>
+            </a:fillRef>
+            <a:effectRef idx="0">
+              <a:schemeClr val="accent1"/>
+            </a:effectRef>
+            <a:fontRef idx="minor">
+              <a:schemeClr val="tx1"/>
+            </a:fontRef>
+          </p:style>
+        </p:cxnSp>
+        <p:cxnSp>
+          <p:nvCxnSpPr>
+            <p:cNvPr id="92" name="Straight Connector 91"/>
+            <p:cNvCxnSpPr/>
+            <p:nvPr/>
+          </p:nvCxnSpPr>
+          <p:spPr>
+            <a:xfrm>
+              <a:off x="3132724" y="2262049"/>
+              <a:ext cx="373546" cy="0"/>
+            </a:xfrm>
+            <a:prstGeom prst="line">
+              <a:avLst/>
+            </a:prstGeom>
+            <a:ln w="38100">
+              <a:solidFill>
+                <a:schemeClr val="tx1"/>
+              </a:solidFill>
+            </a:ln>
+          </p:spPr>
+          <p:style>
+            <a:lnRef idx="1">
+              <a:schemeClr val="accent1"/>
+            </a:lnRef>
+            <a:fillRef idx="0">
+              <a:schemeClr val="accent1"/>
+            </a:fillRef>
+            <a:effectRef idx="0">
+              <a:schemeClr val="accent1"/>
+            </a:effectRef>
+            <a:fontRef idx="minor">
+              <a:schemeClr val="tx1"/>
+            </a:fontRef>
+          </p:style>
+        </p:cxnSp>
+        <p:cxnSp>
+          <p:nvCxnSpPr>
+            <p:cNvPr id="93" name="Straight Connector 92"/>
+            <p:cNvCxnSpPr/>
+            <p:nvPr/>
+          </p:nvCxnSpPr>
+          <p:spPr>
+            <a:xfrm flipV="1">
+              <a:off x="3515232" y="1707879"/>
+              <a:ext cx="456267" cy="3132"/>
+            </a:xfrm>
+            <a:prstGeom prst="line">
+              <a:avLst/>
+            </a:prstGeom>
+            <a:ln w="38100">
+              <a:solidFill>
+                <a:schemeClr val="tx1"/>
+              </a:solidFill>
+            </a:ln>
+          </p:spPr>
+          <p:style>
+            <a:lnRef idx="1">
+              <a:schemeClr val="accent1"/>
+            </a:lnRef>
+            <a:fillRef idx="0">
+              <a:schemeClr val="accent1"/>
+            </a:fillRef>
+            <a:effectRef idx="0">
+              <a:schemeClr val="accent1"/>
+            </a:effectRef>
+            <a:fontRef idx="minor">
+              <a:schemeClr val="tx1"/>
+            </a:fontRef>
+          </p:style>
+        </p:cxnSp>
+        <p:cxnSp>
+          <p:nvCxnSpPr>
+            <p:cNvPr id="95" name="Straight Connector 94"/>
+            <p:cNvCxnSpPr/>
+            <p:nvPr/>
+          </p:nvCxnSpPr>
+          <p:spPr>
+            <a:xfrm>
+              <a:off x="53032" y="1696611"/>
+              <a:ext cx="272241" cy="0"/>
+            </a:xfrm>
+            <a:prstGeom prst="line">
+              <a:avLst/>
+            </a:prstGeom>
+            <a:ln w="38100">
+              <a:solidFill>
+                <a:schemeClr val="tx1"/>
+              </a:solidFill>
+            </a:ln>
+          </p:spPr>
+          <p:style>
+            <a:lnRef idx="1">
+              <a:schemeClr val="accent1"/>
+            </a:lnRef>
+            <a:fillRef idx="0">
+              <a:schemeClr val="accent1"/>
+            </a:fillRef>
+            <a:effectRef idx="0">
+              <a:schemeClr val="accent1"/>
+            </a:effectRef>
+            <a:fontRef idx="minor">
+              <a:schemeClr val="tx1"/>
+            </a:fontRef>
+          </p:style>
+        </p:cxnSp>
       </p:grpSp>
     </p:spTree>
     <p:extLst>
